--- a/docs/AC02.pptx
+++ b/docs/AC02.pptx
@@ -5,14 +5,24 @@
     <p:sldMasterId id="2147484382" r:id="rId4"/>
   </p:sldMasterIdLst>
   <p:notesMasterIdLst>
-    <p:notesMasterId r:id="rId7"/>
+    <p:notesMasterId r:id="rId17"/>
   </p:notesMasterIdLst>
   <p:handoutMasterIdLst>
-    <p:handoutMasterId r:id="rId8"/>
+    <p:handoutMasterId r:id="rId18"/>
   </p:handoutMasterIdLst>
   <p:sldIdLst>
     <p:sldId id="1450" r:id="rId5"/>
-    <p:sldId id="1326" r:id="rId6"/>
+    <p:sldId id="1452" r:id="rId6"/>
+    <p:sldId id="1453" r:id="rId7"/>
+    <p:sldId id="1451" r:id="rId8"/>
+    <p:sldId id="1458" r:id="rId9"/>
+    <p:sldId id="1459" r:id="rId10"/>
+    <p:sldId id="1460" r:id="rId11"/>
+    <p:sldId id="1454" r:id="rId12"/>
+    <p:sldId id="1455" r:id="rId13"/>
+    <p:sldId id="1456" r:id="rId14"/>
+    <p:sldId id="1457" r:id="rId15"/>
+    <p:sldId id="1326" r:id="rId16"/>
   </p:sldIdLst>
   <p:sldSz cx="12436475" cy="6994525"/>
   <p:notesSz cx="6858000" cy="9144000"/>
@@ -271,7 +281,7 @@
               <a:rPr lang="en-US" smtClean="0">
                 <a:latin typeface="Segoe UI" pitchFamily="34" charset="0"/>
               </a:rPr>
-              <a:t>5/3/2018 1:54 PM</a:t>
+              <a:t>5/3/2018 2:20 PM</a:t>
             </a:fld>
             <a:endParaRPr lang="en-US">
               <a:latin typeface="Segoe UI" pitchFamily="34" charset="0"/>
@@ -516,7 +526,7 @@
           <a:p>
             <a:fld id="{38EEC551-8CDA-4EB6-89BB-2A86C9F091C8}" type="datetime8">
               <a:rPr lang="en-US" smtClean="0"/>
-              <a:t>5/3/2018 1:54 PM</a:t>
+              <a:t>5/3/2018 2:20 PM</a:t>
             </a:fld>
             <a:endParaRPr lang="en-US"/>
           </a:p>
@@ -868,7 +878,7 @@
                   <a:prstClr val="black"/>
                 </a:solidFill>
               </a:rPr>
-              <a:t>5/3/2018 1:54 PM</a:t>
+              <a:t>5/3/2018 2:20 PM</a:t>
             </a:fld>
             <a:endParaRPr lang="en-US">
               <a:solidFill>
@@ -900,7 +910,7 @@
                 </a:solidFill>
               </a:rPr>
               <a:pPr/>
-              <a:t>2</a:t>
+              <a:t>12</a:t>
             </a:fld>
             <a:endParaRPr lang="en-US">
               <a:solidFill>
@@ -7716,7 +7726,280 @@
 </p:sld>
 </file>
 
-<file path=ppt/slides/slide2.xml><?xml version="1.0" encoding="utf-8"?>
+<file path=ppt/slides/slide10.xml><?xml version="1.0" encoding="utf-8"?>
+<p:sld xmlns:a="http://schemas.openxmlformats.org/drawingml/2006/main" xmlns:r="http://schemas.openxmlformats.org/officeDocument/2006/relationships" xmlns:p="http://schemas.openxmlformats.org/presentationml/2006/main">
+  <p:cSld>
+    <p:spTree>
+      <p:nvGrpSpPr>
+        <p:cNvPr id="1" name=""/>
+        <p:cNvGrpSpPr/>
+        <p:nvPr/>
+      </p:nvGrpSpPr>
+      <p:grpSpPr>
+        <a:xfrm>
+          <a:off x="0" y="0"/>
+          <a:ext cx="0" cy="0"/>
+          <a:chOff x="0" y="0"/>
+          <a:chExt cx="0" cy="0"/>
+        </a:xfrm>
+      </p:grpSpPr>
+      <p:sp>
+        <p:nvSpPr>
+          <p:cNvPr id="5" name="Text Placeholder 4">
+            <a:extLst>
+              <a:ext uri="{FF2B5EF4-FFF2-40B4-BE49-F238E27FC236}">
+                <a16:creationId xmlns:a16="http://schemas.microsoft.com/office/drawing/2014/main" id="{BA649933-15F3-42F0-AEF4-3256379F0477}"/>
+              </a:ext>
+            </a:extLst>
+          </p:cNvPr>
+          <p:cNvSpPr>
+            <a:spLocks noGrp="1"/>
+          </p:cNvSpPr>
+          <p:nvPr>
+            <p:ph type="body" sz="quarter" idx="10"/>
+          </p:nvPr>
+        </p:nvSpPr>
+        <p:spPr>
+          <a:xfrm>
+            <a:off x="274638" y="1212850"/>
+            <a:ext cx="11887200" cy="5016758"/>
+          </a:xfrm>
+        </p:spPr>
+        <p:txBody>
+          <a:bodyPr/>
+          <a:lstStyle/>
+          <a:p>
+            <a:r>
+              <a:rPr kumimoji="1" lang="en-US" altLang="ja-JP" dirty="0"/>
+              <a:t>UWP </a:t>
+            </a:r>
+            <a:r>
+              <a:rPr kumimoji="1" lang="ja-JP" altLang="en-US" dirty="0"/>
+              <a:t>は </a:t>
+            </a:r>
+            <a:r>
+              <a:rPr kumimoji="1" lang="en-US" altLang="ja-JP" dirty="0"/>
+              <a:t>Windows 10 </a:t>
+            </a:r>
+            <a:r>
+              <a:rPr kumimoji="1" lang="ja-JP" altLang="en-US" dirty="0"/>
+              <a:t>のネイティブアプリ開発プラットフォーム</a:t>
+            </a:r>
+            <a:endParaRPr kumimoji="1" lang="en-US" altLang="ja-JP" dirty="0"/>
+          </a:p>
+          <a:p>
+            <a:r>
+              <a:rPr lang="ja-JP" altLang="en-US" dirty="0"/>
+              <a:t>ネイティブアプリでしか出来ない機能もある</a:t>
+            </a:r>
+            <a:endParaRPr lang="en-US" altLang="ja-JP" dirty="0"/>
+          </a:p>
+          <a:p>
+            <a:pPr lvl="1"/>
+            <a:r>
+              <a:rPr kumimoji="1" lang="en-US" altLang="ja-JP" dirty="0"/>
+              <a:t>Bluetooth</a:t>
+            </a:r>
+            <a:r>
+              <a:rPr kumimoji="1" lang="ja-JP" altLang="en-US" dirty="0" err="1"/>
+              <a:t>、</a:t>
+            </a:r>
+            <a:r>
+              <a:rPr kumimoji="1" lang="ja-JP" altLang="en-US" dirty="0"/>
+              <a:t>インク、接続されるアプリやデバイス</a:t>
+            </a:r>
+            <a:endParaRPr kumimoji="1" lang="en-US" altLang="ja-JP" dirty="0"/>
+          </a:p>
+          <a:p>
+            <a:r>
+              <a:rPr lang="ja-JP" altLang="en-US" dirty="0"/>
+              <a:t>ネイティブアプリのほうが簡単な機能もある</a:t>
+            </a:r>
+            <a:endParaRPr lang="en-US" altLang="ja-JP" dirty="0"/>
+          </a:p>
+          <a:p>
+            <a:pPr lvl="1"/>
+            <a:r>
+              <a:rPr lang="en-US" altLang="ja-JP" dirty="0"/>
+              <a:t>Fluent Design system</a:t>
+            </a:r>
+          </a:p>
+          <a:p>
+            <a:r>
+              <a:rPr kumimoji="1" lang="ja-JP" altLang="en-US" dirty="0"/>
+              <a:t>配布</a:t>
+            </a:r>
+            <a:endParaRPr kumimoji="1" lang="en-US" altLang="ja-JP" dirty="0"/>
+          </a:p>
+          <a:p>
+            <a:pPr lvl="1"/>
+            <a:r>
+              <a:rPr kumimoji="1" lang="en-US" altLang="ja-JP" dirty="0"/>
+              <a:t>Microsoft </a:t>
+            </a:r>
+            <a:r>
+              <a:rPr kumimoji="1" lang="ja-JP" altLang="en-US" dirty="0"/>
+              <a:t>ストア、ビジネスストア、サイドローディング（</a:t>
+            </a:r>
+            <a:r>
+              <a:rPr kumimoji="1" lang="en-US" altLang="ja-JP" dirty="0" err="1"/>
+              <a:t>appinstaller</a:t>
+            </a:r>
+            <a:r>
+              <a:rPr kumimoji="1" lang="en-US" altLang="ja-JP" dirty="0"/>
+              <a:t> </a:t>
+            </a:r>
+            <a:r>
+              <a:rPr kumimoji="1" lang="ja-JP" altLang="en-US" dirty="0"/>
+              <a:t>スキーマ）</a:t>
+            </a:r>
+            <a:endParaRPr kumimoji="1" lang="en-US" altLang="ja-JP" dirty="0"/>
+          </a:p>
+        </p:txBody>
+      </p:sp>
+      <p:sp>
+        <p:nvSpPr>
+          <p:cNvPr id="4" name="Title 3">
+            <a:extLst>
+              <a:ext uri="{FF2B5EF4-FFF2-40B4-BE49-F238E27FC236}">
+                <a16:creationId xmlns:a16="http://schemas.microsoft.com/office/drawing/2014/main" id="{E67C8CA7-B9B7-4159-9AF1-2FFB4DCE4BDD}"/>
+              </a:ext>
+            </a:extLst>
+          </p:cNvPr>
+          <p:cNvSpPr>
+            <a:spLocks noGrp="1"/>
+          </p:cNvSpPr>
+          <p:nvPr>
+            <p:ph type="title"/>
+          </p:nvPr>
+        </p:nvSpPr>
+        <p:spPr/>
+        <p:txBody>
+          <a:bodyPr/>
+          <a:lstStyle/>
+          <a:p>
+            <a:r>
+              <a:rPr lang="ja-JP" altLang="en-US" dirty="0"/>
+              <a:t>まとめ</a:t>
+            </a:r>
+            <a:endParaRPr kumimoji="1" lang="ja-JP" altLang="en-US" dirty="0"/>
+          </a:p>
+        </p:txBody>
+      </p:sp>
+    </p:spTree>
+    <p:extLst>
+      <p:ext uri="{BB962C8B-B14F-4D97-AF65-F5344CB8AC3E}">
+        <p14:creationId xmlns:p14="http://schemas.microsoft.com/office/powerpoint/2010/main" val="377738214"/>
+      </p:ext>
+    </p:extLst>
+  </p:cSld>
+  <p:clrMapOvr>
+    <a:masterClrMapping/>
+  </p:clrMapOvr>
+  <p:transition>
+    <p:fade/>
+  </p:transition>
+</p:sld>
+</file>
+
+<file path=ppt/slides/slide11.xml><?xml version="1.0" encoding="utf-8"?>
+<p:sld xmlns:a="http://schemas.openxmlformats.org/drawingml/2006/main" xmlns:r="http://schemas.openxmlformats.org/officeDocument/2006/relationships" xmlns:p="http://schemas.openxmlformats.org/presentationml/2006/main">
+  <p:cSld>
+    <p:spTree>
+      <p:nvGrpSpPr>
+        <p:cNvPr id="1" name=""/>
+        <p:cNvGrpSpPr/>
+        <p:nvPr/>
+      </p:nvGrpSpPr>
+      <p:grpSpPr>
+        <a:xfrm>
+          <a:off x="0" y="0"/>
+          <a:ext cx="0" cy="0"/>
+          <a:chOff x="0" y="0"/>
+          <a:chExt cx="0" cy="0"/>
+        </a:xfrm>
+      </p:grpSpPr>
+      <p:sp>
+        <p:nvSpPr>
+          <p:cNvPr id="4" name="Title 3">
+            <a:extLst>
+              <a:ext uri="{FF2B5EF4-FFF2-40B4-BE49-F238E27FC236}">
+                <a16:creationId xmlns:a16="http://schemas.microsoft.com/office/drawing/2014/main" id="{E67C8CA7-B9B7-4159-9AF1-2FFB4DCE4BDD}"/>
+              </a:ext>
+            </a:extLst>
+          </p:cNvPr>
+          <p:cNvSpPr>
+            <a:spLocks noGrp="1"/>
+          </p:cNvSpPr>
+          <p:nvPr>
+            <p:ph type="title"/>
+          </p:nvPr>
+        </p:nvSpPr>
+        <p:spPr/>
+        <p:txBody>
+          <a:bodyPr/>
+          <a:lstStyle/>
+          <a:p>
+            <a:r>
+              <a:rPr lang="ja-JP" altLang="en-US" dirty="0"/>
+              <a:t>まとめ</a:t>
+            </a:r>
+            <a:endParaRPr kumimoji="1" lang="ja-JP" altLang="en-US" dirty="0"/>
+          </a:p>
+        </p:txBody>
+      </p:sp>
+      <p:sp>
+        <p:nvSpPr>
+          <p:cNvPr id="5" name="Text Placeholder 4">
+            <a:extLst>
+              <a:ext uri="{FF2B5EF4-FFF2-40B4-BE49-F238E27FC236}">
+                <a16:creationId xmlns:a16="http://schemas.microsoft.com/office/drawing/2014/main" id="{BA649933-15F3-42F0-AEF4-3256379F0477}"/>
+              </a:ext>
+            </a:extLst>
+          </p:cNvPr>
+          <p:cNvSpPr>
+            <a:spLocks noGrp="1"/>
+          </p:cNvSpPr>
+          <p:nvPr>
+            <p:ph type="body" sz="quarter" idx="10"/>
+          </p:nvPr>
+        </p:nvSpPr>
+        <p:spPr>
+          <a:xfrm>
+            <a:off x="274638" y="1212850"/>
+            <a:ext cx="11887200" cy="1015663"/>
+          </a:xfrm>
+        </p:spPr>
+        <p:txBody>
+          <a:bodyPr/>
+          <a:lstStyle/>
+          <a:p>
+            <a:pPr algn="ctr"/>
+            <a:r>
+              <a:rPr kumimoji="1" lang="ja-JP" altLang="en-US" sz="5400" dirty="0"/>
+              <a:t>良いデスクトップアプリケーション開発を！！</a:t>
+            </a:r>
+            <a:endParaRPr kumimoji="1" lang="en-US" altLang="ja-JP" sz="5400" dirty="0"/>
+          </a:p>
+        </p:txBody>
+      </p:sp>
+    </p:spTree>
+    <p:extLst>
+      <p:ext uri="{BB962C8B-B14F-4D97-AF65-F5344CB8AC3E}">
+        <p14:creationId xmlns:p14="http://schemas.microsoft.com/office/powerpoint/2010/main" val="2852721259"/>
+      </p:ext>
+    </p:extLst>
+  </p:cSld>
+  <p:clrMapOvr>
+    <a:masterClrMapping/>
+  </p:clrMapOvr>
+  <p:transition>
+    <p:fade/>
+  </p:transition>
+</p:sld>
+</file>
+
+<file path=ppt/slides/slide12.xml><?xml version="1.0" encoding="utf-8"?>
 <p:sld xmlns:a="http://schemas.openxmlformats.org/drawingml/2006/main" xmlns:r="http://schemas.openxmlformats.org/officeDocument/2006/relationships" xmlns:p="http://schemas.openxmlformats.org/presentationml/2006/main">
   <p:cSld>
     <p:spTree>
@@ -7755,6 +8038,1191 @@
       </p:transition>
     </mc:Fallback>
   </mc:AlternateContent>
+</p:sld>
+</file>
+
+<file path=ppt/slides/slide2.xml><?xml version="1.0" encoding="utf-8"?>
+<p:sld xmlns:a="http://schemas.openxmlformats.org/drawingml/2006/main" xmlns:r="http://schemas.openxmlformats.org/officeDocument/2006/relationships" xmlns:p="http://schemas.openxmlformats.org/presentationml/2006/main">
+  <p:cSld>
+    <p:spTree>
+      <p:nvGrpSpPr>
+        <p:cNvPr id="1" name=""/>
+        <p:cNvGrpSpPr/>
+        <p:nvPr/>
+      </p:nvGrpSpPr>
+      <p:grpSpPr>
+        <a:xfrm>
+          <a:off x="0" y="0"/>
+          <a:ext cx="0" cy="0"/>
+          <a:chOff x="0" y="0"/>
+          <a:chExt cx="0" cy="0"/>
+        </a:xfrm>
+      </p:grpSpPr>
+      <p:sp>
+        <p:nvSpPr>
+          <p:cNvPr id="6" name="Text Placeholder 5">
+            <a:extLst>
+              <a:ext uri="{FF2B5EF4-FFF2-40B4-BE49-F238E27FC236}">
+                <a16:creationId xmlns:a16="http://schemas.microsoft.com/office/drawing/2014/main" id="{4A9436E1-C2DC-415C-AC9A-D438E9C59006}"/>
+              </a:ext>
+            </a:extLst>
+          </p:cNvPr>
+          <p:cNvSpPr>
+            <a:spLocks noGrp="1"/>
+          </p:cNvSpPr>
+          <p:nvPr>
+            <p:ph type="body" sz="quarter" idx="10"/>
+          </p:nvPr>
+        </p:nvSpPr>
+        <p:spPr>
+          <a:xfrm>
+            <a:off x="274638" y="1212850"/>
+            <a:ext cx="11887200" cy="2723823"/>
+          </a:xfrm>
+        </p:spPr>
+        <p:txBody>
+          <a:bodyPr/>
+          <a:lstStyle/>
+          <a:p>
+            <a:r>
+              <a:rPr kumimoji="1" lang="en-US" altLang="ja-JP" dirty="0"/>
+              <a:t>“</a:t>
+            </a:r>
+            <a:r>
+              <a:rPr kumimoji="1" lang="ja-JP" altLang="en-US" dirty="0"/>
+              <a:t>今</a:t>
+            </a:r>
+            <a:r>
+              <a:rPr kumimoji="1" lang="en-US" altLang="ja-JP" dirty="0"/>
+              <a:t>”</a:t>
+            </a:r>
+            <a:r>
+              <a:rPr kumimoji="1" lang="ja-JP" altLang="en-US" dirty="0"/>
+              <a:t>の </a:t>
+            </a:r>
+            <a:r>
+              <a:rPr kumimoji="1" lang="en-US" altLang="ja-JP" dirty="0"/>
+              <a:t>Universal Windows Platform(UWP) </a:t>
+            </a:r>
+            <a:r>
+              <a:rPr kumimoji="1" lang="ja-JP" altLang="en-US" dirty="0"/>
+              <a:t>アプリの状態の共有</a:t>
+            </a:r>
+            <a:endParaRPr kumimoji="1" lang="en-US" altLang="ja-JP" dirty="0"/>
+          </a:p>
+          <a:p>
+            <a:r>
+              <a:rPr lang="ja-JP" altLang="en-US" dirty="0"/>
+              <a:t>新規アプリ開発時のプラットフォームに </a:t>
+            </a:r>
+            <a:r>
+              <a:rPr lang="en-US" altLang="ja-JP" dirty="0"/>
+              <a:t>UWP </a:t>
+            </a:r>
+            <a:r>
+              <a:rPr lang="ja-JP" altLang="en-US" dirty="0"/>
+              <a:t>を選択肢にあげて頂く</a:t>
+            </a:r>
+            <a:endParaRPr kumimoji="1" lang="ja-JP" altLang="en-US" dirty="0"/>
+          </a:p>
+        </p:txBody>
+      </p:sp>
+      <p:sp>
+        <p:nvSpPr>
+          <p:cNvPr id="5" name="Title 4">
+            <a:extLst>
+              <a:ext uri="{FF2B5EF4-FFF2-40B4-BE49-F238E27FC236}">
+                <a16:creationId xmlns:a16="http://schemas.microsoft.com/office/drawing/2014/main" id="{37397228-4FFE-4FE9-ADBB-5B17232C5AFE}"/>
+              </a:ext>
+            </a:extLst>
+          </p:cNvPr>
+          <p:cNvSpPr>
+            <a:spLocks noGrp="1"/>
+          </p:cNvSpPr>
+          <p:nvPr>
+            <p:ph type="title"/>
+          </p:nvPr>
+        </p:nvSpPr>
+        <p:spPr/>
+        <p:txBody>
+          <a:bodyPr/>
+          <a:lstStyle/>
+          <a:p>
+            <a:r>
+              <a:rPr lang="ja-JP" altLang="en-US" dirty="0"/>
+              <a:t>本セッションの目的・ゴール</a:t>
+            </a:r>
+            <a:endParaRPr kumimoji="1" lang="ja-JP" altLang="en-US" dirty="0"/>
+          </a:p>
+        </p:txBody>
+      </p:sp>
+    </p:spTree>
+    <p:extLst>
+      <p:ext uri="{BB962C8B-B14F-4D97-AF65-F5344CB8AC3E}">
+        <p14:creationId xmlns:p14="http://schemas.microsoft.com/office/powerpoint/2010/main" val="197239523"/>
+      </p:ext>
+    </p:extLst>
+  </p:cSld>
+  <p:clrMapOvr>
+    <a:masterClrMapping/>
+  </p:clrMapOvr>
+  <p:transition>
+    <p:fade/>
+  </p:transition>
+</p:sld>
+</file>
+
+<file path=ppt/slides/slide3.xml><?xml version="1.0" encoding="utf-8"?>
+<p:sld xmlns:a="http://schemas.openxmlformats.org/drawingml/2006/main" xmlns:r="http://schemas.openxmlformats.org/officeDocument/2006/relationships" xmlns:p="http://schemas.openxmlformats.org/presentationml/2006/main">
+  <p:cSld>
+    <p:spTree>
+      <p:nvGrpSpPr>
+        <p:cNvPr id="1" name=""/>
+        <p:cNvGrpSpPr/>
+        <p:nvPr/>
+      </p:nvGrpSpPr>
+      <p:grpSpPr>
+        <a:xfrm>
+          <a:off x="0" y="0"/>
+          <a:ext cx="0" cy="0"/>
+          <a:chOff x="0" y="0"/>
+          <a:chExt cx="0" cy="0"/>
+        </a:xfrm>
+      </p:grpSpPr>
+      <p:sp>
+        <p:nvSpPr>
+          <p:cNvPr id="2" name="Text Placeholder 1">
+            <a:extLst>
+              <a:ext uri="{FF2B5EF4-FFF2-40B4-BE49-F238E27FC236}">
+                <a16:creationId xmlns:a16="http://schemas.microsoft.com/office/drawing/2014/main" id="{7EE42ED6-1FE5-467C-A932-B91BD725793F}"/>
+              </a:ext>
+            </a:extLst>
+          </p:cNvPr>
+          <p:cNvSpPr>
+            <a:spLocks noGrp="1"/>
+          </p:cNvSpPr>
+          <p:nvPr>
+            <p:ph type="body" sz="quarter" idx="10"/>
+          </p:nvPr>
+        </p:nvSpPr>
+        <p:spPr>
+          <a:xfrm>
+            <a:off x="274638" y="1212850"/>
+            <a:ext cx="11887200" cy="3570208"/>
+          </a:xfrm>
+        </p:spPr>
+        <p:txBody>
+          <a:bodyPr/>
+          <a:lstStyle/>
+          <a:p>
+            <a:r>
+              <a:rPr kumimoji="1" lang="en-US" altLang="ja-JP" dirty="0"/>
+              <a:t>UWP </a:t>
+            </a:r>
+            <a:r>
+              <a:rPr kumimoji="1" lang="ja-JP" altLang="en-US" dirty="0"/>
+              <a:t>とは</a:t>
+            </a:r>
+            <a:endParaRPr kumimoji="1" lang="en-US" altLang="ja-JP" dirty="0"/>
+          </a:p>
+          <a:p>
+            <a:r>
+              <a:rPr lang="ja-JP" altLang="en-US" dirty="0"/>
+              <a:t>他の選択肢</a:t>
+            </a:r>
+            <a:endParaRPr lang="en-US" altLang="ja-JP" dirty="0"/>
+          </a:p>
+          <a:p>
+            <a:r>
+              <a:rPr kumimoji="1" lang="ja-JP" altLang="en-US" dirty="0"/>
+              <a:t>配布</a:t>
+            </a:r>
+            <a:endParaRPr kumimoji="1" lang="en-US" altLang="ja-JP" dirty="0"/>
+          </a:p>
+          <a:p>
+            <a:r>
+              <a:rPr lang="ja-JP" altLang="en-US" dirty="0"/>
+              <a:t>一押し機能</a:t>
+            </a:r>
+            <a:endParaRPr lang="en-US" altLang="ja-JP" dirty="0"/>
+          </a:p>
+          <a:p>
+            <a:r>
+              <a:rPr kumimoji="1" lang="ja-JP" altLang="en-US" dirty="0"/>
+              <a:t>まとめ</a:t>
+            </a:r>
+          </a:p>
+        </p:txBody>
+      </p:sp>
+      <p:sp>
+        <p:nvSpPr>
+          <p:cNvPr id="3" name="Title 2">
+            <a:extLst>
+              <a:ext uri="{FF2B5EF4-FFF2-40B4-BE49-F238E27FC236}">
+                <a16:creationId xmlns:a16="http://schemas.microsoft.com/office/drawing/2014/main" id="{6EAEFCDA-92B8-433B-AD2B-30FA0599170D}"/>
+              </a:ext>
+            </a:extLst>
+          </p:cNvPr>
+          <p:cNvSpPr>
+            <a:spLocks noGrp="1"/>
+          </p:cNvSpPr>
+          <p:nvPr>
+            <p:ph type="title"/>
+          </p:nvPr>
+        </p:nvSpPr>
+        <p:spPr/>
+        <p:txBody>
+          <a:bodyPr/>
+          <a:lstStyle/>
+          <a:p>
+            <a:r>
+              <a:rPr kumimoji="1" lang="ja-JP" altLang="en-US" dirty="0"/>
+              <a:t>アジェンダ</a:t>
+            </a:r>
+          </a:p>
+        </p:txBody>
+      </p:sp>
+    </p:spTree>
+    <p:extLst>
+      <p:ext uri="{BB962C8B-B14F-4D97-AF65-F5344CB8AC3E}">
+        <p14:creationId xmlns:p14="http://schemas.microsoft.com/office/powerpoint/2010/main" val="2149234329"/>
+      </p:ext>
+    </p:extLst>
+  </p:cSld>
+  <p:clrMapOvr>
+    <a:masterClrMapping/>
+  </p:clrMapOvr>
+  <p:transition>
+    <p:fade/>
+  </p:transition>
+</p:sld>
+</file>
+
+<file path=ppt/slides/slide4.xml><?xml version="1.0" encoding="utf-8"?>
+<p:sld xmlns:a="http://schemas.openxmlformats.org/drawingml/2006/main" xmlns:r="http://schemas.openxmlformats.org/officeDocument/2006/relationships" xmlns:p="http://schemas.openxmlformats.org/presentationml/2006/main">
+  <p:cSld>
+    <p:spTree>
+      <p:nvGrpSpPr>
+        <p:cNvPr id="1" name=""/>
+        <p:cNvGrpSpPr/>
+        <p:nvPr/>
+      </p:nvGrpSpPr>
+      <p:grpSpPr>
+        <a:xfrm>
+          <a:off x="0" y="0"/>
+          <a:ext cx="0" cy="0"/>
+          <a:chOff x="0" y="0"/>
+          <a:chExt cx="0" cy="0"/>
+        </a:xfrm>
+      </p:grpSpPr>
+      <p:sp>
+        <p:nvSpPr>
+          <p:cNvPr id="2" name="Title 1">
+            <a:extLst>
+              <a:ext uri="{FF2B5EF4-FFF2-40B4-BE49-F238E27FC236}">
+                <a16:creationId xmlns:a16="http://schemas.microsoft.com/office/drawing/2014/main" id="{A45049ED-7821-4235-83D5-727B811BCD3E}"/>
+              </a:ext>
+            </a:extLst>
+          </p:cNvPr>
+          <p:cNvSpPr>
+            <a:spLocks noGrp="1"/>
+          </p:cNvSpPr>
+          <p:nvPr>
+            <p:ph type="title"/>
+          </p:nvPr>
+        </p:nvSpPr>
+        <p:spPr/>
+        <p:txBody>
+          <a:bodyPr/>
+          <a:lstStyle/>
+          <a:p>
+            <a:r>
+              <a:rPr kumimoji="1" lang="en-US" altLang="ja-JP" dirty="0"/>
+              <a:t>UWP </a:t>
+            </a:r>
+            <a:r>
+              <a:rPr kumimoji="1" lang="ja-JP" altLang="en-US" dirty="0"/>
+              <a:t>とは</a:t>
+            </a:r>
+          </a:p>
+        </p:txBody>
+      </p:sp>
+    </p:spTree>
+    <p:extLst>
+      <p:ext uri="{BB962C8B-B14F-4D97-AF65-F5344CB8AC3E}">
+        <p14:creationId xmlns:p14="http://schemas.microsoft.com/office/powerpoint/2010/main" val="1910052638"/>
+      </p:ext>
+    </p:extLst>
+  </p:cSld>
+  <p:clrMapOvr>
+    <a:masterClrMapping/>
+  </p:clrMapOvr>
+  <p:transition>
+    <p:fade/>
+  </p:transition>
+</p:sld>
+</file>
+
+<file path=ppt/slides/slide5.xml><?xml version="1.0" encoding="utf-8"?>
+<p:sld xmlns:a="http://schemas.openxmlformats.org/drawingml/2006/main" xmlns:r="http://schemas.openxmlformats.org/officeDocument/2006/relationships" xmlns:p="http://schemas.openxmlformats.org/presentationml/2006/main">
+  <p:cSld>
+    <p:spTree>
+      <p:nvGrpSpPr>
+        <p:cNvPr id="1" name=""/>
+        <p:cNvGrpSpPr/>
+        <p:nvPr/>
+      </p:nvGrpSpPr>
+      <p:grpSpPr>
+        <a:xfrm>
+          <a:off x="0" y="0"/>
+          <a:ext cx="0" cy="0"/>
+          <a:chOff x="0" y="0"/>
+          <a:chExt cx="0" cy="0"/>
+        </a:xfrm>
+      </p:grpSpPr>
+      <p:sp>
+        <p:nvSpPr>
+          <p:cNvPr id="2" name="Title 1">
+            <a:extLst>
+              <a:ext uri="{FF2B5EF4-FFF2-40B4-BE49-F238E27FC236}">
+                <a16:creationId xmlns:a16="http://schemas.microsoft.com/office/drawing/2014/main" id="{A614C93D-0E70-4FE5-BD0B-3184CABAEBC0}"/>
+              </a:ext>
+            </a:extLst>
+          </p:cNvPr>
+          <p:cNvSpPr>
+            <a:spLocks noGrp="1"/>
+          </p:cNvSpPr>
+          <p:nvPr>
+            <p:ph type="title"/>
+          </p:nvPr>
+        </p:nvSpPr>
+        <p:spPr/>
+        <p:txBody>
+          <a:bodyPr/>
+          <a:lstStyle/>
+          <a:p>
+            <a:r>
+              <a:rPr lang="ja-JP" altLang="en-US" dirty="0"/>
+              <a:t>他の選択肢</a:t>
+            </a:r>
+            <a:endParaRPr kumimoji="1" lang="ja-JP" altLang="en-US" dirty="0"/>
+          </a:p>
+        </p:txBody>
+      </p:sp>
+    </p:spTree>
+    <p:extLst>
+      <p:ext uri="{BB962C8B-B14F-4D97-AF65-F5344CB8AC3E}">
+        <p14:creationId xmlns:p14="http://schemas.microsoft.com/office/powerpoint/2010/main" val="2192420560"/>
+      </p:ext>
+    </p:extLst>
+  </p:cSld>
+  <p:clrMapOvr>
+    <a:masterClrMapping/>
+  </p:clrMapOvr>
+  <p:transition>
+    <p:fade/>
+  </p:transition>
+</p:sld>
+</file>
+
+<file path=ppt/slides/slide6.xml><?xml version="1.0" encoding="utf-8"?>
+<p:sld xmlns:a="http://schemas.openxmlformats.org/drawingml/2006/main" xmlns:r="http://schemas.openxmlformats.org/officeDocument/2006/relationships" xmlns:p="http://schemas.openxmlformats.org/presentationml/2006/main">
+  <p:cSld>
+    <p:spTree>
+      <p:nvGrpSpPr>
+        <p:cNvPr id="1" name=""/>
+        <p:cNvGrpSpPr/>
+        <p:nvPr/>
+      </p:nvGrpSpPr>
+      <p:grpSpPr>
+        <a:xfrm>
+          <a:off x="0" y="0"/>
+          <a:ext cx="0" cy="0"/>
+          <a:chOff x="0" y="0"/>
+          <a:chExt cx="0" cy="0"/>
+        </a:xfrm>
+      </p:grpSpPr>
+      <p:sp>
+        <p:nvSpPr>
+          <p:cNvPr id="2" name="Title 1">
+            <a:extLst>
+              <a:ext uri="{FF2B5EF4-FFF2-40B4-BE49-F238E27FC236}">
+                <a16:creationId xmlns:a16="http://schemas.microsoft.com/office/drawing/2014/main" id="{DC133FB4-11A5-4D34-96BA-6ABA56E8473C}"/>
+              </a:ext>
+            </a:extLst>
+          </p:cNvPr>
+          <p:cNvSpPr>
+            <a:spLocks noGrp="1"/>
+          </p:cNvSpPr>
+          <p:nvPr>
+            <p:ph type="title"/>
+          </p:nvPr>
+        </p:nvSpPr>
+        <p:spPr/>
+        <p:txBody>
+          <a:bodyPr/>
+          <a:lstStyle/>
+          <a:p>
+            <a:r>
+              <a:rPr kumimoji="1" lang="ja-JP" altLang="en-US" dirty="0"/>
+              <a:t>配布</a:t>
+            </a:r>
+          </a:p>
+        </p:txBody>
+      </p:sp>
+    </p:spTree>
+    <p:extLst>
+      <p:ext uri="{BB962C8B-B14F-4D97-AF65-F5344CB8AC3E}">
+        <p14:creationId xmlns:p14="http://schemas.microsoft.com/office/powerpoint/2010/main" val="3944497453"/>
+      </p:ext>
+    </p:extLst>
+  </p:cSld>
+  <p:clrMapOvr>
+    <a:masterClrMapping/>
+  </p:clrMapOvr>
+  <p:transition>
+    <p:fade/>
+  </p:transition>
+</p:sld>
+</file>
+
+<file path=ppt/slides/slide7.xml><?xml version="1.0" encoding="utf-8"?>
+<p:sld xmlns:a="http://schemas.openxmlformats.org/drawingml/2006/main" xmlns:r="http://schemas.openxmlformats.org/officeDocument/2006/relationships" xmlns:p="http://schemas.openxmlformats.org/presentationml/2006/main">
+  <p:cSld>
+    <p:spTree>
+      <p:nvGrpSpPr>
+        <p:cNvPr id="1" name=""/>
+        <p:cNvGrpSpPr/>
+        <p:nvPr/>
+      </p:nvGrpSpPr>
+      <p:grpSpPr>
+        <a:xfrm>
+          <a:off x="0" y="0"/>
+          <a:ext cx="0" cy="0"/>
+          <a:chOff x="0" y="0"/>
+          <a:chExt cx="0" cy="0"/>
+        </a:xfrm>
+      </p:grpSpPr>
+      <p:sp>
+        <p:nvSpPr>
+          <p:cNvPr id="2" name="Title 1">
+            <a:extLst>
+              <a:ext uri="{FF2B5EF4-FFF2-40B4-BE49-F238E27FC236}">
+                <a16:creationId xmlns:a16="http://schemas.microsoft.com/office/drawing/2014/main" id="{7EAF20E3-856D-4704-976B-ED91469CE2A9}"/>
+              </a:ext>
+            </a:extLst>
+          </p:cNvPr>
+          <p:cNvSpPr>
+            <a:spLocks noGrp="1"/>
+          </p:cNvSpPr>
+          <p:nvPr>
+            <p:ph type="title"/>
+          </p:nvPr>
+        </p:nvSpPr>
+        <p:spPr/>
+        <p:txBody>
+          <a:bodyPr/>
+          <a:lstStyle/>
+          <a:p>
+            <a:r>
+              <a:rPr kumimoji="1" lang="ja-JP" altLang="en-US" dirty="0"/>
+              <a:t>一押し機能</a:t>
+            </a:r>
+          </a:p>
+        </p:txBody>
+      </p:sp>
+    </p:spTree>
+    <p:extLst>
+      <p:ext uri="{BB962C8B-B14F-4D97-AF65-F5344CB8AC3E}">
+        <p14:creationId xmlns:p14="http://schemas.microsoft.com/office/powerpoint/2010/main" val="945641990"/>
+      </p:ext>
+    </p:extLst>
+  </p:cSld>
+  <p:clrMapOvr>
+    <a:masterClrMapping/>
+  </p:clrMapOvr>
+  <p:transition>
+    <p:fade/>
+  </p:transition>
+</p:sld>
+</file>
+
+<file path=ppt/slides/slide8.xml><?xml version="1.0" encoding="utf-8"?>
+<p:sld xmlns:a="http://schemas.openxmlformats.org/drawingml/2006/main" xmlns:r="http://schemas.openxmlformats.org/officeDocument/2006/relationships" xmlns:p="http://schemas.openxmlformats.org/presentationml/2006/main">
+  <p:cSld>
+    <p:spTree>
+      <p:nvGrpSpPr>
+        <p:cNvPr id="1" name=""/>
+        <p:cNvGrpSpPr/>
+        <p:nvPr/>
+      </p:nvGrpSpPr>
+      <p:grpSpPr>
+        <a:xfrm>
+          <a:off x="0" y="0"/>
+          <a:ext cx="0" cy="0"/>
+          <a:chOff x="0" y="0"/>
+          <a:chExt cx="0" cy="0"/>
+        </a:xfrm>
+      </p:grpSpPr>
+      <p:sp>
+        <p:nvSpPr>
+          <p:cNvPr id="3" name="Title 2">
+            <a:extLst>
+              <a:ext uri="{FF2B5EF4-FFF2-40B4-BE49-F238E27FC236}">
+                <a16:creationId xmlns:a16="http://schemas.microsoft.com/office/drawing/2014/main" id="{22014108-36CF-41D6-825F-97C63DE74638}"/>
+              </a:ext>
+            </a:extLst>
+          </p:cNvPr>
+          <p:cNvSpPr>
+            <a:spLocks noGrp="1"/>
+          </p:cNvSpPr>
+          <p:nvPr>
+            <p:ph type="title"/>
+          </p:nvPr>
+        </p:nvSpPr>
+        <p:spPr/>
+        <p:txBody>
+          <a:bodyPr/>
+          <a:lstStyle/>
+          <a:p>
+            <a:r>
+              <a:rPr kumimoji="1" lang="en-US" altLang="ja-JP" dirty="0"/>
+              <a:t>UWP </a:t>
+            </a:r>
+            <a:r>
+              <a:rPr kumimoji="1" lang="ja-JP" altLang="en-US" dirty="0"/>
+              <a:t>とは</a:t>
+            </a:r>
+          </a:p>
+        </p:txBody>
+      </p:sp>
+      <p:sp>
+        <p:nvSpPr>
+          <p:cNvPr id="4" name="Text Placeholder 3">
+            <a:extLst>
+              <a:ext uri="{FF2B5EF4-FFF2-40B4-BE49-F238E27FC236}">
+                <a16:creationId xmlns:a16="http://schemas.microsoft.com/office/drawing/2014/main" id="{5EAB9F15-8F84-4B5F-A256-DE111017F3B8}"/>
+              </a:ext>
+            </a:extLst>
+          </p:cNvPr>
+          <p:cNvSpPr>
+            <a:spLocks noGrp="1"/>
+          </p:cNvSpPr>
+          <p:nvPr>
+            <p:ph type="body" sz="quarter" idx="10"/>
+          </p:nvPr>
+        </p:nvSpPr>
+        <p:spPr>
+          <a:xfrm>
+            <a:off x="274638" y="1212850"/>
+            <a:ext cx="11887200" cy="1415772"/>
+          </a:xfrm>
+        </p:spPr>
+        <p:txBody>
+          <a:bodyPr/>
+          <a:lstStyle/>
+          <a:p>
+            <a:r>
+              <a:rPr kumimoji="1" lang="ja-JP" altLang="en-US" dirty="0"/>
+              <a:t>すべての </a:t>
+            </a:r>
+            <a:r>
+              <a:rPr kumimoji="1" lang="en-US" altLang="ja-JP" dirty="0"/>
+              <a:t>Windows 10 </a:t>
+            </a:r>
+            <a:r>
+              <a:rPr kumimoji="1" lang="ja-JP" altLang="en-US" dirty="0"/>
+              <a:t>が動くプラットフォーム向けのネイティブなアプリケーション開発のプラットフォーム</a:t>
+            </a:r>
+          </a:p>
+        </p:txBody>
+      </p:sp>
+    </p:spTree>
+    <p:extLst>
+      <p:ext uri="{BB962C8B-B14F-4D97-AF65-F5344CB8AC3E}">
+        <p14:creationId xmlns:p14="http://schemas.microsoft.com/office/powerpoint/2010/main" val="2859098067"/>
+      </p:ext>
+    </p:extLst>
+  </p:cSld>
+  <p:clrMapOvr>
+    <a:masterClrMapping/>
+  </p:clrMapOvr>
+  <p:transition>
+    <p:fade/>
+  </p:transition>
+</p:sld>
+</file>
+
+<file path=ppt/slides/slide9.xml><?xml version="1.0" encoding="utf-8"?>
+<p:sld xmlns:a="http://schemas.openxmlformats.org/drawingml/2006/main" xmlns:r="http://schemas.openxmlformats.org/officeDocument/2006/relationships" xmlns:p="http://schemas.openxmlformats.org/presentationml/2006/main">
+  <p:cSld>
+    <p:spTree>
+      <p:nvGrpSpPr>
+        <p:cNvPr id="1" name=""/>
+        <p:cNvGrpSpPr/>
+        <p:nvPr/>
+      </p:nvGrpSpPr>
+      <p:grpSpPr>
+        <a:xfrm>
+          <a:off x="0" y="0"/>
+          <a:ext cx="0" cy="0"/>
+          <a:chOff x="0" y="0"/>
+          <a:chExt cx="0" cy="0"/>
+        </a:xfrm>
+      </p:grpSpPr>
+      <p:sp>
+        <p:nvSpPr>
+          <p:cNvPr id="2" name="Title 1">
+            <a:extLst>
+              <a:ext uri="{FF2B5EF4-FFF2-40B4-BE49-F238E27FC236}">
+                <a16:creationId xmlns:a16="http://schemas.microsoft.com/office/drawing/2014/main" id="{E1DF7695-920C-4DA7-87A1-EF054609CB6F}"/>
+              </a:ext>
+            </a:extLst>
+          </p:cNvPr>
+          <p:cNvSpPr>
+            <a:spLocks noGrp="1"/>
+          </p:cNvSpPr>
+          <p:nvPr>
+            <p:ph type="title"/>
+          </p:nvPr>
+        </p:nvSpPr>
+        <p:spPr/>
+        <p:txBody>
+          <a:bodyPr/>
+          <a:lstStyle/>
+          <a:p>
+            <a:r>
+              <a:rPr kumimoji="1" lang="ja-JP" altLang="en-US" dirty="0"/>
+              <a:t>参考情報</a:t>
+            </a:r>
+          </a:p>
+        </p:txBody>
+      </p:sp>
+      <p:sp>
+        <p:nvSpPr>
+          <p:cNvPr id="3" name="Text Placeholder 2">
+            <a:extLst>
+              <a:ext uri="{FF2B5EF4-FFF2-40B4-BE49-F238E27FC236}">
+                <a16:creationId xmlns:a16="http://schemas.microsoft.com/office/drawing/2014/main" id="{F30C4CBB-52B0-46DF-8F78-AF2FCC2A1E3D}"/>
+              </a:ext>
+            </a:extLst>
+          </p:cNvPr>
+          <p:cNvSpPr>
+            <a:spLocks noGrp="1"/>
+          </p:cNvSpPr>
+          <p:nvPr>
+            <p:ph type="body" sz="quarter" idx="10"/>
+          </p:nvPr>
+        </p:nvSpPr>
+        <p:spPr>
+          <a:xfrm>
+            <a:off x="274638" y="1212850"/>
+            <a:ext cx="11887200" cy="2000548"/>
+          </a:xfrm>
+        </p:spPr>
+        <p:txBody>
+          <a:bodyPr/>
+          <a:lstStyle/>
+          <a:p>
+            <a:r>
+              <a:rPr kumimoji="1" lang="ja-JP" altLang="en-US" sz="3600" dirty="0"/>
+              <a:t>ドキュメントは全て </a:t>
+            </a:r>
+            <a:r>
+              <a:rPr kumimoji="1" lang="en-US" altLang="ja-JP" sz="3600" dirty="0"/>
+              <a:t>docs.microsoft.com </a:t>
+            </a:r>
+            <a:r>
+              <a:rPr kumimoji="1" lang="ja-JP" altLang="en-US" sz="3600" dirty="0"/>
+              <a:t>で公開されています</a:t>
+            </a:r>
+            <a:endParaRPr kumimoji="1" lang="en-US" altLang="ja-JP" sz="3600" dirty="0"/>
+          </a:p>
+          <a:p>
+            <a:r>
+              <a:rPr lang="en-US" altLang="ja-JP" sz="3600" dirty="0">
+                <a:hlinkClick r:id="rId2"/>
+              </a:rPr>
+              <a:t>https://docs.microsoft.com/</a:t>
+            </a:r>
+            <a:endParaRPr lang="en-US" altLang="ja-JP" sz="3600" dirty="0"/>
+          </a:p>
+          <a:p>
+            <a:endParaRPr lang="en-US" altLang="ja-JP" sz="3600" dirty="0"/>
+          </a:p>
+        </p:txBody>
+      </p:sp>
+      <p:pic>
+        <p:nvPicPr>
+          <p:cNvPr id="4" name="Picture 3">
+            <a:extLst>
+              <a:ext uri="{FF2B5EF4-FFF2-40B4-BE49-F238E27FC236}">
+                <a16:creationId xmlns:a16="http://schemas.microsoft.com/office/drawing/2014/main" id="{C1D061C6-1A13-4909-868B-8195EBC7B6A8}"/>
+              </a:ext>
+            </a:extLst>
+          </p:cNvPr>
+          <p:cNvPicPr>
+            <a:picLocks noChangeAspect="1"/>
+          </p:cNvPicPr>
+          <p:nvPr/>
+        </p:nvPicPr>
+        <p:blipFill>
+          <a:blip r:embed="rId3"/>
+          <a:stretch>
+            <a:fillRect/>
+          </a:stretch>
+        </p:blipFill>
+        <p:spPr>
+          <a:xfrm>
+            <a:off x="364142" y="2593461"/>
+            <a:ext cx="7605529" cy="4105790"/>
+          </a:xfrm>
+          <a:prstGeom prst="rect">
+            <a:avLst/>
+          </a:prstGeom>
+        </p:spPr>
+      </p:pic>
+      <p:sp>
+        <p:nvSpPr>
+          <p:cNvPr id="5" name="Rectangle 4">
+            <a:extLst>
+              <a:ext uri="{FF2B5EF4-FFF2-40B4-BE49-F238E27FC236}">
+                <a16:creationId xmlns:a16="http://schemas.microsoft.com/office/drawing/2014/main" id="{B1305172-6588-4E0C-AEE6-528BBEA9AE0A}"/>
+              </a:ext>
+            </a:extLst>
+          </p:cNvPr>
+          <p:cNvSpPr/>
+          <p:nvPr/>
+        </p:nvSpPr>
+        <p:spPr bwMode="auto">
+          <a:xfrm>
+            <a:off x="364142" y="4345423"/>
+            <a:ext cx="1553670" cy="558350"/>
+          </a:xfrm>
+          <a:prstGeom prst="rect">
+            <a:avLst/>
+          </a:prstGeom>
+          <a:noFill/>
+          <a:ln w="57150" cap="flat" cmpd="sng" algn="ctr">
+            <a:solidFill>
+              <a:schemeClr val="accent2"/>
+            </a:solidFill>
+            <a:prstDash val="solid"/>
+            <a:round/>
+            <a:headEnd type="none" w="med" len="med"/>
+            <a:tailEnd type="none" w="med" len="med"/>
+          </a:ln>
+        </p:spPr>
+        <p:style>
+          <a:lnRef idx="0">
+            <a:scrgbClr r="0" g="0" b="0"/>
+          </a:lnRef>
+          <a:fillRef idx="0">
+            <a:scrgbClr r="0" g="0" b="0"/>
+          </a:fillRef>
+          <a:effectRef idx="0">
+            <a:scrgbClr r="0" g="0" b="0"/>
+          </a:effectRef>
+          <a:fontRef idx="minor">
+            <a:schemeClr val="accent2"/>
+          </a:fontRef>
+        </p:style>
+        <p:txBody>
+          <a:bodyPr rot="0" spcFirstLastPara="0" vertOverflow="overflow" horzOverflow="overflow" vert="horz" wrap="square" lIns="182880" tIns="146304" rIns="182880" bIns="146304" numCol="1" spcCol="0" rtlCol="0" fromWordArt="0" anchor="t" anchorCtr="0" forceAA="0" compatLnSpc="1">
+            <a:prstTxWarp prst="textNoShape">
+              <a:avLst/>
+            </a:prstTxWarp>
+            <a:noAutofit/>
+          </a:bodyPr>
+          <a:lstStyle/>
+          <a:p>
+            <a:pPr algn="ctr" defTabSz="932472" fontAlgn="base">
+              <a:lnSpc>
+                <a:spcPct val="90000"/>
+              </a:lnSpc>
+              <a:spcBef>
+                <a:spcPct val="0"/>
+              </a:spcBef>
+              <a:spcAft>
+                <a:spcPct val="0"/>
+              </a:spcAft>
+            </a:pPr>
+            <a:endParaRPr kumimoji="1" lang="ja-JP" altLang="en-US" sz="2400" dirty="0" err="1">
+              <a:gradFill>
+                <a:gsLst>
+                  <a:gs pos="0">
+                    <a:srgbClr val="FFFFFF"/>
+                  </a:gs>
+                  <a:gs pos="100000">
+                    <a:srgbClr val="FFFFFF"/>
+                  </a:gs>
+                </a:gsLst>
+                <a:lin ang="5400000" scaled="0"/>
+              </a:gradFill>
+              <a:ea typeface="Segoe UI" pitchFamily="34" charset="0"/>
+              <a:cs typeface="Segoe UI" pitchFamily="34" charset="0"/>
+            </a:endParaRPr>
+          </a:p>
+        </p:txBody>
+      </p:sp>
+      <p:pic>
+        <p:nvPicPr>
+          <p:cNvPr id="6" name="Picture 5">
+            <a:extLst>
+              <a:ext uri="{FF2B5EF4-FFF2-40B4-BE49-F238E27FC236}">
+                <a16:creationId xmlns:a16="http://schemas.microsoft.com/office/drawing/2014/main" id="{24DEBCD9-0373-49AA-BED6-9E9BDF98FCD4}"/>
+              </a:ext>
+            </a:extLst>
+          </p:cNvPr>
+          <p:cNvPicPr>
+            <a:picLocks noChangeAspect="1"/>
+          </p:cNvPicPr>
+          <p:nvPr/>
+        </p:nvPicPr>
+        <p:blipFill>
+          <a:blip r:embed="rId4"/>
+          <a:stretch>
+            <a:fillRect/>
+          </a:stretch>
+        </p:blipFill>
+        <p:spPr>
+          <a:xfrm>
+            <a:off x="8918375" y="2445824"/>
+            <a:ext cx="3401425" cy="4401063"/>
+          </a:xfrm>
+          <a:prstGeom prst="rect">
+            <a:avLst/>
+          </a:prstGeom>
+        </p:spPr>
+      </p:pic>
+      <p:sp>
+        <p:nvSpPr>
+          <p:cNvPr id="7" name="Rectangle 6">
+            <a:extLst>
+              <a:ext uri="{FF2B5EF4-FFF2-40B4-BE49-F238E27FC236}">
+                <a16:creationId xmlns:a16="http://schemas.microsoft.com/office/drawing/2014/main" id="{B839895D-4589-48B8-BBFF-19F42B8AE804}"/>
+              </a:ext>
+            </a:extLst>
+          </p:cNvPr>
+          <p:cNvSpPr/>
+          <p:nvPr/>
+        </p:nvSpPr>
+        <p:spPr bwMode="auto">
+          <a:xfrm>
+            <a:off x="9312584" y="5339393"/>
+            <a:ext cx="1587388" cy="1359857"/>
+          </a:xfrm>
+          <a:prstGeom prst="rect">
+            <a:avLst/>
+          </a:prstGeom>
+          <a:noFill/>
+          <a:ln w="57150" cap="flat" cmpd="sng" algn="ctr">
+            <a:solidFill>
+              <a:schemeClr val="accent2"/>
+            </a:solidFill>
+            <a:prstDash val="solid"/>
+            <a:round/>
+            <a:headEnd type="none" w="med" len="med"/>
+            <a:tailEnd type="none" w="med" len="med"/>
+          </a:ln>
+        </p:spPr>
+        <p:style>
+          <a:lnRef idx="0">
+            <a:scrgbClr r="0" g="0" b="0"/>
+          </a:lnRef>
+          <a:fillRef idx="0">
+            <a:scrgbClr r="0" g="0" b="0"/>
+          </a:fillRef>
+          <a:effectRef idx="0">
+            <a:scrgbClr r="0" g="0" b="0"/>
+          </a:effectRef>
+          <a:fontRef idx="minor">
+            <a:schemeClr val="accent2"/>
+          </a:fontRef>
+        </p:style>
+        <p:txBody>
+          <a:bodyPr rot="0" spcFirstLastPara="0" vertOverflow="overflow" horzOverflow="overflow" vert="horz" wrap="square" lIns="182880" tIns="146304" rIns="182880" bIns="146304" numCol="1" spcCol="0" rtlCol="0" fromWordArt="0" anchor="t" anchorCtr="0" forceAA="0" compatLnSpc="1">
+            <a:prstTxWarp prst="textNoShape">
+              <a:avLst/>
+            </a:prstTxWarp>
+            <a:noAutofit/>
+          </a:bodyPr>
+          <a:lstStyle/>
+          <a:p>
+            <a:pPr algn="ctr" defTabSz="932472" fontAlgn="base">
+              <a:lnSpc>
+                <a:spcPct val="90000"/>
+              </a:lnSpc>
+              <a:spcBef>
+                <a:spcPct val="0"/>
+              </a:spcBef>
+              <a:spcAft>
+                <a:spcPct val="0"/>
+              </a:spcAft>
+            </a:pPr>
+            <a:endParaRPr kumimoji="1" lang="ja-JP" altLang="en-US" sz="2400" dirty="0" err="1">
+              <a:gradFill>
+                <a:gsLst>
+                  <a:gs pos="0">
+                    <a:srgbClr val="FFFFFF"/>
+                  </a:gs>
+                  <a:gs pos="100000">
+                    <a:srgbClr val="FFFFFF"/>
+                  </a:gs>
+                </a:gsLst>
+                <a:lin ang="5400000" scaled="0"/>
+              </a:gradFill>
+              <a:ea typeface="Segoe UI" pitchFamily="34" charset="0"/>
+              <a:cs typeface="Segoe UI" pitchFamily="34" charset="0"/>
+            </a:endParaRPr>
+          </a:p>
+        </p:txBody>
+      </p:sp>
+      <p:cxnSp>
+        <p:nvCxnSpPr>
+          <p:cNvPr id="9" name="Straight Arrow Connector 8">
+            <a:extLst>
+              <a:ext uri="{FF2B5EF4-FFF2-40B4-BE49-F238E27FC236}">
+                <a16:creationId xmlns:a16="http://schemas.microsoft.com/office/drawing/2014/main" id="{9B2A95DD-E5C0-4807-98AF-0165B275E3D6}"/>
+              </a:ext>
+            </a:extLst>
+          </p:cNvPr>
+          <p:cNvCxnSpPr/>
+          <p:nvPr/>
+        </p:nvCxnSpPr>
+        <p:spPr>
+          <a:xfrm>
+            <a:off x="2103929" y="4758117"/>
+            <a:ext cx="7040071" cy="1165253"/>
+          </a:xfrm>
+          <a:prstGeom prst="straightConnector1">
+            <a:avLst/>
+          </a:prstGeom>
+          <a:ln w="57150">
+            <a:headEnd type="none"/>
+            <a:tailEnd type="triangle"/>
+          </a:ln>
+        </p:spPr>
+        <p:style>
+          <a:lnRef idx="1">
+            <a:schemeClr val="accent2"/>
+          </a:lnRef>
+          <a:fillRef idx="0">
+            <a:schemeClr val="accent2"/>
+          </a:fillRef>
+          <a:effectRef idx="0">
+            <a:schemeClr val="accent2"/>
+          </a:effectRef>
+          <a:fontRef idx="minor">
+            <a:schemeClr val="tx1"/>
+          </a:fontRef>
+        </p:style>
+      </p:cxnSp>
+    </p:spTree>
+    <p:extLst>
+      <p:ext uri="{BB962C8B-B14F-4D97-AF65-F5344CB8AC3E}">
+        <p14:creationId xmlns:p14="http://schemas.microsoft.com/office/powerpoint/2010/main" val="567426264"/>
+      </p:ext>
+    </p:extLst>
+  </p:cSld>
+  <p:clrMapOvr>
+    <a:masterClrMapping/>
+  </p:clrMapOvr>
+  <p:transition>
+    <p:fade/>
+  </p:transition>
+  <p:timing>
+    <p:tnLst>
+      <p:par>
+        <p:cTn id="1" dur="indefinite" restart="never" nodeType="tmRoot">
+          <p:childTnLst>
+            <p:seq concurrent="1" nextAc="seek">
+              <p:cTn id="2" dur="indefinite" nodeType="mainSeq">
+                <p:childTnLst>
+                  <p:par>
+                    <p:cTn id="3" fill="hold">
+                      <p:stCondLst>
+                        <p:cond delay="indefinite"/>
+                      </p:stCondLst>
+                      <p:childTnLst>
+                        <p:par>
+                          <p:cTn id="4" fill="hold">
+                            <p:stCondLst>
+                              <p:cond delay="0"/>
+                            </p:stCondLst>
+                            <p:childTnLst>
+                              <p:par>
+                                <p:cTn id="5" presetID="10" presetClass="entr" presetSubtype="0" fill="hold" grpId="0" nodeType="clickEffect">
+                                  <p:stCondLst>
+                                    <p:cond delay="0"/>
+                                  </p:stCondLst>
+                                  <p:childTnLst>
+                                    <p:set>
+                                      <p:cBhvr>
+                                        <p:cTn id="6" dur="1" fill="hold">
+                                          <p:stCondLst>
+                                            <p:cond delay="0"/>
+                                          </p:stCondLst>
+                                        </p:cTn>
+                                        <p:tgtEl>
+                                          <p:spTgt spid="5"/>
+                                        </p:tgtEl>
+                                        <p:attrNameLst>
+                                          <p:attrName>style.visibility</p:attrName>
+                                        </p:attrNameLst>
+                                      </p:cBhvr>
+                                      <p:to>
+                                        <p:strVal val="visible"/>
+                                      </p:to>
+                                    </p:set>
+                                    <p:animEffect transition="in" filter="fade">
+                                      <p:cBhvr>
+                                        <p:cTn id="7" dur="500"/>
+                                        <p:tgtEl>
+                                          <p:spTgt spid="5"/>
+                                        </p:tgtEl>
+                                      </p:cBhvr>
+                                    </p:animEffect>
+                                  </p:childTnLst>
+                                </p:cTn>
+                              </p:par>
+                              <p:par>
+                                <p:cTn id="8" presetID="10" presetClass="entr" presetSubtype="0" fill="hold" nodeType="withEffect">
+                                  <p:stCondLst>
+                                    <p:cond delay="0"/>
+                                  </p:stCondLst>
+                                  <p:childTnLst>
+                                    <p:set>
+                                      <p:cBhvr>
+                                        <p:cTn id="9" dur="1" fill="hold">
+                                          <p:stCondLst>
+                                            <p:cond delay="0"/>
+                                          </p:stCondLst>
+                                        </p:cTn>
+                                        <p:tgtEl>
+                                          <p:spTgt spid="9"/>
+                                        </p:tgtEl>
+                                        <p:attrNameLst>
+                                          <p:attrName>style.visibility</p:attrName>
+                                        </p:attrNameLst>
+                                      </p:cBhvr>
+                                      <p:to>
+                                        <p:strVal val="visible"/>
+                                      </p:to>
+                                    </p:set>
+                                    <p:animEffect transition="in" filter="fade">
+                                      <p:cBhvr>
+                                        <p:cTn id="10" dur="500"/>
+                                        <p:tgtEl>
+                                          <p:spTgt spid="9"/>
+                                        </p:tgtEl>
+                                      </p:cBhvr>
+                                    </p:animEffect>
+                                  </p:childTnLst>
+                                </p:cTn>
+                              </p:par>
+                              <p:par>
+                                <p:cTn id="11" presetID="10" presetClass="entr" presetSubtype="0" fill="hold" nodeType="withEffect">
+                                  <p:stCondLst>
+                                    <p:cond delay="0"/>
+                                  </p:stCondLst>
+                                  <p:childTnLst>
+                                    <p:set>
+                                      <p:cBhvr>
+                                        <p:cTn id="12" dur="1" fill="hold">
+                                          <p:stCondLst>
+                                            <p:cond delay="0"/>
+                                          </p:stCondLst>
+                                        </p:cTn>
+                                        <p:tgtEl>
+                                          <p:spTgt spid="6"/>
+                                        </p:tgtEl>
+                                        <p:attrNameLst>
+                                          <p:attrName>style.visibility</p:attrName>
+                                        </p:attrNameLst>
+                                      </p:cBhvr>
+                                      <p:to>
+                                        <p:strVal val="visible"/>
+                                      </p:to>
+                                    </p:set>
+                                    <p:animEffect transition="in" filter="fade">
+                                      <p:cBhvr>
+                                        <p:cTn id="13" dur="500"/>
+                                        <p:tgtEl>
+                                          <p:spTgt spid="6"/>
+                                        </p:tgtEl>
+                                      </p:cBhvr>
+                                    </p:animEffect>
+                                  </p:childTnLst>
+                                </p:cTn>
+                              </p:par>
+                              <p:par>
+                                <p:cTn id="14" presetID="10" presetClass="entr" presetSubtype="0" fill="hold" grpId="0" nodeType="withEffect">
+                                  <p:stCondLst>
+                                    <p:cond delay="0"/>
+                                  </p:stCondLst>
+                                  <p:childTnLst>
+                                    <p:set>
+                                      <p:cBhvr>
+                                        <p:cTn id="15" dur="1" fill="hold">
+                                          <p:stCondLst>
+                                            <p:cond delay="0"/>
+                                          </p:stCondLst>
+                                        </p:cTn>
+                                        <p:tgtEl>
+                                          <p:spTgt spid="7"/>
+                                        </p:tgtEl>
+                                        <p:attrNameLst>
+                                          <p:attrName>style.visibility</p:attrName>
+                                        </p:attrNameLst>
+                                      </p:cBhvr>
+                                      <p:to>
+                                        <p:strVal val="visible"/>
+                                      </p:to>
+                                    </p:set>
+                                    <p:animEffect transition="in" filter="fade">
+                                      <p:cBhvr>
+                                        <p:cTn id="16" dur="500"/>
+                                        <p:tgtEl>
+                                          <p:spTgt spid="7"/>
+                                        </p:tgtEl>
+                                      </p:cBhvr>
+                                    </p:animEffect>
+                                  </p:childTnLst>
+                                </p:cTn>
+                              </p:par>
+                            </p:childTnLst>
+                          </p:cTn>
+                        </p:par>
+                      </p:childTnLst>
+                    </p:cTn>
+                  </p:par>
+                </p:childTnLst>
+              </p:cTn>
+              <p:prevCondLst>
+                <p:cond evt="onPrev" delay="0">
+                  <p:tgtEl>
+                    <p:sldTgt/>
+                  </p:tgtEl>
+                </p:cond>
+              </p:prevCondLst>
+              <p:nextCondLst>
+                <p:cond evt="onNext" delay="0">
+                  <p:tgtEl>
+                    <p:sldTgt/>
+                  </p:tgtEl>
+                </p:cond>
+              </p:nextCondLst>
+            </p:seq>
+          </p:childTnLst>
+        </p:cTn>
+      </p:par>
+    </p:tnLst>
+    <p:bldLst>
+      <p:bldP spid="5" grpId="0" animBg="1"/>
+      <p:bldP spid="7" grpId="0" animBg="1"/>
+    </p:bldLst>
+  </p:timing>
 </p:sld>
 </file>
 
@@ -8627,18 +10095,18 @@
 </file>
 
 <file path=customXml/item1.xml><?xml version="1.0" encoding="utf-8"?>
-<p:properties xmlns:p="http://schemas.microsoft.com/office/2006/metadata/properties" xmlns:xsi="http://www.w3.org/2001/XMLSchema-instance" xmlns:pc="http://schemas.microsoft.com/office/infopath/2007/PartnerControls">
-  <documentManagement/>
-</p:properties>
-</file>
-
-<file path=customXml/item2.xml><?xml version="1.0" encoding="utf-8"?>
 <?mso-contentType ?>
 <FormTemplates xmlns="http://schemas.microsoft.com/sharepoint/v3/contenttype/forms">
   <Display>DocumentLibraryForm</Display>
   <Edit>DocumentLibraryForm</Edit>
   <New>DocumentLibraryForm</New>
 </FormTemplates>
+</file>
+
+<file path=customXml/item2.xml><?xml version="1.0" encoding="utf-8"?>
+<p:properties xmlns:p="http://schemas.microsoft.com/office/2006/metadata/properties" xmlns:xsi="http://www.w3.org/2001/XMLSchema-instance" xmlns:pc="http://schemas.microsoft.com/office/infopath/2007/PartnerControls">
+  <documentManagement/>
+</p:properties>
 </file>
 
 <file path=customXml/item3.xml><?xml version="1.0" encoding="utf-8"?>
@@ -8831,6 +10299,14 @@
 </file>
 
 <file path=customXml/itemProps1.xml><?xml version="1.0" encoding="utf-8"?>
+<ds:datastoreItem xmlns:ds="http://schemas.openxmlformats.org/officeDocument/2006/customXml" ds:itemID="{758FDAC0-319D-4A54-8D8E-1D42CB1F8004}">
+  <ds:schemaRefs>
+    <ds:schemaRef ds:uri="http://schemas.microsoft.com/sharepoint/v3/contenttype/forms"/>
+  </ds:schemaRefs>
+</ds:datastoreItem>
+</file>
+
+<file path=customXml/itemProps2.xml><?xml version="1.0" encoding="utf-8"?>
 <ds:datastoreItem xmlns:ds="http://schemas.openxmlformats.org/officeDocument/2006/customXml" ds:itemID="{F990F116-B58F-4255-B05B-DA3808E0E5C6}">
   <ds:schemaRefs>
     <ds:schemaRef ds:uri="23ce663d-78ec-4732-ad2d-a7087832c5eb"/>
@@ -8843,14 +10319,6 @@
     <ds:schemaRef ds:uri="http://schemas.microsoft.com/office/infopath/2007/PartnerControls"/>
     <ds:schemaRef ds:uri="http://schemas.openxmlformats.org/package/2006/metadata/core-properties"/>
     <ds:schemaRef ds:uri="http://www.w3.org/XML/1998/namespace"/>
-  </ds:schemaRefs>
-</ds:datastoreItem>
-</file>
-
-<file path=customXml/itemProps2.xml><?xml version="1.0" encoding="utf-8"?>
-<ds:datastoreItem xmlns:ds="http://schemas.openxmlformats.org/officeDocument/2006/customXml" ds:itemID="{758FDAC0-319D-4A54-8D8E-1D42CB1F8004}">
-  <ds:schemaRefs>
-    <ds:schemaRef ds:uri="http://schemas.microsoft.com/sharepoint/v3/contenttype/forms"/>
   </ds:schemaRefs>
 </ds:datastoreItem>
 </file>

--- a/docs/AC02.pptx
+++ b/docs/AC02.pptx
@@ -5,24 +5,47 @@
     <p:sldMasterId id="2147484382" r:id="rId4"/>
   </p:sldMasterIdLst>
   <p:notesMasterIdLst>
-    <p:notesMasterId r:id="rId17"/>
+    <p:notesMasterId r:id="rId40"/>
   </p:notesMasterIdLst>
   <p:handoutMasterIdLst>
-    <p:handoutMasterId r:id="rId18"/>
+    <p:handoutMasterId r:id="rId41"/>
   </p:handoutMasterIdLst>
   <p:sldIdLst>
     <p:sldId id="1450" r:id="rId5"/>
-    <p:sldId id="1452" r:id="rId6"/>
+    <p:sldId id="1476" r:id="rId6"/>
     <p:sldId id="1453" r:id="rId7"/>
     <p:sldId id="1451" r:id="rId8"/>
-    <p:sldId id="1458" r:id="rId9"/>
-    <p:sldId id="1459" r:id="rId10"/>
-    <p:sldId id="1460" r:id="rId11"/>
-    <p:sldId id="1454" r:id="rId12"/>
-    <p:sldId id="1455" r:id="rId13"/>
-    <p:sldId id="1456" r:id="rId14"/>
-    <p:sldId id="1457" r:id="rId15"/>
-    <p:sldId id="1326" r:id="rId16"/>
+    <p:sldId id="1473" r:id="rId9"/>
+    <p:sldId id="1474" r:id="rId10"/>
+    <p:sldId id="1475" r:id="rId11"/>
+    <p:sldId id="1472" r:id="rId12"/>
+    <p:sldId id="1461" r:id="rId13"/>
+    <p:sldId id="1463" r:id="rId14"/>
+    <p:sldId id="1462" r:id="rId15"/>
+    <p:sldId id="1468" r:id="rId16"/>
+    <p:sldId id="1469" r:id="rId17"/>
+    <p:sldId id="1458" r:id="rId18"/>
+    <p:sldId id="1464" r:id="rId19"/>
+    <p:sldId id="1465" r:id="rId20"/>
+    <p:sldId id="1466" r:id="rId21"/>
+    <p:sldId id="1467" r:id="rId22"/>
+    <p:sldId id="1471" r:id="rId23"/>
+    <p:sldId id="1470" r:id="rId24"/>
+    <p:sldId id="1460" r:id="rId25"/>
+    <p:sldId id="1477" r:id="rId26"/>
+    <p:sldId id="1478" r:id="rId27"/>
+    <p:sldId id="1479" r:id="rId28"/>
+    <p:sldId id="1480" r:id="rId29"/>
+    <p:sldId id="1459" r:id="rId30"/>
+    <p:sldId id="1483" r:id="rId31"/>
+    <p:sldId id="1484" r:id="rId32"/>
+    <p:sldId id="1485" r:id="rId33"/>
+    <p:sldId id="1482" r:id="rId34"/>
+    <p:sldId id="1455" r:id="rId35"/>
+    <p:sldId id="1481" r:id="rId36"/>
+    <p:sldId id="1456" r:id="rId37"/>
+    <p:sldId id="1457" r:id="rId38"/>
+    <p:sldId id="1326" r:id="rId39"/>
   </p:sldIdLst>
   <p:sldSz cx="12436475" cy="6994525"/>
   <p:notesSz cx="6858000" cy="9144000"/>
@@ -228,6 +251,2864 @@
 </pc:chgInfo>
 </file>
 
+<file path=ppt/diagrams/colors1.xml><?xml version="1.0" encoding="utf-8"?>
+<dgm:colorsDef xmlns:dgm="http://schemas.openxmlformats.org/drawingml/2006/diagram" xmlns:a="http://schemas.openxmlformats.org/drawingml/2006/main" uniqueId="urn:microsoft.com/office/officeart/2005/8/colors/accent1_2">
+  <dgm:title val=""/>
+  <dgm:desc val=""/>
+  <dgm:catLst>
+    <dgm:cat type="accent1" pri="11200"/>
+  </dgm:catLst>
+  <dgm:styleLbl name="node0">
+    <dgm:fillClrLst meth="repeat">
+      <a:schemeClr val="accent1"/>
+    </dgm:fillClrLst>
+    <dgm:linClrLst meth="repeat">
+      <a:schemeClr val="lt1"/>
+    </dgm:linClrLst>
+    <dgm:effectClrLst/>
+    <dgm:txLinClrLst/>
+    <dgm:txFillClrLst/>
+    <dgm:txEffectClrLst/>
+  </dgm:styleLbl>
+  <dgm:styleLbl name="alignNode1">
+    <dgm:fillClrLst meth="repeat">
+      <a:schemeClr val="accent1"/>
+    </dgm:fillClrLst>
+    <dgm:linClrLst meth="repeat">
+      <a:schemeClr val="accent1"/>
+    </dgm:linClrLst>
+    <dgm:effectClrLst/>
+    <dgm:txLinClrLst/>
+    <dgm:txFillClrLst/>
+    <dgm:txEffectClrLst/>
+  </dgm:styleLbl>
+  <dgm:styleLbl name="node1">
+    <dgm:fillClrLst meth="repeat">
+      <a:schemeClr val="accent1"/>
+    </dgm:fillClrLst>
+    <dgm:linClrLst meth="repeat">
+      <a:schemeClr val="lt1"/>
+    </dgm:linClrLst>
+    <dgm:effectClrLst/>
+    <dgm:txLinClrLst/>
+    <dgm:txFillClrLst/>
+    <dgm:txEffectClrLst/>
+  </dgm:styleLbl>
+  <dgm:styleLbl name="lnNode1">
+    <dgm:fillClrLst meth="repeat">
+      <a:schemeClr val="accent1"/>
+    </dgm:fillClrLst>
+    <dgm:linClrLst meth="repeat">
+      <a:schemeClr val="lt1"/>
+    </dgm:linClrLst>
+    <dgm:effectClrLst/>
+    <dgm:txLinClrLst/>
+    <dgm:txFillClrLst/>
+    <dgm:txEffectClrLst/>
+  </dgm:styleLbl>
+  <dgm:styleLbl name="vennNode1">
+    <dgm:fillClrLst meth="repeat">
+      <a:schemeClr val="accent1">
+        <a:alpha val="50000"/>
+      </a:schemeClr>
+    </dgm:fillClrLst>
+    <dgm:linClrLst meth="repeat">
+      <a:schemeClr val="lt1"/>
+    </dgm:linClrLst>
+    <dgm:effectClrLst/>
+    <dgm:txLinClrLst/>
+    <dgm:txFillClrLst/>
+    <dgm:txEffectClrLst/>
+  </dgm:styleLbl>
+  <dgm:styleLbl name="node2">
+    <dgm:fillClrLst meth="repeat">
+      <a:schemeClr val="accent1"/>
+    </dgm:fillClrLst>
+    <dgm:linClrLst meth="repeat">
+      <a:schemeClr val="lt1"/>
+    </dgm:linClrLst>
+    <dgm:effectClrLst/>
+    <dgm:txLinClrLst/>
+    <dgm:txFillClrLst/>
+    <dgm:txEffectClrLst/>
+  </dgm:styleLbl>
+  <dgm:styleLbl name="node3">
+    <dgm:fillClrLst meth="repeat">
+      <a:schemeClr val="accent1"/>
+    </dgm:fillClrLst>
+    <dgm:linClrLst meth="repeat">
+      <a:schemeClr val="lt1"/>
+    </dgm:linClrLst>
+    <dgm:effectClrLst/>
+    <dgm:txLinClrLst/>
+    <dgm:txFillClrLst/>
+    <dgm:txEffectClrLst/>
+  </dgm:styleLbl>
+  <dgm:styleLbl name="node4">
+    <dgm:fillClrLst meth="repeat">
+      <a:schemeClr val="accent1"/>
+    </dgm:fillClrLst>
+    <dgm:linClrLst meth="repeat">
+      <a:schemeClr val="lt1"/>
+    </dgm:linClrLst>
+    <dgm:effectClrLst/>
+    <dgm:txLinClrLst/>
+    <dgm:txFillClrLst/>
+    <dgm:txEffectClrLst/>
+  </dgm:styleLbl>
+  <dgm:styleLbl name="fgImgPlace1">
+    <dgm:fillClrLst meth="repeat">
+      <a:schemeClr val="accent1">
+        <a:tint val="50000"/>
+      </a:schemeClr>
+    </dgm:fillClrLst>
+    <dgm:linClrLst meth="repeat">
+      <a:schemeClr val="lt1"/>
+    </dgm:linClrLst>
+    <dgm:effectClrLst/>
+    <dgm:txLinClrLst/>
+    <dgm:txFillClrLst meth="repeat">
+      <a:schemeClr val="lt1"/>
+    </dgm:txFillClrLst>
+    <dgm:txEffectClrLst/>
+  </dgm:styleLbl>
+  <dgm:styleLbl name="alignImgPlace1">
+    <dgm:fillClrLst meth="repeat">
+      <a:schemeClr val="accent1">
+        <a:tint val="50000"/>
+      </a:schemeClr>
+    </dgm:fillClrLst>
+    <dgm:linClrLst meth="repeat">
+      <a:schemeClr val="lt1"/>
+    </dgm:linClrLst>
+    <dgm:effectClrLst/>
+    <dgm:txLinClrLst/>
+    <dgm:txFillClrLst meth="repeat">
+      <a:schemeClr val="lt1"/>
+    </dgm:txFillClrLst>
+    <dgm:txEffectClrLst/>
+  </dgm:styleLbl>
+  <dgm:styleLbl name="bgImgPlace1">
+    <dgm:fillClrLst meth="repeat">
+      <a:schemeClr val="accent1">
+        <a:tint val="50000"/>
+      </a:schemeClr>
+    </dgm:fillClrLst>
+    <dgm:linClrLst meth="repeat">
+      <a:schemeClr val="lt1"/>
+    </dgm:linClrLst>
+    <dgm:effectClrLst/>
+    <dgm:txLinClrLst/>
+    <dgm:txFillClrLst meth="repeat">
+      <a:schemeClr val="lt1"/>
+    </dgm:txFillClrLst>
+    <dgm:txEffectClrLst/>
+  </dgm:styleLbl>
+  <dgm:styleLbl name="sibTrans2D1">
+    <dgm:fillClrLst meth="repeat">
+      <a:schemeClr val="accent1">
+        <a:tint val="60000"/>
+      </a:schemeClr>
+    </dgm:fillClrLst>
+    <dgm:linClrLst meth="repeat">
+      <a:schemeClr val="accent1">
+        <a:tint val="60000"/>
+      </a:schemeClr>
+    </dgm:linClrLst>
+    <dgm:effectClrLst/>
+    <dgm:txLinClrLst/>
+    <dgm:txFillClrLst/>
+    <dgm:txEffectClrLst/>
+  </dgm:styleLbl>
+  <dgm:styleLbl name="fgSibTrans2D1">
+    <dgm:fillClrLst meth="repeat">
+      <a:schemeClr val="accent1">
+        <a:tint val="60000"/>
+      </a:schemeClr>
+    </dgm:fillClrLst>
+    <dgm:linClrLst meth="repeat">
+      <a:schemeClr val="accent1">
+        <a:tint val="60000"/>
+      </a:schemeClr>
+    </dgm:linClrLst>
+    <dgm:effectClrLst/>
+    <dgm:txLinClrLst/>
+    <dgm:txFillClrLst/>
+    <dgm:txEffectClrLst/>
+  </dgm:styleLbl>
+  <dgm:styleLbl name="bgSibTrans2D1">
+    <dgm:fillClrLst meth="repeat">
+      <a:schemeClr val="accent1">
+        <a:tint val="60000"/>
+      </a:schemeClr>
+    </dgm:fillClrLst>
+    <dgm:linClrLst meth="repeat">
+      <a:schemeClr val="accent1">
+        <a:tint val="60000"/>
+      </a:schemeClr>
+    </dgm:linClrLst>
+    <dgm:effectClrLst/>
+    <dgm:txLinClrLst/>
+    <dgm:txFillClrLst/>
+    <dgm:txEffectClrLst/>
+  </dgm:styleLbl>
+  <dgm:styleLbl name="sibTrans1D1">
+    <dgm:fillClrLst meth="repeat">
+      <a:schemeClr val="accent1"/>
+    </dgm:fillClrLst>
+    <dgm:linClrLst meth="repeat">
+      <a:schemeClr val="accent1"/>
+    </dgm:linClrLst>
+    <dgm:effectClrLst/>
+    <dgm:txLinClrLst/>
+    <dgm:txFillClrLst meth="repeat">
+      <a:schemeClr val="tx1"/>
+    </dgm:txFillClrLst>
+    <dgm:txEffectClrLst/>
+  </dgm:styleLbl>
+  <dgm:styleLbl name="callout">
+    <dgm:fillClrLst meth="repeat">
+      <a:schemeClr val="accent1"/>
+    </dgm:fillClrLst>
+    <dgm:linClrLst meth="repeat">
+      <a:schemeClr val="accent1">
+        <a:tint val="50000"/>
+      </a:schemeClr>
+    </dgm:linClrLst>
+    <dgm:effectClrLst/>
+    <dgm:txLinClrLst/>
+    <dgm:txFillClrLst meth="repeat">
+      <a:schemeClr val="tx1"/>
+    </dgm:txFillClrLst>
+    <dgm:txEffectClrLst/>
+  </dgm:styleLbl>
+  <dgm:styleLbl name="asst0">
+    <dgm:fillClrLst meth="repeat">
+      <a:schemeClr val="accent1"/>
+    </dgm:fillClrLst>
+    <dgm:linClrLst meth="repeat">
+      <a:schemeClr val="lt1"/>
+    </dgm:linClrLst>
+    <dgm:effectClrLst/>
+    <dgm:txLinClrLst/>
+    <dgm:txFillClrLst/>
+    <dgm:txEffectClrLst/>
+  </dgm:styleLbl>
+  <dgm:styleLbl name="asst1">
+    <dgm:fillClrLst meth="repeat">
+      <a:schemeClr val="accent1"/>
+    </dgm:fillClrLst>
+    <dgm:linClrLst meth="repeat">
+      <a:schemeClr val="lt1"/>
+    </dgm:linClrLst>
+    <dgm:effectClrLst/>
+    <dgm:txLinClrLst/>
+    <dgm:txFillClrLst/>
+    <dgm:txEffectClrLst/>
+  </dgm:styleLbl>
+  <dgm:styleLbl name="asst2">
+    <dgm:fillClrLst meth="repeat">
+      <a:schemeClr val="accent1"/>
+    </dgm:fillClrLst>
+    <dgm:linClrLst meth="repeat">
+      <a:schemeClr val="lt1"/>
+    </dgm:linClrLst>
+    <dgm:effectClrLst/>
+    <dgm:txLinClrLst/>
+    <dgm:txFillClrLst/>
+    <dgm:txEffectClrLst/>
+  </dgm:styleLbl>
+  <dgm:styleLbl name="asst3">
+    <dgm:fillClrLst meth="repeat">
+      <a:schemeClr val="accent1"/>
+    </dgm:fillClrLst>
+    <dgm:linClrLst meth="repeat">
+      <a:schemeClr val="lt1"/>
+    </dgm:linClrLst>
+    <dgm:effectClrLst/>
+    <dgm:txLinClrLst/>
+    <dgm:txFillClrLst/>
+    <dgm:txEffectClrLst/>
+  </dgm:styleLbl>
+  <dgm:styleLbl name="asst4">
+    <dgm:fillClrLst meth="repeat">
+      <a:schemeClr val="accent1"/>
+    </dgm:fillClrLst>
+    <dgm:linClrLst meth="repeat">
+      <a:schemeClr val="lt1"/>
+    </dgm:linClrLst>
+    <dgm:effectClrLst/>
+    <dgm:txLinClrLst/>
+    <dgm:txFillClrLst/>
+    <dgm:txEffectClrLst/>
+  </dgm:styleLbl>
+  <dgm:styleLbl name="parChTrans2D1">
+    <dgm:fillClrLst meth="repeat">
+      <a:schemeClr val="accent1">
+        <a:tint val="60000"/>
+      </a:schemeClr>
+    </dgm:fillClrLst>
+    <dgm:linClrLst meth="repeat">
+      <a:schemeClr val="accent1">
+        <a:tint val="60000"/>
+      </a:schemeClr>
+    </dgm:linClrLst>
+    <dgm:effectClrLst/>
+    <dgm:txLinClrLst/>
+    <dgm:txFillClrLst meth="repeat">
+      <a:schemeClr val="lt1"/>
+    </dgm:txFillClrLst>
+    <dgm:txEffectClrLst/>
+  </dgm:styleLbl>
+  <dgm:styleLbl name="parChTrans2D2">
+    <dgm:fillClrLst meth="repeat">
+      <a:schemeClr val="accent1"/>
+    </dgm:fillClrLst>
+    <dgm:linClrLst meth="repeat">
+      <a:schemeClr val="accent1"/>
+    </dgm:linClrLst>
+    <dgm:effectClrLst/>
+    <dgm:txLinClrLst/>
+    <dgm:txFillClrLst meth="repeat">
+      <a:schemeClr val="lt1"/>
+    </dgm:txFillClrLst>
+    <dgm:txEffectClrLst/>
+  </dgm:styleLbl>
+  <dgm:styleLbl name="parChTrans2D3">
+    <dgm:fillClrLst meth="repeat">
+      <a:schemeClr val="accent1"/>
+    </dgm:fillClrLst>
+    <dgm:linClrLst meth="repeat">
+      <a:schemeClr val="accent1"/>
+    </dgm:linClrLst>
+    <dgm:effectClrLst/>
+    <dgm:txLinClrLst/>
+    <dgm:txFillClrLst meth="repeat">
+      <a:schemeClr val="lt1"/>
+    </dgm:txFillClrLst>
+    <dgm:txEffectClrLst/>
+  </dgm:styleLbl>
+  <dgm:styleLbl name="parChTrans2D4">
+    <dgm:fillClrLst meth="repeat">
+      <a:schemeClr val="accent1"/>
+    </dgm:fillClrLst>
+    <dgm:linClrLst meth="repeat">
+      <a:schemeClr val="accent1"/>
+    </dgm:linClrLst>
+    <dgm:effectClrLst/>
+    <dgm:txLinClrLst/>
+    <dgm:txFillClrLst meth="repeat">
+      <a:schemeClr val="lt1"/>
+    </dgm:txFillClrLst>
+    <dgm:txEffectClrLst/>
+  </dgm:styleLbl>
+  <dgm:styleLbl name="parChTrans1D1">
+    <dgm:fillClrLst meth="repeat">
+      <a:schemeClr val="accent1"/>
+    </dgm:fillClrLst>
+    <dgm:linClrLst meth="repeat">
+      <a:schemeClr val="accent1">
+        <a:shade val="60000"/>
+      </a:schemeClr>
+    </dgm:linClrLst>
+    <dgm:effectClrLst/>
+    <dgm:txLinClrLst/>
+    <dgm:txFillClrLst meth="repeat">
+      <a:schemeClr val="tx1"/>
+    </dgm:txFillClrLst>
+    <dgm:txEffectClrLst/>
+  </dgm:styleLbl>
+  <dgm:styleLbl name="parChTrans1D2">
+    <dgm:fillClrLst meth="repeat">
+      <a:schemeClr val="accent1"/>
+    </dgm:fillClrLst>
+    <dgm:linClrLst meth="repeat">
+      <a:schemeClr val="accent1">
+        <a:shade val="60000"/>
+      </a:schemeClr>
+    </dgm:linClrLst>
+    <dgm:effectClrLst/>
+    <dgm:txLinClrLst/>
+    <dgm:txFillClrLst meth="repeat">
+      <a:schemeClr val="tx1"/>
+    </dgm:txFillClrLst>
+    <dgm:txEffectClrLst/>
+  </dgm:styleLbl>
+  <dgm:styleLbl name="parChTrans1D3">
+    <dgm:fillClrLst meth="repeat">
+      <a:schemeClr val="accent1"/>
+    </dgm:fillClrLst>
+    <dgm:linClrLst meth="repeat">
+      <a:schemeClr val="accent1">
+        <a:shade val="80000"/>
+      </a:schemeClr>
+    </dgm:linClrLst>
+    <dgm:effectClrLst/>
+    <dgm:txLinClrLst/>
+    <dgm:txFillClrLst meth="repeat">
+      <a:schemeClr val="tx1"/>
+    </dgm:txFillClrLst>
+    <dgm:txEffectClrLst/>
+  </dgm:styleLbl>
+  <dgm:styleLbl name="parChTrans1D4">
+    <dgm:fillClrLst meth="repeat">
+      <a:schemeClr val="accent1"/>
+    </dgm:fillClrLst>
+    <dgm:linClrLst meth="repeat">
+      <a:schemeClr val="accent1">
+        <a:shade val="80000"/>
+      </a:schemeClr>
+    </dgm:linClrLst>
+    <dgm:effectClrLst/>
+    <dgm:txLinClrLst/>
+    <dgm:txFillClrLst meth="repeat">
+      <a:schemeClr val="tx1"/>
+    </dgm:txFillClrLst>
+    <dgm:txEffectClrLst/>
+  </dgm:styleLbl>
+  <dgm:styleLbl name="fgAcc1">
+    <dgm:fillClrLst meth="repeat">
+      <a:schemeClr val="lt1">
+        <a:alpha val="90000"/>
+      </a:schemeClr>
+    </dgm:fillClrLst>
+    <dgm:linClrLst meth="repeat">
+      <a:schemeClr val="accent1"/>
+    </dgm:linClrLst>
+    <dgm:effectClrLst/>
+    <dgm:txLinClrLst/>
+    <dgm:txFillClrLst meth="repeat">
+      <a:schemeClr val="dk1"/>
+    </dgm:txFillClrLst>
+    <dgm:txEffectClrLst/>
+  </dgm:styleLbl>
+  <dgm:styleLbl name="conFgAcc1">
+    <dgm:fillClrLst meth="repeat">
+      <a:schemeClr val="lt1">
+        <a:alpha val="90000"/>
+      </a:schemeClr>
+    </dgm:fillClrLst>
+    <dgm:linClrLst meth="repeat">
+      <a:schemeClr val="accent1"/>
+    </dgm:linClrLst>
+    <dgm:effectClrLst/>
+    <dgm:txLinClrLst/>
+    <dgm:txFillClrLst meth="repeat">
+      <a:schemeClr val="dk1"/>
+    </dgm:txFillClrLst>
+    <dgm:txEffectClrLst/>
+  </dgm:styleLbl>
+  <dgm:styleLbl name="alignAcc1">
+    <dgm:fillClrLst meth="repeat">
+      <a:schemeClr val="lt1">
+        <a:alpha val="90000"/>
+      </a:schemeClr>
+    </dgm:fillClrLst>
+    <dgm:linClrLst meth="repeat">
+      <a:schemeClr val="accent1"/>
+    </dgm:linClrLst>
+    <dgm:effectClrLst/>
+    <dgm:txLinClrLst/>
+    <dgm:txFillClrLst meth="repeat">
+      <a:schemeClr val="dk1"/>
+    </dgm:txFillClrLst>
+    <dgm:txEffectClrLst/>
+  </dgm:styleLbl>
+  <dgm:styleLbl name="trAlignAcc1">
+    <dgm:fillClrLst meth="repeat">
+      <a:schemeClr val="lt1">
+        <a:alpha val="40000"/>
+      </a:schemeClr>
+    </dgm:fillClrLst>
+    <dgm:linClrLst meth="repeat">
+      <a:schemeClr val="accent1"/>
+    </dgm:linClrLst>
+    <dgm:effectClrLst/>
+    <dgm:txLinClrLst/>
+    <dgm:txFillClrLst meth="repeat">
+      <a:schemeClr val="dk1"/>
+    </dgm:txFillClrLst>
+    <dgm:txEffectClrLst/>
+  </dgm:styleLbl>
+  <dgm:styleLbl name="bgAcc1">
+    <dgm:fillClrLst meth="repeat">
+      <a:schemeClr val="lt1">
+        <a:alpha val="90000"/>
+      </a:schemeClr>
+    </dgm:fillClrLst>
+    <dgm:linClrLst meth="repeat">
+      <a:schemeClr val="accent1"/>
+    </dgm:linClrLst>
+    <dgm:effectClrLst/>
+    <dgm:txLinClrLst/>
+    <dgm:txFillClrLst meth="repeat">
+      <a:schemeClr val="dk1"/>
+    </dgm:txFillClrLst>
+    <dgm:txEffectClrLst/>
+  </dgm:styleLbl>
+  <dgm:styleLbl name="solidFgAcc1">
+    <dgm:fillClrLst meth="repeat">
+      <a:schemeClr val="lt1"/>
+    </dgm:fillClrLst>
+    <dgm:linClrLst meth="repeat">
+      <a:schemeClr val="accent1"/>
+    </dgm:linClrLst>
+    <dgm:effectClrLst/>
+    <dgm:txLinClrLst/>
+    <dgm:txFillClrLst meth="repeat">
+      <a:schemeClr val="dk1"/>
+    </dgm:txFillClrLst>
+    <dgm:txEffectClrLst/>
+  </dgm:styleLbl>
+  <dgm:styleLbl name="solidAlignAcc1">
+    <dgm:fillClrLst meth="repeat">
+      <a:schemeClr val="lt1"/>
+    </dgm:fillClrLst>
+    <dgm:linClrLst meth="repeat">
+      <a:schemeClr val="accent1"/>
+    </dgm:linClrLst>
+    <dgm:effectClrLst/>
+    <dgm:txLinClrLst/>
+    <dgm:txFillClrLst meth="repeat">
+      <a:schemeClr val="dk1"/>
+    </dgm:txFillClrLst>
+    <dgm:txEffectClrLst/>
+  </dgm:styleLbl>
+  <dgm:styleLbl name="solidBgAcc1">
+    <dgm:fillClrLst meth="repeat">
+      <a:schemeClr val="lt1"/>
+    </dgm:fillClrLst>
+    <dgm:linClrLst meth="repeat">
+      <a:schemeClr val="accent1"/>
+    </dgm:linClrLst>
+    <dgm:effectClrLst/>
+    <dgm:txLinClrLst/>
+    <dgm:txFillClrLst meth="repeat">
+      <a:schemeClr val="dk1"/>
+    </dgm:txFillClrLst>
+    <dgm:txEffectClrLst/>
+  </dgm:styleLbl>
+  <dgm:styleLbl name="fgAccFollowNode1">
+    <dgm:fillClrLst meth="repeat">
+      <a:schemeClr val="accent1">
+        <a:alpha val="90000"/>
+        <a:tint val="40000"/>
+      </a:schemeClr>
+    </dgm:fillClrLst>
+    <dgm:linClrLst meth="repeat">
+      <a:schemeClr val="accent1">
+        <a:alpha val="90000"/>
+        <a:tint val="40000"/>
+      </a:schemeClr>
+    </dgm:linClrLst>
+    <dgm:effectClrLst/>
+    <dgm:txLinClrLst/>
+    <dgm:txFillClrLst meth="repeat">
+      <a:schemeClr val="dk1"/>
+    </dgm:txFillClrLst>
+    <dgm:txEffectClrLst/>
+  </dgm:styleLbl>
+  <dgm:styleLbl name="alignAccFollowNode1">
+    <dgm:fillClrLst meth="repeat">
+      <a:schemeClr val="accent1">
+        <a:alpha val="90000"/>
+        <a:tint val="40000"/>
+      </a:schemeClr>
+    </dgm:fillClrLst>
+    <dgm:linClrLst meth="repeat">
+      <a:schemeClr val="accent1">
+        <a:alpha val="90000"/>
+        <a:tint val="40000"/>
+      </a:schemeClr>
+    </dgm:linClrLst>
+    <dgm:effectClrLst/>
+    <dgm:txLinClrLst/>
+    <dgm:txFillClrLst meth="repeat">
+      <a:schemeClr val="dk1"/>
+    </dgm:txFillClrLst>
+    <dgm:txEffectClrLst/>
+  </dgm:styleLbl>
+  <dgm:styleLbl name="bgAccFollowNode1">
+    <dgm:fillClrLst meth="repeat">
+      <a:schemeClr val="accent1">
+        <a:alpha val="90000"/>
+        <a:tint val="40000"/>
+      </a:schemeClr>
+    </dgm:fillClrLst>
+    <dgm:linClrLst meth="repeat">
+      <a:schemeClr val="accent1">
+        <a:alpha val="90000"/>
+        <a:tint val="40000"/>
+      </a:schemeClr>
+    </dgm:linClrLst>
+    <dgm:effectClrLst/>
+    <dgm:txLinClrLst/>
+    <dgm:txFillClrLst meth="repeat">
+      <a:schemeClr val="dk1"/>
+    </dgm:txFillClrLst>
+    <dgm:txEffectClrLst/>
+  </dgm:styleLbl>
+  <dgm:styleLbl name="fgAcc0">
+    <dgm:fillClrLst meth="repeat">
+      <a:schemeClr val="lt1">
+        <a:alpha val="90000"/>
+      </a:schemeClr>
+    </dgm:fillClrLst>
+    <dgm:linClrLst meth="repeat">
+      <a:schemeClr val="accent1"/>
+    </dgm:linClrLst>
+    <dgm:effectClrLst/>
+    <dgm:txLinClrLst/>
+    <dgm:txFillClrLst meth="repeat">
+      <a:schemeClr val="dk1"/>
+    </dgm:txFillClrLst>
+    <dgm:txEffectClrLst/>
+  </dgm:styleLbl>
+  <dgm:styleLbl name="fgAcc2">
+    <dgm:fillClrLst meth="repeat">
+      <a:schemeClr val="lt1">
+        <a:alpha val="90000"/>
+      </a:schemeClr>
+    </dgm:fillClrLst>
+    <dgm:linClrLst meth="repeat">
+      <a:schemeClr val="accent1"/>
+    </dgm:linClrLst>
+    <dgm:effectClrLst/>
+    <dgm:txLinClrLst/>
+    <dgm:txFillClrLst meth="repeat">
+      <a:schemeClr val="dk1"/>
+    </dgm:txFillClrLst>
+    <dgm:txEffectClrLst/>
+  </dgm:styleLbl>
+  <dgm:styleLbl name="fgAcc3">
+    <dgm:fillClrLst meth="repeat">
+      <a:schemeClr val="lt1">
+        <a:alpha val="90000"/>
+      </a:schemeClr>
+    </dgm:fillClrLst>
+    <dgm:linClrLst meth="repeat">
+      <a:schemeClr val="accent1"/>
+    </dgm:linClrLst>
+    <dgm:effectClrLst/>
+    <dgm:txLinClrLst/>
+    <dgm:txFillClrLst meth="repeat">
+      <a:schemeClr val="dk1"/>
+    </dgm:txFillClrLst>
+    <dgm:txEffectClrLst/>
+  </dgm:styleLbl>
+  <dgm:styleLbl name="fgAcc4">
+    <dgm:fillClrLst meth="repeat">
+      <a:schemeClr val="lt1">
+        <a:alpha val="90000"/>
+      </a:schemeClr>
+    </dgm:fillClrLst>
+    <dgm:linClrLst meth="repeat">
+      <a:schemeClr val="accent1"/>
+    </dgm:linClrLst>
+    <dgm:effectClrLst/>
+    <dgm:txLinClrLst/>
+    <dgm:txFillClrLst meth="repeat">
+      <a:schemeClr val="dk1"/>
+    </dgm:txFillClrLst>
+    <dgm:txEffectClrLst/>
+  </dgm:styleLbl>
+  <dgm:styleLbl name="bgShp">
+    <dgm:fillClrLst meth="repeat">
+      <a:schemeClr val="accent1">
+        <a:tint val="40000"/>
+      </a:schemeClr>
+    </dgm:fillClrLst>
+    <dgm:linClrLst meth="repeat">
+      <a:schemeClr val="accent1"/>
+    </dgm:linClrLst>
+    <dgm:effectClrLst/>
+    <dgm:txLinClrLst/>
+    <dgm:txFillClrLst meth="repeat">
+      <a:schemeClr val="dk1"/>
+    </dgm:txFillClrLst>
+    <dgm:txEffectClrLst/>
+  </dgm:styleLbl>
+  <dgm:styleLbl name="dkBgShp">
+    <dgm:fillClrLst meth="repeat">
+      <a:schemeClr val="accent1">
+        <a:shade val="80000"/>
+      </a:schemeClr>
+    </dgm:fillClrLst>
+    <dgm:linClrLst meth="repeat">
+      <a:schemeClr val="accent1"/>
+    </dgm:linClrLst>
+    <dgm:effectClrLst/>
+    <dgm:txLinClrLst/>
+    <dgm:txFillClrLst meth="repeat">
+      <a:schemeClr val="lt1"/>
+    </dgm:txFillClrLst>
+    <dgm:txEffectClrLst/>
+  </dgm:styleLbl>
+  <dgm:styleLbl name="trBgShp">
+    <dgm:fillClrLst meth="repeat">
+      <a:schemeClr val="accent1">
+        <a:tint val="50000"/>
+        <a:alpha val="40000"/>
+      </a:schemeClr>
+    </dgm:fillClrLst>
+    <dgm:linClrLst meth="repeat">
+      <a:schemeClr val="accent1"/>
+    </dgm:linClrLst>
+    <dgm:effectClrLst/>
+    <dgm:txLinClrLst/>
+    <dgm:txFillClrLst meth="repeat">
+      <a:schemeClr val="lt1"/>
+    </dgm:txFillClrLst>
+    <dgm:txEffectClrLst/>
+  </dgm:styleLbl>
+  <dgm:styleLbl name="fgShp">
+    <dgm:fillClrLst meth="repeat">
+      <a:schemeClr val="accent1">
+        <a:tint val="60000"/>
+      </a:schemeClr>
+    </dgm:fillClrLst>
+    <dgm:linClrLst meth="repeat">
+      <a:schemeClr val="lt1"/>
+    </dgm:linClrLst>
+    <dgm:effectClrLst/>
+    <dgm:txLinClrLst/>
+    <dgm:txFillClrLst meth="repeat">
+      <a:schemeClr val="dk1"/>
+    </dgm:txFillClrLst>
+    <dgm:txEffectClrLst/>
+  </dgm:styleLbl>
+  <dgm:styleLbl name="revTx">
+    <dgm:fillClrLst meth="repeat">
+      <a:schemeClr val="lt1">
+        <a:alpha val="0"/>
+      </a:schemeClr>
+    </dgm:fillClrLst>
+    <dgm:linClrLst meth="repeat">
+      <a:schemeClr val="dk1">
+        <a:alpha val="0"/>
+      </a:schemeClr>
+    </dgm:linClrLst>
+    <dgm:effectClrLst/>
+    <dgm:txLinClrLst/>
+    <dgm:txFillClrLst meth="repeat">
+      <a:schemeClr val="tx1"/>
+    </dgm:txFillClrLst>
+    <dgm:txEffectClrLst/>
+  </dgm:styleLbl>
+</dgm:colorsDef>
+</file>
+
+<file path=ppt/diagrams/data1.xml><?xml version="1.0" encoding="utf-8"?>
+<dgm:dataModel xmlns:dgm="http://schemas.openxmlformats.org/drawingml/2006/diagram" xmlns:a="http://schemas.openxmlformats.org/drawingml/2006/main">
+  <dgm:ptLst>
+    <dgm:pt modelId="{4AF97757-5623-42BC-B1EB-66E37E11E580}" type="doc">
+      <dgm:prSet loTypeId="urn:microsoft.com/office/officeart/2005/8/layout/hProcess11" loCatId="process" qsTypeId="urn:microsoft.com/office/officeart/2005/8/quickstyle/simple1" qsCatId="simple" csTypeId="urn:microsoft.com/office/officeart/2005/8/colors/accent1_2" csCatId="accent1" phldr="1"/>
+      <dgm:spPr/>
+    </dgm:pt>
+    <dgm:pt modelId="{BC60C76E-279D-42E8-B05A-B71B44AFDABE}">
+      <dgm:prSet phldrT="[Text]"/>
+      <dgm:spPr/>
+      <dgm:t>
+        <a:bodyPr/>
+        <a:lstStyle/>
+        <a:p>
+          <a:r>
+            <a:rPr kumimoji="1" lang="ja-JP" altLang="en-US" dirty="0"/>
+            <a:t>開発</a:t>
+          </a:r>
+        </a:p>
+      </dgm:t>
+    </dgm:pt>
+    <dgm:pt modelId="{19BCB32D-DF78-47B0-A67F-C0C6B8E0CA05}" type="parTrans" cxnId="{28BFB103-7137-49B1-B189-60D285C989B2}">
+      <dgm:prSet/>
+      <dgm:spPr/>
+      <dgm:t>
+        <a:bodyPr/>
+        <a:lstStyle/>
+        <a:p>
+          <a:endParaRPr kumimoji="1" lang="ja-JP" altLang="en-US"/>
+        </a:p>
+      </dgm:t>
+    </dgm:pt>
+    <dgm:pt modelId="{5F045853-0D6E-4CF7-9759-DC60EEF82CAE}" type="sibTrans" cxnId="{28BFB103-7137-49B1-B189-60D285C989B2}">
+      <dgm:prSet/>
+      <dgm:spPr/>
+      <dgm:t>
+        <a:bodyPr/>
+        <a:lstStyle/>
+        <a:p>
+          <a:endParaRPr kumimoji="1" lang="ja-JP" altLang="en-US"/>
+        </a:p>
+      </dgm:t>
+    </dgm:pt>
+    <dgm:pt modelId="{1C8B5C01-1C7A-4F80-B484-DE511DA40D72}">
+      <dgm:prSet phldrT="[Text]"/>
+      <dgm:spPr/>
+      <dgm:t>
+        <a:bodyPr/>
+        <a:lstStyle/>
+        <a:p>
+          <a:r>
+            <a:rPr kumimoji="1" lang="ja-JP" altLang="en-US" dirty="0"/>
+            <a:t>ストアへ</a:t>
+          </a:r>
+          <a:br>
+            <a:rPr kumimoji="1" lang="en-US" altLang="ja-JP" dirty="0"/>
+          </a:br>
+          <a:r>
+            <a:rPr kumimoji="1" lang="ja-JP" altLang="en-US" dirty="0"/>
+            <a:t>提出</a:t>
+          </a:r>
+        </a:p>
+      </dgm:t>
+    </dgm:pt>
+    <dgm:pt modelId="{B2EDCC05-3800-454F-B23B-8239686D8C83}" type="parTrans" cxnId="{55CA63CE-DD8E-4A70-B76E-46FCF4EC93F4}">
+      <dgm:prSet/>
+      <dgm:spPr/>
+      <dgm:t>
+        <a:bodyPr/>
+        <a:lstStyle/>
+        <a:p>
+          <a:endParaRPr kumimoji="1" lang="ja-JP" altLang="en-US"/>
+        </a:p>
+      </dgm:t>
+    </dgm:pt>
+    <dgm:pt modelId="{E1CA0424-54B7-4091-902C-7993134948F0}" type="sibTrans" cxnId="{55CA63CE-DD8E-4A70-B76E-46FCF4EC93F4}">
+      <dgm:prSet/>
+      <dgm:spPr/>
+      <dgm:t>
+        <a:bodyPr/>
+        <a:lstStyle/>
+        <a:p>
+          <a:endParaRPr kumimoji="1" lang="ja-JP" altLang="en-US"/>
+        </a:p>
+      </dgm:t>
+    </dgm:pt>
+    <dgm:pt modelId="{0E9BBE7B-2CBC-4800-94B4-09675A20DB93}">
+      <dgm:prSet phldrT="[Text]"/>
+      <dgm:spPr/>
+      <dgm:t>
+        <a:bodyPr/>
+        <a:lstStyle/>
+        <a:p>
+          <a:r>
+            <a:rPr kumimoji="1" lang="ja-JP" altLang="en-US" dirty="0"/>
+            <a:t>審査</a:t>
+          </a:r>
+        </a:p>
+      </dgm:t>
+    </dgm:pt>
+    <dgm:pt modelId="{E6494928-F59E-45C6-BBAB-EFBD88BB6E88}" type="parTrans" cxnId="{5C318026-0D1F-418F-B13F-3D58AF47D02E}">
+      <dgm:prSet/>
+      <dgm:spPr/>
+      <dgm:t>
+        <a:bodyPr/>
+        <a:lstStyle/>
+        <a:p>
+          <a:endParaRPr kumimoji="1" lang="ja-JP" altLang="en-US"/>
+        </a:p>
+      </dgm:t>
+    </dgm:pt>
+    <dgm:pt modelId="{73B8DFE8-95D7-4A26-A7B7-FAEAA3E7F7EF}" type="sibTrans" cxnId="{5C318026-0D1F-418F-B13F-3D58AF47D02E}">
+      <dgm:prSet/>
+      <dgm:spPr/>
+      <dgm:t>
+        <a:bodyPr/>
+        <a:lstStyle/>
+        <a:p>
+          <a:endParaRPr kumimoji="1" lang="ja-JP" altLang="en-US"/>
+        </a:p>
+      </dgm:t>
+    </dgm:pt>
+    <dgm:pt modelId="{80AEE765-BC68-4EF5-9E79-1FCF549247C9}">
+      <dgm:prSet phldrT="[Text]"/>
+      <dgm:spPr/>
+      <dgm:t>
+        <a:bodyPr/>
+        <a:lstStyle/>
+        <a:p>
+          <a:r>
+            <a:rPr kumimoji="1" lang="ja-JP" altLang="en-US" dirty="0"/>
+            <a:t>公開</a:t>
+          </a:r>
+        </a:p>
+      </dgm:t>
+    </dgm:pt>
+    <dgm:pt modelId="{2124C3FA-3D9F-4A00-B410-F48B91BDC91A}" type="parTrans" cxnId="{D5D9355D-5D06-4D1E-8BFF-4B958D22D732}">
+      <dgm:prSet/>
+      <dgm:spPr/>
+      <dgm:t>
+        <a:bodyPr/>
+        <a:lstStyle/>
+        <a:p>
+          <a:endParaRPr kumimoji="1" lang="ja-JP" altLang="en-US"/>
+        </a:p>
+      </dgm:t>
+    </dgm:pt>
+    <dgm:pt modelId="{E9ED0584-AB07-4094-8FB9-0858D9FB8B7E}" type="sibTrans" cxnId="{D5D9355D-5D06-4D1E-8BFF-4B958D22D732}">
+      <dgm:prSet/>
+      <dgm:spPr/>
+      <dgm:t>
+        <a:bodyPr/>
+        <a:lstStyle/>
+        <a:p>
+          <a:endParaRPr kumimoji="1" lang="ja-JP" altLang="en-US"/>
+        </a:p>
+      </dgm:t>
+    </dgm:pt>
+    <dgm:pt modelId="{13E77C39-E9D8-4F67-839B-241B118557D8}" type="pres">
+      <dgm:prSet presAssocID="{4AF97757-5623-42BC-B1EB-66E37E11E580}" presName="Name0" presStyleCnt="0">
+        <dgm:presLayoutVars>
+          <dgm:dir/>
+          <dgm:resizeHandles val="exact"/>
+        </dgm:presLayoutVars>
+      </dgm:prSet>
+      <dgm:spPr/>
+    </dgm:pt>
+    <dgm:pt modelId="{125ABB97-E25B-4320-8F12-A7F5E9E1B54B}" type="pres">
+      <dgm:prSet presAssocID="{4AF97757-5623-42BC-B1EB-66E37E11E580}" presName="arrow" presStyleLbl="bgShp" presStyleIdx="0" presStyleCnt="1"/>
+      <dgm:spPr/>
+    </dgm:pt>
+    <dgm:pt modelId="{87ACBC93-BFC7-4EEE-A5BE-019CAAB41CA0}" type="pres">
+      <dgm:prSet presAssocID="{4AF97757-5623-42BC-B1EB-66E37E11E580}" presName="points" presStyleCnt="0"/>
+      <dgm:spPr/>
+    </dgm:pt>
+    <dgm:pt modelId="{7D6A1EE2-D48B-4870-9CCA-1E7D7AA2A2B5}" type="pres">
+      <dgm:prSet presAssocID="{BC60C76E-279D-42E8-B05A-B71B44AFDABE}" presName="compositeA" presStyleCnt="0"/>
+      <dgm:spPr/>
+    </dgm:pt>
+    <dgm:pt modelId="{16E7B3C6-EC7E-410B-9894-C3B168A8C36B}" type="pres">
+      <dgm:prSet presAssocID="{BC60C76E-279D-42E8-B05A-B71B44AFDABE}" presName="textA" presStyleLbl="revTx" presStyleIdx="0" presStyleCnt="4">
+        <dgm:presLayoutVars>
+          <dgm:bulletEnabled val="1"/>
+        </dgm:presLayoutVars>
+      </dgm:prSet>
+      <dgm:spPr/>
+    </dgm:pt>
+    <dgm:pt modelId="{4CAA6B2D-2283-424F-9E29-D15CE042CEB0}" type="pres">
+      <dgm:prSet presAssocID="{BC60C76E-279D-42E8-B05A-B71B44AFDABE}" presName="circleA" presStyleLbl="node1" presStyleIdx="0" presStyleCnt="4"/>
+      <dgm:spPr/>
+    </dgm:pt>
+    <dgm:pt modelId="{9F052D34-1A6E-4219-87E5-1D14EBA54618}" type="pres">
+      <dgm:prSet presAssocID="{BC60C76E-279D-42E8-B05A-B71B44AFDABE}" presName="spaceA" presStyleCnt="0"/>
+      <dgm:spPr/>
+    </dgm:pt>
+    <dgm:pt modelId="{D868C652-8392-4D6B-AE84-C1B033465605}" type="pres">
+      <dgm:prSet presAssocID="{5F045853-0D6E-4CF7-9759-DC60EEF82CAE}" presName="space" presStyleCnt="0"/>
+      <dgm:spPr/>
+    </dgm:pt>
+    <dgm:pt modelId="{8AF97382-F557-4676-8686-710E212CA905}" type="pres">
+      <dgm:prSet presAssocID="{1C8B5C01-1C7A-4F80-B484-DE511DA40D72}" presName="compositeB" presStyleCnt="0"/>
+      <dgm:spPr/>
+    </dgm:pt>
+    <dgm:pt modelId="{A4D1B4AA-7491-4CDD-A315-4F28FDEED176}" type="pres">
+      <dgm:prSet presAssocID="{1C8B5C01-1C7A-4F80-B484-DE511DA40D72}" presName="textB" presStyleLbl="revTx" presStyleIdx="1" presStyleCnt="4">
+        <dgm:presLayoutVars>
+          <dgm:bulletEnabled val="1"/>
+        </dgm:presLayoutVars>
+      </dgm:prSet>
+      <dgm:spPr/>
+    </dgm:pt>
+    <dgm:pt modelId="{0A3F3E5D-7FB1-4823-B5A5-54535C2C8140}" type="pres">
+      <dgm:prSet presAssocID="{1C8B5C01-1C7A-4F80-B484-DE511DA40D72}" presName="circleB" presStyleLbl="node1" presStyleIdx="1" presStyleCnt="4"/>
+      <dgm:spPr/>
+    </dgm:pt>
+    <dgm:pt modelId="{01E89153-8A46-4FF3-B7DD-5248D5EC1C8F}" type="pres">
+      <dgm:prSet presAssocID="{1C8B5C01-1C7A-4F80-B484-DE511DA40D72}" presName="spaceB" presStyleCnt="0"/>
+      <dgm:spPr/>
+    </dgm:pt>
+    <dgm:pt modelId="{D0CFF815-3E17-4C2C-9870-D098E5BCD809}" type="pres">
+      <dgm:prSet presAssocID="{E1CA0424-54B7-4091-902C-7993134948F0}" presName="space" presStyleCnt="0"/>
+      <dgm:spPr/>
+    </dgm:pt>
+    <dgm:pt modelId="{0F1F924C-8374-4570-99CE-D7A5D3BFFD2D}" type="pres">
+      <dgm:prSet presAssocID="{0E9BBE7B-2CBC-4800-94B4-09675A20DB93}" presName="compositeA" presStyleCnt="0"/>
+      <dgm:spPr/>
+    </dgm:pt>
+    <dgm:pt modelId="{8F2C5466-CD4A-4146-824F-66A783D91AB6}" type="pres">
+      <dgm:prSet presAssocID="{0E9BBE7B-2CBC-4800-94B4-09675A20DB93}" presName="textA" presStyleLbl="revTx" presStyleIdx="2" presStyleCnt="4">
+        <dgm:presLayoutVars>
+          <dgm:bulletEnabled val="1"/>
+        </dgm:presLayoutVars>
+      </dgm:prSet>
+      <dgm:spPr/>
+    </dgm:pt>
+    <dgm:pt modelId="{A5719117-87FB-423B-BBFF-D281AE4AF9FF}" type="pres">
+      <dgm:prSet presAssocID="{0E9BBE7B-2CBC-4800-94B4-09675A20DB93}" presName="circleA" presStyleLbl="node1" presStyleIdx="2" presStyleCnt="4"/>
+      <dgm:spPr/>
+    </dgm:pt>
+    <dgm:pt modelId="{DBBD9F23-D2F4-4CCB-92DF-FFB7A8EA6FBD}" type="pres">
+      <dgm:prSet presAssocID="{0E9BBE7B-2CBC-4800-94B4-09675A20DB93}" presName="spaceA" presStyleCnt="0"/>
+      <dgm:spPr/>
+    </dgm:pt>
+    <dgm:pt modelId="{D41E8A84-521C-4C9A-9F14-2D1EF7991C24}" type="pres">
+      <dgm:prSet presAssocID="{73B8DFE8-95D7-4A26-A7B7-FAEAA3E7F7EF}" presName="space" presStyleCnt="0"/>
+      <dgm:spPr/>
+    </dgm:pt>
+    <dgm:pt modelId="{3EAE1F9A-371C-487D-A267-A81725BED8FF}" type="pres">
+      <dgm:prSet presAssocID="{80AEE765-BC68-4EF5-9E79-1FCF549247C9}" presName="compositeB" presStyleCnt="0"/>
+      <dgm:spPr/>
+    </dgm:pt>
+    <dgm:pt modelId="{EAC71718-D061-4EA4-8157-8F65E9410950}" type="pres">
+      <dgm:prSet presAssocID="{80AEE765-BC68-4EF5-9E79-1FCF549247C9}" presName="textB" presStyleLbl="revTx" presStyleIdx="3" presStyleCnt="4">
+        <dgm:presLayoutVars>
+          <dgm:bulletEnabled val="1"/>
+        </dgm:presLayoutVars>
+      </dgm:prSet>
+      <dgm:spPr/>
+    </dgm:pt>
+    <dgm:pt modelId="{CF13D304-EDFA-4477-8E6A-810525AB4219}" type="pres">
+      <dgm:prSet presAssocID="{80AEE765-BC68-4EF5-9E79-1FCF549247C9}" presName="circleB" presStyleLbl="node1" presStyleIdx="3" presStyleCnt="4"/>
+      <dgm:spPr/>
+    </dgm:pt>
+    <dgm:pt modelId="{7A00FB49-F4FD-4F8B-A135-B6010BDFE1DE}" type="pres">
+      <dgm:prSet presAssocID="{80AEE765-BC68-4EF5-9E79-1FCF549247C9}" presName="spaceB" presStyleCnt="0"/>
+      <dgm:spPr/>
+    </dgm:pt>
+  </dgm:ptLst>
+  <dgm:cxnLst>
+    <dgm:cxn modelId="{28BFB103-7137-49B1-B189-60D285C989B2}" srcId="{4AF97757-5623-42BC-B1EB-66E37E11E580}" destId="{BC60C76E-279D-42E8-B05A-B71B44AFDABE}" srcOrd="0" destOrd="0" parTransId="{19BCB32D-DF78-47B0-A67F-C0C6B8E0CA05}" sibTransId="{5F045853-0D6E-4CF7-9759-DC60EEF82CAE}"/>
+    <dgm:cxn modelId="{5C318026-0D1F-418F-B13F-3D58AF47D02E}" srcId="{4AF97757-5623-42BC-B1EB-66E37E11E580}" destId="{0E9BBE7B-2CBC-4800-94B4-09675A20DB93}" srcOrd="2" destOrd="0" parTransId="{E6494928-F59E-45C6-BBAB-EFBD88BB6E88}" sibTransId="{73B8DFE8-95D7-4A26-A7B7-FAEAA3E7F7EF}"/>
+    <dgm:cxn modelId="{A2EF0C5B-6E04-4E3F-8FD9-51EB55E36D10}" type="presOf" srcId="{80AEE765-BC68-4EF5-9E79-1FCF549247C9}" destId="{EAC71718-D061-4EA4-8157-8F65E9410950}" srcOrd="0" destOrd="0" presId="urn:microsoft.com/office/officeart/2005/8/layout/hProcess11"/>
+    <dgm:cxn modelId="{D5D9355D-5D06-4D1E-8BFF-4B958D22D732}" srcId="{4AF97757-5623-42BC-B1EB-66E37E11E580}" destId="{80AEE765-BC68-4EF5-9E79-1FCF549247C9}" srcOrd="3" destOrd="0" parTransId="{2124C3FA-3D9F-4A00-B410-F48B91BDC91A}" sibTransId="{E9ED0584-AB07-4094-8FB9-0858D9FB8B7E}"/>
+    <dgm:cxn modelId="{4912EE69-0920-453E-B7FA-4C5CC86F9064}" type="presOf" srcId="{0E9BBE7B-2CBC-4800-94B4-09675A20DB93}" destId="{8F2C5466-CD4A-4146-824F-66A783D91AB6}" srcOrd="0" destOrd="0" presId="urn:microsoft.com/office/officeart/2005/8/layout/hProcess11"/>
+    <dgm:cxn modelId="{A83E3A4E-0BB8-4470-8636-478E81479B2D}" type="presOf" srcId="{4AF97757-5623-42BC-B1EB-66E37E11E580}" destId="{13E77C39-E9D8-4F67-839B-241B118557D8}" srcOrd="0" destOrd="0" presId="urn:microsoft.com/office/officeart/2005/8/layout/hProcess11"/>
+    <dgm:cxn modelId="{F6958875-536D-4B27-814C-B8EE7A485D94}" type="presOf" srcId="{1C8B5C01-1C7A-4F80-B484-DE511DA40D72}" destId="{A4D1B4AA-7491-4CDD-A315-4F28FDEED176}" srcOrd="0" destOrd="0" presId="urn:microsoft.com/office/officeart/2005/8/layout/hProcess11"/>
+    <dgm:cxn modelId="{55CA63CE-DD8E-4A70-B76E-46FCF4EC93F4}" srcId="{4AF97757-5623-42BC-B1EB-66E37E11E580}" destId="{1C8B5C01-1C7A-4F80-B484-DE511DA40D72}" srcOrd="1" destOrd="0" parTransId="{B2EDCC05-3800-454F-B23B-8239686D8C83}" sibTransId="{E1CA0424-54B7-4091-902C-7993134948F0}"/>
+    <dgm:cxn modelId="{E196B3F5-B65E-4070-90E5-7346758E8C00}" type="presOf" srcId="{BC60C76E-279D-42E8-B05A-B71B44AFDABE}" destId="{16E7B3C6-EC7E-410B-9894-C3B168A8C36B}" srcOrd="0" destOrd="0" presId="urn:microsoft.com/office/officeart/2005/8/layout/hProcess11"/>
+    <dgm:cxn modelId="{FDA1B0A4-14EA-4DBA-9D62-B5D2AE68210B}" type="presParOf" srcId="{13E77C39-E9D8-4F67-839B-241B118557D8}" destId="{125ABB97-E25B-4320-8F12-A7F5E9E1B54B}" srcOrd="0" destOrd="0" presId="urn:microsoft.com/office/officeart/2005/8/layout/hProcess11"/>
+    <dgm:cxn modelId="{F4E31BF4-95F1-4D5E-BD7E-A9EB7CB16E7C}" type="presParOf" srcId="{13E77C39-E9D8-4F67-839B-241B118557D8}" destId="{87ACBC93-BFC7-4EEE-A5BE-019CAAB41CA0}" srcOrd="1" destOrd="0" presId="urn:microsoft.com/office/officeart/2005/8/layout/hProcess11"/>
+    <dgm:cxn modelId="{BEF78EC1-0115-459F-8F99-226935F62582}" type="presParOf" srcId="{87ACBC93-BFC7-4EEE-A5BE-019CAAB41CA0}" destId="{7D6A1EE2-D48B-4870-9CCA-1E7D7AA2A2B5}" srcOrd="0" destOrd="0" presId="urn:microsoft.com/office/officeart/2005/8/layout/hProcess11"/>
+    <dgm:cxn modelId="{5B09287F-736D-463D-8E7B-9F168E5C72C3}" type="presParOf" srcId="{7D6A1EE2-D48B-4870-9CCA-1E7D7AA2A2B5}" destId="{16E7B3C6-EC7E-410B-9894-C3B168A8C36B}" srcOrd="0" destOrd="0" presId="urn:microsoft.com/office/officeart/2005/8/layout/hProcess11"/>
+    <dgm:cxn modelId="{F74A36B5-8CBE-452C-82B4-91119D5DE9CA}" type="presParOf" srcId="{7D6A1EE2-D48B-4870-9CCA-1E7D7AA2A2B5}" destId="{4CAA6B2D-2283-424F-9E29-D15CE042CEB0}" srcOrd="1" destOrd="0" presId="urn:microsoft.com/office/officeart/2005/8/layout/hProcess11"/>
+    <dgm:cxn modelId="{A728E7D7-6146-4478-85F2-29227BAD76F2}" type="presParOf" srcId="{7D6A1EE2-D48B-4870-9CCA-1E7D7AA2A2B5}" destId="{9F052D34-1A6E-4219-87E5-1D14EBA54618}" srcOrd="2" destOrd="0" presId="urn:microsoft.com/office/officeart/2005/8/layout/hProcess11"/>
+    <dgm:cxn modelId="{8690E7AD-7267-4099-9B55-A5677EF4D2E0}" type="presParOf" srcId="{87ACBC93-BFC7-4EEE-A5BE-019CAAB41CA0}" destId="{D868C652-8392-4D6B-AE84-C1B033465605}" srcOrd="1" destOrd="0" presId="urn:microsoft.com/office/officeart/2005/8/layout/hProcess11"/>
+    <dgm:cxn modelId="{A56D4BC9-1E28-4E22-8442-86D8CFC4A199}" type="presParOf" srcId="{87ACBC93-BFC7-4EEE-A5BE-019CAAB41CA0}" destId="{8AF97382-F557-4676-8686-710E212CA905}" srcOrd="2" destOrd="0" presId="urn:microsoft.com/office/officeart/2005/8/layout/hProcess11"/>
+    <dgm:cxn modelId="{6A7A8A58-59CD-4778-97D8-6F72281A6AA5}" type="presParOf" srcId="{8AF97382-F557-4676-8686-710E212CA905}" destId="{A4D1B4AA-7491-4CDD-A315-4F28FDEED176}" srcOrd="0" destOrd="0" presId="urn:microsoft.com/office/officeart/2005/8/layout/hProcess11"/>
+    <dgm:cxn modelId="{76290D53-1BB6-4C5B-B807-7DC2809392D0}" type="presParOf" srcId="{8AF97382-F557-4676-8686-710E212CA905}" destId="{0A3F3E5D-7FB1-4823-B5A5-54535C2C8140}" srcOrd="1" destOrd="0" presId="urn:microsoft.com/office/officeart/2005/8/layout/hProcess11"/>
+    <dgm:cxn modelId="{DDD6C42A-452E-4222-B206-E700B8E562CE}" type="presParOf" srcId="{8AF97382-F557-4676-8686-710E212CA905}" destId="{01E89153-8A46-4FF3-B7DD-5248D5EC1C8F}" srcOrd="2" destOrd="0" presId="urn:microsoft.com/office/officeart/2005/8/layout/hProcess11"/>
+    <dgm:cxn modelId="{42345A7A-DDF8-4BE7-A7DA-B42A66409B26}" type="presParOf" srcId="{87ACBC93-BFC7-4EEE-A5BE-019CAAB41CA0}" destId="{D0CFF815-3E17-4C2C-9870-D098E5BCD809}" srcOrd="3" destOrd="0" presId="urn:microsoft.com/office/officeart/2005/8/layout/hProcess11"/>
+    <dgm:cxn modelId="{075D76FB-0820-4474-8E14-AB6097518A2E}" type="presParOf" srcId="{87ACBC93-BFC7-4EEE-A5BE-019CAAB41CA0}" destId="{0F1F924C-8374-4570-99CE-D7A5D3BFFD2D}" srcOrd="4" destOrd="0" presId="urn:microsoft.com/office/officeart/2005/8/layout/hProcess11"/>
+    <dgm:cxn modelId="{0CEB1F3A-E23E-4232-83B4-9E3342C02C3E}" type="presParOf" srcId="{0F1F924C-8374-4570-99CE-D7A5D3BFFD2D}" destId="{8F2C5466-CD4A-4146-824F-66A783D91AB6}" srcOrd="0" destOrd="0" presId="urn:microsoft.com/office/officeart/2005/8/layout/hProcess11"/>
+    <dgm:cxn modelId="{EF34DBF4-D837-47EB-B7C0-281BC91C9A3C}" type="presParOf" srcId="{0F1F924C-8374-4570-99CE-D7A5D3BFFD2D}" destId="{A5719117-87FB-423B-BBFF-D281AE4AF9FF}" srcOrd="1" destOrd="0" presId="urn:microsoft.com/office/officeart/2005/8/layout/hProcess11"/>
+    <dgm:cxn modelId="{A728629D-4136-43D0-8C89-984A764B6D03}" type="presParOf" srcId="{0F1F924C-8374-4570-99CE-D7A5D3BFFD2D}" destId="{DBBD9F23-D2F4-4CCB-92DF-FFB7A8EA6FBD}" srcOrd="2" destOrd="0" presId="urn:microsoft.com/office/officeart/2005/8/layout/hProcess11"/>
+    <dgm:cxn modelId="{0AA568D5-82A3-472E-A57D-218D62AF6B11}" type="presParOf" srcId="{87ACBC93-BFC7-4EEE-A5BE-019CAAB41CA0}" destId="{D41E8A84-521C-4C9A-9F14-2D1EF7991C24}" srcOrd="5" destOrd="0" presId="urn:microsoft.com/office/officeart/2005/8/layout/hProcess11"/>
+    <dgm:cxn modelId="{307306FF-43EA-44F9-9E59-A9642CD39A76}" type="presParOf" srcId="{87ACBC93-BFC7-4EEE-A5BE-019CAAB41CA0}" destId="{3EAE1F9A-371C-487D-A267-A81725BED8FF}" srcOrd="6" destOrd="0" presId="urn:microsoft.com/office/officeart/2005/8/layout/hProcess11"/>
+    <dgm:cxn modelId="{06065DAE-53C2-4DB1-8AAC-B412FC0C93C3}" type="presParOf" srcId="{3EAE1F9A-371C-487D-A267-A81725BED8FF}" destId="{EAC71718-D061-4EA4-8157-8F65E9410950}" srcOrd="0" destOrd="0" presId="urn:microsoft.com/office/officeart/2005/8/layout/hProcess11"/>
+    <dgm:cxn modelId="{73D55929-AF43-4DC6-919D-3339B9E17B48}" type="presParOf" srcId="{3EAE1F9A-371C-487D-A267-A81725BED8FF}" destId="{CF13D304-EDFA-4477-8E6A-810525AB4219}" srcOrd="1" destOrd="0" presId="urn:microsoft.com/office/officeart/2005/8/layout/hProcess11"/>
+    <dgm:cxn modelId="{4AFAEE13-7000-47C8-9E16-70D3915B9104}" type="presParOf" srcId="{3EAE1F9A-371C-487D-A267-A81725BED8FF}" destId="{7A00FB49-F4FD-4F8B-A135-B6010BDFE1DE}" srcOrd="2" destOrd="0" presId="urn:microsoft.com/office/officeart/2005/8/layout/hProcess11"/>
+  </dgm:cxnLst>
+  <dgm:bg/>
+  <dgm:whole/>
+  <dgm:extLst>
+    <a:ext uri="http://schemas.microsoft.com/office/drawing/2008/diagram">
+      <dsp:dataModelExt xmlns:dsp="http://schemas.microsoft.com/office/drawing/2008/diagram" relId="rId6" minVer="http://schemas.openxmlformats.org/drawingml/2006/diagram"/>
+    </a:ext>
+  </dgm:extLst>
+</dgm:dataModel>
+</file>
+
+<file path=ppt/diagrams/drawing1.xml><?xml version="1.0" encoding="utf-8"?>
+<dsp:drawing xmlns:dgm="http://schemas.openxmlformats.org/drawingml/2006/diagram" xmlns:dsp="http://schemas.microsoft.com/office/drawing/2008/diagram" xmlns:a="http://schemas.openxmlformats.org/drawingml/2006/main">
+  <dsp:spTree>
+    <dsp:nvGrpSpPr>
+      <dsp:cNvPr id="0" name=""/>
+      <dsp:cNvGrpSpPr/>
+    </dsp:nvGrpSpPr>
+    <dsp:grpSpPr/>
+    <dsp:sp modelId="{125ABB97-E25B-4320-8F12-A7F5E9E1B54B}">
+      <dsp:nvSpPr>
+        <dsp:cNvPr id="0" name=""/>
+        <dsp:cNvSpPr/>
+      </dsp:nvSpPr>
+      <dsp:spPr>
+        <a:xfrm>
+          <a:off x="0" y="1398303"/>
+          <a:ext cx="11944336" cy="1864404"/>
+        </a:xfrm>
+        <a:prstGeom prst="notchedRightArrow">
+          <a:avLst/>
+        </a:prstGeom>
+        <a:solidFill>
+          <a:schemeClr val="accent1">
+            <a:tint val="40000"/>
+            <a:hueOff val="0"/>
+            <a:satOff val="0"/>
+            <a:lumOff val="0"/>
+            <a:alphaOff val="0"/>
+          </a:schemeClr>
+        </a:solidFill>
+        <a:ln>
+          <a:noFill/>
+        </a:ln>
+        <a:effectLst/>
+      </dsp:spPr>
+      <dsp:style>
+        <a:lnRef idx="0">
+          <a:scrgbClr r="0" g="0" b="0"/>
+        </a:lnRef>
+        <a:fillRef idx="1">
+          <a:scrgbClr r="0" g="0" b="0"/>
+        </a:fillRef>
+        <a:effectRef idx="0">
+          <a:scrgbClr r="0" g="0" b="0"/>
+        </a:effectRef>
+        <a:fontRef idx="minor"/>
+      </dsp:style>
+    </dsp:sp>
+    <dsp:sp modelId="{16E7B3C6-EC7E-410B-9894-C3B168A8C36B}">
+      <dsp:nvSpPr>
+        <dsp:cNvPr id="0" name=""/>
+        <dsp:cNvSpPr/>
+      </dsp:nvSpPr>
+      <dsp:spPr>
+        <a:xfrm>
+          <a:off x="5380" y="0"/>
+          <a:ext cx="2587745" cy="1864404"/>
+        </a:xfrm>
+        <a:prstGeom prst="rect">
+          <a:avLst/>
+        </a:prstGeom>
+        <a:noFill/>
+        <a:ln>
+          <a:noFill/>
+        </a:ln>
+        <a:effectLst/>
+      </dsp:spPr>
+      <dsp:style>
+        <a:lnRef idx="0">
+          <a:scrgbClr r="0" g="0" b="0"/>
+        </a:lnRef>
+        <a:fillRef idx="0">
+          <a:scrgbClr r="0" g="0" b="0"/>
+        </a:fillRef>
+        <a:effectRef idx="0">
+          <a:scrgbClr r="0" g="0" b="0"/>
+        </a:effectRef>
+        <a:fontRef idx="minor"/>
+      </dsp:style>
+      <dsp:txBody>
+        <a:bodyPr spcFirstLastPara="0" vert="horz" wrap="square" lIns="241808" tIns="241808" rIns="241808" bIns="241808" numCol="1" spcCol="1270" anchor="b" anchorCtr="0">
+          <a:noAutofit/>
+        </a:bodyPr>
+        <a:lstStyle/>
+        <a:p>
+          <a:pPr marL="0" lvl="0" indent="0" algn="ctr" defTabSz="1511300">
+            <a:lnSpc>
+              <a:spcPct val="90000"/>
+            </a:lnSpc>
+            <a:spcBef>
+              <a:spcPct val="0"/>
+            </a:spcBef>
+            <a:spcAft>
+              <a:spcPct val="35000"/>
+            </a:spcAft>
+            <a:buNone/>
+          </a:pPr>
+          <a:r>
+            <a:rPr kumimoji="1" lang="ja-JP" altLang="en-US" sz="3400" kern="1200" dirty="0"/>
+            <a:t>開発</a:t>
+          </a:r>
+        </a:p>
+      </dsp:txBody>
+      <dsp:txXfrm>
+        <a:off x="5380" y="0"/>
+        <a:ext cx="2587745" cy="1864404"/>
+      </dsp:txXfrm>
+    </dsp:sp>
+    <dsp:sp modelId="{4CAA6B2D-2283-424F-9E29-D15CE042CEB0}">
+      <dsp:nvSpPr>
+        <dsp:cNvPr id="0" name=""/>
+        <dsp:cNvSpPr/>
+      </dsp:nvSpPr>
+      <dsp:spPr>
+        <a:xfrm>
+          <a:off x="1066202" y="2097455"/>
+          <a:ext cx="466101" cy="466101"/>
+        </a:xfrm>
+        <a:prstGeom prst="ellipse">
+          <a:avLst/>
+        </a:prstGeom>
+        <a:solidFill>
+          <a:schemeClr val="accent1">
+            <a:hueOff val="0"/>
+            <a:satOff val="0"/>
+            <a:lumOff val="0"/>
+            <a:alphaOff val="0"/>
+          </a:schemeClr>
+        </a:solidFill>
+        <a:ln w="10795" cap="flat" cmpd="sng" algn="ctr">
+          <a:solidFill>
+            <a:schemeClr val="lt1">
+              <a:hueOff val="0"/>
+              <a:satOff val="0"/>
+              <a:lumOff val="0"/>
+              <a:alphaOff val="0"/>
+            </a:schemeClr>
+          </a:solidFill>
+          <a:prstDash val="solid"/>
+        </a:ln>
+        <a:effectLst/>
+      </dsp:spPr>
+      <dsp:style>
+        <a:lnRef idx="2">
+          <a:scrgbClr r="0" g="0" b="0"/>
+        </a:lnRef>
+        <a:fillRef idx="1">
+          <a:scrgbClr r="0" g="0" b="0"/>
+        </a:fillRef>
+        <a:effectRef idx="0">
+          <a:scrgbClr r="0" g="0" b="0"/>
+        </a:effectRef>
+        <a:fontRef idx="minor">
+          <a:schemeClr val="lt1"/>
+        </a:fontRef>
+      </dsp:style>
+    </dsp:sp>
+    <dsp:sp modelId="{A4D1B4AA-7491-4CDD-A315-4F28FDEED176}">
+      <dsp:nvSpPr>
+        <dsp:cNvPr id="0" name=""/>
+        <dsp:cNvSpPr/>
+      </dsp:nvSpPr>
+      <dsp:spPr>
+        <a:xfrm>
+          <a:off x="2722512" y="2796607"/>
+          <a:ext cx="2587745" cy="1864404"/>
+        </a:xfrm>
+        <a:prstGeom prst="rect">
+          <a:avLst/>
+        </a:prstGeom>
+        <a:noFill/>
+        <a:ln>
+          <a:noFill/>
+        </a:ln>
+        <a:effectLst/>
+      </dsp:spPr>
+      <dsp:style>
+        <a:lnRef idx="0">
+          <a:scrgbClr r="0" g="0" b="0"/>
+        </a:lnRef>
+        <a:fillRef idx="0">
+          <a:scrgbClr r="0" g="0" b="0"/>
+        </a:fillRef>
+        <a:effectRef idx="0">
+          <a:scrgbClr r="0" g="0" b="0"/>
+        </a:effectRef>
+        <a:fontRef idx="minor"/>
+      </dsp:style>
+      <dsp:txBody>
+        <a:bodyPr spcFirstLastPara="0" vert="horz" wrap="square" lIns="241808" tIns="241808" rIns="241808" bIns="241808" numCol="1" spcCol="1270" anchor="t" anchorCtr="0">
+          <a:noAutofit/>
+        </a:bodyPr>
+        <a:lstStyle/>
+        <a:p>
+          <a:pPr marL="0" lvl="0" indent="0" algn="ctr" defTabSz="1511300">
+            <a:lnSpc>
+              <a:spcPct val="90000"/>
+            </a:lnSpc>
+            <a:spcBef>
+              <a:spcPct val="0"/>
+            </a:spcBef>
+            <a:spcAft>
+              <a:spcPct val="35000"/>
+            </a:spcAft>
+            <a:buNone/>
+          </a:pPr>
+          <a:r>
+            <a:rPr kumimoji="1" lang="ja-JP" altLang="en-US" sz="3400" kern="1200" dirty="0"/>
+            <a:t>ストアへ</a:t>
+          </a:r>
+          <a:br>
+            <a:rPr kumimoji="1" lang="en-US" altLang="ja-JP" sz="3400" kern="1200" dirty="0"/>
+          </a:br>
+          <a:r>
+            <a:rPr kumimoji="1" lang="ja-JP" altLang="en-US" sz="3400" kern="1200" dirty="0"/>
+            <a:t>提出</a:t>
+          </a:r>
+        </a:p>
+      </dsp:txBody>
+      <dsp:txXfrm>
+        <a:off x="2722512" y="2796607"/>
+        <a:ext cx="2587745" cy="1864404"/>
+      </dsp:txXfrm>
+    </dsp:sp>
+    <dsp:sp modelId="{0A3F3E5D-7FB1-4823-B5A5-54535C2C8140}">
+      <dsp:nvSpPr>
+        <dsp:cNvPr id="0" name=""/>
+        <dsp:cNvSpPr/>
+      </dsp:nvSpPr>
+      <dsp:spPr>
+        <a:xfrm>
+          <a:off x="3783334" y="2097455"/>
+          <a:ext cx="466101" cy="466101"/>
+        </a:xfrm>
+        <a:prstGeom prst="ellipse">
+          <a:avLst/>
+        </a:prstGeom>
+        <a:solidFill>
+          <a:schemeClr val="accent1">
+            <a:hueOff val="0"/>
+            <a:satOff val="0"/>
+            <a:lumOff val="0"/>
+            <a:alphaOff val="0"/>
+          </a:schemeClr>
+        </a:solidFill>
+        <a:ln w="10795" cap="flat" cmpd="sng" algn="ctr">
+          <a:solidFill>
+            <a:schemeClr val="lt1">
+              <a:hueOff val="0"/>
+              <a:satOff val="0"/>
+              <a:lumOff val="0"/>
+              <a:alphaOff val="0"/>
+            </a:schemeClr>
+          </a:solidFill>
+          <a:prstDash val="solid"/>
+        </a:ln>
+        <a:effectLst/>
+      </dsp:spPr>
+      <dsp:style>
+        <a:lnRef idx="2">
+          <a:scrgbClr r="0" g="0" b="0"/>
+        </a:lnRef>
+        <a:fillRef idx="1">
+          <a:scrgbClr r="0" g="0" b="0"/>
+        </a:fillRef>
+        <a:effectRef idx="0">
+          <a:scrgbClr r="0" g="0" b="0"/>
+        </a:effectRef>
+        <a:fontRef idx="minor">
+          <a:schemeClr val="lt1"/>
+        </a:fontRef>
+      </dsp:style>
+    </dsp:sp>
+    <dsp:sp modelId="{8F2C5466-CD4A-4146-824F-66A783D91AB6}">
+      <dsp:nvSpPr>
+        <dsp:cNvPr id="0" name=""/>
+        <dsp:cNvSpPr/>
+      </dsp:nvSpPr>
+      <dsp:spPr>
+        <a:xfrm>
+          <a:off x="5439644" y="0"/>
+          <a:ext cx="2587745" cy="1864404"/>
+        </a:xfrm>
+        <a:prstGeom prst="rect">
+          <a:avLst/>
+        </a:prstGeom>
+        <a:noFill/>
+        <a:ln>
+          <a:noFill/>
+        </a:ln>
+        <a:effectLst/>
+      </dsp:spPr>
+      <dsp:style>
+        <a:lnRef idx="0">
+          <a:scrgbClr r="0" g="0" b="0"/>
+        </a:lnRef>
+        <a:fillRef idx="0">
+          <a:scrgbClr r="0" g="0" b="0"/>
+        </a:fillRef>
+        <a:effectRef idx="0">
+          <a:scrgbClr r="0" g="0" b="0"/>
+        </a:effectRef>
+        <a:fontRef idx="minor"/>
+      </dsp:style>
+      <dsp:txBody>
+        <a:bodyPr spcFirstLastPara="0" vert="horz" wrap="square" lIns="241808" tIns="241808" rIns="241808" bIns="241808" numCol="1" spcCol="1270" anchor="b" anchorCtr="0">
+          <a:noAutofit/>
+        </a:bodyPr>
+        <a:lstStyle/>
+        <a:p>
+          <a:pPr marL="0" lvl="0" indent="0" algn="ctr" defTabSz="1511300">
+            <a:lnSpc>
+              <a:spcPct val="90000"/>
+            </a:lnSpc>
+            <a:spcBef>
+              <a:spcPct val="0"/>
+            </a:spcBef>
+            <a:spcAft>
+              <a:spcPct val="35000"/>
+            </a:spcAft>
+            <a:buNone/>
+          </a:pPr>
+          <a:r>
+            <a:rPr kumimoji="1" lang="ja-JP" altLang="en-US" sz="3400" kern="1200" dirty="0"/>
+            <a:t>審査</a:t>
+          </a:r>
+        </a:p>
+      </dsp:txBody>
+      <dsp:txXfrm>
+        <a:off x="5439644" y="0"/>
+        <a:ext cx="2587745" cy="1864404"/>
+      </dsp:txXfrm>
+    </dsp:sp>
+    <dsp:sp modelId="{A5719117-87FB-423B-BBFF-D281AE4AF9FF}">
+      <dsp:nvSpPr>
+        <dsp:cNvPr id="0" name=""/>
+        <dsp:cNvSpPr/>
+      </dsp:nvSpPr>
+      <dsp:spPr>
+        <a:xfrm>
+          <a:off x="6500466" y="2097455"/>
+          <a:ext cx="466101" cy="466101"/>
+        </a:xfrm>
+        <a:prstGeom prst="ellipse">
+          <a:avLst/>
+        </a:prstGeom>
+        <a:solidFill>
+          <a:schemeClr val="accent1">
+            <a:hueOff val="0"/>
+            <a:satOff val="0"/>
+            <a:lumOff val="0"/>
+            <a:alphaOff val="0"/>
+          </a:schemeClr>
+        </a:solidFill>
+        <a:ln w="10795" cap="flat" cmpd="sng" algn="ctr">
+          <a:solidFill>
+            <a:schemeClr val="lt1">
+              <a:hueOff val="0"/>
+              <a:satOff val="0"/>
+              <a:lumOff val="0"/>
+              <a:alphaOff val="0"/>
+            </a:schemeClr>
+          </a:solidFill>
+          <a:prstDash val="solid"/>
+        </a:ln>
+        <a:effectLst/>
+      </dsp:spPr>
+      <dsp:style>
+        <a:lnRef idx="2">
+          <a:scrgbClr r="0" g="0" b="0"/>
+        </a:lnRef>
+        <a:fillRef idx="1">
+          <a:scrgbClr r="0" g="0" b="0"/>
+        </a:fillRef>
+        <a:effectRef idx="0">
+          <a:scrgbClr r="0" g="0" b="0"/>
+        </a:effectRef>
+        <a:fontRef idx="minor">
+          <a:schemeClr val="lt1"/>
+        </a:fontRef>
+      </dsp:style>
+    </dsp:sp>
+    <dsp:sp modelId="{EAC71718-D061-4EA4-8157-8F65E9410950}">
+      <dsp:nvSpPr>
+        <dsp:cNvPr id="0" name=""/>
+        <dsp:cNvSpPr/>
+      </dsp:nvSpPr>
+      <dsp:spPr>
+        <a:xfrm>
+          <a:off x="8156777" y="2796607"/>
+          <a:ext cx="2587745" cy="1864404"/>
+        </a:xfrm>
+        <a:prstGeom prst="rect">
+          <a:avLst/>
+        </a:prstGeom>
+        <a:noFill/>
+        <a:ln>
+          <a:noFill/>
+        </a:ln>
+        <a:effectLst/>
+      </dsp:spPr>
+      <dsp:style>
+        <a:lnRef idx="0">
+          <a:scrgbClr r="0" g="0" b="0"/>
+        </a:lnRef>
+        <a:fillRef idx="0">
+          <a:scrgbClr r="0" g="0" b="0"/>
+        </a:fillRef>
+        <a:effectRef idx="0">
+          <a:scrgbClr r="0" g="0" b="0"/>
+        </a:effectRef>
+        <a:fontRef idx="minor"/>
+      </dsp:style>
+      <dsp:txBody>
+        <a:bodyPr spcFirstLastPara="0" vert="horz" wrap="square" lIns="241808" tIns="241808" rIns="241808" bIns="241808" numCol="1" spcCol="1270" anchor="t" anchorCtr="0">
+          <a:noAutofit/>
+        </a:bodyPr>
+        <a:lstStyle/>
+        <a:p>
+          <a:pPr marL="0" lvl="0" indent="0" algn="ctr" defTabSz="1511300">
+            <a:lnSpc>
+              <a:spcPct val="90000"/>
+            </a:lnSpc>
+            <a:spcBef>
+              <a:spcPct val="0"/>
+            </a:spcBef>
+            <a:spcAft>
+              <a:spcPct val="35000"/>
+            </a:spcAft>
+            <a:buNone/>
+          </a:pPr>
+          <a:r>
+            <a:rPr kumimoji="1" lang="ja-JP" altLang="en-US" sz="3400" kern="1200" dirty="0"/>
+            <a:t>公開</a:t>
+          </a:r>
+        </a:p>
+      </dsp:txBody>
+      <dsp:txXfrm>
+        <a:off x="8156777" y="2796607"/>
+        <a:ext cx="2587745" cy="1864404"/>
+      </dsp:txXfrm>
+    </dsp:sp>
+    <dsp:sp modelId="{CF13D304-EDFA-4477-8E6A-810525AB4219}">
+      <dsp:nvSpPr>
+        <dsp:cNvPr id="0" name=""/>
+        <dsp:cNvSpPr/>
+      </dsp:nvSpPr>
+      <dsp:spPr>
+        <a:xfrm>
+          <a:off x="9217599" y="2097455"/>
+          <a:ext cx="466101" cy="466101"/>
+        </a:xfrm>
+        <a:prstGeom prst="ellipse">
+          <a:avLst/>
+        </a:prstGeom>
+        <a:solidFill>
+          <a:schemeClr val="accent1">
+            <a:hueOff val="0"/>
+            <a:satOff val="0"/>
+            <a:lumOff val="0"/>
+            <a:alphaOff val="0"/>
+          </a:schemeClr>
+        </a:solidFill>
+        <a:ln w="10795" cap="flat" cmpd="sng" algn="ctr">
+          <a:solidFill>
+            <a:schemeClr val="lt1">
+              <a:hueOff val="0"/>
+              <a:satOff val="0"/>
+              <a:lumOff val="0"/>
+              <a:alphaOff val="0"/>
+            </a:schemeClr>
+          </a:solidFill>
+          <a:prstDash val="solid"/>
+        </a:ln>
+        <a:effectLst/>
+      </dsp:spPr>
+      <dsp:style>
+        <a:lnRef idx="2">
+          <a:scrgbClr r="0" g="0" b="0"/>
+        </a:lnRef>
+        <a:fillRef idx="1">
+          <a:scrgbClr r="0" g="0" b="0"/>
+        </a:fillRef>
+        <a:effectRef idx="0">
+          <a:scrgbClr r="0" g="0" b="0"/>
+        </a:effectRef>
+        <a:fontRef idx="minor">
+          <a:schemeClr val="lt1"/>
+        </a:fontRef>
+      </dsp:style>
+    </dsp:sp>
+  </dsp:spTree>
+</dsp:drawing>
+</file>
+
+<file path=ppt/diagrams/layout1.xml><?xml version="1.0" encoding="utf-8"?>
+<dgm:layoutDef xmlns:dgm="http://schemas.openxmlformats.org/drawingml/2006/diagram" xmlns:a="http://schemas.openxmlformats.org/drawingml/2006/main" uniqueId="urn:microsoft.com/office/officeart/2005/8/layout/hProcess11">
+  <dgm:title val=""/>
+  <dgm:desc val=""/>
+  <dgm:catLst>
+    <dgm:cat type="process" pri="8000"/>
+    <dgm:cat type="convert" pri="14000"/>
+  </dgm:catLst>
+  <dgm:sampData useDef="1">
+    <dgm:dataModel>
+      <dgm:ptLst/>
+      <dgm:bg/>
+      <dgm:whole/>
+    </dgm:dataModel>
+  </dgm:sampData>
+  <dgm:styleData>
+    <dgm:dataModel>
+      <dgm:ptLst>
+        <dgm:pt modelId="0" type="doc"/>
+        <dgm:pt modelId="1"/>
+        <dgm:pt modelId="2"/>
+      </dgm:ptLst>
+      <dgm:cxnLst>
+        <dgm:cxn modelId="4" srcId="0" destId="1" srcOrd="0" destOrd="0"/>
+        <dgm:cxn modelId="5" srcId="0" destId="2" srcOrd="1" destOrd="0"/>
+      </dgm:cxnLst>
+      <dgm:bg/>
+      <dgm:whole/>
+    </dgm:dataModel>
+  </dgm:styleData>
+  <dgm:clrData>
+    <dgm:dataModel>
+      <dgm:ptLst>
+        <dgm:pt modelId="0" type="doc"/>
+        <dgm:pt modelId="1"/>
+        <dgm:pt modelId="2"/>
+        <dgm:pt modelId="3"/>
+        <dgm:pt modelId="4"/>
+      </dgm:ptLst>
+      <dgm:cxnLst>
+        <dgm:cxn modelId="5" srcId="0" destId="1" srcOrd="0" destOrd="0"/>
+        <dgm:cxn modelId="6" srcId="0" destId="2" srcOrd="1" destOrd="0"/>
+        <dgm:cxn modelId="7" srcId="0" destId="3" srcOrd="2" destOrd="0"/>
+        <dgm:cxn modelId="8" srcId="0" destId="4" srcOrd="3" destOrd="0"/>
+      </dgm:cxnLst>
+      <dgm:bg/>
+      <dgm:whole/>
+    </dgm:dataModel>
+  </dgm:clrData>
+  <dgm:layoutNode name="Name0">
+    <dgm:varLst>
+      <dgm:dir/>
+      <dgm:resizeHandles val="exact"/>
+    </dgm:varLst>
+    <dgm:alg type="composite"/>
+    <dgm:shape xmlns:r="http://schemas.openxmlformats.org/officeDocument/2006/relationships" r:blip="">
+      <dgm:adjLst/>
+    </dgm:shape>
+    <dgm:presOf/>
+    <dgm:choose name="Name1">
+      <dgm:if name="Name2" func="var" arg="dir" op="equ" val="norm">
+        <dgm:constrLst>
+          <dgm:constr type="w" for="ch" forName="arrow" refType="w"/>
+          <dgm:constr type="h" for="ch" forName="arrow" refType="h" fact="0.4"/>
+          <dgm:constr type="ctrY" for="ch" forName="arrow" refType="h" fact="0.5"/>
+          <dgm:constr type="l" for="ch" forName="arrow"/>
+          <dgm:constr type="w" for="ch" forName="points" refType="w" fact="0.9"/>
+          <dgm:constr type="h" for="ch" forName="points" refType="h"/>
+          <dgm:constr type="t" for="ch" forName="points"/>
+          <dgm:constr type="l" for="ch" forName="points"/>
+        </dgm:constrLst>
+      </dgm:if>
+      <dgm:else name="Name3">
+        <dgm:constrLst>
+          <dgm:constr type="w" for="ch" forName="arrow" refType="w"/>
+          <dgm:constr type="h" for="ch" forName="arrow" refType="h" fact="0.4"/>
+          <dgm:constr type="ctrY" for="ch" forName="arrow" refType="h" fact="0.5"/>
+          <dgm:constr type="r" for="ch" forName="arrow" refType="w"/>
+          <dgm:constr type="w" for="ch" forName="points" refType="w" fact="0.9"/>
+          <dgm:constr type="h" for="ch" forName="points" refType="h"/>
+          <dgm:constr type="t" for="ch" forName="points"/>
+          <dgm:constr type="r" for="ch" forName="points" refType="w"/>
+        </dgm:constrLst>
+      </dgm:else>
+    </dgm:choose>
+    <dgm:ruleLst/>
+    <dgm:layoutNode name="arrow" styleLbl="bgShp">
+      <dgm:alg type="sp"/>
+      <dgm:choose name="Name4">
+        <dgm:if name="Name5" func="var" arg="dir" op="equ" val="norm">
+          <dgm:shape xmlns:r="http://schemas.openxmlformats.org/officeDocument/2006/relationships" type="notchedRightArrow" r:blip="">
+            <dgm:adjLst/>
+          </dgm:shape>
+        </dgm:if>
+        <dgm:else name="Name6">
+          <dgm:shape xmlns:r="http://schemas.openxmlformats.org/officeDocument/2006/relationships" rot="180" type="notchedRightArrow" r:blip="">
+            <dgm:adjLst/>
+          </dgm:shape>
+        </dgm:else>
+      </dgm:choose>
+      <dgm:presOf/>
+      <dgm:constrLst/>
+      <dgm:ruleLst/>
+    </dgm:layoutNode>
+    <dgm:layoutNode name="points">
+      <dgm:choose name="Name7">
+        <dgm:if name="Name8" func="var" arg="dir" op="equ" val="norm">
+          <dgm:alg type="lin">
+            <dgm:param type="linDir" val="fromL"/>
+          </dgm:alg>
+        </dgm:if>
+        <dgm:else name="Name9">
+          <dgm:alg type="lin">
+            <dgm:param type="linDir" val="fromR"/>
+          </dgm:alg>
+        </dgm:else>
+      </dgm:choose>
+      <dgm:shape xmlns:r="http://schemas.openxmlformats.org/officeDocument/2006/relationships" r:blip="">
+        <dgm:adjLst/>
+      </dgm:shape>
+      <dgm:presOf/>
+      <dgm:constrLst>
+        <dgm:constr type="w" for="ch" forName="compositeA" refType="w"/>
+        <dgm:constr type="h" for="ch" forName="compositeA" refType="h"/>
+        <dgm:constr type="w" for="ch" forName="compositeB" refType="w" refFor="ch" refForName="compositeA" op="equ"/>
+        <dgm:constr type="h" for="ch" forName="compositeB" refType="h" refFor="ch" refForName="compositeA" op="equ"/>
+        <dgm:constr type="primFontSz" for="des" ptType="node" op="equ" val="65"/>
+        <dgm:constr type="w" for="ch" forName="space" refType="w" refFor="ch" refForName="compositeA" op="equ" fact="0.05"/>
+      </dgm:constrLst>
+      <dgm:ruleLst/>
+      <dgm:forEach name="Name10" axis="ch" ptType="node">
+        <dgm:choose name="Name11">
+          <dgm:if name="Name12" axis="self" ptType="node" func="posOdd" op="equ" val="1">
+            <dgm:layoutNode name="compositeA">
+              <dgm:alg type="composite"/>
+              <dgm:shape xmlns:r="http://schemas.openxmlformats.org/officeDocument/2006/relationships" r:blip="">
+                <dgm:adjLst/>
+              </dgm:shape>
+              <dgm:presOf/>
+              <dgm:constrLst>
+                <dgm:constr type="w" for="ch" forName="textA" refType="w"/>
+                <dgm:constr type="h" for="ch" forName="textA" refType="h" fact="0.4"/>
+                <dgm:constr type="t" for="ch" forName="textA"/>
+                <dgm:constr type="l" for="ch" forName="textA"/>
+                <dgm:constr type="h" for="ch" forName="circleA" refType="h" fact="0.1"/>
+                <dgm:constr type="h" for="ch" forName="circleA" refType="w" op="lte"/>
+                <dgm:constr type="w" for="ch" forName="circleA" refType="h" refFor="ch" refForName="circleA" op="equ"/>
+                <dgm:constr type="ctrY" for="ch" forName="circleA" refType="h" fact="0.5"/>
+                <dgm:constr type="ctrX" for="ch" forName="circleA" refType="w" refFor="ch" refForName="textA" fact="0.5"/>
+                <dgm:constr type="w" for="ch" forName="spaceA" refType="w"/>
+                <dgm:constr type="h" for="ch" forName="spaceA" refType="h" fact="0.4"/>
+                <dgm:constr type="b" for="ch" forName="spaceA" refType="h"/>
+                <dgm:constr type="l" for="ch" forName="spaceA"/>
+              </dgm:constrLst>
+              <dgm:ruleLst/>
+              <dgm:layoutNode name="textA" styleLbl="revTx">
+                <dgm:varLst>
+                  <dgm:bulletEnabled val="1"/>
+                </dgm:varLst>
+                <dgm:alg type="tx">
+                  <dgm:param type="txAnchorVert" val="b"/>
+                  <dgm:param type="txAnchorVertCh" val="b"/>
+                  <dgm:param type="txAnchorHorzCh" val="ctr"/>
+                </dgm:alg>
+                <dgm:shape xmlns:r="http://schemas.openxmlformats.org/officeDocument/2006/relationships" type="rect" r:blip="">
+                  <dgm:adjLst/>
+                </dgm:shape>
+                <dgm:presOf axis="desOrSelf" ptType="node"/>
+                <dgm:constrLst/>
+                <dgm:ruleLst>
+                  <dgm:rule type="primFontSz" val="5" fact="NaN" max="NaN"/>
+                </dgm:ruleLst>
+              </dgm:layoutNode>
+              <dgm:layoutNode name="circleA">
+                <dgm:alg type="sp"/>
+                <dgm:shape xmlns:r="http://schemas.openxmlformats.org/officeDocument/2006/relationships" type="ellipse" r:blip="">
+                  <dgm:adjLst/>
+                </dgm:shape>
+                <dgm:presOf/>
+                <dgm:constrLst/>
+                <dgm:ruleLst/>
+              </dgm:layoutNode>
+              <dgm:layoutNode name="spaceA">
+                <dgm:alg type="sp"/>
+                <dgm:shape xmlns:r="http://schemas.openxmlformats.org/officeDocument/2006/relationships" r:blip="">
+                  <dgm:adjLst/>
+                </dgm:shape>
+                <dgm:presOf/>
+                <dgm:constrLst/>
+                <dgm:ruleLst/>
+              </dgm:layoutNode>
+            </dgm:layoutNode>
+          </dgm:if>
+          <dgm:else name="Name13">
+            <dgm:layoutNode name="compositeB">
+              <dgm:alg type="composite"/>
+              <dgm:shape xmlns:r="http://schemas.openxmlformats.org/officeDocument/2006/relationships" r:blip="">
+                <dgm:adjLst/>
+              </dgm:shape>
+              <dgm:presOf/>
+              <dgm:constrLst>
+                <dgm:constr type="w" for="ch" forName="textB" refType="w"/>
+                <dgm:constr type="h" for="ch" forName="textB" refType="h" fact="0.4"/>
+                <dgm:constr type="b" for="ch" forName="textB" refType="h"/>
+                <dgm:constr type="l" for="ch" forName="textB"/>
+                <dgm:constr type="h" for="ch" forName="circleB" refType="h" fact="0.1"/>
+                <dgm:constr type="w" for="ch" forName="circleB" refType="h" refFor="ch" refForName="circleB" op="equ"/>
+                <dgm:constr type="h" for="ch" forName="circleB" refType="w" op="lte"/>
+                <dgm:constr type="ctrY" for="ch" forName="circleB" refType="h" fact="0.5"/>
+                <dgm:constr type="ctrX" for="ch" forName="circleB" refType="w" refFor="ch" refForName="textB" fact="0.5"/>
+                <dgm:constr type="w" for="ch" forName="spaceB" refType="w"/>
+                <dgm:constr type="h" for="ch" forName="spaceB" refType="h" fact="0.4"/>
+                <dgm:constr type="t" for="ch" forName="spaceB"/>
+                <dgm:constr type="l" for="ch" forName="spaceB"/>
+              </dgm:constrLst>
+              <dgm:ruleLst/>
+              <dgm:layoutNode name="textB" styleLbl="revTx">
+                <dgm:varLst>
+                  <dgm:bulletEnabled val="1"/>
+                </dgm:varLst>
+                <dgm:alg type="tx">
+                  <dgm:param type="txAnchorVert" val="t"/>
+                  <dgm:param type="txAnchorVertCh" val="t"/>
+                  <dgm:param type="txAnchorHorzCh" val="ctr"/>
+                </dgm:alg>
+                <dgm:shape xmlns:r="http://schemas.openxmlformats.org/officeDocument/2006/relationships" type="rect" r:blip="">
+                  <dgm:adjLst/>
+                </dgm:shape>
+                <dgm:presOf axis="desOrSelf" ptType="node"/>
+                <dgm:constrLst/>
+                <dgm:ruleLst>
+                  <dgm:rule type="primFontSz" val="5" fact="NaN" max="NaN"/>
+                </dgm:ruleLst>
+              </dgm:layoutNode>
+              <dgm:layoutNode name="circleB">
+                <dgm:alg type="sp"/>
+                <dgm:shape xmlns:r="http://schemas.openxmlformats.org/officeDocument/2006/relationships" type="ellipse" r:blip="">
+                  <dgm:adjLst/>
+                </dgm:shape>
+                <dgm:presOf/>
+                <dgm:constrLst/>
+                <dgm:ruleLst/>
+              </dgm:layoutNode>
+              <dgm:layoutNode name="spaceB">
+                <dgm:alg type="sp"/>
+                <dgm:shape xmlns:r="http://schemas.openxmlformats.org/officeDocument/2006/relationships" r:blip="">
+                  <dgm:adjLst/>
+                </dgm:shape>
+                <dgm:presOf/>
+                <dgm:constrLst/>
+                <dgm:ruleLst/>
+              </dgm:layoutNode>
+            </dgm:layoutNode>
+          </dgm:else>
+        </dgm:choose>
+        <dgm:forEach name="Name14" axis="followSib" ptType="sibTrans" cnt="1">
+          <dgm:layoutNode name="space">
+            <dgm:alg type="sp"/>
+            <dgm:shape xmlns:r="http://schemas.openxmlformats.org/officeDocument/2006/relationships" r:blip="">
+              <dgm:adjLst/>
+            </dgm:shape>
+            <dgm:presOf/>
+            <dgm:constrLst/>
+            <dgm:ruleLst/>
+          </dgm:layoutNode>
+        </dgm:forEach>
+      </dgm:forEach>
+    </dgm:layoutNode>
+  </dgm:layoutNode>
+</dgm:layoutDef>
+</file>
+
+<file path=ppt/diagrams/quickStyle1.xml><?xml version="1.0" encoding="utf-8"?>
+<dgm:styleDef xmlns:dgm="http://schemas.openxmlformats.org/drawingml/2006/diagram" xmlns:a="http://schemas.openxmlformats.org/drawingml/2006/main" uniqueId="urn:microsoft.com/office/officeart/2005/8/quickstyle/simple1">
+  <dgm:title val=""/>
+  <dgm:desc val=""/>
+  <dgm:catLst>
+    <dgm:cat type="simple" pri="10100"/>
+  </dgm:catLst>
+  <dgm:scene3d>
+    <a:camera prst="orthographicFront"/>
+    <a:lightRig rig="threePt" dir="t"/>
+  </dgm:scene3d>
+  <dgm:styleLbl name="node0">
+    <dgm:scene3d>
+      <a:camera prst="orthographicFront"/>
+      <a:lightRig rig="threePt" dir="t"/>
+    </dgm:scene3d>
+    <dgm:sp3d/>
+    <dgm:txPr/>
+    <dgm:style>
+      <a:lnRef idx="2">
+        <a:scrgbClr r="0" g="0" b="0"/>
+      </a:lnRef>
+      <a:fillRef idx="1">
+        <a:scrgbClr r="0" g="0" b="0"/>
+      </a:fillRef>
+      <a:effectRef idx="0">
+        <a:scrgbClr r="0" g="0" b="0"/>
+      </a:effectRef>
+      <a:fontRef idx="minor">
+        <a:schemeClr val="lt1"/>
+      </a:fontRef>
+    </dgm:style>
+  </dgm:styleLbl>
+  <dgm:styleLbl name="lnNode1">
+    <dgm:scene3d>
+      <a:camera prst="orthographicFront"/>
+      <a:lightRig rig="threePt" dir="t"/>
+    </dgm:scene3d>
+    <dgm:sp3d/>
+    <dgm:txPr/>
+    <dgm:style>
+      <a:lnRef idx="2">
+        <a:scrgbClr r="0" g="0" b="0"/>
+      </a:lnRef>
+      <a:fillRef idx="1">
+        <a:scrgbClr r="0" g="0" b="0"/>
+      </a:fillRef>
+      <a:effectRef idx="0">
+        <a:scrgbClr r="0" g="0" b="0"/>
+      </a:effectRef>
+      <a:fontRef idx="minor">
+        <a:schemeClr val="lt1"/>
+      </a:fontRef>
+    </dgm:style>
+  </dgm:styleLbl>
+  <dgm:styleLbl name="vennNode1">
+    <dgm:scene3d>
+      <a:camera prst="orthographicFront"/>
+      <a:lightRig rig="threePt" dir="t"/>
+    </dgm:scene3d>
+    <dgm:sp3d/>
+    <dgm:txPr/>
+    <dgm:style>
+      <a:lnRef idx="2">
+        <a:scrgbClr r="0" g="0" b="0"/>
+      </a:lnRef>
+      <a:fillRef idx="1">
+        <a:scrgbClr r="0" g="0" b="0"/>
+      </a:fillRef>
+      <a:effectRef idx="0">
+        <a:scrgbClr r="0" g="0" b="0"/>
+      </a:effectRef>
+      <a:fontRef idx="minor">
+        <a:schemeClr val="tx1"/>
+      </a:fontRef>
+    </dgm:style>
+  </dgm:styleLbl>
+  <dgm:styleLbl name="alignNode1">
+    <dgm:scene3d>
+      <a:camera prst="orthographicFront"/>
+      <a:lightRig rig="threePt" dir="t"/>
+    </dgm:scene3d>
+    <dgm:sp3d/>
+    <dgm:txPr/>
+    <dgm:style>
+      <a:lnRef idx="2">
+        <a:scrgbClr r="0" g="0" b="0"/>
+      </a:lnRef>
+      <a:fillRef idx="1">
+        <a:scrgbClr r="0" g="0" b="0"/>
+      </a:fillRef>
+      <a:effectRef idx="0">
+        <a:scrgbClr r="0" g="0" b="0"/>
+      </a:effectRef>
+      <a:fontRef idx="minor">
+        <a:schemeClr val="lt1"/>
+      </a:fontRef>
+    </dgm:style>
+  </dgm:styleLbl>
+  <dgm:styleLbl name="node1">
+    <dgm:scene3d>
+      <a:camera prst="orthographicFront"/>
+      <a:lightRig rig="threePt" dir="t"/>
+    </dgm:scene3d>
+    <dgm:sp3d/>
+    <dgm:txPr/>
+    <dgm:style>
+      <a:lnRef idx="2">
+        <a:scrgbClr r="0" g="0" b="0"/>
+      </a:lnRef>
+      <a:fillRef idx="1">
+        <a:scrgbClr r="0" g="0" b="0"/>
+      </a:fillRef>
+      <a:effectRef idx="0">
+        <a:scrgbClr r="0" g="0" b="0"/>
+      </a:effectRef>
+      <a:fontRef idx="minor">
+        <a:schemeClr val="lt1"/>
+      </a:fontRef>
+    </dgm:style>
+  </dgm:styleLbl>
+  <dgm:styleLbl name="node2">
+    <dgm:scene3d>
+      <a:camera prst="orthographicFront"/>
+      <a:lightRig rig="threePt" dir="t"/>
+    </dgm:scene3d>
+    <dgm:sp3d/>
+    <dgm:txPr/>
+    <dgm:style>
+      <a:lnRef idx="2">
+        <a:scrgbClr r="0" g="0" b="0"/>
+      </a:lnRef>
+      <a:fillRef idx="1">
+        <a:scrgbClr r="0" g="0" b="0"/>
+      </a:fillRef>
+      <a:effectRef idx="0">
+        <a:scrgbClr r="0" g="0" b="0"/>
+      </a:effectRef>
+      <a:fontRef idx="minor">
+        <a:schemeClr val="lt1"/>
+      </a:fontRef>
+    </dgm:style>
+  </dgm:styleLbl>
+  <dgm:styleLbl name="node3">
+    <dgm:scene3d>
+      <a:camera prst="orthographicFront"/>
+      <a:lightRig rig="threePt" dir="t"/>
+    </dgm:scene3d>
+    <dgm:sp3d/>
+    <dgm:txPr/>
+    <dgm:style>
+      <a:lnRef idx="2">
+        <a:scrgbClr r="0" g="0" b="0"/>
+      </a:lnRef>
+      <a:fillRef idx="1">
+        <a:scrgbClr r="0" g="0" b="0"/>
+      </a:fillRef>
+      <a:effectRef idx="0">
+        <a:scrgbClr r="0" g="0" b="0"/>
+      </a:effectRef>
+      <a:fontRef idx="minor">
+        <a:schemeClr val="lt1"/>
+      </a:fontRef>
+    </dgm:style>
+  </dgm:styleLbl>
+  <dgm:styleLbl name="node4">
+    <dgm:scene3d>
+      <a:camera prst="orthographicFront"/>
+      <a:lightRig rig="threePt" dir="t"/>
+    </dgm:scene3d>
+    <dgm:sp3d/>
+    <dgm:txPr/>
+    <dgm:style>
+      <a:lnRef idx="2">
+        <a:scrgbClr r="0" g="0" b="0"/>
+      </a:lnRef>
+      <a:fillRef idx="1">
+        <a:scrgbClr r="0" g="0" b="0"/>
+      </a:fillRef>
+      <a:effectRef idx="0">
+        <a:scrgbClr r="0" g="0" b="0"/>
+      </a:effectRef>
+      <a:fontRef idx="minor">
+        <a:schemeClr val="lt1"/>
+      </a:fontRef>
+    </dgm:style>
+  </dgm:styleLbl>
+  <dgm:styleLbl name="fgImgPlace1">
+    <dgm:scene3d>
+      <a:camera prst="orthographicFront"/>
+      <a:lightRig rig="threePt" dir="t"/>
+    </dgm:scene3d>
+    <dgm:sp3d/>
+    <dgm:txPr/>
+    <dgm:style>
+      <a:lnRef idx="2">
+        <a:scrgbClr r="0" g="0" b="0"/>
+      </a:lnRef>
+      <a:fillRef idx="1">
+        <a:scrgbClr r="0" g="0" b="0"/>
+      </a:fillRef>
+      <a:effectRef idx="0">
+        <a:scrgbClr r="0" g="0" b="0"/>
+      </a:effectRef>
+      <a:fontRef idx="minor"/>
+    </dgm:style>
+  </dgm:styleLbl>
+  <dgm:styleLbl name="alignImgPlace1">
+    <dgm:scene3d>
+      <a:camera prst="orthographicFront"/>
+      <a:lightRig rig="threePt" dir="t"/>
+    </dgm:scene3d>
+    <dgm:sp3d/>
+    <dgm:txPr/>
+    <dgm:style>
+      <a:lnRef idx="2">
+        <a:scrgbClr r="0" g="0" b="0"/>
+      </a:lnRef>
+      <a:fillRef idx="1">
+        <a:scrgbClr r="0" g="0" b="0"/>
+      </a:fillRef>
+      <a:effectRef idx="0">
+        <a:scrgbClr r="0" g="0" b="0"/>
+      </a:effectRef>
+      <a:fontRef idx="minor"/>
+    </dgm:style>
+  </dgm:styleLbl>
+  <dgm:styleLbl name="bgImgPlace1">
+    <dgm:scene3d>
+      <a:camera prst="orthographicFront"/>
+      <a:lightRig rig="threePt" dir="t"/>
+    </dgm:scene3d>
+    <dgm:sp3d/>
+    <dgm:txPr/>
+    <dgm:style>
+      <a:lnRef idx="2">
+        <a:scrgbClr r="0" g="0" b="0"/>
+      </a:lnRef>
+      <a:fillRef idx="1">
+        <a:scrgbClr r="0" g="0" b="0"/>
+      </a:fillRef>
+      <a:effectRef idx="0">
+        <a:scrgbClr r="0" g="0" b="0"/>
+      </a:effectRef>
+      <a:fontRef idx="minor"/>
+    </dgm:style>
+  </dgm:styleLbl>
+  <dgm:styleLbl name="sibTrans2D1">
+    <dgm:scene3d>
+      <a:camera prst="orthographicFront"/>
+      <a:lightRig rig="threePt" dir="t"/>
+    </dgm:scene3d>
+    <dgm:sp3d/>
+    <dgm:txPr/>
+    <dgm:style>
+      <a:lnRef idx="0">
+        <a:scrgbClr r="0" g="0" b="0"/>
+      </a:lnRef>
+      <a:fillRef idx="1">
+        <a:scrgbClr r="0" g="0" b="0"/>
+      </a:fillRef>
+      <a:effectRef idx="0">
+        <a:scrgbClr r="0" g="0" b="0"/>
+      </a:effectRef>
+      <a:fontRef idx="minor">
+        <a:schemeClr val="lt1"/>
+      </a:fontRef>
+    </dgm:style>
+  </dgm:styleLbl>
+  <dgm:styleLbl name="fgSibTrans2D1">
+    <dgm:scene3d>
+      <a:camera prst="orthographicFront"/>
+      <a:lightRig rig="threePt" dir="t"/>
+    </dgm:scene3d>
+    <dgm:sp3d/>
+    <dgm:txPr/>
+    <dgm:style>
+      <a:lnRef idx="0">
+        <a:scrgbClr r="0" g="0" b="0"/>
+      </a:lnRef>
+      <a:fillRef idx="1">
+        <a:scrgbClr r="0" g="0" b="0"/>
+      </a:fillRef>
+      <a:effectRef idx="0">
+        <a:scrgbClr r="0" g="0" b="0"/>
+      </a:effectRef>
+      <a:fontRef idx="minor">
+        <a:schemeClr val="lt1"/>
+      </a:fontRef>
+    </dgm:style>
+  </dgm:styleLbl>
+  <dgm:styleLbl name="bgSibTrans2D1">
+    <dgm:scene3d>
+      <a:camera prst="orthographicFront"/>
+      <a:lightRig rig="threePt" dir="t"/>
+    </dgm:scene3d>
+    <dgm:sp3d/>
+    <dgm:txPr/>
+    <dgm:style>
+      <a:lnRef idx="0">
+        <a:scrgbClr r="0" g="0" b="0"/>
+      </a:lnRef>
+      <a:fillRef idx="1">
+        <a:scrgbClr r="0" g="0" b="0"/>
+      </a:fillRef>
+      <a:effectRef idx="0">
+        <a:scrgbClr r="0" g="0" b="0"/>
+      </a:effectRef>
+      <a:fontRef idx="minor">
+        <a:schemeClr val="lt1"/>
+      </a:fontRef>
+    </dgm:style>
+  </dgm:styleLbl>
+  <dgm:styleLbl name="sibTrans1D1">
+    <dgm:scene3d>
+      <a:camera prst="orthographicFront"/>
+      <a:lightRig rig="threePt" dir="t"/>
+    </dgm:scene3d>
+    <dgm:sp3d/>
+    <dgm:txPr/>
+    <dgm:style>
+      <a:lnRef idx="1">
+        <a:scrgbClr r="0" g="0" b="0"/>
+      </a:lnRef>
+      <a:fillRef idx="0">
+        <a:scrgbClr r="0" g="0" b="0"/>
+      </a:fillRef>
+      <a:effectRef idx="0">
+        <a:scrgbClr r="0" g="0" b="0"/>
+      </a:effectRef>
+      <a:fontRef idx="minor"/>
+    </dgm:style>
+  </dgm:styleLbl>
+  <dgm:styleLbl name="callout">
+    <dgm:scene3d>
+      <a:camera prst="orthographicFront"/>
+      <a:lightRig rig="threePt" dir="t"/>
+    </dgm:scene3d>
+    <dgm:sp3d/>
+    <dgm:txPr/>
+    <dgm:style>
+      <a:lnRef idx="2">
+        <a:scrgbClr r="0" g="0" b="0"/>
+      </a:lnRef>
+      <a:fillRef idx="1">
+        <a:scrgbClr r="0" g="0" b="0"/>
+      </a:fillRef>
+      <a:effectRef idx="0">
+        <a:scrgbClr r="0" g="0" b="0"/>
+      </a:effectRef>
+      <a:fontRef idx="minor"/>
+    </dgm:style>
+  </dgm:styleLbl>
+  <dgm:styleLbl name="asst0">
+    <dgm:scene3d>
+      <a:camera prst="orthographicFront"/>
+      <a:lightRig rig="threePt" dir="t"/>
+    </dgm:scene3d>
+    <dgm:sp3d/>
+    <dgm:txPr/>
+    <dgm:style>
+      <a:lnRef idx="2">
+        <a:scrgbClr r="0" g="0" b="0"/>
+      </a:lnRef>
+      <a:fillRef idx="1">
+        <a:scrgbClr r="0" g="0" b="0"/>
+      </a:fillRef>
+      <a:effectRef idx="0">
+        <a:scrgbClr r="0" g="0" b="0"/>
+      </a:effectRef>
+      <a:fontRef idx="minor">
+        <a:schemeClr val="lt1"/>
+      </a:fontRef>
+    </dgm:style>
+  </dgm:styleLbl>
+  <dgm:styleLbl name="asst1">
+    <dgm:scene3d>
+      <a:camera prst="orthographicFront"/>
+      <a:lightRig rig="threePt" dir="t"/>
+    </dgm:scene3d>
+    <dgm:sp3d/>
+    <dgm:txPr/>
+    <dgm:style>
+      <a:lnRef idx="2">
+        <a:scrgbClr r="0" g="0" b="0"/>
+      </a:lnRef>
+      <a:fillRef idx="1">
+        <a:scrgbClr r="0" g="0" b="0"/>
+      </a:fillRef>
+      <a:effectRef idx="0">
+        <a:scrgbClr r="0" g="0" b="0"/>
+      </a:effectRef>
+      <a:fontRef idx="minor">
+        <a:schemeClr val="lt1"/>
+      </a:fontRef>
+    </dgm:style>
+  </dgm:styleLbl>
+  <dgm:styleLbl name="asst2">
+    <dgm:scene3d>
+      <a:camera prst="orthographicFront"/>
+      <a:lightRig rig="threePt" dir="t"/>
+    </dgm:scene3d>
+    <dgm:sp3d/>
+    <dgm:txPr/>
+    <dgm:style>
+      <a:lnRef idx="2">
+        <a:scrgbClr r="0" g="0" b="0"/>
+      </a:lnRef>
+      <a:fillRef idx="1">
+        <a:scrgbClr r="0" g="0" b="0"/>
+      </a:fillRef>
+      <a:effectRef idx="0">
+        <a:scrgbClr r="0" g="0" b="0"/>
+      </a:effectRef>
+      <a:fontRef idx="minor">
+        <a:schemeClr val="lt1"/>
+      </a:fontRef>
+    </dgm:style>
+  </dgm:styleLbl>
+  <dgm:styleLbl name="asst3">
+    <dgm:scene3d>
+      <a:camera prst="orthographicFront"/>
+      <a:lightRig rig="threePt" dir="t"/>
+    </dgm:scene3d>
+    <dgm:sp3d/>
+    <dgm:txPr/>
+    <dgm:style>
+      <a:lnRef idx="2">
+        <a:scrgbClr r="0" g="0" b="0"/>
+      </a:lnRef>
+      <a:fillRef idx="1">
+        <a:scrgbClr r="0" g="0" b="0"/>
+      </a:fillRef>
+      <a:effectRef idx="0">
+        <a:scrgbClr r="0" g="0" b="0"/>
+      </a:effectRef>
+      <a:fontRef idx="minor">
+        <a:schemeClr val="lt1"/>
+      </a:fontRef>
+    </dgm:style>
+  </dgm:styleLbl>
+  <dgm:styleLbl name="asst4">
+    <dgm:scene3d>
+      <a:camera prst="orthographicFront"/>
+      <a:lightRig rig="threePt" dir="t"/>
+    </dgm:scene3d>
+    <dgm:sp3d/>
+    <dgm:txPr/>
+    <dgm:style>
+      <a:lnRef idx="2">
+        <a:scrgbClr r="0" g="0" b="0"/>
+      </a:lnRef>
+      <a:fillRef idx="1">
+        <a:scrgbClr r="0" g="0" b="0"/>
+      </a:fillRef>
+      <a:effectRef idx="0">
+        <a:scrgbClr r="0" g="0" b="0"/>
+      </a:effectRef>
+      <a:fontRef idx="minor">
+        <a:schemeClr val="lt1"/>
+      </a:fontRef>
+    </dgm:style>
+  </dgm:styleLbl>
+  <dgm:styleLbl name="parChTrans2D1">
+    <dgm:scene3d>
+      <a:camera prst="orthographicFront"/>
+      <a:lightRig rig="threePt" dir="t"/>
+    </dgm:scene3d>
+    <dgm:sp3d/>
+    <dgm:txPr/>
+    <dgm:style>
+      <a:lnRef idx="2">
+        <a:scrgbClr r="0" g="0" b="0"/>
+      </a:lnRef>
+      <a:fillRef idx="1">
+        <a:scrgbClr r="0" g="0" b="0"/>
+      </a:fillRef>
+      <a:effectRef idx="0">
+        <a:scrgbClr r="0" g="0" b="0"/>
+      </a:effectRef>
+      <a:fontRef idx="minor">
+        <a:schemeClr val="lt1"/>
+      </a:fontRef>
+    </dgm:style>
+  </dgm:styleLbl>
+  <dgm:styleLbl name="parChTrans2D2">
+    <dgm:scene3d>
+      <a:camera prst="orthographicFront"/>
+      <a:lightRig rig="threePt" dir="t"/>
+    </dgm:scene3d>
+    <dgm:sp3d/>
+    <dgm:txPr/>
+    <dgm:style>
+      <a:lnRef idx="2">
+        <a:scrgbClr r="0" g="0" b="0"/>
+      </a:lnRef>
+      <a:fillRef idx="1">
+        <a:scrgbClr r="0" g="0" b="0"/>
+      </a:fillRef>
+      <a:effectRef idx="0">
+        <a:scrgbClr r="0" g="0" b="0"/>
+      </a:effectRef>
+      <a:fontRef idx="minor">
+        <a:schemeClr val="lt1"/>
+      </a:fontRef>
+    </dgm:style>
+  </dgm:styleLbl>
+  <dgm:styleLbl name="parChTrans2D3">
+    <dgm:scene3d>
+      <a:camera prst="orthographicFront"/>
+      <a:lightRig rig="threePt" dir="t"/>
+    </dgm:scene3d>
+    <dgm:sp3d/>
+    <dgm:txPr/>
+    <dgm:style>
+      <a:lnRef idx="2">
+        <a:scrgbClr r="0" g="0" b="0"/>
+      </a:lnRef>
+      <a:fillRef idx="1">
+        <a:scrgbClr r="0" g="0" b="0"/>
+      </a:fillRef>
+      <a:effectRef idx="0">
+        <a:scrgbClr r="0" g="0" b="0"/>
+      </a:effectRef>
+      <a:fontRef idx="minor">
+        <a:schemeClr val="lt1"/>
+      </a:fontRef>
+    </dgm:style>
+  </dgm:styleLbl>
+  <dgm:styleLbl name="parChTrans2D4">
+    <dgm:scene3d>
+      <a:camera prst="orthographicFront"/>
+      <a:lightRig rig="threePt" dir="t"/>
+    </dgm:scene3d>
+    <dgm:sp3d/>
+    <dgm:txPr/>
+    <dgm:style>
+      <a:lnRef idx="2">
+        <a:scrgbClr r="0" g="0" b="0"/>
+      </a:lnRef>
+      <a:fillRef idx="1">
+        <a:scrgbClr r="0" g="0" b="0"/>
+      </a:fillRef>
+      <a:effectRef idx="0">
+        <a:scrgbClr r="0" g="0" b="0"/>
+      </a:effectRef>
+      <a:fontRef idx="minor">
+        <a:schemeClr val="lt1"/>
+      </a:fontRef>
+    </dgm:style>
+  </dgm:styleLbl>
+  <dgm:styleLbl name="parChTrans1D1">
+    <dgm:scene3d>
+      <a:camera prst="orthographicFront"/>
+      <a:lightRig rig="threePt" dir="t"/>
+    </dgm:scene3d>
+    <dgm:sp3d/>
+    <dgm:txPr/>
+    <dgm:style>
+      <a:lnRef idx="2">
+        <a:scrgbClr r="0" g="0" b="0"/>
+      </a:lnRef>
+      <a:fillRef idx="0">
+        <a:scrgbClr r="0" g="0" b="0"/>
+      </a:fillRef>
+      <a:effectRef idx="0">
+        <a:scrgbClr r="0" g="0" b="0"/>
+      </a:effectRef>
+      <a:fontRef idx="minor"/>
+    </dgm:style>
+  </dgm:styleLbl>
+  <dgm:styleLbl name="parChTrans1D2">
+    <dgm:scene3d>
+      <a:camera prst="orthographicFront"/>
+      <a:lightRig rig="threePt" dir="t"/>
+    </dgm:scene3d>
+    <dgm:sp3d/>
+    <dgm:txPr/>
+    <dgm:style>
+      <a:lnRef idx="2">
+        <a:scrgbClr r="0" g="0" b="0"/>
+      </a:lnRef>
+      <a:fillRef idx="0">
+        <a:scrgbClr r="0" g="0" b="0"/>
+      </a:fillRef>
+      <a:effectRef idx="0">
+        <a:scrgbClr r="0" g="0" b="0"/>
+      </a:effectRef>
+      <a:fontRef idx="minor"/>
+    </dgm:style>
+  </dgm:styleLbl>
+  <dgm:styleLbl name="parChTrans1D3">
+    <dgm:scene3d>
+      <a:camera prst="orthographicFront"/>
+      <a:lightRig rig="threePt" dir="t"/>
+    </dgm:scene3d>
+    <dgm:sp3d/>
+    <dgm:txPr/>
+    <dgm:style>
+      <a:lnRef idx="2">
+        <a:scrgbClr r="0" g="0" b="0"/>
+      </a:lnRef>
+      <a:fillRef idx="0">
+        <a:scrgbClr r="0" g="0" b="0"/>
+      </a:fillRef>
+      <a:effectRef idx="0">
+        <a:scrgbClr r="0" g="0" b="0"/>
+      </a:effectRef>
+      <a:fontRef idx="minor"/>
+    </dgm:style>
+  </dgm:styleLbl>
+  <dgm:styleLbl name="parChTrans1D4">
+    <dgm:scene3d>
+      <a:camera prst="orthographicFront"/>
+      <a:lightRig rig="threePt" dir="t"/>
+    </dgm:scene3d>
+    <dgm:sp3d/>
+    <dgm:txPr/>
+    <dgm:style>
+      <a:lnRef idx="2">
+        <a:scrgbClr r="0" g="0" b="0"/>
+      </a:lnRef>
+      <a:fillRef idx="0">
+        <a:scrgbClr r="0" g="0" b="0"/>
+      </a:fillRef>
+      <a:effectRef idx="0">
+        <a:scrgbClr r="0" g="0" b="0"/>
+      </a:effectRef>
+      <a:fontRef idx="minor"/>
+    </dgm:style>
+  </dgm:styleLbl>
+  <dgm:styleLbl name="fgAcc1">
+    <dgm:scene3d>
+      <a:camera prst="orthographicFront"/>
+      <a:lightRig rig="threePt" dir="t"/>
+    </dgm:scene3d>
+    <dgm:sp3d/>
+    <dgm:txPr/>
+    <dgm:style>
+      <a:lnRef idx="2">
+        <a:scrgbClr r="0" g="0" b="0"/>
+      </a:lnRef>
+      <a:fillRef idx="1">
+        <a:scrgbClr r="0" g="0" b="0"/>
+      </a:fillRef>
+      <a:effectRef idx="0">
+        <a:scrgbClr r="0" g="0" b="0"/>
+      </a:effectRef>
+      <a:fontRef idx="minor"/>
+    </dgm:style>
+  </dgm:styleLbl>
+  <dgm:styleLbl name="conFgAcc1">
+    <dgm:scene3d>
+      <a:camera prst="orthographicFront"/>
+      <a:lightRig rig="threePt" dir="t"/>
+    </dgm:scene3d>
+    <dgm:sp3d/>
+    <dgm:txPr/>
+    <dgm:style>
+      <a:lnRef idx="2">
+        <a:scrgbClr r="0" g="0" b="0"/>
+      </a:lnRef>
+      <a:fillRef idx="1">
+        <a:scrgbClr r="0" g="0" b="0"/>
+      </a:fillRef>
+      <a:effectRef idx="0">
+        <a:scrgbClr r="0" g="0" b="0"/>
+      </a:effectRef>
+      <a:fontRef idx="minor"/>
+    </dgm:style>
+  </dgm:styleLbl>
+  <dgm:styleLbl name="alignAcc1">
+    <dgm:scene3d>
+      <a:camera prst="orthographicFront"/>
+      <a:lightRig rig="threePt" dir="t"/>
+    </dgm:scene3d>
+    <dgm:sp3d/>
+    <dgm:txPr/>
+    <dgm:style>
+      <a:lnRef idx="2">
+        <a:scrgbClr r="0" g="0" b="0"/>
+      </a:lnRef>
+      <a:fillRef idx="1">
+        <a:scrgbClr r="0" g="0" b="0"/>
+      </a:fillRef>
+      <a:effectRef idx="0">
+        <a:scrgbClr r="0" g="0" b="0"/>
+      </a:effectRef>
+      <a:fontRef idx="minor"/>
+    </dgm:style>
+  </dgm:styleLbl>
+  <dgm:styleLbl name="trAlignAcc1">
+    <dgm:scene3d>
+      <a:camera prst="orthographicFront"/>
+      <a:lightRig rig="threePt" dir="t"/>
+    </dgm:scene3d>
+    <dgm:sp3d/>
+    <dgm:txPr/>
+    <dgm:style>
+      <a:lnRef idx="1">
+        <a:scrgbClr r="0" g="0" b="0"/>
+      </a:lnRef>
+      <a:fillRef idx="1">
+        <a:scrgbClr r="0" g="0" b="0"/>
+      </a:fillRef>
+      <a:effectRef idx="0">
+        <a:scrgbClr r="0" g="0" b="0"/>
+      </a:effectRef>
+      <a:fontRef idx="minor"/>
+    </dgm:style>
+  </dgm:styleLbl>
+  <dgm:styleLbl name="bgAcc1">
+    <dgm:scene3d>
+      <a:camera prst="orthographicFront"/>
+      <a:lightRig rig="threePt" dir="t"/>
+    </dgm:scene3d>
+    <dgm:sp3d/>
+    <dgm:txPr/>
+    <dgm:style>
+      <a:lnRef idx="2">
+        <a:scrgbClr r="0" g="0" b="0"/>
+      </a:lnRef>
+      <a:fillRef idx="1">
+        <a:scrgbClr r="0" g="0" b="0"/>
+      </a:fillRef>
+      <a:effectRef idx="0">
+        <a:scrgbClr r="0" g="0" b="0"/>
+      </a:effectRef>
+      <a:fontRef idx="minor"/>
+    </dgm:style>
+  </dgm:styleLbl>
+  <dgm:styleLbl name="solidFgAcc1">
+    <dgm:scene3d>
+      <a:camera prst="orthographicFront"/>
+      <a:lightRig rig="threePt" dir="t"/>
+    </dgm:scene3d>
+    <dgm:sp3d/>
+    <dgm:txPr/>
+    <dgm:style>
+      <a:lnRef idx="2">
+        <a:scrgbClr r="0" g="0" b="0"/>
+      </a:lnRef>
+      <a:fillRef idx="1">
+        <a:scrgbClr r="0" g="0" b="0"/>
+      </a:fillRef>
+      <a:effectRef idx="0">
+        <a:scrgbClr r="0" g="0" b="0"/>
+      </a:effectRef>
+      <a:fontRef idx="minor"/>
+    </dgm:style>
+  </dgm:styleLbl>
+  <dgm:styleLbl name="solidAlignAcc1">
+    <dgm:scene3d>
+      <a:camera prst="orthographicFront"/>
+      <a:lightRig rig="threePt" dir="t"/>
+    </dgm:scene3d>
+    <dgm:sp3d/>
+    <dgm:txPr/>
+    <dgm:style>
+      <a:lnRef idx="2">
+        <a:scrgbClr r="0" g="0" b="0"/>
+      </a:lnRef>
+      <a:fillRef idx="1">
+        <a:scrgbClr r="0" g="0" b="0"/>
+      </a:fillRef>
+      <a:effectRef idx="0">
+        <a:scrgbClr r="0" g="0" b="0"/>
+      </a:effectRef>
+      <a:fontRef idx="minor"/>
+    </dgm:style>
+  </dgm:styleLbl>
+  <dgm:styleLbl name="solidBgAcc1">
+    <dgm:scene3d>
+      <a:camera prst="orthographicFront"/>
+      <a:lightRig rig="threePt" dir="t"/>
+    </dgm:scene3d>
+    <dgm:sp3d/>
+    <dgm:txPr/>
+    <dgm:style>
+      <a:lnRef idx="2">
+        <a:scrgbClr r="0" g="0" b="0"/>
+      </a:lnRef>
+      <a:fillRef idx="1">
+        <a:scrgbClr r="0" g="0" b="0"/>
+      </a:fillRef>
+      <a:effectRef idx="0">
+        <a:scrgbClr r="0" g="0" b="0"/>
+      </a:effectRef>
+      <a:fontRef idx="minor"/>
+    </dgm:style>
+  </dgm:styleLbl>
+  <dgm:styleLbl name="fgAccFollowNode1">
+    <dgm:scene3d>
+      <a:camera prst="orthographicFront"/>
+      <a:lightRig rig="threePt" dir="t"/>
+    </dgm:scene3d>
+    <dgm:sp3d/>
+    <dgm:txPr/>
+    <dgm:style>
+      <a:lnRef idx="2">
+        <a:scrgbClr r="0" g="0" b="0"/>
+      </a:lnRef>
+      <a:fillRef idx="1">
+        <a:scrgbClr r="0" g="0" b="0"/>
+      </a:fillRef>
+      <a:effectRef idx="0">
+        <a:scrgbClr r="0" g="0" b="0"/>
+      </a:effectRef>
+      <a:fontRef idx="minor"/>
+    </dgm:style>
+  </dgm:styleLbl>
+  <dgm:styleLbl name="alignAccFollowNode1">
+    <dgm:scene3d>
+      <a:camera prst="orthographicFront"/>
+      <a:lightRig rig="threePt" dir="t"/>
+    </dgm:scene3d>
+    <dgm:sp3d/>
+    <dgm:txPr/>
+    <dgm:style>
+      <a:lnRef idx="2">
+        <a:scrgbClr r="0" g="0" b="0"/>
+      </a:lnRef>
+      <a:fillRef idx="1">
+        <a:scrgbClr r="0" g="0" b="0"/>
+      </a:fillRef>
+      <a:effectRef idx="0">
+        <a:scrgbClr r="0" g="0" b="0"/>
+      </a:effectRef>
+      <a:fontRef idx="minor"/>
+    </dgm:style>
+  </dgm:styleLbl>
+  <dgm:styleLbl name="bgAccFollowNode1">
+    <dgm:scene3d>
+      <a:camera prst="orthographicFront"/>
+      <a:lightRig rig="threePt" dir="t"/>
+    </dgm:scene3d>
+    <dgm:sp3d/>
+    <dgm:txPr/>
+    <dgm:style>
+      <a:lnRef idx="2">
+        <a:scrgbClr r="0" g="0" b="0"/>
+      </a:lnRef>
+      <a:fillRef idx="1">
+        <a:scrgbClr r="0" g="0" b="0"/>
+      </a:fillRef>
+      <a:effectRef idx="0">
+        <a:scrgbClr r="0" g="0" b="0"/>
+      </a:effectRef>
+      <a:fontRef idx="minor"/>
+    </dgm:style>
+  </dgm:styleLbl>
+  <dgm:styleLbl name="fgAcc0">
+    <dgm:scene3d>
+      <a:camera prst="orthographicFront"/>
+      <a:lightRig rig="threePt" dir="t"/>
+    </dgm:scene3d>
+    <dgm:sp3d/>
+    <dgm:txPr/>
+    <dgm:style>
+      <a:lnRef idx="2">
+        <a:scrgbClr r="0" g="0" b="0"/>
+      </a:lnRef>
+      <a:fillRef idx="1">
+        <a:scrgbClr r="0" g="0" b="0"/>
+      </a:fillRef>
+      <a:effectRef idx="0">
+        <a:scrgbClr r="0" g="0" b="0"/>
+      </a:effectRef>
+      <a:fontRef idx="minor"/>
+    </dgm:style>
+  </dgm:styleLbl>
+  <dgm:styleLbl name="fgAcc2">
+    <dgm:scene3d>
+      <a:camera prst="orthographicFront"/>
+      <a:lightRig rig="threePt" dir="t"/>
+    </dgm:scene3d>
+    <dgm:sp3d/>
+    <dgm:txPr/>
+    <dgm:style>
+      <a:lnRef idx="2">
+        <a:scrgbClr r="0" g="0" b="0"/>
+      </a:lnRef>
+      <a:fillRef idx="1">
+        <a:scrgbClr r="0" g="0" b="0"/>
+      </a:fillRef>
+      <a:effectRef idx="0">
+        <a:scrgbClr r="0" g="0" b="0"/>
+      </a:effectRef>
+      <a:fontRef idx="minor"/>
+    </dgm:style>
+  </dgm:styleLbl>
+  <dgm:styleLbl name="fgAcc3">
+    <dgm:scene3d>
+      <a:camera prst="orthographicFront"/>
+      <a:lightRig rig="threePt" dir="t"/>
+    </dgm:scene3d>
+    <dgm:sp3d/>
+    <dgm:txPr/>
+    <dgm:style>
+      <a:lnRef idx="2">
+        <a:scrgbClr r="0" g="0" b="0"/>
+      </a:lnRef>
+      <a:fillRef idx="1">
+        <a:scrgbClr r="0" g="0" b="0"/>
+      </a:fillRef>
+      <a:effectRef idx="0">
+        <a:scrgbClr r="0" g="0" b="0"/>
+      </a:effectRef>
+      <a:fontRef idx="minor"/>
+    </dgm:style>
+  </dgm:styleLbl>
+  <dgm:styleLbl name="fgAcc4">
+    <dgm:scene3d>
+      <a:camera prst="orthographicFront"/>
+      <a:lightRig rig="threePt" dir="t"/>
+    </dgm:scene3d>
+    <dgm:sp3d/>
+    <dgm:txPr/>
+    <dgm:style>
+      <a:lnRef idx="2">
+        <a:scrgbClr r="0" g="0" b="0"/>
+      </a:lnRef>
+      <a:fillRef idx="1">
+        <a:scrgbClr r="0" g="0" b="0"/>
+      </a:fillRef>
+      <a:effectRef idx="0">
+        <a:scrgbClr r="0" g="0" b="0"/>
+      </a:effectRef>
+      <a:fontRef idx="minor"/>
+    </dgm:style>
+  </dgm:styleLbl>
+  <dgm:styleLbl name="bgShp">
+    <dgm:scene3d>
+      <a:camera prst="orthographicFront"/>
+      <a:lightRig rig="threePt" dir="t"/>
+    </dgm:scene3d>
+    <dgm:sp3d/>
+    <dgm:txPr/>
+    <dgm:style>
+      <a:lnRef idx="0">
+        <a:scrgbClr r="0" g="0" b="0"/>
+      </a:lnRef>
+      <a:fillRef idx="1">
+        <a:scrgbClr r="0" g="0" b="0"/>
+      </a:fillRef>
+      <a:effectRef idx="0">
+        <a:scrgbClr r="0" g="0" b="0"/>
+      </a:effectRef>
+      <a:fontRef idx="minor"/>
+    </dgm:style>
+  </dgm:styleLbl>
+  <dgm:styleLbl name="dkBgShp">
+    <dgm:scene3d>
+      <a:camera prst="orthographicFront"/>
+      <a:lightRig rig="threePt" dir="t"/>
+    </dgm:scene3d>
+    <dgm:sp3d/>
+    <dgm:txPr/>
+    <dgm:style>
+      <a:lnRef idx="0">
+        <a:scrgbClr r="0" g="0" b="0"/>
+      </a:lnRef>
+      <a:fillRef idx="1">
+        <a:scrgbClr r="0" g="0" b="0"/>
+      </a:fillRef>
+      <a:effectRef idx="0">
+        <a:scrgbClr r="0" g="0" b="0"/>
+      </a:effectRef>
+      <a:fontRef idx="minor"/>
+    </dgm:style>
+  </dgm:styleLbl>
+  <dgm:styleLbl name="trBgShp">
+    <dgm:scene3d>
+      <a:camera prst="orthographicFront"/>
+      <a:lightRig rig="threePt" dir="t"/>
+    </dgm:scene3d>
+    <dgm:sp3d/>
+    <dgm:txPr/>
+    <dgm:style>
+      <a:lnRef idx="0">
+        <a:scrgbClr r="0" g="0" b="0"/>
+      </a:lnRef>
+      <a:fillRef idx="1">
+        <a:scrgbClr r="0" g="0" b="0"/>
+      </a:fillRef>
+      <a:effectRef idx="0">
+        <a:scrgbClr r="0" g="0" b="0"/>
+      </a:effectRef>
+      <a:fontRef idx="minor"/>
+    </dgm:style>
+  </dgm:styleLbl>
+  <dgm:styleLbl name="fgShp">
+    <dgm:scene3d>
+      <a:camera prst="orthographicFront"/>
+      <a:lightRig rig="threePt" dir="t"/>
+    </dgm:scene3d>
+    <dgm:sp3d/>
+    <dgm:txPr/>
+    <dgm:style>
+      <a:lnRef idx="2">
+        <a:scrgbClr r="0" g="0" b="0"/>
+      </a:lnRef>
+      <a:fillRef idx="1">
+        <a:scrgbClr r="0" g="0" b="0"/>
+      </a:fillRef>
+      <a:effectRef idx="0">
+        <a:scrgbClr r="0" g="0" b="0"/>
+      </a:effectRef>
+      <a:fontRef idx="minor"/>
+    </dgm:style>
+  </dgm:styleLbl>
+  <dgm:styleLbl name="revTx">
+    <dgm:scene3d>
+      <a:camera prst="orthographicFront"/>
+      <a:lightRig rig="threePt" dir="t"/>
+    </dgm:scene3d>
+    <dgm:sp3d/>
+    <dgm:txPr/>
+    <dgm:style>
+      <a:lnRef idx="0">
+        <a:scrgbClr r="0" g="0" b="0"/>
+      </a:lnRef>
+      <a:fillRef idx="0">
+        <a:scrgbClr r="0" g="0" b="0"/>
+      </a:fillRef>
+      <a:effectRef idx="0">
+        <a:scrgbClr r="0" g="0" b="0"/>
+      </a:effectRef>
+      <a:fontRef idx="minor"/>
+    </dgm:style>
+  </dgm:styleLbl>
+</dgm:styleDef>
+</file>
+
 <file path=ppt/handoutMasters/handoutMaster1.xml><?xml version="1.0" encoding="utf-8"?>
 <p:handoutMaster xmlns:a="http://schemas.openxmlformats.org/drawingml/2006/main" xmlns:r="http://schemas.openxmlformats.org/officeDocument/2006/relationships" xmlns:p="http://schemas.openxmlformats.org/presentationml/2006/main">
   <p:cSld>
@@ -281,7 +3162,7 @@
               <a:rPr lang="en-US" smtClean="0">
                 <a:latin typeface="Segoe UI" pitchFamily="34" charset="0"/>
               </a:rPr>
-              <a:t>5/3/2018 2:20 PM</a:t>
+              <a:t>5/4/2018 12:32 PM</a:t>
             </a:fld>
             <a:endParaRPr lang="en-US">
               <a:latin typeface="Segoe UI" pitchFamily="34" charset="0"/>
@@ -526,7 +3407,7 @@
           <a:p>
             <a:fld id="{38EEC551-8CDA-4EB6-89BB-2A86C9F091C8}" type="datetime8">
               <a:rPr lang="en-US" smtClean="0"/>
-              <a:t>5/3/2018 2:20 PM</a:t>
+              <a:t>5/4/2018 12:31 PM</a:t>
             </a:fld>
             <a:endParaRPr lang="en-US"/>
           </a:p>
@@ -878,7 +3759,7 @@
                   <a:prstClr val="black"/>
                 </a:solidFill>
               </a:rPr>
-              <a:t>5/3/2018 2:20 PM</a:t>
+              <a:t>5/4/2018 12:31 PM</a:t>
             </a:fld>
             <a:endParaRPr lang="en-US">
               <a:solidFill>
@@ -910,7 +3791,7 @@
                 </a:solidFill>
               </a:rPr>
               <a:pPr/>
-              <a:t>12</a:t>
+              <a:t>35</a:t>
             </a:fld>
             <a:endParaRPr lang="en-US">
               <a:solidFill>
@@ -7745,124 +10626,10 @@
       </p:grpSpPr>
       <p:sp>
         <p:nvSpPr>
-          <p:cNvPr id="5" name="Text Placeholder 4">
+          <p:cNvPr id="2" name="Title 1">
             <a:extLst>
               <a:ext uri="{FF2B5EF4-FFF2-40B4-BE49-F238E27FC236}">
-                <a16:creationId xmlns:a16="http://schemas.microsoft.com/office/drawing/2014/main" id="{BA649933-15F3-42F0-AEF4-3256379F0477}"/>
-              </a:ext>
-            </a:extLst>
-          </p:cNvPr>
-          <p:cNvSpPr>
-            <a:spLocks noGrp="1"/>
-          </p:cNvSpPr>
-          <p:nvPr>
-            <p:ph type="body" sz="quarter" idx="10"/>
-          </p:nvPr>
-        </p:nvSpPr>
-        <p:spPr>
-          <a:xfrm>
-            <a:off x="274638" y="1212850"/>
-            <a:ext cx="11887200" cy="5016758"/>
-          </a:xfrm>
-        </p:spPr>
-        <p:txBody>
-          <a:bodyPr/>
-          <a:lstStyle/>
-          <a:p>
-            <a:r>
-              <a:rPr kumimoji="1" lang="en-US" altLang="ja-JP" dirty="0"/>
-              <a:t>UWP </a:t>
-            </a:r>
-            <a:r>
-              <a:rPr kumimoji="1" lang="ja-JP" altLang="en-US" dirty="0"/>
-              <a:t>は </a:t>
-            </a:r>
-            <a:r>
-              <a:rPr kumimoji="1" lang="en-US" altLang="ja-JP" dirty="0"/>
-              <a:t>Windows 10 </a:t>
-            </a:r>
-            <a:r>
-              <a:rPr kumimoji="1" lang="ja-JP" altLang="en-US" dirty="0"/>
-              <a:t>のネイティブアプリ開発プラットフォーム</a:t>
-            </a:r>
-            <a:endParaRPr kumimoji="1" lang="en-US" altLang="ja-JP" dirty="0"/>
-          </a:p>
-          <a:p>
-            <a:r>
-              <a:rPr lang="ja-JP" altLang="en-US" dirty="0"/>
-              <a:t>ネイティブアプリでしか出来ない機能もある</a:t>
-            </a:r>
-            <a:endParaRPr lang="en-US" altLang="ja-JP" dirty="0"/>
-          </a:p>
-          <a:p>
-            <a:pPr lvl="1"/>
-            <a:r>
-              <a:rPr kumimoji="1" lang="en-US" altLang="ja-JP" dirty="0"/>
-              <a:t>Bluetooth</a:t>
-            </a:r>
-            <a:r>
-              <a:rPr kumimoji="1" lang="ja-JP" altLang="en-US" dirty="0" err="1"/>
-              <a:t>、</a:t>
-            </a:r>
-            <a:r>
-              <a:rPr kumimoji="1" lang="ja-JP" altLang="en-US" dirty="0"/>
-              <a:t>インク、接続されるアプリやデバイス</a:t>
-            </a:r>
-            <a:endParaRPr kumimoji="1" lang="en-US" altLang="ja-JP" dirty="0"/>
-          </a:p>
-          <a:p>
-            <a:r>
-              <a:rPr lang="ja-JP" altLang="en-US" dirty="0"/>
-              <a:t>ネイティブアプリのほうが簡単な機能もある</a:t>
-            </a:r>
-            <a:endParaRPr lang="en-US" altLang="ja-JP" dirty="0"/>
-          </a:p>
-          <a:p>
-            <a:pPr lvl="1"/>
-            <a:r>
-              <a:rPr lang="en-US" altLang="ja-JP" dirty="0"/>
-              <a:t>Fluent Design system</a:t>
-            </a:r>
-          </a:p>
-          <a:p>
-            <a:r>
-              <a:rPr kumimoji="1" lang="ja-JP" altLang="en-US" dirty="0"/>
-              <a:t>配布</a:t>
-            </a:r>
-            <a:endParaRPr kumimoji="1" lang="en-US" altLang="ja-JP" dirty="0"/>
-          </a:p>
-          <a:p>
-            <a:pPr lvl="1"/>
-            <a:r>
-              <a:rPr kumimoji="1" lang="en-US" altLang="ja-JP" dirty="0"/>
-              <a:t>Microsoft </a:t>
-            </a:r>
-            <a:r>
-              <a:rPr kumimoji="1" lang="ja-JP" altLang="en-US" dirty="0"/>
-              <a:t>ストア、ビジネスストア、サイドローディング（</a:t>
-            </a:r>
-            <a:r>
-              <a:rPr kumimoji="1" lang="en-US" altLang="ja-JP" dirty="0" err="1"/>
-              <a:t>appinstaller</a:t>
-            </a:r>
-            <a:r>
-              <a:rPr kumimoji="1" lang="en-US" altLang="ja-JP" dirty="0"/>
-              <a:t> </a:t>
-            </a:r>
-            <a:r>
-              <a:rPr kumimoji="1" lang="ja-JP" altLang="en-US" dirty="0"/>
-              <a:t>スキーマ）</a:t>
-            </a:r>
-            <a:endParaRPr kumimoji="1" lang="en-US" altLang="ja-JP" dirty="0"/>
-          </a:p>
-        </p:txBody>
-      </p:sp>
-      <p:sp>
-        <p:nvSpPr>
-          <p:cNvPr id="4" name="Title 3">
-            <a:extLst>
-              <a:ext uri="{FF2B5EF4-FFF2-40B4-BE49-F238E27FC236}">
-                <a16:creationId xmlns:a16="http://schemas.microsoft.com/office/drawing/2014/main" id="{E67C8CA7-B9B7-4159-9AF1-2FFB4DCE4BDD}"/>
+                <a16:creationId xmlns:a16="http://schemas.microsoft.com/office/drawing/2014/main" id="{84C7913D-E0F3-49B7-9874-6D8B19DA969F}"/>
               </a:ext>
             </a:extLst>
           </p:cNvPr>
@@ -7879,17 +10646,84 @@
           <a:lstStyle/>
           <a:p>
             <a:r>
+              <a:rPr kumimoji="1" lang="ja-JP" altLang="en-US" dirty="0"/>
+              <a:t>ネイティブということ</a:t>
+            </a:r>
+          </a:p>
+        </p:txBody>
+      </p:sp>
+      <p:sp>
+        <p:nvSpPr>
+          <p:cNvPr id="3" name="Text Placeholder 2">
+            <a:extLst>
+              <a:ext uri="{FF2B5EF4-FFF2-40B4-BE49-F238E27FC236}">
+                <a16:creationId xmlns:a16="http://schemas.microsoft.com/office/drawing/2014/main" id="{F82640FC-E828-43BB-B01B-25E7F63F67BE}"/>
+              </a:ext>
+            </a:extLst>
+          </p:cNvPr>
+          <p:cNvSpPr>
+            <a:spLocks noGrp="1"/>
+          </p:cNvSpPr>
+          <p:nvPr>
+            <p:ph type="body" sz="quarter" idx="10"/>
+          </p:nvPr>
+        </p:nvSpPr>
+        <p:spPr>
+          <a:xfrm>
+            <a:off x="274638" y="1212850"/>
+            <a:ext cx="11887200" cy="2723823"/>
+          </a:xfrm>
+        </p:spPr>
+        <p:txBody>
+          <a:bodyPr/>
+          <a:lstStyle/>
+          <a:p>
+            <a:r>
+              <a:rPr kumimoji="1" lang="ja-JP" altLang="en-US" dirty="0"/>
+              <a:t>ユーザーにプラットフォーム提供者が考える最高の体験を</a:t>
+            </a:r>
+            <a:br>
+              <a:rPr kumimoji="1" lang="en-US" altLang="ja-JP" dirty="0"/>
+            </a:br>
+            <a:r>
+              <a:rPr kumimoji="1" lang="ja-JP" altLang="en-US" dirty="0"/>
+              <a:t>一番低コストで提供できるプラットフォーム</a:t>
+            </a:r>
+            <a:endParaRPr kumimoji="1" lang="en-US" altLang="ja-JP" dirty="0"/>
+          </a:p>
+          <a:p>
+            <a:r>
+              <a:rPr lang="en-US" altLang="ja-JP" dirty="0"/>
+              <a:t>Windows Runtime API</a:t>
+            </a:r>
+            <a:r>
               <a:rPr lang="ja-JP" altLang="en-US" dirty="0"/>
-              <a:t>まとめ</a:t>
-            </a:r>
-            <a:endParaRPr kumimoji="1" lang="ja-JP" altLang="en-US" dirty="0"/>
+              <a:t>（</a:t>
+            </a:r>
+            <a:r>
+              <a:rPr lang="en-US" altLang="ja-JP" dirty="0"/>
+              <a:t>Windows 10 </a:t>
+            </a:r>
+            <a:r>
+              <a:rPr lang="ja-JP" altLang="en-US" dirty="0"/>
+              <a:t>ネイティブの </a:t>
+            </a:r>
+            <a:r>
+              <a:rPr lang="en-US" altLang="ja-JP" dirty="0"/>
+              <a:t>API</a:t>
+            </a:r>
+            <a:r>
+              <a:rPr lang="ja-JP" altLang="en-US" dirty="0"/>
+              <a:t>）をシームレスに呼び出し可能</a:t>
+            </a:r>
+            <a:endParaRPr lang="en-US" altLang="ja-JP" dirty="0"/>
           </a:p>
         </p:txBody>
       </p:sp>
     </p:spTree>
     <p:extLst>
       <p:ext uri="{BB962C8B-B14F-4D97-AF65-F5344CB8AC3E}">
-        <p14:creationId xmlns:p14="http://schemas.microsoft.com/office/powerpoint/2010/main" val="377738214"/>
+        <p14:creationId xmlns:p14="http://schemas.microsoft.com/office/powerpoint/2010/main" val="710977801"/>
       </p:ext>
     </p:extLst>
   </p:cSld>
@@ -7921,10 +10755,89 @@
       </p:grpSpPr>
       <p:sp>
         <p:nvSpPr>
-          <p:cNvPr id="4" name="Title 3">
+          <p:cNvPr id="4" name="Text Placeholder 3">
             <a:extLst>
               <a:ext uri="{FF2B5EF4-FFF2-40B4-BE49-F238E27FC236}">
-                <a16:creationId xmlns:a16="http://schemas.microsoft.com/office/drawing/2014/main" id="{E67C8CA7-B9B7-4159-9AF1-2FFB4DCE4BDD}"/>
+                <a16:creationId xmlns:a16="http://schemas.microsoft.com/office/drawing/2014/main" id="{1AC59D24-E486-408B-8FFA-1FB6998ECA51}"/>
+              </a:ext>
+            </a:extLst>
+          </p:cNvPr>
+          <p:cNvSpPr>
+            <a:spLocks noGrp="1"/>
+          </p:cNvSpPr>
+          <p:nvPr>
+            <p:ph type="body" sz="quarter" idx="10"/>
+          </p:nvPr>
+        </p:nvSpPr>
+        <p:spPr>
+          <a:xfrm>
+            <a:off x="274638" y="1212850"/>
+            <a:ext cx="11887200" cy="3524042"/>
+          </a:xfrm>
+        </p:spPr>
+        <p:txBody>
+          <a:bodyPr/>
+          <a:lstStyle/>
+          <a:p>
+            <a:r>
+              <a:rPr kumimoji="1" lang="en-US" altLang="ja-JP" dirty="0"/>
+              <a:t>Visual Studio 2017 </a:t>
+            </a:r>
+            <a:r>
+              <a:rPr kumimoji="1" lang="ja-JP" altLang="en-US" dirty="0"/>
+              <a:t>で開発</a:t>
+            </a:r>
+            <a:endParaRPr kumimoji="1" lang="en-US" altLang="ja-JP" dirty="0"/>
+          </a:p>
+          <a:p>
+            <a:r>
+              <a:rPr kumimoji="1" lang="ja-JP" altLang="en-US" dirty="0"/>
+              <a:t>開発言語</a:t>
+            </a:r>
+            <a:endParaRPr kumimoji="1" lang="en-US" altLang="ja-JP" dirty="0"/>
+          </a:p>
+          <a:p>
+            <a:pPr lvl="1"/>
+            <a:r>
+              <a:rPr lang="en-US" altLang="ja-JP" dirty="0"/>
+              <a:t>C# + XAML</a:t>
+            </a:r>
+            <a:endParaRPr lang="en-US" altLang="ja-JP" b="1" dirty="0">
+              <a:solidFill>
+                <a:srgbClr val="00B050"/>
+              </a:solidFill>
+            </a:endParaRPr>
+          </a:p>
+          <a:p>
+            <a:pPr lvl="1"/>
+            <a:r>
+              <a:rPr kumimoji="1" lang="en-US" altLang="ja-JP" dirty="0"/>
+              <a:t>Visual Basic + XAML</a:t>
+            </a:r>
+          </a:p>
+          <a:p>
+            <a:pPr lvl="1"/>
+            <a:r>
+              <a:rPr lang="en-US" altLang="ja-JP" dirty="0"/>
+              <a:t>C++/CX + XAML</a:t>
+            </a:r>
+          </a:p>
+          <a:p>
+            <a:pPr lvl="1"/>
+            <a:r>
+              <a:rPr kumimoji="1" lang="en-US" altLang="ja-JP" dirty="0"/>
+              <a:t>JavaScript + HTML/CSS</a:t>
+            </a:r>
+            <a:endParaRPr kumimoji="1" lang="ja-JP" altLang="en-US" dirty="0"/>
+          </a:p>
+        </p:txBody>
+      </p:sp>
+      <p:sp>
+        <p:nvSpPr>
+          <p:cNvPr id="2" name="Title 1">
+            <a:extLst>
+              <a:ext uri="{FF2B5EF4-FFF2-40B4-BE49-F238E27FC236}">
+                <a16:creationId xmlns:a16="http://schemas.microsoft.com/office/drawing/2014/main" id="{00DAE54B-6BBC-4FD1-9A12-BD50F3AF33F9}"/>
               </a:ext>
             </a:extLst>
           </p:cNvPr>
@@ -7941,52 +10854,16 @@
           <a:lstStyle/>
           <a:p>
             <a:r>
-              <a:rPr lang="ja-JP" altLang="en-US" dirty="0"/>
-              <a:t>まとめ</a:t>
-            </a:r>
-            <a:endParaRPr kumimoji="1" lang="ja-JP" altLang="en-US" dirty="0"/>
-          </a:p>
-        </p:txBody>
-      </p:sp>
-      <p:sp>
-        <p:nvSpPr>
-          <p:cNvPr id="5" name="Text Placeholder 4">
-            <a:extLst>
-              <a:ext uri="{FF2B5EF4-FFF2-40B4-BE49-F238E27FC236}">
-                <a16:creationId xmlns:a16="http://schemas.microsoft.com/office/drawing/2014/main" id="{BA649933-15F3-42F0-AEF4-3256379F0477}"/>
-              </a:ext>
-            </a:extLst>
-          </p:cNvPr>
-          <p:cNvSpPr>
-            <a:spLocks noGrp="1"/>
-          </p:cNvSpPr>
-          <p:nvPr>
-            <p:ph type="body" sz="quarter" idx="10"/>
-          </p:nvPr>
-        </p:nvSpPr>
-        <p:spPr>
-          <a:xfrm>
-            <a:off x="274638" y="1212850"/>
-            <a:ext cx="11887200" cy="1015663"/>
-          </a:xfrm>
-        </p:spPr>
-        <p:txBody>
-          <a:bodyPr/>
-          <a:lstStyle/>
-          <a:p>
-            <a:pPr algn="ctr"/>
-            <a:r>
-              <a:rPr kumimoji="1" lang="ja-JP" altLang="en-US" sz="5400" dirty="0"/>
-              <a:t>良いデスクトップアプリケーション開発を！！</a:t>
-            </a:r>
-            <a:endParaRPr kumimoji="1" lang="en-US" altLang="ja-JP" sz="5400" dirty="0"/>
+              <a:rPr kumimoji="1" lang="ja-JP" altLang="en-US" dirty="0"/>
+              <a:t>開発方法</a:t>
+            </a:r>
           </a:p>
         </p:txBody>
       </p:sp>
     </p:spTree>
     <p:extLst>
       <p:ext uri="{BB962C8B-B14F-4D97-AF65-F5344CB8AC3E}">
-        <p14:creationId xmlns:p14="http://schemas.microsoft.com/office/powerpoint/2010/main" val="2852721259"/>
+        <p14:creationId xmlns:p14="http://schemas.microsoft.com/office/powerpoint/2010/main" val="1711346138"/>
       </p:ext>
     </p:extLst>
   </p:cSld>
@@ -8016,28 +10893,2234 @@
           <a:chExt cx="0" cy="0"/>
         </a:xfrm>
       </p:grpSpPr>
+      <p:sp>
+        <p:nvSpPr>
+          <p:cNvPr id="2" name="Text Placeholder 1">
+            <a:extLst>
+              <a:ext uri="{FF2B5EF4-FFF2-40B4-BE49-F238E27FC236}">
+                <a16:creationId xmlns:a16="http://schemas.microsoft.com/office/drawing/2014/main" id="{AEA71009-909B-4E08-895B-849A3212F9FA}"/>
+              </a:ext>
+            </a:extLst>
+          </p:cNvPr>
+          <p:cNvSpPr>
+            <a:spLocks noGrp="1"/>
+          </p:cNvSpPr>
+          <p:nvPr>
+            <p:ph type="body" sz="quarter" idx="10"/>
+          </p:nvPr>
+        </p:nvSpPr>
+        <p:spPr>
+          <a:xfrm>
+            <a:off x="274638" y="1212850"/>
+            <a:ext cx="11887200" cy="2185214"/>
+          </a:xfrm>
+        </p:spPr>
+        <p:txBody>
+          <a:bodyPr/>
+          <a:lstStyle/>
+          <a:p>
+            <a:r>
+              <a:rPr kumimoji="1" lang="en-US" altLang="ja-JP" dirty="0"/>
+              <a:t>Microsoft </a:t>
+            </a:r>
+            <a:r>
+              <a:rPr kumimoji="1" lang="ja-JP" altLang="en-US" dirty="0"/>
+              <a:t>ストアによる配布</a:t>
+            </a:r>
+            <a:endParaRPr kumimoji="1" lang="en-US" altLang="ja-JP" dirty="0"/>
+          </a:p>
+          <a:p>
+            <a:r>
+              <a:rPr kumimoji="1" lang="ja-JP" altLang="en-US" dirty="0"/>
+              <a:t>ビジネス向け </a:t>
+            </a:r>
+            <a:r>
+              <a:rPr kumimoji="1" lang="en-US" altLang="ja-JP" dirty="0"/>
+              <a:t>Microsoft </a:t>
+            </a:r>
+            <a:r>
+              <a:rPr kumimoji="1" lang="ja-JP" altLang="en-US" dirty="0"/>
+              <a:t>ストアによる配布</a:t>
+            </a:r>
+            <a:endParaRPr kumimoji="1" lang="en-US" altLang="ja-JP" dirty="0"/>
+          </a:p>
+          <a:p>
+            <a:r>
+              <a:rPr kumimoji="1" lang="ja-JP" altLang="en-US" dirty="0"/>
+              <a:t>サイドローディングによる配布</a:t>
+            </a:r>
+          </a:p>
+        </p:txBody>
+      </p:sp>
+      <p:sp>
+        <p:nvSpPr>
+          <p:cNvPr id="3" name="Title 2">
+            <a:extLst>
+              <a:ext uri="{FF2B5EF4-FFF2-40B4-BE49-F238E27FC236}">
+                <a16:creationId xmlns:a16="http://schemas.microsoft.com/office/drawing/2014/main" id="{C7237485-EF27-4278-85B7-CFE65F1FCF28}"/>
+              </a:ext>
+            </a:extLst>
+          </p:cNvPr>
+          <p:cNvSpPr>
+            <a:spLocks noGrp="1"/>
+          </p:cNvSpPr>
+          <p:nvPr>
+            <p:ph type="title"/>
+          </p:nvPr>
+        </p:nvSpPr>
+        <p:spPr/>
+        <p:txBody>
+          <a:bodyPr/>
+          <a:lstStyle/>
+          <a:p>
+            <a:r>
+              <a:rPr kumimoji="1" lang="ja-JP" altLang="en-US" dirty="0"/>
+              <a:t>配布</a:t>
+            </a:r>
+          </a:p>
+        </p:txBody>
+      </p:sp>
     </p:spTree>
     <p:extLst>
       <p:ext uri="{BB962C8B-B14F-4D97-AF65-F5344CB8AC3E}">
-        <p14:creationId xmlns:p14="http://schemas.microsoft.com/office/powerpoint/2010/main" val="1066074585"/>
+        <p14:creationId xmlns:p14="http://schemas.microsoft.com/office/powerpoint/2010/main" val="3957306009"/>
       </p:ext>
     </p:extLst>
   </p:cSld>
   <p:clrMapOvr>
     <a:masterClrMapping/>
   </p:clrMapOvr>
-  <mc:AlternateContent xmlns:mc="http://schemas.openxmlformats.org/markup-compatibility/2006" xmlns:p14="http://schemas.microsoft.com/office/powerpoint/2010/main">
-    <mc:Choice Requires="p14">
-      <p:transition spd="med" p14:dur="700">
-        <p:fade/>
-      </p:transition>
-    </mc:Choice>
-    <mc:Fallback xmlns="">
-      <p:transition spd="med">
-        <p:fade/>
-      </p:transition>
-    </mc:Fallback>
-  </mc:AlternateContent>
+  <p:transition>
+    <p:fade/>
+  </p:transition>
+</p:sld>
+</file>
+
+<file path=ppt/slides/slide13.xml><?xml version="1.0" encoding="utf-8"?>
+<p:sld xmlns:a="http://schemas.openxmlformats.org/drawingml/2006/main" xmlns:r="http://schemas.openxmlformats.org/officeDocument/2006/relationships" xmlns:p="http://schemas.openxmlformats.org/presentationml/2006/main">
+  <p:cSld>
+    <p:spTree>
+      <p:nvGrpSpPr>
+        <p:cNvPr id="1" name=""/>
+        <p:cNvGrpSpPr/>
+        <p:nvPr/>
+      </p:nvGrpSpPr>
+      <p:grpSpPr>
+        <a:xfrm>
+          <a:off x="0" y="0"/>
+          <a:ext cx="0" cy="0"/>
+          <a:chOff x="0" y="0"/>
+          <a:chExt cx="0" cy="0"/>
+        </a:xfrm>
+      </p:grpSpPr>
+      <p:sp>
+        <p:nvSpPr>
+          <p:cNvPr id="2" name="Text Placeholder 1">
+            <a:extLst>
+              <a:ext uri="{FF2B5EF4-FFF2-40B4-BE49-F238E27FC236}">
+                <a16:creationId xmlns:a16="http://schemas.microsoft.com/office/drawing/2014/main" id="{A5BB81B6-FACA-4E0A-AC8A-A8E9164FF2D0}"/>
+              </a:ext>
+            </a:extLst>
+          </p:cNvPr>
+          <p:cNvSpPr>
+            <a:spLocks noGrp="1"/>
+          </p:cNvSpPr>
+          <p:nvPr>
+            <p:ph type="body" sz="quarter" idx="10"/>
+          </p:nvPr>
+        </p:nvSpPr>
+        <p:spPr>
+          <a:xfrm>
+            <a:off x="274638" y="1212850"/>
+            <a:ext cx="11887200" cy="2185214"/>
+          </a:xfrm>
+        </p:spPr>
+        <p:txBody>
+          <a:bodyPr/>
+          <a:lstStyle/>
+          <a:p>
+            <a:r>
+              <a:rPr kumimoji="1" lang="en-US" altLang="ja-JP" dirty="0"/>
+              <a:t>Windows 10 </a:t>
+            </a:r>
+            <a:r>
+              <a:rPr kumimoji="1" lang="ja-JP" altLang="en-US" dirty="0"/>
+              <a:t>向けのネイティブ</a:t>
+            </a:r>
+            <a:r>
+              <a:rPr lang="ja-JP" altLang="en-US" dirty="0"/>
+              <a:t>アプリプラットフォーム</a:t>
+            </a:r>
+            <a:endParaRPr lang="en-US" altLang="ja-JP" dirty="0"/>
+          </a:p>
+          <a:p>
+            <a:r>
+              <a:rPr kumimoji="1" lang="ja-JP" altLang="en-US" dirty="0"/>
+              <a:t>色々な言語で開発が可能</a:t>
+            </a:r>
+            <a:endParaRPr kumimoji="1" lang="en-US" altLang="ja-JP" dirty="0"/>
+          </a:p>
+          <a:p>
+            <a:r>
+              <a:rPr lang="ja-JP" altLang="en-US" dirty="0"/>
+              <a:t>ストアを経由する配布、経由しない配布</a:t>
+            </a:r>
+            <a:endParaRPr kumimoji="1" lang="ja-JP" altLang="en-US" dirty="0"/>
+          </a:p>
+        </p:txBody>
+      </p:sp>
+      <p:sp>
+        <p:nvSpPr>
+          <p:cNvPr id="3" name="Title 2">
+            <a:extLst>
+              <a:ext uri="{FF2B5EF4-FFF2-40B4-BE49-F238E27FC236}">
+                <a16:creationId xmlns:a16="http://schemas.microsoft.com/office/drawing/2014/main" id="{4AC56906-F97C-4E52-9CAA-AB5600D21DD6}"/>
+              </a:ext>
+            </a:extLst>
+          </p:cNvPr>
+          <p:cNvSpPr>
+            <a:spLocks noGrp="1"/>
+          </p:cNvSpPr>
+          <p:nvPr>
+            <p:ph type="title"/>
+          </p:nvPr>
+        </p:nvSpPr>
+        <p:spPr/>
+        <p:txBody>
+          <a:bodyPr/>
+          <a:lstStyle/>
+          <a:p>
+            <a:r>
+              <a:rPr lang="ja-JP" altLang="en-US" dirty="0"/>
+              <a:t>まとめ</a:t>
+            </a:r>
+            <a:endParaRPr kumimoji="1" lang="ja-JP" altLang="en-US" dirty="0"/>
+          </a:p>
+        </p:txBody>
+      </p:sp>
+    </p:spTree>
+    <p:extLst>
+      <p:ext uri="{BB962C8B-B14F-4D97-AF65-F5344CB8AC3E}">
+        <p14:creationId xmlns:p14="http://schemas.microsoft.com/office/powerpoint/2010/main" val="1945004781"/>
+      </p:ext>
+    </p:extLst>
+  </p:cSld>
+  <p:clrMapOvr>
+    <a:masterClrMapping/>
+  </p:clrMapOvr>
+  <p:transition>
+    <p:fade/>
+  </p:transition>
+</p:sld>
+</file>
+
+<file path=ppt/slides/slide14.xml><?xml version="1.0" encoding="utf-8"?>
+<p:sld xmlns:a="http://schemas.openxmlformats.org/drawingml/2006/main" xmlns:r="http://schemas.openxmlformats.org/officeDocument/2006/relationships" xmlns:p="http://schemas.openxmlformats.org/presentationml/2006/main">
+  <p:cSld>
+    <p:spTree>
+      <p:nvGrpSpPr>
+        <p:cNvPr id="1" name=""/>
+        <p:cNvGrpSpPr/>
+        <p:nvPr/>
+      </p:nvGrpSpPr>
+      <p:grpSpPr>
+        <a:xfrm>
+          <a:off x="0" y="0"/>
+          <a:ext cx="0" cy="0"/>
+          <a:chOff x="0" y="0"/>
+          <a:chExt cx="0" cy="0"/>
+        </a:xfrm>
+      </p:grpSpPr>
+      <p:sp>
+        <p:nvSpPr>
+          <p:cNvPr id="2" name="Title 1">
+            <a:extLst>
+              <a:ext uri="{FF2B5EF4-FFF2-40B4-BE49-F238E27FC236}">
+                <a16:creationId xmlns:a16="http://schemas.microsoft.com/office/drawing/2014/main" id="{A614C93D-0E70-4FE5-BD0B-3184CABAEBC0}"/>
+              </a:ext>
+            </a:extLst>
+          </p:cNvPr>
+          <p:cNvSpPr>
+            <a:spLocks noGrp="1"/>
+          </p:cNvSpPr>
+          <p:nvPr>
+            <p:ph type="title"/>
+          </p:nvPr>
+        </p:nvSpPr>
+        <p:spPr/>
+        <p:txBody>
+          <a:bodyPr/>
+          <a:lstStyle/>
+          <a:p>
+            <a:r>
+              <a:rPr lang="ja-JP" altLang="en-US" dirty="0"/>
+              <a:t>他の選択肢</a:t>
+            </a:r>
+            <a:endParaRPr kumimoji="1" lang="ja-JP" altLang="en-US" dirty="0"/>
+          </a:p>
+        </p:txBody>
+      </p:sp>
+    </p:spTree>
+    <p:extLst>
+      <p:ext uri="{BB962C8B-B14F-4D97-AF65-F5344CB8AC3E}">
+        <p14:creationId xmlns:p14="http://schemas.microsoft.com/office/powerpoint/2010/main" val="2192420560"/>
+      </p:ext>
+    </p:extLst>
+  </p:cSld>
+  <p:clrMapOvr>
+    <a:masterClrMapping/>
+  </p:clrMapOvr>
+  <p:transition>
+    <p:fade/>
+  </p:transition>
+</p:sld>
+</file>
+
+<file path=ppt/slides/slide15.xml><?xml version="1.0" encoding="utf-8"?>
+<p:sld xmlns:a="http://schemas.openxmlformats.org/drawingml/2006/main" xmlns:r="http://schemas.openxmlformats.org/officeDocument/2006/relationships" xmlns:p="http://schemas.openxmlformats.org/presentationml/2006/main">
+  <p:cSld>
+    <p:spTree>
+      <p:nvGrpSpPr>
+        <p:cNvPr id="1" name=""/>
+        <p:cNvGrpSpPr/>
+        <p:nvPr/>
+      </p:nvGrpSpPr>
+      <p:grpSpPr>
+        <a:xfrm>
+          <a:off x="0" y="0"/>
+          <a:ext cx="0" cy="0"/>
+          <a:chOff x="0" y="0"/>
+          <a:chExt cx="0" cy="0"/>
+        </a:xfrm>
+      </p:grpSpPr>
+      <p:sp>
+        <p:nvSpPr>
+          <p:cNvPr id="3" name="Title 2">
+            <a:extLst>
+              <a:ext uri="{FF2B5EF4-FFF2-40B4-BE49-F238E27FC236}">
+                <a16:creationId xmlns:a16="http://schemas.microsoft.com/office/drawing/2014/main" id="{BEE479BE-B614-4987-89BA-948C256576D9}"/>
+              </a:ext>
+            </a:extLst>
+          </p:cNvPr>
+          <p:cNvSpPr>
+            <a:spLocks noGrp="1"/>
+          </p:cNvSpPr>
+          <p:nvPr>
+            <p:ph type="title"/>
+          </p:nvPr>
+        </p:nvSpPr>
+        <p:spPr/>
+        <p:txBody>
+          <a:bodyPr/>
+          <a:lstStyle/>
+          <a:p>
+            <a:r>
+              <a:rPr kumimoji="1" lang="en-US" altLang="ja-JP" dirty="0"/>
+              <a:t>.NET Framework </a:t>
+            </a:r>
+            <a:r>
+              <a:rPr kumimoji="1" lang="ja-JP" altLang="en-US" dirty="0"/>
+              <a:t>依存のテクノロジー</a:t>
+            </a:r>
+          </a:p>
+        </p:txBody>
+      </p:sp>
+      <p:sp>
+        <p:nvSpPr>
+          <p:cNvPr id="4" name="Text Placeholder 3">
+            <a:extLst>
+              <a:ext uri="{FF2B5EF4-FFF2-40B4-BE49-F238E27FC236}">
+                <a16:creationId xmlns:a16="http://schemas.microsoft.com/office/drawing/2014/main" id="{F1617D5C-4DF7-477E-AFCD-28DD5F063DA2}"/>
+              </a:ext>
+            </a:extLst>
+          </p:cNvPr>
+          <p:cNvSpPr>
+            <a:spLocks noGrp="1"/>
+          </p:cNvSpPr>
+          <p:nvPr>
+            <p:ph type="body" sz="quarter" idx="10"/>
+          </p:nvPr>
+        </p:nvSpPr>
+        <p:spPr>
+          <a:xfrm>
+            <a:off x="274638" y="1212850"/>
+            <a:ext cx="11887200" cy="5155257"/>
+          </a:xfrm>
+        </p:spPr>
+        <p:txBody>
+          <a:bodyPr/>
+          <a:lstStyle/>
+          <a:p>
+            <a:r>
+              <a:rPr kumimoji="1" lang="en-US" altLang="ja-JP" sz="3600" dirty="0"/>
+              <a:t>Windows Presentation Foundation</a:t>
+            </a:r>
+          </a:p>
+          <a:p>
+            <a:pPr marL="571500" indent="-571500">
+              <a:buFont typeface="Arial" panose="020B0604020202020204" pitchFamily="34" charset="0"/>
+              <a:buChar char="•"/>
+            </a:pPr>
+            <a:r>
+              <a:rPr lang="en-US" altLang="ja-JP" sz="3600" dirty="0"/>
+              <a:t>UWP </a:t>
+            </a:r>
+            <a:r>
+              <a:rPr lang="ja-JP" altLang="en-US" sz="3600" dirty="0"/>
+              <a:t>と同じ </a:t>
+            </a:r>
+            <a:r>
+              <a:rPr lang="en-US" altLang="ja-JP" sz="3600" dirty="0"/>
+              <a:t>C# + XAML </a:t>
+            </a:r>
+            <a:r>
+              <a:rPr lang="ja-JP" altLang="en-US" sz="3600" dirty="0"/>
+              <a:t>などの言語で開発可能</a:t>
+            </a:r>
+            <a:endParaRPr lang="en-US" altLang="ja-JP" sz="3600" dirty="0"/>
+          </a:p>
+          <a:p>
+            <a:pPr marL="571500" indent="-571500">
+              <a:buFont typeface="Arial" panose="020B0604020202020204" pitchFamily="34" charset="0"/>
+              <a:buChar char="•"/>
+            </a:pPr>
+            <a:r>
+              <a:rPr lang="ja-JP" altLang="en-US" sz="3600" dirty="0"/>
+              <a:t>柔軟な見た目に対応可能</a:t>
+            </a:r>
+            <a:endParaRPr lang="en-US" altLang="ja-JP" sz="3600" dirty="0"/>
+          </a:p>
+          <a:p>
+            <a:pPr marL="571500" indent="-571500">
+              <a:buFont typeface="Arial" panose="020B0604020202020204" pitchFamily="34" charset="0"/>
+              <a:buChar char="•"/>
+            </a:pPr>
+            <a:r>
+              <a:rPr lang="en-US" altLang="ja-JP" sz="3600" dirty="0"/>
+              <a:t>Windows 7 </a:t>
+            </a:r>
+            <a:r>
+              <a:rPr lang="ja-JP" altLang="en-US" sz="3600" dirty="0"/>
+              <a:t>でも動く</a:t>
+            </a:r>
+            <a:endParaRPr lang="en-US" altLang="ja-JP" sz="3600" dirty="0"/>
+          </a:p>
+          <a:p>
+            <a:endParaRPr lang="en-US" altLang="ja-JP" sz="3600" dirty="0"/>
+          </a:p>
+          <a:p>
+            <a:r>
+              <a:rPr kumimoji="1" lang="en-US" altLang="ja-JP" sz="3600" dirty="0"/>
+              <a:t>Windows Forms</a:t>
+            </a:r>
+          </a:p>
+          <a:p>
+            <a:pPr marL="571500" indent="-571500">
+              <a:buFont typeface="Arial" panose="020B0604020202020204" pitchFamily="34" charset="0"/>
+              <a:buChar char="•"/>
+            </a:pPr>
+            <a:r>
+              <a:rPr lang="en-US" altLang="ja-JP" sz="3600" dirty="0"/>
+              <a:t>.NET Framework 1.0 </a:t>
+            </a:r>
+            <a:r>
+              <a:rPr lang="ja-JP" altLang="en-US" sz="3600" dirty="0"/>
+              <a:t>からある</a:t>
+            </a:r>
+            <a:endParaRPr lang="en-US" altLang="ja-JP" sz="3600" dirty="0"/>
+          </a:p>
+          <a:p>
+            <a:pPr marL="571500" indent="-571500">
+              <a:buFont typeface="Arial" panose="020B0604020202020204" pitchFamily="34" charset="0"/>
+              <a:buChar char="•"/>
+            </a:pPr>
+            <a:r>
+              <a:rPr kumimoji="1" lang="ja-JP" altLang="en-US" sz="3600" dirty="0"/>
+              <a:t>今風のレイアウトを組まないなら楽</a:t>
+            </a:r>
+          </a:p>
+        </p:txBody>
+      </p:sp>
+      <p:sp>
+        <p:nvSpPr>
+          <p:cNvPr id="5" name="Rectangle 4">
+            <a:extLst>
+              <a:ext uri="{FF2B5EF4-FFF2-40B4-BE49-F238E27FC236}">
+                <a16:creationId xmlns:a16="http://schemas.microsoft.com/office/drawing/2014/main" id="{7C356813-A2FE-4242-9C86-569CEFAACDAF}"/>
+              </a:ext>
+            </a:extLst>
+          </p:cNvPr>
+          <p:cNvSpPr/>
+          <p:nvPr/>
+        </p:nvSpPr>
+        <p:spPr bwMode="auto">
+          <a:xfrm>
+            <a:off x="7541776" y="2824120"/>
+            <a:ext cx="4620061" cy="3439115"/>
+          </a:xfrm>
+          <a:prstGeom prst="rect">
+            <a:avLst/>
+          </a:prstGeom>
+          <a:solidFill>
+            <a:schemeClr val="accent1"/>
+          </a:solidFill>
+          <a:ln>
+            <a:noFill/>
+            <a:headEnd type="none" w="med" len="med"/>
+            <a:tailEnd type="none" w="med" len="med"/>
+          </a:ln>
+          <a:effectLst/>
+        </p:spPr>
+        <p:style>
+          <a:lnRef idx="1">
+            <a:schemeClr val="accent2"/>
+          </a:lnRef>
+          <a:fillRef idx="3">
+            <a:schemeClr val="accent2"/>
+          </a:fillRef>
+          <a:effectRef idx="2">
+            <a:schemeClr val="accent2"/>
+          </a:effectRef>
+          <a:fontRef idx="minor">
+            <a:schemeClr val="lt1"/>
+          </a:fontRef>
+        </p:style>
+        <p:txBody>
+          <a:bodyPr rot="0" spcFirstLastPara="0" vertOverflow="overflow" horzOverflow="overflow" vert="horz" wrap="square" lIns="182880" tIns="146304" rIns="182880" bIns="146304" numCol="1" spcCol="0" rtlCol="0" fromWordArt="0" anchor="ctr" anchorCtr="0" forceAA="0" compatLnSpc="1">
+            <a:prstTxWarp prst="textNoShape">
+              <a:avLst/>
+            </a:prstTxWarp>
+            <a:noAutofit/>
+          </a:bodyPr>
+          <a:lstStyle/>
+          <a:p>
+            <a:pPr algn="ctr" defTabSz="932472" fontAlgn="base">
+              <a:lnSpc>
+                <a:spcPct val="90000"/>
+              </a:lnSpc>
+              <a:spcBef>
+                <a:spcPct val="0"/>
+              </a:spcBef>
+              <a:spcAft>
+                <a:spcPct val="0"/>
+              </a:spcAft>
+            </a:pPr>
+            <a:r>
+              <a:rPr kumimoji="1" lang="en-US" altLang="ja-JP" sz="3600" dirty="0">
+                <a:gradFill>
+                  <a:gsLst>
+                    <a:gs pos="0">
+                      <a:srgbClr val="FFFFFF"/>
+                    </a:gs>
+                    <a:gs pos="100000">
+                      <a:srgbClr val="FFFFFF"/>
+                    </a:gs>
+                  </a:gsLst>
+                  <a:lin ang="5400000" scaled="0"/>
+                </a:gradFill>
+                <a:ea typeface="Segoe UI" pitchFamily="34" charset="0"/>
+                <a:cs typeface="Segoe UI" pitchFamily="34" charset="0"/>
+              </a:rPr>
+              <a:t>Windows 10 </a:t>
+            </a:r>
+            <a:r>
+              <a:rPr kumimoji="1" lang="ja-JP" altLang="en-US" sz="3600" dirty="0">
+                <a:gradFill>
+                  <a:gsLst>
+                    <a:gs pos="0">
+                      <a:srgbClr val="FFFFFF"/>
+                    </a:gs>
+                    <a:gs pos="100000">
+                      <a:srgbClr val="FFFFFF"/>
+                    </a:gs>
+                  </a:gsLst>
+                  <a:lin ang="5400000" scaled="0"/>
+                </a:gradFill>
+                <a:ea typeface="Segoe UI" pitchFamily="34" charset="0"/>
+                <a:cs typeface="Segoe UI" pitchFamily="34" charset="0"/>
+              </a:rPr>
+              <a:t>以前</a:t>
+            </a:r>
+            <a:br>
+              <a:rPr kumimoji="1" lang="en-US" altLang="ja-JP" sz="3600" dirty="0">
+                <a:gradFill>
+                  <a:gsLst>
+                    <a:gs pos="0">
+                      <a:srgbClr val="FFFFFF"/>
+                    </a:gs>
+                    <a:gs pos="100000">
+                      <a:srgbClr val="FFFFFF"/>
+                    </a:gs>
+                  </a:gsLst>
+                  <a:lin ang="5400000" scaled="0"/>
+                </a:gradFill>
+                <a:ea typeface="Segoe UI" pitchFamily="34" charset="0"/>
+                <a:cs typeface="Segoe UI" pitchFamily="34" charset="0"/>
+              </a:rPr>
+            </a:br>
+            <a:r>
+              <a:rPr kumimoji="1" lang="ja-JP" altLang="en-US" sz="3600" dirty="0">
+                <a:gradFill>
+                  <a:gsLst>
+                    <a:gs pos="0">
+                      <a:srgbClr val="FFFFFF"/>
+                    </a:gs>
+                    <a:gs pos="100000">
+                      <a:srgbClr val="FFFFFF"/>
+                    </a:gs>
+                  </a:gsLst>
+                  <a:lin ang="5400000" scaled="0"/>
+                </a:gradFill>
+                <a:ea typeface="Segoe UI" pitchFamily="34" charset="0"/>
+                <a:cs typeface="Segoe UI" pitchFamily="34" charset="0"/>
+              </a:rPr>
+              <a:t>の</a:t>
+            </a:r>
+            <a:r>
+              <a:rPr kumimoji="1" lang="en-US" altLang="ja-JP" sz="3600" dirty="0">
+                <a:gradFill>
+                  <a:gsLst>
+                    <a:gs pos="0">
+                      <a:srgbClr val="FFFFFF"/>
+                    </a:gs>
+                    <a:gs pos="100000">
+                      <a:srgbClr val="FFFFFF"/>
+                    </a:gs>
+                  </a:gsLst>
+                  <a:lin ang="5400000" scaled="0"/>
+                </a:gradFill>
+                <a:ea typeface="Segoe UI" pitchFamily="34" charset="0"/>
+                <a:cs typeface="Segoe UI" pitchFamily="34" charset="0"/>
+              </a:rPr>
+              <a:t>OS </a:t>
+            </a:r>
+            <a:r>
+              <a:rPr kumimoji="1" lang="ja-JP" altLang="en-US" sz="3600" dirty="0" err="1">
+                <a:gradFill>
+                  <a:gsLst>
+                    <a:gs pos="0">
+                      <a:srgbClr val="FFFFFF"/>
+                    </a:gs>
+                    <a:gs pos="100000">
+                      <a:srgbClr val="FFFFFF"/>
+                    </a:gs>
+                  </a:gsLst>
+                  <a:lin ang="5400000" scaled="0"/>
+                </a:gradFill>
+                <a:ea typeface="Segoe UI" pitchFamily="34" charset="0"/>
+                <a:cs typeface="Segoe UI" pitchFamily="34" charset="0"/>
+              </a:rPr>
+              <a:t>への</a:t>
+            </a:r>
+            <a:r>
+              <a:rPr kumimoji="1" lang="ja-JP" altLang="en-US" sz="3600" dirty="0">
+                <a:gradFill>
+                  <a:gsLst>
+                    <a:gs pos="0">
+                      <a:srgbClr val="FFFFFF"/>
+                    </a:gs>
+                    <a:gs pos="100000">
+                      <a:srgbClr val="FFFFFF"/>
+                    </a:gs>
+                  </a:gsLst>
+                  <a:lin ang="5400000" scaled="0"/>
+                </a:gradFill>
+                <a:ea typeface="Segoe UI" pitchFamily="34" charset="0"/>
+                <a:cs typeface="Segoe UI" pitchFamily="34" charset="0"/>
+              </a:rPr>
+              <a:t>対応が</a:t>
+            </a:r>
+            <a:br>
+              <a:rPr kumimoji="1" lang="en-US" altLang="ja-JP" sz="3600" dirty="0">
+                <a:gradFill>
+                  <a:gsLst>
+                    <a:gs pos="0">
+                      <a:srgbClr val="FFFFFF"/>
+                    </a:gs>
+                    <a:gs pos="100000">
+                      <a:srgbClr val="FFFFFF"/>
+                    </a:gs>
+                  </a:gsLst>
+                  <a:lin ang="5400000" scaled="0"/>
+                </a:gradFill>
+                <a:ea typeface="Segoe UI" pitchFamily="34" charset="0"/>
+                <a:cs typeface="Segoe UI" pitchFamily="34" charset="0"/>
+              </a:rPr>
+            </a:br>
+            <a:r>
+              <a:rPr kumimoji="1" lang="ja-JP" altLang="en-US" sz="3600" dirty="0">
+                <a:gradFill>
+                  <a:gsLst>
+                    <a:gs pos="0">
+                      <a:srgbClr val="FFFFFF"/>
+                    </a:gs>
+                    <a:gs pos="100000">
+                      <a:srgbClr val="FFFFFF"/>
+                    </a:gs>
+                  </a:gsLst>
+                  <a:lin ang="5400000" scaled="0"/>
+                </a:gradFill>
+                <a:ea typeface="Segoe UI" pitchFamily="34" charset="0"/>
+                <a:cs typeface="Segoe UI" pitchFamily="34" charset="0"/>
+              </a:rPr>
+              <a:t>必要な場合には</a:t>
+            </a:r>
+            <a:br>
+              <a:rPr kumimoji="1" lang="en-US" altLang="ja-JP" sz="3600" dirty="0">
+                <a:gradFill>
+                  <a:gsLst>
+                    <a:gs pos="0">
+                      <a:srgbClr val="FFFFFF"/>
+                    </a:gs>
+                    <a:gs pos="100000">
+                      <a:srgbClr val="FFFFFF"/>
+                    </a:gs>
+                  </a:gsLst>
+                  <a:lin ang="5400000" scaled="0"/>
+                </a:gradFill>
+                <a:ea typeface="Segoe UI" pitchFamily="34" charset="0"/>
+                <a:cs typeface="Segoe UI" pitchFamily="34" charset="0"/>
+              </a:rPr>
+            </a:br>
+            <a:r>
+              <a:rPr kumimoji="1" lang="ja-JP" altLang="en-US" sz="3600" dirty="0">
+                <a:gradFill>
+                  <a:gsLst>
+                    <a:gs pos="0">
+                      <a:srgbClr val="FFFFFF"/>
+                    </a:gs>
+                    <a:gs pos="100000">
+                      <a:srgbClr val="FFFFFF"/>
+                    </a:gs>
+                  </a:gsLst>
+                  <a:lin ang="5400000" scaled="0"/>
+                </a:gradFill>
+                <a:ea typeface="Segoe UI" pitchFamily="34" charset="0"/>
+                <a:cs typeface="Segoe UI" pitchFamily="34" charset="0"/>
+              </a:rPr>
+              <a:t>これだと思います</a:t>
+            </a:r>
+          </a:p>
+        </p:txBody>
+      </p:sp>
+    </p:spTree>
+    <p:extLst>
+      <p:ext uri="{BB962C8B-B14F-4D97-AF65-F5344CB8AC3E}">
+        <p14:creationId xmlns:p14="http://schemas.microsoft.com/office/powerpoint/2010/main" val="847797393"/>
+      </p:ext>
+    </p:extLst>
+  </p:cSld>
+  <p:clrMapOvr>
+    <a:masterClrMapping/>
+  </p:clrMapOvr>
+  <p:transition>
+    <p:fade/>
+  </p:transition>
+</p:sld>
+</file>
+
+<file path=ppt/slides/slide16.xml><?xml version="1.0" encoding="utf-8"?>
+<p:sld xmlns:a="http://schemas.openxmlformats.org/drawingml/2006/main" xmlns:r="http://schemas.openxmlformats.org/officeDocument/2006/relationships" xmlns:p="http://schemas.openxmlformats.org/presentationml/2006/main">
+  <p:cSld>
+    <p:spTree>
+      <p:nvGrpSpPr>
+        <p:cNvPr id="1" name=""/>
+        <p:cNvGrpSpPr/>
+        <p:nvPr/>
+      </p:nvGrpSpPr>
+      <p:grpSpPr>
+        <a:xfrm>
+          <a:off x="0" y="0"/>
+          <a:ext cx="0" cy="0"/>
+          <a:chOff x="0" y="0"/>
+          <a:chExt cx="0" cy="0"/>
+        </a:xfrm>
+      </p:grpSpPr>
+      <p:sp>
+        <p:nvSpPr>
+          <p:cNvPr id="2" name="Title 1">
+            <a:extLst>
+              <a:ext uri="{FF2B5EF4-FFF2-40B4-BE49-F238E27FC236}">
+                <a16:creationId xmlns:a16="http://schemas.microsoft.com/office/drawing/2014/main" id="{C83B343C-3250-4551-89BD-637D530A306F}"/>
+              </a:ext>
+            </a:extLst>
+          </p:cNvPr>
+          <p:cNvSpPr>
+            <a:spLocks noGrp="1"/>
+          </p:cNvSpPr>
+          <p:nvPr>
+            <p:ph type="title"/>
+          </p:nvPr>
+        </p:nvSpPr>
+        <p:spPr/>
+        <p:txBody>
+          <a:bodyPr/>
+          <a:lstStyle/>
+          <a:p>
+            <a:r>
+              <a:rPr kumimoji="1" lang="en-US" altLang="ja-JP" dirty="0"/>
+              <a:t>C++ </a:t>
+            </a:r>
+            <a:r>
+              <a:rPr kumimoji="1" lang="ja-JP" altLang="en-US" dirty="0"/>
+              <a:t>系</a:t>
+            </a:r>
+          </a:p>
+        </p:txBody>
+      </p:sp>
+      <p:sp>
+        <p:nvSpPr>
+          <p:cNvPr id="3" name="Text Placeholder 2">
+            <a:extLst>
+              <a:ext uri="{FF2B5EF4-FFF2-40B4-BE49-F238E27FC236}">
+                <a16:creationId xmlns:a16="http://schemas.microsoft.com/office/drawing/2014/main" id="{13AB3BC3-53EE-4A3F-9E49-12030614B8D7}"/>
+              </a:ext>
+            </a:extLst>
+          </p:cNvPr>
+          <p:cNvSpPr>
+            <a:spLocks noGrp="1"/>
+          </p:cNvSpPr>
+          <p:nvPr>
+            <p:ph type="body" sz="quarter" idx="10"/>
+          </p:nvPr>
+        </p:nvSpPr>
+        <p:spPr>
+          <a:xfrm>
+            <a:off x="274638" y="1212850"/>
+            <a:ext cx="11887200" cy="3262432"/>
+          </a:xfrm>
+        </p:spPr>
+        <p:txBody>
+          <a:bodyPr/>
+          <a:lstStyle/>
+          <a:p>
+            <a:r>
+              <a:rPr kumimoji="1" lang="en-US" altLang="ja-JP" sz="3600" dirty="0"/>
+              <a:t>MFC</a:t>
+            </a:r>
+          </a:p>
+          <a:p>
+            <a:pPr marL="571500" indent="-571500">
+              <a:buFont typeface="Arial" panose="020B0604020202020204" pitchFamily="34" charset="0"/>
+              <a:buChar char="•"/>
+            </a:pPr>
+            <a:r>
+              <a:rPr lang="en-US" altLang="ja-JP" sz="3600" dirty="0"/>
+              <a:t>Win32API </a:t>
+            </a:r>
+            <a:r>
+              <a:rPr lang="ja-JP" altLang="en-US" sz="3600" dirty="0"/>
+              <a:t>を薄くラップしたフレームワーク</a:t>
+            </a:r>
+            <a:endParaRPr lang="en-US" altLang="ja-JP" sz="3600" dirty="0"/>
+          </a:p>
+          <a:p>
+            <a:r>
+              <a:rPr kumimoji="1" lang="en-US" altLang="ja-JP" sz="3600" dirty="0"/>
+              <a:t>Win32</a:t>
+            </a:r>
+          </a:p>
+          <a:p>
+            <a:pPr marL="571500" indent="-571500">
+              <a:buFont typeface="Arial" panose="020B0604020202020204" pitchFamily="34" charset="0"/>
+              <a:buChar char="•"/>
+            </a:pPr>
+            <a:r>
+              <a:rPr lang="ja-JP" altLang="en-US" sz="3600" dirty="0"/>
+              <a:t>素の </a:t>
+            </a:r>
+            <a:r>
+              <a:rPr lang="en-US" altLang="ja-JP" sz="3600" dirty="0"/>
+              <a:t>Win32API </a:t>
+            </a:r>
+            <a:r>
+              <a:rPr lang="ja-JP" altLang="en-US" sz="3600" dirty="0"/>
+              <a:t>を使う方法</a:t>
+            </a:r>
+            <a:endParaRPr lang="en-US" altLang="ja-JP" sz="3600" dirty="0"/>
+          </a:p>
+          <a:p>
+            <a:pPr marL="571500" indent="-571500">
+              <a:buFont typeface="Arial" panose="020B0604020202020204" pitchFamily="34" charset="0"/>
+              <a:buChar char="•"/>
+            </a:pPr>
+            <a:r>
+              <a:rPr kumimoji="1" lang="ja-JP" altLang="en-US" sz="3600" dirty="0"/>
+              <a:t>全て自分でしないといけないが全て自分で出来るのが強い</a:t>
+            </a:r>
+          </a:p>
+        </p:txBody>
+      </p:sp>
+      <p:sp>
+        <p:nvSpPr>
+          <p:cNvPr id="4" name="Rectangle 3">
+            <a:extLst>
+              <a:ext uri="{FF2B5EF4-FFF2-40B4-BE49-F238E27FC236}">
+                <a16:creationId xmlns:a16="http://schemas.microsoft.com/office/drawing/2014/main" id="{C91F8B51-3F9B-43EE-9140-EDA4FE39596F}"/>
+              </a:ext>
+            </a:extLst>
+          </p:cNvPr>
+          <p:cNvSpPr/>
+          <p:nvPr/>
+        </p:nvSpPr>
+        <p:spPr bwMode="auto">
+          <a:xfrm>
+            <a:off x="272273" y="4475282"/>
+            <a:ext cx="11887200" cy="1804137"/>
+          </a:xfrm>
+          <a:prstGeom prst="rect">
+            <a:avLst/>
+          </a:prstGeom>
+          <a:solidFill>
+            <a:schemeClr val="accent1"/>
+          </a:solidFill>
+          <a:ln>
+            <a:noFill/>
+            <a:headEnd type="none" w="med" len="med"/>
+            <a:tailEnd type="none" w="med" len="med"/>
+          </a:ln>
+          <a:effectLst/>
+        </p:spPr>
+        <p:style>
+          <a:lnRef idx="1">
+            <a:schemeClr val="accent2"/>
+          </a:lnRef>
+          <a:fillRef idx="3">
+            <a:schemeClr val="accent2"/>
+          </a:fillRef>
+          <a:effectRef idx="2">
+            <a:schemeClr val="accent2"/>
+          </a:effectRef>
+          <a:fontRef idx="minor">
+            <a:schemeClr val="lt1"/>
+          </a:fontRef>
+        </p:style>
+        <p:txBody>
+          <a:bodyPr rot="0" spcFirstLastPara="0" vertOverflow="overflow" horzOverflow="overflow" vert="horz" wrap="square" lIns="182880" tIns="146304" rIns="182880" bIns="146304" numCol="1" spcCol="0" rtlCol="0" fromWordArt="0" anchor="ctr" anchorCtr="0" forceAA="0" compatLnSpc="1">
+            <a:prstTxWarp prst="textNoShape">
+              <a:avLst/>
+            </a:prstTxWarp>
+            <a:noAutofit/>
+          </a:bodyPr>
+          <a:lstStyle/>
+          <a:p>
+            <a:pPr algn="ctr" defTabSz="932472" fontAlgn="base">
+              <a:lnSpc>
+                <a:spcPct val="90000"/>
+              </a:lnSpc>
+              <a:spcBef>
+                <a:spcPct val="0"/>
+              </a:spcBef>
+              <a:spcAft>
+                <a:spcPct val="0"/>
+              </a:spcAft>
+            </a:pPr>
+            <a:r>
+              <a:rPr kumimoji="1" lang="en-US" altLang="ja-JP" sz="3200" dirty="0">
+                <a:gradFill>
+                  <a:gsLst>
+                    <a:gs pos="0">
+                      <a:srgbClr val="FFFFFF"/>
+                    </a:gs>
+                    <a:gs pos="100000">
+                      <a:srgbClr val="FFFFFF"/>
+                    </a:gs>
+                  </a:gsLst>
+                  <a:lin ang="5400000" scaled="0"/>
+                </a:gradFill>
+                <a:ea typeface="Segoe UI" pitchFamily="34" charset="0"/>
+                <a:cs typeface="Segoe UI" pitchFamily="34" charset="0"/>
+              </a:rPr>
+              <a:t>C/C++ </a:t>
+            </a:r>
+            <a:r>
+              <a:rPr kumimoji="1" lang="ja-JP" altLang="en-US" sz="3200" dirty="0">
+                <a:gradFill>
+                  <a:gsLst>
+                    <a:gs pos="0">
+                      <a:srgbClr val="FFFFFF"/>
+                    </a:gs>
+                    <a:gs pos="100000">
+                      <a:srgbClr val="FFFFFF"/>
+                    </a:gs>
+                  </a:gsLst>
+                  <a:lin ang="5400000" scaled="0"/>
+                </a:gradFill>
+                <a:ea typeface="Segoe UI" pitchFamily="34" charset="0"/>
+                <a:cs typeface="Segoe UI" pitchFamily="34" charset="0"/>
+              </a:rPr>
+              <a:t>じゃないと出せない性能が求められる場合はこれだと思います</a:t>
+            </a:r>
+            <a:endParaRPr kumimoji="1" lang="en-US" altLang="ja-JP" sz="3200" dirty="0">
+              <a:gradFill>
+                <a:gsLst>
+                  <a:gs pos="0">
+                    <a:srgbClr val="FFFFFF"/>
+                  </a:gs>
+                  <a:gs pos="100000">
+                    <a:srgbClr val="FFFFFF"/>
+                  </a:gs>
+                </a:gsLst>
+                <a:lin ang="5400000" scaled="0"/>
+              </a:gradFill>
+              <a:ea typeface="Segoe UI" pitchFamily="34" charset="0"/>
+              <a:cs typeface="Segoe UI" pitchFamily="34" charset="0"/>
+            </a:endParaRPr>
+          </a:p>
+          <a:p>
+            <a:pPr algn="ctr" defTabSz="932472" fontAlgn="base">
+              <a:lnSpc>
+                <a:spcPct val="90000"/>
+              </a:lnSpc>
+              <a:spcBef>
+                <a:spcPct val="0"/>
+              </a:spcBef>
+              <a:spcAft>
+                <a:spcPct val="0"/>
+              </a:spcAft>
+            </a:pPr>
+            <a:r>
+              <a:rPr kumimoji="1" lang="ja-JP" altLang="en-US" sz="3200" dirty="0">
+                <a:gradFill>
+                  <a:gsLst>
+                    <a:gs pos="0">
+                      <a:srgbClr val="FFFFFF"/>
+                    </a:gs>
+                    <a:gs pos="100000">
+                      <a:srgbClr val="FFFFFF"/>
+                    </a:gs>
+                  </a:gsLst>
+                  <a:lin ang="5400000" scaled="0"/>
+                </a:gradFill>
+                <a:ea typeface="Segoe UI" pitchFamily="34" charset="0"/>
+                <a:cs typeface="Segoe UI" pitchFamily="34" charset="0"/>
+              </a:rPr>
+              <a:t>（</a:t>
+            </a:r>
+            <a:r>
+              <a:rPr kumimoji="1" lang="en-US" altLang="ja-JP" sz="3200" dirty="0">
+                <a:gradFill>
+                  <a:gsLst>
+                    <a:gs pos="0">
+                      <a:srgbClr val="FFFFFF"/>
+                    </a:gs>
+                    <a:gs pos="100000">
+                      <a:srgbClr val="FFFFFF"/>
+                    </a:gs>
+                  </a:gsLst>
+                  <a:lin ang="5400000" scaled="0"/>
+                </a:gradFill>
+                <a:ea typeface="Segoe UI" pitchFamily="34" charset="0"/>
+                <a:cs typeface="Segoe UI" pitchFamily="34" charset="0"/>
+              </a:rPr>
+              <a:t>UI </a:t>
+            </a:r>
+            <a:r>
+              <a:rPr kumimoji="1" lang="ja-JP" altLang="en-US" sz="3200" dirty="0">
+                <a:gradFill>
+                  <a:gsLst>
+                    <a:gs pos="0">
+                      <a:srgbClr val="FFFFFF"/>
+                    </a:gs>
+                    <a:gs pos="100000">
+                      <a:srgbClr val="FFFFFF"/>
+                    </a:gs>
+                  </a:gsLst>
+                  <a:lin ang="5400000" scaled="0"/>
+                </a:gradFill>
+                <a:ea typeface="Segoe UI" pitchFamily="34" charset="0"/>
+                <a:cs typeface="Segoe UI" pitchFamily="34" charset="0"/>
+              </a:rPr>
+              <a:t>は </a:t>
+            </a:r>
+            <a:r>
+              <a:rPr kumimoji="1" lang="en-US" altLang="ja-JP" sz="3200" dirty="0">
+                <a:gradFill>
+                  <a:gsLst>
+                    <a:gs pos="0">
+                      <a:srgbClr val="FFFFFF"/>
+                    </a:gs>
+                    <a:gs pos="100000">
+                      <a:srgbClr val="FFFFFF"/>
+                    </a:gs>
+                  </a:gsLst>
+                  <a:lin ang="5400000" scaled="0"/>
+                </a:gradFill>
+                <a:ea typeface="Segoe UI" pitchFamily="34" charset="0"/>
+                <a:cs typeface="Segoe UI" pitchFamily="34" charset="0"/>
+              </a:rPr>
+              <a:t>WPF </a:t>
+            </a:r>
+            <a:r>
+              <a:rPr kumimoji="1" lang="ja-JP" altLang="en-US" sz="3200" dirty="0">
+                <a:gradFill>
+                  <a:gsLst>
+                    <a:gs pos="0">
+                      <a:srgbClr val="FFFFFF"/>
+                    </a:gs>
+                    <a:gs pos="100000">
+                      <a:srgbClr val="FFFFFF"/>
+                    </a:gs>
+                  </a:gsLst>
+                  <a:lin ang="5400000" scaled="0"/>
+                </a:gradFill>
+                <a:ea typeface="Segoe UI" pitchFamily="34" charset="0"/>
+                <a:cs typeface="Segoe UI" pitchFamily="34" charset="0"/>
+              </a:rPr>
+              <a:t>で作って </a:t>
+            </a:r>
+            <a:r>
+              <a:rPr kumimoji="1" lang="en-US" altLang="ja-JP" sz="3200" dirty="0">
+                <a:gradFill>
+                  <a:gsLst>
+                    <a:gs pos="0">
+                      <a:srgbClr val="FFFFFF"/>
+                    </a:gs>
+                    <a:gs pos="100000">
+                      <a:srgbClr val="FFFFFF"/>
+                    </a:gs>
+                  </a:gsLst>
+                  <a:lin ang="5400000" scaled="0"/>
+                </a:gradFill>
+                <a:ea typeface="Segoe UI" pitchFamily="34" charset="0"/>
+                <a:cs typeface="Segoe UI" pitchFamily="34" charset="0"/>
+              </a:rPr>
+              <a:t>C++ </a:t>
+            </a:r>
+            <a:r>
+              <a:rPr kumimoji="1" lang="ja-JP" altLang="en-US" sz="3200" dirty="0">
+                <a:gradFill>
+                  <a:gsLst>
+                    <a:gs pos="0">
+                      <a:srgbClr val="FFFFFF"/>
+                    </a:gs>
+                    <a:gs pos="100000">
+                      <a:srgbClr val="FFFFFF"/>
+                    </a:gs>
+                  </a:gsLst>
+                  <a:lin ang="5400000" scaled="0"/>
+                </a:gradFill>
+                <a:ea typeface="Segoe UI" pitchFamily="34" charset="0"/>
+                <a:cs typeface="Segoe UI" pitchFamily="34" charset="0"/>
+              </a:rPr>
+              <a:t>の </a:t>
+            </a:r>
+            <a:r>
+              <a:rPr kumimoji="1" lang="en-US" altLang="ja-JP" sz="3200" dirty="0">
+                <a:gradFill>
+                  <a:gsLst>
+                    <a:gs pos="0">
+                      <a:srgbClr val="FFFFFF"/>
+                    </a:gs>
+                    <a:gs pos="100000">
+                      <a:srgbClr val="FFFFFF"/>
+                    </a:gs>
+                  </a:gsLst>
+                  <a:lin ang="5400000" scaled="0"/>
+                </a:gradFill>
+                <a:ea typeface="Segoe UI" pitchFamily="34" charset="0"/>
+                <a:cs typeface="Segoe UI" pitchFamily="34" charset="0"/>
+              </a:rPr>
+              <a:t>DLL </a:t>
+            </a:r>
+            <a:r>
+              <a:rPr kumimoji="1" lang="ja-JP" altLang="en-US" sz="3200" dirty="0">
+                <a:gradFill>
+                  <a:gsLst>
+                    <a:gs pos="0">
+                      <a:srgbClr val="FFFFFF"/>
+                    </a:gs>
+                    <a:gs pos="100000">
+                      <a:srgbClr val="FFFFFF"/>
+                    </a:gs>
+                  </a:gsLst>
+                  <a:lin ang="5400000" scaled="0"/>
+                </a:gradFill>
+                <a:ea typeface="Segoe UI" pitchFamily="34" charset="0"/>
+                <a:cs typeface="Segoe UI" pitchFamily="34" charset="0"/>
+              </a:rPr>
+              <a:t>を呼ぶことも出来きます）</a:t>
+            </a:r>
+          </a:p>
+        </p:txBody>
+      </p:sp>
+    </p:spTree>
+    <p:extLst>
+      <p:ext uri="{BB962C8B-B14F-4D97-AF65-F5344CB8AC3E}">
+        <p14:creationId xmlns:p14="http://schemas.microsoft.com/office/powerpoint/2010/main" val="2172143670"/>
+      </p:ext>
+    </p:extLst>
+  </p:cSld>
+  <p:clrMapOvr>
+    <a:masterClrMapping/>
+  </p:clrMapOvr>
+  <p:transition>
+    <p:fade/>
+  </p:transition>
+</p:sld>
+</file>
+
+<file path=ppt/slides/slide17.xml><?xml version="1.0" encoding="utf-8"?>
+<p:sld xmlns:a="http://schemas.openxmlformats.org/drawingml/2006/main" xmlns:r="http://schemas.openxmlformats.org/officeDocument/2006/relationships" xmlns:p="http://schemas.openxmlformats.org/presentationml/2006/main">
+  <p:cSld>
+    <p:spTree>
+      <p:nvGrpSpPr>
+        <p:cNvPr id="1" name=""/>
+        <p:cNvGrpSpPr/>
+        <p:nvPr/>
+      </p:nvGrpSpPr>
+      <p:grpSpPr>
+        <a:xfrm>
+          <a:off x="0" y="0"/>
+          <a:ext cx="0" cy="0"/>
+          <a:chOff x="0" y="0"/>
+          <a:chExt cx="0" cy="0"/>
+        </a:xfrm>
+      </p:grpSpPr>
+      <p:sp>
+        <p:nvSpPr>
+          <p:cNvPr id="2" name="Title 1">
+            <a:extLst>
+              <a:ext uri="{FF2B5EF4-FFF2-40B4-BE49-F238E27FC236}">
+                <a16:creationId xmlns:a16="http://schemas.microsoft.com/office/drawing/2014/main" id="{B31065E7-15AA-4F4A-9B2F-4484EC3F5FF4}"/>
+              </a:ext>
+            </a:extLst>
+          </p:cNvPr>
+          <p:cNvSpPr>
+            <a:spLocks noGrp="1"/>
+          </p:cNvSpPr>
+          <p:nvPr>
+            <p:ph type="title"/>
+          </p:nvPr>
+        </p:nvSpPr>
+        <p:spPr/>
+        <p:txBody>
+          <a:bodyPr/>
+          <a:lstStyle/>
+          <a:p>
+            <a:r>
+              <a:rPr kumimoji="1" lang="en-US" altLang="ja-JP" dirty="0"/>
+              <a:t>Web </a:t>
+            </a:r>
+            <a:r>
+              <a:rPr kumimoji="1" lang="ja-JP" altLang="en-US" dirty="0"/>
+              <a:t>系</a:t>
+            </a:r>
+          </a:p>
+        </p:txBody>
+      </p:sp>
+      <p:sp>
+        <p:nvSpPr>
+          <p:cNvPr id="3" name="Text Placeholder 2">
+            <a:extLst>
+              <a:ext uri="{FF2B5EF4-FFF2-40B4-BE49-F238E27FC236}">
+                <a16:creationId xmlns:a16="http://schemas.microsoft.com/office/drawing/2014/main" id="{198C54E2-FBE0-49AB-991B-142D568C9E56}"/>
+              </a:ext>
+            </a:extLst>
+          </p:cNvPr>
+          <p:cNvSpPr>
+            <a:spLocks noGrp="1"/>
+          </p:cNvSpPr>
+          <p:nvPr>
+            <p:ph type="body" sz="quarter" idx="10"/>
+          </p:nvPr>
+        </p:nvSpPr>
+        <p:spPr>
+          <a:xfrm>
+            <a:off x="274638" y="1212850"/>
+            <a:ext cx="11887200" cy="3000821"/>
+          </a:xfrm>
+        </p:spPr>
+        <p:txBody>
+          <a:bodyPr/>
+          <a:lstStyle/>
+          <a:p>
+            <a:r>
+              <a:rPr kumimoji="1" lang="en-US" altLang="ja-JP" dirty="0"/>
+              <a:t>JavaScript </a:t>
+            </a:r>
+            <a:r>
+              <a:rPr lang="en-US" altLang="ja-JP" dirty="0"/>
+              <a:t>+ HTML/CSS </a:t>
+            </a:r>
+            <a:r>
+              <a:rPr lang="ja-JP" altLang="en-US" dirty="0"/>
+              <a:t>で開発</a:t>
+            </a:r>
+            <a:endParaRPr lang="en-US" altLang="ja-JP" dirty="0"/>
+          </a:p>
+          <a:p>
+            <a:pPr marL="571500" indent="-571500">
+              <a:buFont typeface="Arial" panose="020B0604020202020204" pitchFamily="34" charset="0"/>
+              <a:buChar char="•"/>
+            </a:pPr>
+            <a:r>
+              <a:rPr kumimoji="1" lang="ja-JP" altLang="en-US" dirty="0"/>
+              <a:t>ブラウザがあれ</a:t>
+            </a:r>
+            <a:r>
+              <a:rPr lang="ja-JP" altLang="en-US" dirty="0"/>
+              <a:t>ば、どの </a:t>
+            </a:r>
+            <a:r>
+              <a:rPr lang="en-US" altLang="ja-JP" dirty="0"/>
+              <a:t>OS </a:t>
+            </a:r>
+            <a:r>
+              <a:rPr lang="ja-JP" altLang="en-US" dirty="0"/>
+              <a:t>でも動く</a:t>
+            </a:r>
+            <a:endParaRPr lang="en-US" altLang="ja-JP" dirty="0"/>
+          </a:p>
+          <a:p>
+            <a:pPr marL="571500" indent="-571500">
+              <a:buFont typeface="Arial" panose="020B0604020202020204" pitchFamily="34" charset="0"/>
+              <a:buChar char="•"/>
+            </a:pPr>
+            <a:r>
+              <a:rPr kumimoji="1" lang="ja-JP" altLang="en-US" dirty="0"/>
+              <a:t>最近は </a:t>
+            </a:r>
+            <a:r>
+              <a:rPr kumimoji="1" lang="en-US" altLang="ja-JP" dirty="0"/>
+              <a:t>Web </a:t>
+            </a:r>
+            <a:r>
+              <a:rPr kumimoji="1" lang="ja-JP" altLang="en-US" dirty="0"/>
+              <a:t>でも出来ることがかなり多くなってきている</a:t>
+            </a:r>
+            <a:endParaRPr lang="en-US" altLang="ja-JP" dirty="0"/>
+          </a:p>
+          <a:p>
+            <a:pPr marL="800100" lvl="2" indent="-571500">
+              <a:buFont typeface="Arial" panose="020B0604020202020204" pitchFamily="34" charset="0"/>
+              <a:buChar char="•"/>
+            </a:pPr>
+            <a:r>
+              <a:rPr lang="ja-JP" altLang="en-US" dirty="0"/>
+              <a:t>加速度センサーへのアクセス、</a:t>
+            </a:r>
+            <a:r>
+              <a:rPr lang="en-US" altLang="ja-JP" dirty="0"/>
+              <a:t>Chrome </a:t>
+            </a:r>
+            <a:r>
+              <a:rPr lang="ja-JP" altLang="en-US" dirty="0"/>
+              <a:t>では </a:t>
+            </a:r>
+            <a:r>
+              <a:rPr lang="en-US" altLang="ja-JP" dirty="0"/>
+              <a:t>Bluetooth </a:t>
+            </a:r>
+            <a:r>
+              <a:rPr lang="ja-JP" altLang="en-US" dirty="0"/>
+              <a:t>も使える、オフライン対応、リッチな </a:t>
+            </a:r>
+            <a:r>
+              <a:rPr lang="en-US" altLang="ja-JP" dirty="0"/>
+              <a:t>UI</a:t>
+            </a:r>
+            <a:r>
+              <a:rPr lang="ja-JP" altLang="en-US" dirty="0" err="1"/>
+              <a:t>、</a:t>
+            </a:r>
+            <a:r>
+              <a:rPr lang="en-US" altLang="ja-JP" dirty="0"/>
+              <a:t>etc...</a:t>
+            </a:r>
+          </a:p>
+        </p:txBody>
+      </p:sp>
+      <p:sp>
+        <p:nvSpPr>
+          <p:cNvPr id="4" name="Rectangle 3">
+            <a:extLst>
+              <a:ext uri="{FF2B5EF4-FFF2-40B4-BE49-F238E27FC236}">
+                <a16:creationId xmlns:a16="http://schemas.microsoft.com/office/drawing/2014/main" id="{2D2A8852-02CB-4120-A1BD-38FC8901ED8E}"/>
+              </a:ext>
+            </a:extLst>
+          </p:cNvPr>
+          <p:cNvSpPr/>
+          <p:nvPr/>
+        </p:nvSpPr>
+        <p:spPr bwMode="auto">
+          <a:xfrm>
+            <a:off x="272274" y="4296871"/>
+            <a:ext cx="11889564" cy="1966364"/>
+          </a:xfrm>
+          <a:prstGeom prst="rect">
+            <a:avLst/>
+          </a:prstGeom>
+          <a:solidFill>
+            <a:schemeClr val="accent1"/>
+          </a:solidFill>
+          <a:ln>
+            <a:noFill/>
+            <a:headEnd type="none" w="med" len="med"/>
+            <a:tailEnd type="none" w="med" len="med"/>
+          </a:ln>
+          <a:effectLst/>
+        </p:spPr>
+        <p:style>
+          <a:lnRef idx="1">
+            <a:schemeClr val="accent2"/>
+          </a:lnRef>
+          <a:fillRef idx="3">
+            <a:schemeClr val="accent2"/>
+          </a:fillRef>
+          <a:effectRef idx="2">
+            <a:schemeClr val="accent2"/>
+          </a:effectRef>
+          <a:fontRef idx="minor">
+            <a:schemeClr val="lt1"/>
+          </a:fontRef>
+        </p:style>
+        <p:txBody>
+          <a:bodyPr rot="0" spcFirstLastPara="0" vertOverflow="overflow" horzOverflow="overflow" vert="horz" wrap="square" lIns="182880" tIns="146304" rIns="182880" bIns="146304" numCol="1" spcCol="0" rtlCol="0" fromWordArt="0" anchor="ctr" anchorCtr="0" forceAA="0" compatLnSpc="1">
+            <a:prstTxWarp prst="textNoShape">
+              <a:avLst/>
+            </a:prstTxWarp>
+            <a:noAutofit/>
+          </a:bodyPr>
+          <a:lstStyle/>
+          <a:p>
+            <a:pPr algn="ctr" defTabSz="932472" fontAlgn="base">
+              <a:lnSpc>
+                <a:spcPct val="90000"/>
+              </a:lnSpc>
+              <a:spcBef>
+                <a:spcPct val="0"/>
+              </a:spcBef>
+              <a:spcAft>
+                <a:spcPct val="0"/>
+              </a:spcAft>
+            </a:pPr>
+            <a:r>
+              <a:rPr kumimoji="1" lang="ja-JP" altLang="en-US" sz="3600" dirty="0">
+                <a:gradFill>
+                  <a:gsLst>
+                    <a:gs pos="0">
+                      <a:srgbClr val="FFFFFF"/>
+                    </a:gs>
+                    <a:gs pos="100000">
+                      <a:srgbClr val="FFFFFF"/>
+                    </a:gs>
+                  </a:gsLst>
+                  <a:lin ang="5400000" scaled="0"/>
+                </a:gradFill>
+                <a:ea typeface="Segoe UI" pitchFamily="34" charset="0"/>
+                <a:cs typeface="Segoe UI" pitchFamily="34" charset="0"/>
+              </a:rPr>
+              <a:t>低コストにマルチデバイス</a:t>
+            </a:r>
+            <a:br>
+              <a:rPr kumimoji="1" lang="en-US" altLang="ja-JP" sz="3600" dirty="0">
+                <a:gradFill>
+                  <a:gsLst>
+                    <a:gs pos="0">
+                      <a:srgbClr val="FFFFFF"/>
+                    </a:gs>
+                    <a:gs pos="100000">
+                      <a:srgbClr val="FFFFFF"/>
+                    </a:gs>
+                  </a:gsLst>
+                  <a:lin ang="5400000" scaled="0"/>
+                </a:gradFill>
+                <a:ea typeface="Segoe UI" pitchFamily="34" charset="0"/>
+                <a:cs typeface="Segoe UI" pitchFamily="34" charset="0"/>
+              </a:rPr>
+            </a:br>
+            <a:r>
+              <a:rPr kumimoji="1" lang="ja-JP" altLang="en-US" sz="3600" dirty="0">
+                <a:gradFill>
+                  <a:gsLst>
+                    <a:gs pos="0">
+                      <a:srgbClr val="FFFFFF"/>
+                    </a:gs>
+                    <a:gs pos="100000">
+                      <a:srgbClr val="FFFFFF"/>
+                    </a:gs>
+                  </a:gsLst>
+                  <a:lin ang="5400000" scaled="0"/>
+                </a:gradFill>
+                <a:ea typeface="Segoe UI" pitchFamily="34" charset="0"/>
+                <a:cs typeface="Segoe UI" pitchFamily="34" charset="0"/>
+              </a:rPr>
+              <a:t>（</a:t>
+            </a:r>
+            <a:r>
+              <a:rPr kumimoji="1" lang="en-US" altLang="ja-JP" sz="3600" dirty="0">
+                <a:gradFill>
+                  <a:gsLst>
+                    <a:gs pos="0">
+                      <a:srgbClr val="FFFFFF"/>
+                    </a:gs>
+                    <a:gs pos="100000">
+                      <a:srgbClr val="FFFFFF"/>
+                    </a:gs>
+                  </a:gsLst>
+                  <a:lin ang="5400000" scaled="0"/>
+                </a:gradFill>
+                <a:ea typeface="Segoe UI" pitchFamily="34" charset="0"/>
+                <a:cs typeface="Segoe UI" pitchFamily="34" charset="0"/>
+              </a:rPr>
+              <a:t>Windows + iOS + Android</a:t>
+            </a:r>
+            <a:r>
+              <a:rPr kumimoji="1" lang="ja-JP" altLang="en-US" sz="3600" dirty="0">
+                <a:gradFill>
+                  <a:gsLst>
+                    <a:gs pos="0">
+                      <a:srgbClr val="FFFFFF"/>
+                    </a:gs>
+                    <a:gs pos="100000">
+                      <a:srgbClr val="FFFFFF"/>
+                    </a:gs>
+                  </a:gsLst>
+                  <a:lin ang="5400000" scaled="0"/>
+                </a:gradFill>
+                <a:ea typeface="Segoe UI" pitchFamily="34" charset="0"/>
+                <a:cs typeface="Segoe UI" pitchFamily="34" charset="0"/>
+              </a:rPr>
+              <a:t>）対応するなら</a:t>
+            </a:r>
+            <a:br>
+              <a:rPr kumimoji="1" lang="en-US" altLang="ja-JP" sz="3600" dirty="0">
+                <a:gradFill>
+                  <a:gsLst>
+                    <a:gs pos="0">
+                      <a:srgbClr val="FFFFFF"/>
+                    </a:gs>
+                    <a:gs pos="100000">
+                      <a:srgbClr val="FFFFFF"/>
+                    </a:gs>
+                  </a:gsLst>
+                  <a:lin ang="5400000" scaled="0"/>
+                </a:gradFill>
+                <a:ea typeface="Segoe UI" pitchFamily="34" charset="0"/>
+                <a:cs typeface="Segoe UI" pitchFamily="34" charset="0"/>
+              </a:rPr>
+            </a:br>
+            <a:r>
+              <a:rPr kumimoji="1" lang="ja-JP" altLang="en-US" sz="3600" dirty="0">
+                <a:gradFill>
+                  <a:gsLst>
+                    <a:gs pos="0">
+                      <a:srgbClr val="FFFFFF"/>
+                    </a:gs>
+                    <a:gs pos="100000">
+                      <a:srgbClr val="FFFFFF"/>
+                    </a:gs>
+                  </a:gsLst>
+                  <a:lin ang="5400000" scaled="0"/>
+                </a:gradFill>
+                <a:ea typeface="Segoe UI" pitchFamily="34" charset="0"/>
+                <a:cs typeface="Segoe UI" pitchFamily="34" charset="0"/>
+              </a:rPr>
+              <a:t>これだと思います</a:t>
+            </a:r>
+          </a:p>
+        </p:txBody>
+      </p:sp>
+    </p:spTree>
+    <p:extLst>
+      <p:ext uri="{BB962C8B-B14F-4D97-AF65-F5344CB8AC3E}">
+        <p14:creationId xmlns:p14="http://schemas.microsoft.com/office/powerpoint/2010/main" val="1862887025"/>
+      </p:ext>
+    </p:extLst>
+  </p:cSld>
+  <p:clrMapOvr>
+    <a:masterClrMapping/>
+  </p:clrMapOvr>
+  <p:transition>
+    <p:fade/>
+  </p:transition>
+</p:sld>
+</file>
+
+<file path=ppt/slides/slide18.xml><?xml version="1.0" encoding="utf-8"?>
+<p:sld xmlns:a="http://schemas.openxmlformats.org/drawingml/2006/main" xmlns:r="http://schemas.openxmlformats.org/officeDocument/2006/relationships" xmlns:p="http://schemas.openxmlformats.org/presentationml/2006/main">
+  <p:cSld>
+    <p:spTree>
+      <p:nvGrpSpPr>
+        <p:cNvPr id="1" name=""/>
+        <p:cNvGrpSpPr/>
+        <p:nvPr/>
+      </p:nvGrpSpPr>
+      <p:grpSpPr>
+        <a:xfrm>
+          <a:off x="0" y="0"/>
+          <a:ext cx="0" cy="0"/>
+          <a:chOff x="0" y="0"/>
+          <a:chExt cx="0" cy="0"/>
+        </a:xfrm>
+      </p:grpSpPr>
+      <p:sp>
+        <p:nvSpPr>
+          <p:cNvPr id="2" name="Title 1">
+            <a:extLst>
+              <a:ext uri="{FF2B5EF4-FFF2-40B4-BE49-F238E27FC236}">
+                <a16:creationId xmlns:a16="http://schemas.microsoft.com/office/drawing/2014/main" id="{2EE77C69-3276-48F8-98DC-A9A79D5352B1}"/>
+              </a:ext>
+            </a:extLst>
+          </p:cNvPr>
+          <p:cNvSpPr>
+            <a:spLocks noGrp="1"/>
+          </p:cNvSpPr>
+          <p:nvPr>
+            <p:ph type="title"/>
+          </p:nvPr>
+        </p:nvSpPr>
+        <p:spPr/>
+        <p:txBody>
+          <a:bodyPr/>
+          <a:lstStyle/>
+          <a:p>
+            <a:r>
+              <a:rPr kumimoji="1" lang="en-US" altLang="ja-JP" dirty="0"/>
+              <a:t>Progressive Web Apps</a:t>
+            </a:r>
+            <a:endParaRPr kumimoji="1" lang="ja-JP" altLang="en-US" dirty="0"/>
+          </a:p>
+        </p:txBody>
+      </p:sp>
+      <p:sp>
+        <p:nvSpPr>
+          <p:cNvPr id="3" name="Text Placeholder 2">
+            <a:extLst>
+              <a:ext uri="{FF2B5EF4-FFF2-40B4-BE49-F238E27FC236}">
+                <a16:creationId xmlns:a16="http://schemas.microsoft.com/office/drawing/2014/main" id="{EC660E03-2EB5-4DA2-A5EE-8C8FEFD88A84}"/>
+              </a:ext>
+            </a:extLst>
+          </p:cNvPr>
+          <p:cNvSpPr>
+            <a:spLocks noGrp="1"/>
+          </p:cNvSpPr>
+          <p:nvPr>
+            <p:ph type="body" sz="quarter" idx="10"/>
+          </p:nvPr>
+        </p:nvSpPr>
+        <p:spPr>
+          <a:xfrm>
+            <a:off x="274638" y="1212850"/>
+            <a:ext cx="11887200" cy="2754600"/>
+          </a:xfrm>
+        </p:spPr>
+        <p:txBody>
+          <a:bodyPr/>
+          <a:lstStyle/>
+          <a:p>
+            <a:r>
+              <a:rPr kumimoji="1" lang="en-US" altLang="ja-JP" dirty="0"/>
+              <a:t>Web </a:t>
+            </a:r>
+            <a:r>
+              <a:rPr kumimoji="1" lang="ja-JP" altLang="en-US" dirty="0"/>
+              <a:t>アプリにネイティブの機能を追加</a:t>
+            </a:r>
+            <a:endParaRPr kumimoji="1" lang="en-US" altLang="ja-JP" dirty="0"/>
+          </a:p>
+          <a:p>
+            <a:pPr marL="571500" indent="-571500">
+              <a:buFont typeface="Arial" panose="020B0604020202020204" pitchFamily="34" charset="0"/>
+              <a:buChar char="•"/>
+            </a:pPr>
+            <a:r>
+              <a:rPr lang="ja-JP" altLang="en-US" dirty="0"/>
+              <a:t>テクノロジー的には、ただの </a:t>
+            </a:r>
+            <a:r>
+              <a:rPr lang="en-US" altLang="ja-JP" dirty="0"/>
+              <a:t>Web </a:t>
+            </a:r>
+            <a:r>
+              <a:rPr lang="ja-JP" altLang="en-US" dirty="0"/>
+              <a:t>アプリ</a:t>
+            </a:r>
+            <a:endParaRPr lang="en-US" altLang="ja-JP" dirty="0"/>
+          </a:p>
+          <a:p>
+            <a:pPr marL="800100" lvl="2" indent="-571500">
+              <a:buFont typeface="Arial" panose="020B0604020202020204" pitchFamily="34" charset="0"/>
+              <a:buChar char="•"/>
+            </a:pPr>
+            <a:r>
+              <a:rPr kumimoji="1" lang="ja-JP" altLang="en-US" dirty="0"/>
+              <a:t>インストール可能、オフライン対応、プッシュ通知、</a:t>
+            </a:r>
+            <a:r>
+              <a:rPr kumimoji="1" lang="en-US" altLang="ja-JP" dirty="0"/>
+              <a:t>Microsoft </a:t>
+            </a:r>
+            <a:r>
+              <a:rPr kumimoji="1" lang="ja-JP" altLang="en-US" dirty="0"/>
+              <a:t>ストアでも配布可能</a:t>
+            </a:r>
+            <a:endParaRPr kumimoji="1" lang="en-US" altLang="ja-JP" dirty="0"/>
+          </a:p>
+          <a:p>
+            <a:pPr marL="800100" lvl="2" indent="-571500">
+              <a:buFont typeface="Arial" panose="020B0604020202020204" pitchFamily="34" charset="0"/>
+              <a:buChar char="•"/>
+            </a:pPr>
+            <a:r>
+              <a:rPr kumimoji="1" lang="en-US" altLang="ja-JP" dirty="0"/>
+              <a:t>UWP</a:t>
+            </a:r>
+            <a:r>
+              <a:rPr kumimoji="1" lang="ja-JP" altLang="en-US" dirty="0"/>
+              <a:t>としてインストールされた場合は </a:t>
+            </a:r>
+            <a:r>
+              <a:rPr kumimoji="1" lang="en-US" altLang="ja-JP" dirty="0"/>
+              <a:t>Windows Runtime API </a:t>
+            </a:r>
+            <a:r>
+              <a:rPr kumimoji="1" lang="ja-JP" altLang="en-US" dirty="0"/>
+              <a:t>を </a:t>
+            </a:r>
+            <a:r>
+              <a:rPr kumimoji="1" lang="en-US" altLang="ja-JP" dirty="0"/>
+              <a:t>JavaScript </a:t>
+            </a:r>
+            <a:r>
+              <a:rPr kumimoji="1" lang="ja-JP" altLang="en-US" dirty="0"/>
+              <a:t>から呼ぶことも可能</a:t>
+            </a:r>
+          </a:p>
+        </p:txBody>
+      </p:sp>
+      <p:sp>
+        <p:nvSpPr>
+          <p:cNvPr id="4" name="Rectangle 3">
+            <a:extLst>
+              <a:ext uri="{FF2B5EF4-FFF2-40B4-BE49-F238E27FC236}">
+                <a16:creationId xmlns:a16="http://schemas.microsoft.com/office/drawing/2014/main" id="{303716A0-0796-4E92-A0A0-8A1754D009CF}"/>
+              </a:ext>
+            </a:extLst>
+          </p:cNvPr>
+          <p:cNvSpPr/>
+          <p:nvPr/>
+        </p:nvSpPr>
+        <p:spPr bwMode="auto">
+          <a:xfrm>
+            <a:off x="272274" y="4021743"/>
+            <a:ext cx="11889564" cy="1966364"/>
+          </a:xfrm>
+          <a:prstGeom prst="rect">
+            <a:avLst/>
+          </a:prstGeom>
+          <a:solidFill>
+            <a:schemeClr val="accent1"/>
+          </a:solidFill>
+          <a:ln>
+            <a:noFill/>
+            <a:headEnd type="none" w="med" len="med"/>
+            <a:tailEnd type="none" w="med" len="med"/>
+          </a:ln>
+          <a:effectLst/>
+        </p:spPr>
+        <p:style>
+          <a:lnRef idx="1">
+            <a:schemeClr val="accent2"/>
+          </a:lnRef>
+          <a:fillRef idx="3">
+            <a:schemeClr val="accent2"/>
+          </a:fillRef>
+          <a:effectRef idx="2">
+            <a:schemeClr val="accent2"/>
+          </a:effectRef>
+          <a:fontRef idx="minor">
+            <a:schemeClr val="lt1"/>
+          </a:fontRef>
+        </p:style>
+        <p:txBody>
+          <a:bodyPr rot="0" spcFirstLastPara="0" vertOverflow="overflow" horzOverflow="overflow" vert="horz" wrap="square" lIns="182880" tIns="146304" rIns="182880" bIns="146304" numCol="1" spcCol="0" rtlCol="0" fromWordArt="0" anchor="ctr" anchorCtr="0" forceAA="0" compatLnSpc="1">
+            <a:prstTxWarp prst="textNoShape">
+              <a:avLst/>
+            </a:prstTxWarp>
+            <a:noAutofit/>
+          </a:bodyPr>
+          <a:lstStyle/>
+          <a:p>
+            <a:pPr algn="ctr" defTabSz="932472" fontAlgn="base">
+              <a:lnSpc>
+                <a:spcPct val="90000"/>
+              </a:lnSpc>
+              <a:spcBef>
+                <a:spcPct val="0"/>
+              </a:spcBef>
+              <a:spcAft>
+                <a:spcPct val="0"/>
+              </a:spcAft>
+            </a:pPr>
+            <a:r>
+              <a:rPr kumimoji="1" lang="ja-JP" altLang="en-US" sz="3600" dirty="0">
+                <a:gradFill>
+                  <a:gsLst>
+                    <a:gs pos="0">
+                      <a:srgbClr val="FFFFFF"/>
+                    </a:gs>
+                    <a:gs pos="100000">
+                      <a:srgbClr val="FFFFFF"/>
+                    </a:gs>
+                  </a:gsLst>
+                  <a:lin ang="5400000" scaled="0"/>
+                </a:gradFill>
+                <a:ea typeface="Segoe UI" pitchFamily="34" charset="0"/>
+                <a:cs typeface="Segoe UI" pitchFamily="34" charset="0"/>
+              </a:rPr>
+              <a:t>既存 </a:t>
+            </a:r>
+            <a:r>
+              <a:rPr kumimoji="1" lang="en-US" altLang="ja-JP" sz="3600" dirty="0">
+                <a:gradFill>
+                  <a:gsLst>
+                    <a:gs pos="0">
+                      <a:srgbClr val="FFFFFF"/>
+                    </a:gs>
+                    <a:gs pos="100000">
+                      <a:srgbClr val="FFFFFF"/>
+                    </a:gs>
+                  </a:gsLst>
+                  <a:lin ang="5400000" scaled="0"/>
+                </a:gradFill>
+                <a:ea typeface="Segoe UI" pitchFamily="34" charset="0"/>
+                <a:cs typeface="Segoe UI" pitchFamily="34" charset="0"/>
+              </a:rPr>
+              <a:t>Web </a:t>
+            </a:r>
+            <a:r>
+              <a:rPr kumimoji="1" lang="ja-JP" altLang="en-US" sz="3600" dirty="0">
+                <a:gradFill>
+                  <a:gsLst>
+                    <a:gs pos="0">
+                      <a:srgbClr val="FFFFFF"/>
+                    </a:gs>
+                    <a:gs pos="100000">
+                      <a:srgbClr val="FFFFFF"/>
+                    </a:gs>
+                  </a:gsLst>
+                  <a:lin ang="5400000" scaled="0"/>
+                </a:gradFill>
+                <a:ea typeface="Segoe UI" pitchFamily="34" charset="0"/>
+                <a:cs typeface="Segoe UI" pitchFamily="34" charset="0"/>
+              </a:rPr>
+              <a:t>サイトがあって </a:t>
+            </a:r>
+            <a:r>
+              <a:rPr kumimoji="1" lang="en-US" altLang="ja-JP" sz="3600" dirty="0">
+                <a:gradFill>
+                  <a:gsLst>
+                    <a:gs pos="0">
+                      <a:srgbClr val="FFFFFF"/>
+                    </a:gs>
+                    <a:gs pos="100000">
+                      <a:srgbClr val="FFFFFF"/>
+                    </a:gs>
+                  </a:gsLst>
+                  <a:lin ang="5400000" scaled="0"/>
+                </a:gradFill>
+                <a:ea typeface="Segoe UI" pitchFamily="34" charset="0"/>
+                <a:cs typeface="Segoe UI" pitchFamily="34" charset="0"/>
+              </a:rPr>
+              <a:t>Windows 10 </a:t>
+            </a:r>
+            <a:r>
+              <a:rPr kumimoji="1" lang="ja-JP" altLang="en-US" sz="3600" dirty="0">
+                <a:gradFill>
+                  <a:gsLst>
+                    <a:gs pos="0">
+                      <a:srgbClr val="FFFFFF"/>
+                    </a:gs>
+                    <a:gs pos="100000">
+                      <a:srgbClr val="FFFFFF"/>
+                    </a:gs>
+                  </a:gsLst>
+                  <a:lin ang="5400000" scaled="0"/>
+                </a:gradFill>
+                <a:ea typeface="Segoe UI" pitchFamily="34" charset="0"/>
+                <a:cs typeface="Segoe UI" pitchFamily="34" charset="0"/>
+              </a:rPr>
+              <a:t>固有機能を</a:t>
+            </a:r>
+            <a:endParaRPr kumimoji="1" lang="en-US" altLang="ja-JP" sz="3600" dirty="0">
+              <a:gradFill>
+                <a:gsLst>
+                  <a:gs pos="0">
+                    <a:srgbClr val="FFFFFF"/>
+                  </a:gs>
+                  <a:gs pos="100000">
+                    <a:srgbClr val="FFFFFF"/>
+                  </a:gs>
+                </a:gsLst>
+                <a:lin ang="5400000" scaled="0"/>
+              </a:gradFill>
+              <a:ea typeface="Segoe UI" pitchFamily="34" charset="0"/>
+              <a:cs typeface="Segoe UI" pitchFamily="34" charset="0"/>
+            </a:endParaRPr>
+          </a:p>
+          <a:p>
+            <a:pPr algn="ctr" defTabSz="932472" fontAlgn="base">
+              <a:lnSpc>
+                <a:spcPct val="90000"/>
+              </a:lnSpc>
+              <a:spcBef>
+                <a:spcPct val="0"/>
+              </a:spcBef>
+              <a:spcAft>
+                <a:spcPct val="0"/>
+              </a:spcAft>
+            </a:pPr>
+            <a:r>
+              <a:rPr kumimoji="1" lang="ja-JP" altLang="en-US" sz="3600" dirty="0">
+                <a:gradFill>
+                  <a:gsLst>
+                    <a:gs pos="0">
+                      <a:srgbClr val="FFFFFF"/>
+                    </a:gs>
+                    <a:gs pos="100000">
+                      <a:srgbClr val="FFFFFF"/>
+                    </a:gs>
+                  </a:gsLst>
+                  <a:lin ang="5400000" scaled="0"/>
+                </a:gradFill>
+                <a:ea typeface="Segoe UI" pitchFamily="34" charset="0"/>
+                <a:cs typeface="Segoe UI" pitchFamily="34" charset="0"/>
+              </a:rPr>
+              <a:t>利用したい場合はこれ</a:t>
+            </a:r>
+          </a:p>
+        </p:txBody>
+      </p:sp>
+    </p:spTree>
+    <p:extLst>
+      <p:ext uri="{BB962C8B-B14F-4D97-AF65-F5344CB8AC3E}">
+        <p14:creationId xmlns:p14="http://schemas.microsoft.com/office/powerpoint/2010/main" val="1771699357"/>
+      </p:ext>
+    </p:extLst>
+  </p:cSld>
+  <p:clrMapOvr>
+    <a:masterClrMapping/>
+  </p:clrMapOvr>
+  <p:transition>
+    <p:fade/>
+  </p:transition>
+</p:sld>
+</file>
+
+<file path=ppt/slides/slide19.xml><?xml version="1.0" encoding="utf-8"?>
+<p:sld xmlns:a="http://schemas.openxmlformats.org/drawingml/2006/main" xmlns:r="http://schemas.openxmlformats.org/officeDocument/2006/relationships" xmlns:p="http://schemas.openxmlformats.org/presentationml/2006/main">
+  <p:cSld>
+    <p:spTree>
+      <p:nvGrpSpPr>
+        <p:cNvPr id="1" name=""/>
+        <p:cNvGrpSpPr/>
+        <p:nvPr/>
+      </p:nvGrpSpPr>
+      <p:grpSpPr>
+        <a:xfrm>
+          <a:off x="0" y="0"/>
+          <a:ext cx="0" cy="0"/>
+          <a:chOff x="0" y="0"/>
+          <a:chExt cx="0" cy="0"/>
+        </a:xfrm>
+      </p:grpSpPr>
+      <p:sp>
+        <p:nvSpPr>
+          <p:cNvPr id="2" name="Title 1">
+            <a:extLst>
+              <a:ext uri="{FF2B5EF4-FFF2-40B4-BE49-F238E27FC236}">
+                <a16:creationId xmlns:a16="http://schemas.microsoft.com/office/drawing/2014/main" id="{9B7DE8A1-A5BA-4E7A-90FC-6BE0B1D1E01D}"/>
+              </a:ext>
+            </a:extLst>
+          </p:cNvPr>
+          <p:cNvSpPr>
+            <a:spLocks noGrp="1"/>
+          </p:cNvSpPr>
+          <p:nvPr>
+            <p:ph type="title"/>
+          </p:nvPr>
+        </p:nvSpPr>
+        <p:spPr/>
+        <p:txBody>
+          <a:bodyPr/>
+          <a:lstStyle/>
+          <a:p>
+            <a:r>
+              <a:rPr kumimoji="1" lang="en-US" altLang="ja-JP" dirty="0"/>
+              <a:t>Desktop Bridge</a:t>
+            </a:r>
+            <a:endParaRPr kumimoji="1" lang="ja-JP" altLang="en-US" dirty="0"/>
+          </a:p>
+        </p:txBody>
+      </p:sp>
+      <p:sp>
+        <p:nvSpPr>
+          <p:cNvPr id="3" name="Text Placeholder 2">
+            <a:extLst>
+              <a:ext uri="{FF2B5EF4-FFF2-40B4-BE49-F238E27FC236}">
+                <a16:creationId xmlns:a16="http://schemas.microsoft.com/office/drawing/2014/main" id="{B49FD462-96EC-4C66-862A-55CB158290DA}"/>
+              </a:ext>
+            </a:extLst>
+          </p:cNvPr>
+          <p:cNvSpPr>
+            <a:spLocks noGrp="1"/>
+          </p:cNvSpPr>
+          <p:nvPr>
+            <p:ph type="body" sz="quarter" idx="10"/>
+          </p:nvPr>
+        </p:nvSpPr>
+        <p:spPr>
+          <a:xfrm>
+            <a:off x="274638" y="1212850"/>
+            <a:ext cx="11887200" cy="4185761"/>
+          </a:xfrm>
+        </p:spPr>
+        <p:txBody>
+          <a:bodyPr/>
+          <a:lstStyle/>
+          <a:p>
+            <a:r>
+              <a:rPr kumimoji="1" lang="ja-JP" altLang="en-US" dirty="0"/>
+              <a:t>既存の </a:t>
+            </a:r>
+            <a:r>
+              <a:rPr kumimoji="1" lang="en-US" altLang="ja-JP" dirty="0"/>
+              <a:t>Windows </a:t>
+            </a:r>
+            <a:r>
+              <a:rPr kumimoji="1" lang="ja-JP" altLang="en-US" dirty="0"/>
+              <a:t>デスクトップアプリ（</a:t>
+            </a:r>
+            <a:r>
+              <a:rPr kumimoji="1" lang="en-US" altLang="ja-JP" dirty="0"/>
+              <a:t>exe </a:t>
+            </a:r>
+            <a:r>
+              <a:rPr kumimoji="1" lang="ja-JP" altLang="en-US" dirty="0"/>
+              <a:t>形式）を </a:t>
+            </a:r>
+            <a:r>
+              <a:rPr kumimoji="1" lang="en-US" altLang="ja-JP" dirty="0"/>
+              <a:t>UWP </a:t>
+            </a:r>
+            <a:r>
+              <a:rPr kumimoji="1" lang="ja-JP" altLang="en-US" dirty="0"/>
+              <a:t>化するもの</a:t>
+            </a:r>
+            <a:endParaRPr kumimoji="1" lang="en-US" altLang="ja-JP" dirty="0"/>
+          </a:p>
+          <a:p>
+            <a:pPr marL="571500" indent="-571500">
+              <a:buFont typeface="Arial" panose="020B0604020202020204" pitchFamily="34" charset="0"/>
+              <a:buChar char="•"/>
+            </a:pPr>
+            <a:r>
+              <a:rPr lang="en-US" altLang="ja-JP" dirty="0"/>
+              <a:t>exe </a:t>
+            </a:r>
+            <a:r>
+              <a:rPr lang="ja-JP" altLang="en-US" dirty="0"/>
+              <a:t>を </a:t>
+            </a:r>
+            <a:r>
+              <a:rPr lang="en-US" altLang="ja-JP" dirty="0"/>
+              <a:t>UWP </a:t>
+            </a:r>
+            <a:r>
+              <a:rPr lang="ja-JP" altLang="en-US" dirty="0"/>
+              <a:t>のインストールパッケージに含める技術</a:t>
+            </a:r>
+            <a:endParaRPr lang="en-US" altLang="ja-JP" dirty="0"/>
+          </a:p>
+          <a:p>
+            <a:pPr marL="571500" indent="-571500">
+              <a:buFont typeface="Arial" panose="020B0604020202020204" pitchFamily="34" charset="0"/>
+              <a:buChar char="•"/>
+            </a:pPr>
+            <a:r>
+              <a:rPr kumimoji="1" lang="en-US" altLang="ja-JP" dirty="0"/>
+              <a:t>UWP </a:t>
+            </a:r>
+            <a:r>
+              <a:rPr kumimoji="1" lang="ja-JP" altLang="en-US" dirty="0"/>
+              <a:t>アプリから </a:t>
+            </a:r>
+            <a:r>
+              <a:rPr kumimoji="1" lang="en-US" altLang="ja-JP" dirty="0"/>
+              <a:t>Win32API </a:t>
+            </a:r>
+            <a:r>
+              <a:rPr kumimoji="1" lang="ja-JP" altLang="en-US" dirty="0"/>
+              <a:t>が呼べるわけではない</a:t>
+            </a:r>
+            <a:endParaRPr kumimoji="1" lang="en-US" altLang="ja-JP" dirty="0"/>
+          </a:p>
+          <a:p>
+            <a:pPr marL="571500" indent="-571500">
+              <a:buFont typeface="Arial" panose="020B0604020202020204" pitchFamily="34" charset="0"/>
+              <a:buChar char="•"/>
+            </a:pPr>
+            <a:r>
+              <a:rPr lang="en-US" altLang="ja-JP" dirty="0"/>
+              <a:t>exe </a:t>
+            </a:r>
+            <a:r>
+              <a:rPr lang="ja-JP" altLang="en-US" dirty="0"/>
+              <a:t>で </a:t>
+            </a:r>
+            <a:r>
+              <a:rPr lang="en-US" altLang="ja-JP" dirty="0"/>
+              <a:t>UWP </a:t>
+            </a:r>
+            <a:r>
+              <a:rPr lang="ja-JP" altLang="en-US" dirty="0"/>
+              <a:t>の </a:t>
+            </a:r>
+            <a:r>
+              <a:rPr lang="en-US" altLang="ja-JP" dirty="0"/>
+              <a:t>UI </a:t>
+            </a:r>
+            <a:r>
+              <a:rPr lang="ja-JP" altLang="en-US" dirty="0"/>
+              <a:t>が使えるわけではない</a:t>
+            </a:r>
+            <a:endParaRPr lang="en-US" altLang="ja-JP" dirty="0"/>
+          </a:p>
+          <a:p>
+            <a:pPr marL="571500" indent="-571500">
+              <a:buFont typeface="Arial" panose="020B0604020202020204" pitchFamily="34" charset="0"/>
+              <a:buChar char="•"/>
+            </a:pPr>
+            <a:r>
+              <a:rPr lang="en-US" altLang="ja-JP" dirty="0"/>
+              <a:t>UWP </a:t>
+            </a:r>
+            <a:r>
+              <a:rPr lang="ja-JP" altLang="en-US" dirty="0"/>
+              <a:t>と同じ展開方法が可能</a:t>
+            </a:r>
+            <a:endParaRPr kumimoji="1" lang="ja-JP" altLang="en-US" dirty="0"/>
+          </a:p>
+        </p:txBody>
+      </p:sp>
+      <p:sp>
+        <p:nvSpPr>
+          <p:cNvPr id="4" name="Rectangle 3">
+            <a:extLst>
+              <a:ext uri="{FF2B5EF4-FFF2-40B4-BE49-F238E27FC236}">
+                <a16:creationId xmlns:a16="http://schemas.microsoft.com/office/drawing/2014/main" id="{9CE8E663-D94D-44B1-8104-D739E45FFCBE}"/>
+              </a:ext>
+            </a:extLst>
+          </p:cNvPr>
+          <p:cNvSpPr/>
+          <p:nvPr/>
+        </p:nvSpPr>
+        <p:spPr bwMode="auto">
+          <a:xfrm>
+            <a:off x="274638" y="5398611"/>
+            <a:ext cx="11889564" cy="1066925"/>
+          </a:xfrm>
+          <a:prstGeom prst="rect">
+            <a:avLst/>
+          </a:prstGeom>
+          <a:solidFill>
+            <a:schemeClr val="accent1"/>
+          </a:solidFill>
+          <a:ln>
+            <a:noFill/>
+            <a:headEnd type="none" w="med" len="med"/>
+            <a:tailEnd type="none" w="med" len="med"/>
+          </a:ln>
+          <a:effectLst/>
+        </p:spPr>
+        <p:style>
+          <a:lnRef idx="1">
+            <a:schemeClr val="accent2"/>
+          </a:lnRef>
+          <a:fillRef idx="3">
+            <a:schemeClr val="accent2"/>
+          </a:fillRef>
+          <a:effectRef idx="2">
+            <a:schemeClr val="accent2"/>
+          </a:effectRef>
+          <a:fontRef idx="minor">
+            <a:schemeClr val="lt1"/>
+          </a:fontRef>
+        </p:style>
+        <p:txBody>
+          <a:bodyPr rot="0" spcFirstLastPara="0" vertOverflow="overflow" horzOverflow="overflow" vert="horz" wrap="square" lIns="182880" tIns="146304" rIns="182880" bIns="146304" numCol="1" spcCol="0" rtlCol="0" fromWordArt="0" anchor="ctr" anchorCtr="0" forceAA="0" compatLnSpc="1">
+            <a:prstTxWarp prst="textNoShape">
+              <a:avLst/>
+            </a:prstTxWarp>
+            <a:noAutofit/>
+          </a:bodyPr>
+          <a:lstStyle/>
+          <a:p>
+            <a:pPr algn="ctr" defTabSz="932472" fontAlgn="base">
+              <a:lnSpc>
+                <a:spcPct val="90000"/>
+              </a:lnSpc>
+              <a:spcBef>
+                <a:spcPct val="0"/>
+              </a:spcBef>
+              <a:spcAft>
+                <a:spcPct val="0"/>
+              </a:spcAft>
+            </a:pPr>
+            <a:r>
+              <a:rPr kumimoji="1" lang="en-US" altLang="ja-JP" sz="3200" dirty="0">
+                <a:gradFill>
+                  <a:gsLst>
+                    <a:gs pos="0">
+                      <a:srgbClr val="FFFFFF"/>
+                    </a:gs>
+                    <a:gs pos="100000">
+                      <a:srgbClr val="FFFFFF"/>
+                    </a:gs>
+                  </a:gsLst>
+                  <a:lin ang="5400000" scaled="0"/>
+                </a:gradFill>
+                <a:ea typeface="Segoe UI" pitchFamily="34" charset="0"/>
+                <a:cs typeface="Segoe UI" pitchFamily="34" charset="0"/>
+              </a:rPr>
+              <a:t>Windows Runtime API </a:t>
+            </a:r>
+            <a:r>
+              <a:rPr kumimoji="1" lang="ja-JP" altLang="en-US" sz="3200" dirty="0">
+                <a:gradFill>
+                  <a:gsLst>
+                    <a:gs pos="0">
+                      <a:srgbClr val="FFFFFF"/>
+                    </a:gs>
+                    <a:gs pos="100000">
+                      <a:srgbClr val="FFFFFF"/>
+                    </a:gs>
+                  </a:gsLst>
+                  <a:lin ang="5400000" scaled="0"/>
+                </a:gradFill>
+                <a:ea typeface="Segoe UI" pitchFamily="34" charset="0"/>
+                <a:cs typeface="Segoe UI" pitchFamily="34" charset="0"/>
+              </a:rPr>
+              <a:t>も結構叩けるので出来ることが多い</a:t>
+            </a:r>
+          </a:p>
+        </p:txBody>
+      </p:sp>
+    </p:spTree>
+    <p:extLst>
+      <p:ext uri="{BB962C8B-B14F-4D97-AF65-F5344CB8AC3E}">
+        <p14:creationId xmlns:p14="http://schemas.microsoft.com/office/powerpoint/2010/main" val="542557911"/>
+      </p:ext>
+    </p:extLst>
+  </p:cSld>
+  <p:clrMapOvr>
+    <a:masterClrMapping/>
+  </p:clrMapOvr>
+  <p:transition>
+    <p:fade/>
+  </p:transition>
 </p:sld>
 </file>
 
@@ -8060,79 +13143,10 @@
       </p:grpSpPr>
       <p:sp>
         <p:nvSpPr>
-          <p:cNvPr id="6" name="Text Placeholder 5">
+          <p:cNvPr id="3" name="Title 2">
             <a:extLst>
               <a:ext uri="{FF2B5EF4-FFF2-40B4-BE49-F238E27FC236}">
-                <a16:creationId xmlns:a16="http://schemas.microsoft.com/office/drawing/2014/main" id="{4A9436E1-C2DC-415C-AC9A-D438E9C59006}"/>
-              </a:ext>
-            </a:extLst>
-          </p:cNvPr>
-          <p:cNvSpPr>
-            <a:spLocks noGrp="1"/>
-          </p:cNvSpPr>
-          <p:nvPr>
-            <p:ph type="body" sz="quarter" idx="10"/>
-          </p:nvPr>
-        </p:nvSpPr>
-        <p:spPr>
-          <a:xfrm>
-            <a:off x="274638" y="1212850"/>
-            <a:ext cx="11887200" cy="2723823"/>
-          </a:xfrm>
-        </p:spPr>
-        <p:txBody>
-          <a:bodyPr/>
-          <a:lstStyle/>
-          <a:p>
-            <a:r>
-              <a:rPr kumimoji="1" lang="en-US" altLang="ja-JP" dirty="0"/>
-              <a:t>“</a:t>
-            </a:r>
-            <a:r>
-              <a:rPr kumimoji="1" lang="ja-JP" altLang="en-US" dirty="0"/>
-              <a:t>今</a:t>
-            </a:r>
-            <a:r>
-              <a:rPr kumimoji="1" lang="en-US" altLang="ja-JP" dirty="0"/>
-              <a:t>”</a:t>
-            </a:r>
-            <a:r>
-              <a:rPr kumimoji="1" lang="ja-JP" altLang="en-US" dirty="0"/>
-              <a:t>の </a:t>
-            </a:r>
-            <a:r>
-              <a:rPr kumimoji="1" lang="en-US" altLang="ja-JP" dirty="0"/>
-              <a:t>Universal Windows Platform(UWP) </a:t>
-            </a:r>
-            <a:r>
-              <a:rPr kumimoji="1" lang="ja-JP" altLang="en-US" dirty="0"/>
-              <a:t>アプリの状態の共有</a:t>
-            </a:r>
-            <a:endParaRPr kumimoji="1" lang="en-US" altLang="ja-JP" dirty="0"/>
-          </a:p>
-          <a:p>
-            <a:r>
-              <a:rPr lang="ja-JP" altLang="en-US" dirty="0"/>
-              <a:t>新規アプリ開発時のプラットフォームに </a:t>
-            </a:r>
-            <a:r>
-              <a:rPr lang="en-US" altLang="ja-JP" dirty="0"/>
-              <a:t>UWP </a:t>
-            </a:r>
-            <a:r>
-              <a:rPr lang="ja-JP" altLang="en-US" dirty="0"/>
-              <a:t>を選択肢にあげて頂く</a:t>
-            </a:r>
-            <a:endParaRPr kumimoji="1" lang="ja-JP" altLang="en-US" dirty="0"/>
-          </a:p>
-        </p:txBody>
-      </p:sp>
-      <p:sp>
-        <p:nvSpPr>
-          <p:cNvPr id="5" name="Title 4">
-            <a:extLst>
-              <a:ext uri="{FF2B5EF4-FFF2-40B4-BE49-F238E27FC236}">
-                <a16:creationId xmlns:a16="http://schemas.microsoft.com/office/drawing/2014/main" id="{37397228-4FFE-4FE9-ADBB-5B17232C5AFE}"/>
+                <a16:creationId xmlns:a16="http://schemas.microsoft.com/office/drawing/2014/main" id="{69159720-5EC2-4936-B879-F6E3E958E5EA}"/>
               </a:ext>
             </a:extLst>
           </p:cNvPr>
@@ -8150,16 +13164,2130 @@
           <a:p>
             <a:r>
               <a:rPr lang="ja-JP" altLang="en-US" dirty="0"/>
-              <a:t>本セッションの目的・ゴール</a:t>
+              <a:t>自己紹介</a:t>
             </a:r>
             <a:endParaRPr kumimoji="1" lang="ja-JP" altLang="en-US" dirty="0"/>
+          </a:p>
+        </p:txBody>
+      </p:sp>
+      <p:pic>
+        <p:nvPicPr>
+          <p:cNvPr id="5" name="Picture 4" descr="A person wearing a suit and tie smiling at the camera&#10;&#10;Description generated with very high confidence">
+            <a:extLst>
+              <a:ext uri="{FF2B5EF4-FFF2-40B4-BE49-F238E27FC236}">
+                <a16:creationId xmlns:a16="http://schemas.microsoft.com/office/drawing/2014/main" id="{CFA48EC3-2FF3-468D-9BAB-2C39648731EC}"/>
+              </a:ext>
+            </a:extLst>
+          </p:cNvPr>
+          <p:cNvPicPr>
+            <a:picLocks noChangeAspect="1"/>
+          </p:cNvPicPr>
+          <p:nvPr/>
+        </p:nvPicPr>
+        <p:blipFill>
+          <a:blip r:embed="rId2"/>
+          <a:stretch>
+            <a:fillRect/>
+          </a:stretch>
+        </p:blipFill>
+        <p:spPr>
+          <a:xfrm>
+            <a:off x="8674338" y="1456566"/>
+            <a:ext cx="3489865" cy="4753031"/>
+          </a:xfrm>
+          <a:prstGeom prst="rect">
+            <a:avLst/>
+          </a:prstGeom>
+        </p:spPr>
+      </p:pic>
+      <p:sp>
+        <p:nvSpPr>
+          <p:cNvPr id="6" name="Rectangle 5">
+            <a:extLst>
+              <a:ext uri="{FF2B5EF4-FFF2-40B4-BE49-F238E27FC236}">
+                <a16:creationId xmlns:a16="http://schemas.microsoft.com/office/drawing/2014/main" id="{2BC60F42-D581-471C-81C0-F59479562F9A}"/>
+              </a:ext>
+            </a:extLst>
+          </p:cNvPr>
+          <p:cNvSpPr/>
+          <p:nvPr/>
+        </p:nvSpPr>
+        <p:spPr bwMode="auto">
+          <a:xfrm>
+            <a:off x="169933" y="1456566"/>
+            <a:ext cx="8383348" cy="5242685"/>
+          </a:xfrm>
+          <a:prstGeom prst="rect">
+            <a:avLst/>
+          </a:prstGeom>
+          <a:solidFill>
+            <a:schemeClr val="accent1"/>
+          </a:solidFill>
+          <a:ln>
+            <a:noFill/>
+            <a:headEnd type="none" w="med" len="med"/>
+            <a:tailEnd type="none" w="med" len="med"/>
+          </a:ln>
+          <a:effectLst/>
+        </p:spPr>
+        <p:style>
+          <a:lnRef idx="1">
+            <a:schemeClr val="accent2"/>
+          </a:lnRef>
+          <a:fillRef idx="3">
+            <a:schemeClr val="accent2"/>
+          </a:fillRef>
+          <a:effectRef idx="2">
+            <a:schemeClr val="accent2"/>
+          </a:effectRef>
+          <a:fontRef idx="minor">
+            <a:schemeClr val="lt1"/>
+          </a:fontRef>
+        </p:style>
+        <p:txBody>
+          <a:bodyPr rot="0" spcFirstLastPara="0" vertOverflow="overflow" horzOverflow="overflow" vert="horz" wrap="square" lIns="182880" tIns="146304" rIns="182880" bIns="146304" numCol="1" spcCol="0" rtlCol="0" fromWordArt="0" anchor="t" anchorCtr="0" forceAA="0" compatLnSpc="1">
+            <a:prstTxWarp prst="textNoShape">
+              <a:avLst/>
+            </a:prstTxWarp>
+            <a:noAutofit/>
+          </a:bodyPr>
+          <a:lstStyle/>
+          <a:p>
+            <a:pPr defTabSz="932472" fontAlgn="base">
+              <a:lnSpc>
+                <a:spcPct val="90000"/>
+              </a:lnSpc>
+              <a:spcBef>
+                <a:spcPct val="0"/>
+              </a:spcBef>
+              <a:spcAft>
+                <a:spcPct val="0"/>
+              </a:spcAft>
+            </a:pPr>
+            <a:r>
+              <a:rPr kumimoji="1" lang="ja-JP" altLang="en-US" sz="2800" dirty="0">
+                <a:gradFill>
+                  <a:gsLst>
+                    <a:gs pos="0">
+                      <a:srgbClr val="FFFFFF"/>
+                    </a:gs>
+                    <a:gs pos="100000">
+                      <a:srgbClr val="FFFFFF"/>
+                    </a:gs>
+                  </a:gsLst>
+                  <a:lin ang="5400000" scaled="0"/>
+                </a:gradFill>
+                <a:latin typeface="+mn-ea"/>
+                <a:cs typeface="Segoe UI" pitchFamily="34" charset="0"/>
+              </a:rPr>
+              <a:t>日本マイクロソフト </a:t>
+            </a:r>
+            <a:r>
+              <a:rPr kumimoji="1" lang="en-US" altLang="ja-JP" sz="2800" dirty="0">
+                <a:gradFill>
+                  <a:gsLst>
+                    <a:gs pos="0">
+                      <a:srgbClr val="FFFFFF"/>
+                    </a:gs>
+                    <a:gs pos="100000">
+                      <a:srgbClr val="FFFFFF"/>
+                    </a:gs>
+                  </a:gsLst>
+                  <a:lin ang="5400000" scaled="0"/>
+                </a:gradFill>
+                <a:latin typeface="+mn-ea"/>
+                <a:cs typeface="Segoe UI" pitchFamily="34" charset="0"/>
+              </a:rPr>
+              <a:t>Windows </a:t>
+            </a:r>
+            <a:r>
+              <a:rPr kumimoji="1" lang="en-US" altLang="ja-JP" sz="2800" dirty="0" err="1">
+                <a:gradFill>
+                  <a:gsLst>
+                    <a:gs pos="0">
+                      <a:srgbClr val="FFFFFF"/>
+                    </a:gs>
+                    <a:gs pos="100000">
+                      <a:srgbClr val="FFFFFF"/>
+                    </a:gs>
+                  </a:gsLst>
+                  <a:lin ang="5400000" scaled="0"/>
+                </a:gradFill>
+                <a:latin typeface="+mn-ea"/>
+                <a:cs typeface="Segoe UI" pitchFamily="34" charset="0"/>
+              </a:rPr>
+              <a:t>AppConsult</a:t>
+            </a:r>
+            <a:endParaRPr kumimoji="1" lang="en-US" altLang="ja-JP" sz="2800" dirty="0">
+              <a:gradFill>
+                <a:gsLst>
+                  <a:gs pos="0">
+                    <a:srgbClr val="FFFFFF"/>
+                  </a:gs>
+                  <a:gs pos="100000">
+                    <a:srgbClr val="FFFFFF"/>
+                  </a:gs>
+                </a:gsLst>
+                <a:lin ang="5400000" scaled="0"/>
+              </a:gradFill>
+              <a:latin typeface="+mn-ea"/>
+              <a:cs typeface="Segoe UI" pitchFamily="34" charset="0"/>
+            </a:endParaRPr>
+          </a:p>
+          <a:p>
+            <a:pPr defTabSz="932472" fontAlgn="base">
+              <a:lnSpc>
+                <a:spcPct val="90000"/>
+              </a:lnSpc>
+              <a:spcBef>
+                <a:spcPct val="0"/>
+              </a:spcBef>
+              <a:spcAft>
+                <a:spcPct val="0"/>
+              </a:spcAft>
+            </a:pPr>
+            <a:r>
+              <a:rPr kumimoji="1" lang="ja-JP" altLang="en-US" sz="2800" dirty="0">
+                <a:gradFill>
+                  <a:gsLst>
+                    <a:gs pos="0">
+                      <a:srgbClr val="FFFFFF"/>
+                    </a:gs>
+                    <a:gs pos="100000">
+                      <a:srgbClr val="FFFFFF"/>
+                    </a:gs>
+                  </a:gsLst>
+                  <a:lin ang="5400000" scaled="0"/>
+                </a:gradFill>
+                <a:latin typeface="+mn-ea"/>
+                <a:cs typeface="Segoe UI" pitchFamily="34" charset="0"/>
+              </a:rPr>
+              <a:t>大田　一希</a:t>
+            </a:r>
+            <a:endParaRPr kumimoji="1" lang="en-US" altLang="ja-JP" sz="2800" dirty="0">
+              <a:gradFill>
+                <a:gsLst>
+                  <a:gs pos="0">
+                    <a:srgbClr val="FFFFFF"/>
+                  </a:gs>
+                  <a:gs pos="100000">
+                    <a:srgbClr val="FFFFFF"/>
+                  </a:gs>
+                </a:gsLst>
+                <a:lin ang="5400000" scaled="0"/>
+              </a:gradFill>
+              <a:latin typeface="+mn-ea"/>
+              <a:cs typeface="Segoe UI" pitchFamily="34" charset="0"/>
+            </a:endParaRPr>
+          </a:p>
+          <a:p>
+            <a:pPr defTabSz="932472" fontAlgn="base">
+              <a:lnSpc>
+                <a:spcPct val="90000"/>
+              </a:lnSpc>
+              <a:spcBef>
+                <a:spcPct val="0"/>
+              </a:spcBef>
+              <a:spcAft>
+                <a:spcPct val="0"/>
+              </a:spcAft>
+            </a:pPr>
+            <a:endParaRPr kumimoji="1" lang="en-US" altLang="ja-JP" sz="2800" dirty="0">
+              <a:gradFill>
+                <a:gsLst>
+                  <a:gs pos="0">
+                    <a:srgbClr val="FFFFFF"/>
+                  </a:gs>
+                  <a:gs pos="100000">
+                    <a:srgbClr val="FFFFFF"/>
+                  </a:gs>
+                </a:gsLst>
+                <a:lin ang="5400000" scaled="0"/>
+              </a:gradFill>
+              <a:latin typeface="+mn-ea"/>
+              <a:cs typeface="Segoe UI" pitchFamily="34" charset="0"/>
+            </a:endParaRPr>
+          </a:p>
+          <a:p>
+            <a:pPr defTabSz="932472" fontAlgn="base">
+              <a:lnSpc>
+                <a:spcPct val="90000"/>
+              </a:lnSpc>
+              <a:spcBef>
+                <a:spcPct val="0"/>
+              </a:spcBef>
+              <a:spcAft>
+                <a:spcPct val="0"/>
+              </a:spcAft>
+            </a:pPr>
+            <a:r>
+              <a:rPr kumimoji="1" lang="ja-JP" altLang="en-US" sz="2800" dirty="0">
+                <a:gradFill>
+                  <a:gsLst>
+                    <a:gs pos="0">
+                      <a:srgbClr val="FFFFFF"/>
+                    </a:gs>
+                    <a:gs pos="100000">
+                      <a:srgbClr val="FFFFFF"/>
+                    </a:gs>
+                  </a:gsLst>
+                  <a:lin ang="5400000" scaled="0"/>
+                </a:gradFill>
+                <a:latin typeface="+mn-ea"/>
+                <a:cs typeface="Segoe UI" pitchFamily="34" charset="0"/>
+              </a:rPr>
+              <a:t>好き：</a:t>
+            </a:r>
+            <a:r>
+              <a:rPr kumimoji="1" lang="en-US" altLang="ja-JP" sz="2800" dirty="0">
+                <a:gradFill>
+                  <a:gsLst>
+                    <a:gs pos="0">
+                      <a:srgbClr val="FFFFFF"/>
+                    </a:gs>
+                    <a:gs pos="100000">
+                      <a:srgbClr val="FFFFFF"/>
+                    </a:gs>
+                  </a:gsLst>
+                  <a:lin ang="5400000" scaled="0"/>
+                </a:gradFill>
+                <a:latin typeface="+mn-ea"/>
+                <a:cs typeface="Segoe UI" pitchFamily="34" charset="0"/>
+              </a:rPr>
+              <a:t>C#</a:t>
+            </a:r>
+            <a:r>
+              <a:rPr kumimoji="1" lang="ja-JP" altLang="en-US" sz="2800" dirty="0" err="1">
+                <a:gradFill>
+                  <a:gsLst>
+                    <a:gs pos="0">
+                      <a:srgbClr val="FFFFFF"/>
+                    </a:gs>
+                    <a:gs pos="100000">
+                      <a:srgbClr val="FFFFFF"/>
+                    </a:gs>
+                  </a:gsLst>
+                  <a:lin ang="5400000" scaled="0"/>
+                </a:gradFill>
+                <a:latin typeface="+mn-ea"/>
+                <a:cs typeface="Segoe UI" pitchFamily="34" charset="0"/>
+              </a:rPr>
+              <a:t>、</a:t>
+            </a:r>
+            <a:r>
+              <a:rPr kumimoji="1" lang="en-US" altLang="ja-JP" sz="2800" dirty="0">
+                <a:gradFill>
+                  <a:gsLst>
+                    <a:gs pos="0">
+                      <a:srgbClr val="FFFFFF"/>
+                    </a:gs>
+                    <a:gs pos="100000">
+                      <a:srgbClr val="FFFFFF"/>
+                    </a:gs>
+                  </a:gsLst>
+                  <a:lin ang="5400000" scaled="0"/>
+                </a:gradFill>
+                <a:latin typeface="+mn-ea"/>
+                <a:cs typeface="Segoe UI" pitchFamily="34" charset="0"/>
+              </a:rPr>
+              <a:t>XAML</a:t>
+            </a:r>
+            <a:r>
+              <a:rPr kumimoji="1" lang="ja-JP" altLang="en-US" sz="2800" dirty="0" err="1">
+                <a:gradFill>
+                  <a:gsLst>
+                    <a:gs pos="0">
+                      <a:srgbClr val="FFFFFF"/>
+                    </a:gs>
+                    <a:gs pos="100000">
+                      <a:srgbClr val="FFFFFF"/>
+                    </a:gs>
+                  </a:gsLst>
+                  <a:lin ang="5400000" scaled="0"/>
+                </a:gradFill>
+                <a:latin typeface="+mn-ea"/>
+                <a:cs typeface="Segoe UI" pitchFamily="34" charset="0"/>
+              </a:rPr>
+              <a:t>、</a:t>
+            </a:r>
+            <a:r>
+              <a:rPr kumimoji="1" lang="ja-JP" altLang="en-US" sz="2800" dirty="0">
+                <a:gradFill>
+                  <a:gsLst>
+                    <a:gs pos="0">
+                      <a:srgbClr val="FFFFFF"/>
+                    </a:gs>
+                    <a:gs pos="100000">
+                      <a:srgbClr val="FFFFFF"/>
+                    </a:gs>
+                  </a:gsLst>
+                  <a:lin ang="5400000" scaled="0"/>
+                </a:gradFill>
+                <a:latin typeface="+mn-ea"/>
+                <a:cs typeface="Segoe UI" pitchFamily="34" charset="0"/>
+              </a:rPr>
+              <a:t>🍖</a:t>
+            </a:r>
+            <a:endParaRPr kumimoji="1" lang="en-US" altLang="ja-JP" sz="2800" dirty="0">
+              <a:gradFill>
+                <a:gsLst>
+                  <a:gs pos="0">
+                    <a:srgbClr val="FFFFFF"/>
+                  </a:gs>
+                  <a:gs pos="100000">
+                    <a:srgbClr val="FFFFFF"/>
+                  </a:gs>
+                </a:gsLst>
+                <a:lin ang="5400000" scaled="0"/>
+              </a:gradFill>
+              <a:latin typeface="+mn-ea"/>
+              <a:cs typeface="Segoe UI" pitchFamily="34" charset="0"/>
+            </a:endParaRPr>
+          </a:p>
+          <a:p>
+            <a:pPr defTabSz="932472" fontAlgn="base">
+              <a:lnSpc>
+                <a:spcPct val="90000"/>
+              </a:lnSpc>
+              <a:spcBef>
+                <a:spcPct val="0"/>
+              </a:spcBef>
+              <a:spcAft>
+                <a:spcPct val="0"/>
+              </a:spcAft>
+            </a:pPr>
+            <a:r>
+              <a:rPr kumimoji="1" lang="ja-JP" altLang="en-US" sz="2800" dirty="0">
+                <a:gradFill>
+                  <a:gsLst>
+                    <a:gs pos="0">
+                      <a:srgbClr val="FFFFFF"/>
+                    </a:gs>
+                    <a:gs pos="100000">
+                      <a:srgbClr val="FFFFFF"/>
+                    </a:gs>
+                  </a:gsLst>
+                  <a:lin ang="5400000" scaled="0"/>
+                </a:gradFill>
+                <a:latin typeface="+mn-ea"/>
+                <a:cs typeface="Segoe UI" pitchFamily="34" charset="0"/>
+              </a:rPr>
+              <a:t>苦手：型のない言語</a:t>
+            </a:r>
+            <a:endParaRPr kumimoji="1" lang="en-US" altLang="ja-JP" sz="2800" dirty="0">
+              <a:gradFill>
+                <a:gsLst>
+                  <a:gs pos="0">
+                    <a:srgbClr val="FFFFFF"/>
+                  </a:gs>
+                  <a:gs pos="100000">
+                    <a:srgbClr val="FFFFFF"/>
+                  </a:gs>
+                </a:gsLst>
+                <a:lin ang="5400000" scaled="0"/>
+              </a:gradFill>
+              <a:latin typeface="+mn-ea"/>
+              <a:cs typeface="Segoe UI" pitchFamily="34" charset="0"/>
+            </a:endParaRPr>
+          </a:p>
+          <a:p>
+            <a:pPr defTabSz="932472" fontAlgn="base">
+              <a:lnSpc>
+                <a:spcPct val="90000"/>
+              </a:lnSpc>
+              <a:spcBef>
+                <a:spcPct val="0"/>
+              </a:spcBef>
+              <a:spcAft>
+                <a:spcPct val="0"/>
+              </a:spcAft>
+            </a:pPr>
+            <a:endParaRPr kumimoji="1" lang="en-US" altLang="ja-JP" sz="2800" dirty="0">
+              <a:gradFill>
+                <a:gsLst>
+                  <a:gs pos="0">
+                    <a:srgbClr val="FFFFFF"/>
+                  </a:gs>
+                  <a:gs pos="100000">
+                    <a:srgbClr val="FFFFFF"/>
+                  </a:gs>
+                </a:gsLst>
+                <a:lin ang="5400000" scaled="0"/>
+              </a:gradFill>
+              <a:latin typeface="+mn-ea"/>
+              <a:cs typeface="Segoe UI" pitchFamily="34" charset="0"/>
+            </a:endParaRPr>
+          </a:p>
+          <a:p>
+            <a:pPr marL="457200" indent="-457200" defTabSz="932472" fontAlgn="base">
+              <a:lnSpc>
+                <a:spcPct val="90000"/>
+              </a:lnSpc>
+              <a:spcBef>
+                <a:spcPct val="0"/>
+              </a:spcBef>
+              <a:spcAft>
+                <a:spcPct val="0"/>
+              </a:spcAft>
+              <a:buFont typeface="Arial" panose="020B0604020202020204" pitchFamily="34" charset="0"/>
+              <a:buChar char="•"/>
+            </a:pPr>
+            <a:r>
+              <a:rPr kumimoji="1" lang="en-US" altLang="ja-JP" sz="2800" dirty="0">
+                <a:gradFill>
+                  <a:gsLst>
+                    <a:gs pos="0">
+                      <a:srgbClr val="FFFFFF"/>
+                    </a:gs>
+                    <a:gs pos="100000">
+                      <a:srgbClr val="FFFFFF"/>
+                    </a:gs>
+                  </a:gsLst>
+                  <a:lin ang="5400000" scaled="0"/>
+                </a:gradFill>
+                <a:latin typeface="+mn-ea"/>
+                <a:cs typeface="Segoe UI" pitchFamily="34" charset="0"/>
+              </a:rPr>
+              <a:t>2017</a:t>
+            </a:r>
+            <a:r>
+              <a:rPr kumimoji="1" lang="ja-JP" altLang="en-US" sz="2800" dirty="0">
+                <a:gradFill>
+                  <a:gsLst>
+                    <a:gs pos="0">
+                      <a:srgbClr val="FFFFFF"/>
+                    </a:gs>
+                    <a:gs pos="100000">
+                      <a:srgbClr val="FFFFFF"/>
+                    </a:gs>
+                  </a:gsLst>
+                  <a:lin ang="5400000" scaled="0"/>
+                </a:gradFill>
+                <a:latin typeface="+mn-ea"/>
+                <a:cs typeface="Segoe UI" pitchFamily="34" charset="0"/>
+              </a:rPr>
+              <a:t>年</a:t>
+            </a:r>
+            <a:r>
+              <a:rPr kumimoji="1" lang="en-US" altLang="ja-JP" sz="2800" dirty="0">
+                <a:gradFill>
+                  <a:gsLst>
+                    <a:gs pos="0">
+                      <a:srgbClr val="FFFFFF"/>
+                    </a:gs>
+                    <a:gs pos="100000">
+                      <a:srgbClr val="FFFFFF"/>
+                    </a:gs>
+                  </a:gsLst>
+                  <a:lin ang="5400000" scaled="0"/>
+                </a:gradFill>
+                <a:latin typeface="+mn-ea"/>
+                <a:cs typeface="Segoe UI" pitchFamily="34" charset="0"/>
+              </a:rPr>
+              <a:t>2</a:t>
+            </a:r>
+            <a:r>
+              <a:rPr kumimoji="1" lang="ja-JP" altLang="en-US" sz="2800" dirty="0">
+                <a:gradFill>
+                  <a:gsLst>
+                    <a:gs pos="0">
+                      <a:srgbClr val="FFFFFF"/>
+                    </a:gs>
+                    <a:gs pos="100000">
+                      <a:srgbClr val="FFFFFF"/>
+                    </a:gs>
+                  </a:gsLst>
+                  <a:lin ang="5400000" scaled="0"/>
+                </a:gradFill>
+                <a:latin typeface="+mn-ea"/>
+                <a:cs typeface="Segoe UI" pitchFamily="34" charset="0"/>
+              </a:rPr>
+              <a:t>月にマイクロソフトに入社</a:t>
+            </a:r>
+            <a:endParaRPr kumimoji="1" lang="en-US" altLang="ja-JP" sz="2800" dirty="0">
+              <a:gradFill>
+                <a:gsLst>
+                  <a:gs pos="0">
+                    <a:srgbClr val="FFFFFF"/>
+                  </a:gs>
+                  <a:gs pos="100000">
+                    <a:srgbClr val="FFFFFF"/>
+                  </a:gs>
+                </a:gsLst>
+                <a:lin ang="5400000" scaled="0"/>
+              </a:gradFill>
+              <a:latin typeface="+mn-ea"/>
+              <a:cs typeface="Segoe UI" pitchFamily="34" charset="0"/>
+            </a:endParaRPr>
+          </a:p>
+          <a:p>
+            <a:pPr marL="457200" indent="-457200" defTabSz="932472" fontAlgn="base">
+              <a:lnSpc>
+                <a:spcPct val="90000"/>
+              </a:lnSpc>
+              <a:spcBef>
+                <a:spcPct val="0"/>
+              </a:spcBef>
+              <a:spcAft>
+                <a:spcPct val="0"/>
+              </a:spcAft>
+              <a:buFont typeface="Arial" panose="020B0604020202020204" pitchFamily="34" charset="0"/>
+              <a:buChar char="•"/>
+            </a:pPr>
+            <a:r>
+              <a:rPr kumimoji="1" lang="ja-JP" altLang="en-US" sz="2800" dirty="0">
+                <a:gradFill>
+                  <a:gsLst>
+                    <a:gs pos="0">
+                      <a:srgbClr val="FFFFFF"/>
+                    </a:gs>
+                    <a:gs pos="100000">
+                      <a:srgbClr val="FFFFFF"/>
+                    </a:gs>
+                  </a:gsLst>
+                  <a:lin ang="5400000" scaled="0"/>
+                </a:gradFill>
+                <a:latin typeface="+mn-ea"/>
+                <a:cs typeface="Segoe UI" pitchFamily="34" charset="0"/>
+              </a:rPr>
+              <a:t>マイクロソフト入社前：メーカー系 </a:t>
+            </a:r>
+            <a:r>
+              <a:rPr kumimoji="1" lang="en-US" altLang="ja-JP" sz="2800" dirty="0" err="1">
+                <a:gradFill>
+                  <a:gsLst>
+                    <a:gs pos="0">
+                      <a:srgbClr val="FFFFFF"/>
+                    </a:gs>
+                    <a:gs pos="100000">
+                      <a:srgbClr val="FFFFFF"/>
+                    </a:gs>
+                  </a:gsLst>
+                  <a:lin ang="5400000" scaled="0"/>
+                </a:gradFill>
+                <a:latin typeface="+mn-ea"/>
+                <a:cs typeface="Segoe UI" pitchFamily="34" charset="0"/>
+              </a:rPr>
+              <a:t>SIer</a:t>
+            </a:r>
+            <a:r>
+              <a:rPr kumimoji="1" lang="en-US" altLang="ja-JP" sz="2800" dirty="0">
+                <a:gradFill>
+                  <a:gsLst>
+                    <a:gs pos="0">
+                      <a:srgbClr val="FFFFFF"/>
+                    </a:gs>
+                    <a:gs pos="100000">
+                      <a:srgbClr val="FFFFFF"/>
+                    </a:gs>
+                  </a:gsLst>
+                  <a:lin ang="5400000" scaled="0"/>
+                </a:gradFill>
+                <a:latin typeface="+mn-ea"/>
+                <a:cs typeface="Segoe UI" pitchFamily="34" charset="0"/>
+              </a:rPr>
+              <a:t> </a:t>
+            </a:r>
+            <a:r>
+              <a:rPr kumimoji="1" lang="ja-JP" altLang="en-US" sz="2800" dirty="0">
+                <a:gradFill>
+                  <a:gsLst>
+                    <a:gs pos="0">
+                      <a:srgbClr val="FFFFFF"/>
+                    </a:gs>
+                    <a:gs pos="100000">
+                      <a:srgbClr val="FFFFFF"/>
+                    </a:gs>
+                  </a:gsLst>
+                  <a:lin ang="5400000" scaled="0"/>
+                </a:gradFill>
+                <a:latin typeface="+mn-ea"/>
+                <a:cs typeface="Segoe UI" pitchFamily="34" charset="0"/>
+              </a:rPr>
+              <a:t>に </a:t>
+            </a:r>
+            <a:r>
+              <a:rPr kumimoji="1" lang="en-US" altLang="ja-JP" sz="2800" dirty="0">
+                <a:gradFill>
+                  <a:gsLst>
+                    <a:gs pos="0">
+                      <a:srgbClr val="FFFFFF"/>
+                    </a:gs>
+                    <a:gs pos="100000">
+                      <a:srgbClr val="FFFFFF"/>
+                    </a:gs>
+                  </a:gsLst>
+                  <a:lin ang="5400000" scaled="0"/>
+                </a:gradFill>
+                <a:latin typeface="+mn-ea"/>
+                <a:cs typeface="Segoe UI" pitchFamily="34" charset="0"/>
+              </a:rPr>
+              <a:t>10 </a:t>
+            </a:r>
+            <a:r>
+              <a:rPr kumimoji="1" lang="ja-JP" altLang="en-US" sz="2800" dirty="0">
+                <a:gradFill>
+                  <a:gsLst>
+                    <a:gs pos="0">
+                      <a:srgbClr val="FFFFFF"/>
+                    </a:gs>
+                    <a:gs pos="100000">
+                      <a:srgbClr val="FFFFFF"/>
+                    </a:gs>
+                  </a:gsLst>
+                  <a:lin ang="5400000" scaled="0"/>
+                </a:gradFill>
+                <a:latin typeface="+mn-ea"/>
+                <a:cs typeface="Segoe UI" pitchFamily="34" charset="0"/>
+              </a:rPr>
+              <a:t>年勤務</a:t>
+            </a:r>
+            <a:br>
+              <a:rPr kumimoji="1" lang="en-US" altLang="ja-JP" sz="2800" dirty="0">
+                <a:gradFill>
+                  <a:gsLst>
+                    <a:gs pos="0">
+                      <a:srgbClr val="FFFFFF"/>
+                    </a:gs>
+                    <a:gs pos="100000">
+                      <a:srgbClr val="FFFFFF"/>
+                    </a:gs>
+                  </a:gsLst>
+                  <a:lin ang="5400000" scaled="0"/>
+                </a:gradFill>
+                <a:latin typeface="+mn-ea"/>
+                <a:cs typeface="Segoe UI" pitchFamily="34" charset="0"/>
+              </a:rPr>
+            </a:br>
+            <a:r>
+              <a:rPr kumimoji="1" lang="en-US" altLang="ja-JP" sz="2800" dirty="0">
+                <a:gradFill>
+                  <a:gsLst>
+                    <a:gs pos="0">
+                      <a:srgbClr val="FFFFFF"/>
+                    </a:gs>
+                    <a:gs pos="100000">
+                      <a:srgbClr val="FFFFFF"/>
+                    </a:gs>
+                  </a:gsLst>
+                  <a:lin ang="5400000" scaled="0"/>
+                </a:gradFill>
+                <a:latin typeface="+mn-ea"/>
+                <a:cs typeface="Segoe UI" pitchFamily="34" charset="0"/>
+              </a:rPr>
+              <a:t>Microsoft MVP for Windows Development</a:t>
+            </a:r>
+            <a:br>
+              <a:rPr kumimoji="1" lang="en-US" altLang="ja-JP" sz="2800" dirty="0">
+                <a:gradFill>
+                  <a:gsLst>
+                    <a:gs pos="0">
+                      <a:srgbClr val="FFFFFF"/>
+                    </a:gs>
+                    <a:gs pos="100000">
+                      <a:srgbClr val="FFFFFF"/>
+                    </a:gs>
+                  </a:gsLst>
+                  <a:lin ang="5400000" scaled="0"/>
+                </a:gradFill>
+                <a:latin typeface="+mn-ea"/>
+                <a:cs typeface="Segoe UI" pitchFamily="34" charset="0"/>
+              </a:rPr>
+            </a:br>
+            <a:r>
+              <a:rPr kumimoji="1" lang="en-US" altLang="ja-JP" sz="2800" dirty="0">
+                <a:gradFill>
+                  <a:gsLst>
+                    <a:gs pos="0">
+                      <a:srgbClr val="FFFFFF"/>
+                    </a:gs>
+                    <a:gs pos="100000">
+                      <a:srgbClr val="FFFFFF"/>
+                    </a:gs>
+                  </a:gsLst>
+                  <a:lin ang="5400000" scaled="0"/>
+                </a:gradFill>
+                <a:latin typeface="+mn-ea"/>
+                <a:cs typeface="Segoe UI" pitchFamily="34" charset="0"/>
+              </a:rPr>
+              <a:t>Windows </a:t>
+            </a:r>
+            <a:r>
+              <a:rPr kumimoji="1" lang="ja-JP" altLang="en-US" sz="2800" dirty="0">
+                <a:gradFill>
+                  <a:gsLst>
+                    <a:gs pos="0">
+                      <a:srgbClr val="FFFFFF"/>
+                    </a:gs>
+                    <a:gs pos="100000">
+                      <a:srgbClr val="FFFFFF"/>
+                    </a:gs>
+                  </a:gsLst>
+                  <a:lin ang="5400000" scaled="0"/>
+                </a:gradFill>
+                <a:latin typeface="+mn-ea"/>
+                <a:cs typeface="Segoe UI" pitchFamily="34" charset="0"/>
+              </a:rPr>
+              <a:t>ネイティブアプリ開発系カテゴリを </a:t>
+            </a:r>
+            <a:r>
+              <a:rPr kumimoji="1" lang="en-US" altLang="ja-JP" sz="2800" dirty="0">
+                <a:gradFill>
+                  <a:gsLst>
+                    <a:gs pos="0">
+                      <a:srgbClr val="FFFFFF"/>
+                    </a:gs>
+                    <a:gs pos="100000">
+                      <a:srgbClr val="FFFFFF"/>
+                    </a:gs>
+                  </a:gsLst>
+                  <a:lin ang="5400000" scaled="0"/>
+                </a:gradFill>
+                <a:latin typeface="+mn-ea"/>
+                <a:cs typeface="Segoe UI" pitchFamily="34" charset="0"/>
+              </a:rPr>
+              <a:t>6 </a:t>
+            </a:r>
+            <a:r>
+              <a:rPr kumimoji="1" lang="ja-JP" altLang="en-US" sz="2800" dirty="0">
+                <a:gradFill>
+                  <a:gsLst>
+                    <a:gs pos="0">
+                      <a:srgbClr val="FFFFFF"/>
+                    </a:gs>
+                    <a:gs pos="100000">
+                      <a:srgbClr val="FFFFFF"/>
+                    </a:gs>
+                  </a:gsLst>
+                  <a:lin ang="5400000" scaled="0"/>
+                </a:gradFill>
+                <a:latin typeface="+mn-ea"/>
+                <a:cs typeface="Segoe UI" pitchFamily="34" charset="0"/>
+              </a:rPr>
+              <a:t>年してました</a:t>
+            </a:r>
+            <a:endParaRPr kumimoji="1" lang="en-US" altLang="ja-JP" sz="2800" dirty="0">
+              <a:gradFill>
+                <a:gsLst>
+                  <a:gs pos="0">
+                    <a:srgbClr val="FFFFFF"/>
+                  </a:gs>
+                  <a:gs pos="100000">
+                    <a:srgbClr val="FFFFFF"/>
+                  </a:gs>
+                </a:gsLst>
+                <a:lin ang="5400000" scaled="0"/>
+              </a:gradFill>
+              <a:latin typeface="+mn-ea"/>
+              <a:cs typeface="Segoe UI" pitchFamily="34" charset="0"/>
+            </a:endParaRPr>
+          </a:p>
+          <a:p>
+            <a:pPr marL="457200" indent="-457200" defTabSz="932472" fontAlgn="base">
+              <a:lnSpc>
+                <a:spcPct val="90000"/>
+              </a:lnSpc>
+              <a:spcBef>
+                <a:spcPct val="0"/>
+              </a:spcBef>
+              <a:spcAft>
+                <a:spcPct val="0"/>
+              </a:spcAft>
+              <a:buFont typeface="Arial" panose="020B0604020202020204" pitchFamily="34" charset="0"/>
+              <a:buChar char="•"/>
+            </a:pPr>
+            <a:endParaRPr kumimoji="1" lang="en-US" altLang="ja-JP" sz="2800" dirty="0">
+              <a:gradFill>
+                <a:gsLst>
+                  <a:gs pos="0">
+                    <a:srgbClr val="FFFFFF"/>
+                  </a:gs>
+                  <a:gs pos="100000">
+                    <a:srgbClr val="FFFFFF"/>
+                  </a:gs>
+                </a:gsLst>
+                <a:lin ang="5400000" scaled="0"/>
+              </a:gradFill>
+              <a:latin typeface="+mn-ea"/>
+              <a:cs typeface="Segoe UI" pitchFamily="34" charset="0"/>
+            </a:endParaRPr>
           </a:p>
         </p:txBody>
       </p:sp>
     </p:spTree>
     <p:extLst>
       <p:ext uri="{BB962C8B-B14F-4D97-AF65-F5344CB8AC3E}">
-        <p14:creationId xmlns:p14="http://schemas.microsoft.com/office/powerpoint/2010/main" val="197239523"/>
+        <p14:creationId xmlns:p14="http://schemas.microsoft.com/office/powerpoint/2010/main" val="3994257366"/>
+      </p:ext>
+    </p:extLst>
+  </p:cSld>
+  <p:clrMapOvr>
+    <a:masterClrMapping/>
+  </p:clrMapOvr>
+  <p:transition>
+    <p:fade/>
+  </p:transition>
+</p:sld>
+</file>
+
+<file path=ppt/slides/slide20.xml><?xml version="1.0" encoding="utf-8"?>
+<p:sld xmlns:a="http://schemas.openxmlformats.org/drawingml/2006/main" xmlns:r="http://schemas.openxmlformats.org/officeDocument/2006/relationships" xmlns:p="http://schemas.openxmlformats.org/presentationml/2006/main">
+  <p:cSld>
+    <p:spTree>
+      <p:nvGrpSpPr>
+        <p:cNvPr id="1" name=""/>
+        <p:cNvGrpSpPr/>
+        <p:nvPr/>
+      </p:nvGrpSpPr>
+      <p:grpSpPr>
+        <a:xfrm>
+          <a:off x="0" y="0"/>
+          <a:ext cx="0" cy="0"/>
+          <a:chOff x="0" y="0"/>
+          <a:chExt cx="0" cy="0"/>
+        </a:xfrm>
+      </p:grpSpPr>
+      <p:sp>
+        <p:nvSpPr>
+          <p:cNvPr id="2" name="Text Placeholder 1">
+            <a:extLst>
+              <a:ext uri="{FF2B5EF4-FFF2-40B4-BE49-F238E27FC236}">
+                <a16:creationId xmlns:a16="http://schemas.microsoft.com/office/drawing/2014/main" id="{A5BB81B6-FACA-4E0A-AC8A-A8E9164FF2D0}"/>
+              </a:ext>
+            </a:extLst>
+          </p:cNvPr>
+          <p:cNvSpPr>
+            <a:spLocks noGrp="1"/>
+          </p:cNvSpPr>
+          <p:nvPr>
+            <p:ph type="body" sz="quarter" idx="10"/>
+          </p:nvPr>
+        </p:nvSpPr>
+        <p:spPr>
+          <a:xfrm>
+            <a:off x="274638" y="1212850"/>
+            <a:ext cx="11887200" cy="2831544"/>
+          </a:xfrm>
+        </p:spPr>
+        <p:txBody>
+          <a:bodyPr/>
+          <a:lstStyle/>
+          <a:p>
+            <a:r>
+              <a:rPr kumimoji="1" lang="en-US" altLang="ja-JP" dirty="0"/>
+              <a:t>Windows 10 </a:t>
+            </a:r>
+            <a:r>
+              <a:rPr kumimoji="1" lang="ja-JP" altLang="en-US" dirty="0"/>
+              <a:t>で動くアプリには様々な選択肢があります</a:t>
+            </a:r>
+            <a:endParaRPr kumimoji="1" lang="en-US" altLang="ja-JP" dirty="0"/>
+          </a:p>
+          <a:p>
+            <a:pPr lvl="1"/>
+            <a:r>
+              <a:rPr lang="en-US" altLang="ja-JP" dirty="0"/>
+              <a:t>.NET Framework </a:t>
+            </a:r>
+            <a:r>
+              <a:rPr lang="ja-JP" altLang="en-US" dirty="0"/>
+              <a:t>製アプリ</a:t>
+            </a:r>
+            <a:endParaRPr lang="en-US" altLang="ja-JP" dirty="0"/>
+          </a:p>
+          <a:p>
+            <a:pPr lvl="1"/>
+            <a:r>
+              <a:rPr kumimoji="1" lang="en-US" altLang="ja-JP" dirty="0"/>
+              <a:t>C/C++ </a:t>
+            </a:r>
+            <a:r>
+              <a:rPr kumimoji="1" lang="ja-JP" altLang="en-US" dirty="0"/>
+              <a:t>製アプリ</a:t>
+            </a:r>
+            <a:endParaRPr kumimoji="1" lang="en-US" altLang="ja-JP" dirty="0"/>
+          </a:p>
+          <a:p>
+            <a:pPr lvl="1"/>
+            <a:r>
+              <a:rPr lang="en-US" altLang="ja-JP" dirty="0"/>
+              <a:t>Web </a:t>
+            </a:r>
+            <a:r>
+              <a:rPr lang="ja-JP" altLang="en-US" dirty="0"/>
+              <a:t>アプリ</a:t>
+            </a:r>
+            <a:endParaRPr lang="en-US" altLang="ja-JP" dirty="0"/>
+          </a:p>
+          <a:p>
+            <a:pPr lvl="1"/>
+            <a:r>
+              <a:rPr kumimoji="1" lang="en-US" altLang="ja-JP" dirty="0"/>
+              <a:t>Progressive Web Apps</a:t>
+            </a:r>
+            <a:endParaRPr kumimoji="1" lang="ja-JP" altLang="en-US" dirty="0"/>
+          </a:p>
+        </p:txBody>
+      </p:sp>
+      <p:sp>
+        <p:nvSpPr>
+          <p:cNvPr id="3" name="Title 2">
+            <a:extLst>
+              <a:ext uri="{FF2B5EF4-FFF2-40B4-BE49-F238E27FC236}">
+                <a16:creationId xmlns:a16="http://schemas.microsoft.com/office/drawing/2014/main" id="{4AC56906-F97C-4E52-9CAA-AB5600D21DD6}"/>
+              </a:ext>
+            </a:extLst>
+          </p:cNvPr>
+          <p:cNvSpPr>
+            <a:spLocks noGrp="1"/>
+          </p:cNvSpPr>
+          <p:nvPr>
+            <p:ph type="title"/>
+          </p:nvPr>
+        </p:nvSpPr>
+        <p:spPr/>
+        <p:txBody>
+          <a:bodyPr/>
+          <a:lstStyle/>
+          <a:p>
+            <a:r>
+              <a:rPr lang="ja-JP" altLang="en-US" dirty="0"/>
+              <a:t>まとめ</a:t>
+            </a:r>
+            <a:endParaRPr kumimoji="1" lang="ja-JP" altLang="en-US" dirty="0"/>
+          </a:p>
+        </p:txBody>
+      </p:sp>
+    </p:spTree>
+    <p:extLst>
+      <p:ext uri="{BB962C8B-B14F-4D97-AF65-F5344CB8AC3E}">
+        <p14:creationId xmlns:p14="http://schemas.microsoft.com/office/powerpoint/2010/main" val="858688921"/>
+      </p:ext>
+    </p:extLst>
+  </p:cSld>
+  <p:clrMapOvr>
+    <a:masterClrMapping/>
+  </p:clrMapOvr>
+  <p:transition>
+    <p:fade/>
+  </p:transition>
+</p:sld>
+</file>
+
+<file path=ppt/slides/slide21.xml><?xml version="1.0" encoding="utf-8"?>
+<p:sld xmlns:a="http://schemas.openxmlformats.org/drawingml/2006/main" xmlns:r="http://schemas.openxmlformats.org/officeDocument/2006/relationships" xmlns:p="http://schemas.openxmlformats.org/presentationml/2006/main">
+  <p:cSld>
+    <p:spTree>
+      <p:nvGrpSpPr>
+        <p:cNvPr id="1" name=""/>
+        <p:cNvGrpSpPr/>
+        <p:nvPr/>
+      </p:nvGrpSpPr>
+      <p:grpSpPr>
+        <a:xfrm>
+          <a:off x="0" y="0"/>
+          <a:ext cx="0" cy="0"/>
+          <a:chOff x="0" y="0"/>
+          <a:chExt cx="0" cy="0"/>
+        </a:xfrm>
+      </p:grpSpPr>
+      <p:sp>
+        <p:nvSpPr>
+          <p:cNvPr id="2" name="Title 1">
+            <a:extLst>
+              <a:ext uri="{FF2B5EF4-FFF2-40B4-BE49-F238E27FC236}">
+                <a16:creationId xmlns:a16="http://schemas.microsoft.com/office/drawing/2014/main" id="{7EAF20E3-856D-4704-976B-ED91469CE2A9}"/>
+              </a:ext>
+            </a:extLst>
+          </p:cNvPr>
+          <p:cNvSpPr>
+            <a:spLocks noGrp="1"/>
+          </p:cNvSpPr>
+          <p:nvPr>
+            <p:ph type="title"/>
+          </p:nvPr>
+        </p:nvSpPr>
+        <p:spPr/>
+        <p:txBody>
+          <a:bodyPr/>
+          <a:lstStyle/>
+          <a:p>
+            <a:r>
+              <a:rPr kumimoji="1" lang="ja-JP" altLang="en-US" dirty="0"/>
+              <a:t>一押し機能 </a:t>
+            </a:r>
+            <a:r>
+              <a:rPr kumimoji="1" lang="en-US" altLang="ja-JP" dirty="0"/>
+              <a:t>4 </a:t>
+            </a:r>
+            <a:r>
+              <a:rPr kumimoji="1" lang="ja-JP" altLang="en-US" dirty="0"/>
+              <a:t>つ</a:t>
+            </a:r>
+          </a:p>
+        </p:txBody>
+      </p:sp>
+    </p:spTree>
+    <p:extLst>
+      <p:ext uri="{BB962C8B-B14F-4D97-AF65-F5344CB8AC3E}">
+        <p14:creationId xmlns:p14="http://schemas.microsoft.com/office/powerpoint/2010/main" val="945641990"/>
+      </p:ext>
+    </p:extLst>
+  </p:cSld>
+  <p:clrMapOvr>
+    <a:masterClrMapping/>
+  </p:clrMapOvr>
+  <p:transition>
+    <p:fade/>
+  </p:transition>
+</p:sld>
+</file>
+
+<file path=ppt/slides/slide22.xml><?xml version="1.0" encoding="utf-8"?>
+<p:sld xmlns:a="http://schemas.openxmlformats.org/drawingml/2006/main" xmlns:r="http://schemas.openxmlformats.org/officeDocument/2006/relationships" xmlns:p="http://schemas.openxmlformats.org/presentationml/2006/main">
+  <p:cSld>
+    <p:spTree>
+      <p:nvGrpSpPr>
+        <p:cNvPr id="1" name=""/>
+        <p:cNvGrpSpPr/>
+        <p:nvPr/>
+      </p:nvGrpSpPr>
+      <p:grpSpPr>
+        <a:xfrm>
+          <a:off x="0" y="0"/>
+          <a:ext cx="0" cy="0"/>
+          <a:chOff x="0" y="0"/>
+          <a:chExt cx="0" cy="0"/>
+        </a:xfrm>
+      </p:grpSpPr>
+      <p:sp>
+        <p:nvSpPr>
+          <p:cNvPr id="4" name="Text Placeholder 3">
+            <a:extLst>
+              <a:ext uri="{FF2B5EF4-FFF2-40B4-BE49-F238E27FC236}">
+                <a16:creationId xmlns:a16="http://schemas.microsoft.com/office/drawing/2014/main" id="{D2EC153E-2667-44DF-BBB0-656B69453FC0}"/>
+              </a:ext>
+            </a:extLst>
+          </p:cNvPr>
+          <p:cNvSpPr>
+            <a:spLocks noGrp="1"/>
+          </p:cNvSpPr>
+          <p:nvPr>
+            <p:ph type="body" sz="quarter" idx="10"/>
+          </p:nvPr>
+        </p:nvSpPr>
+        <p:spPr/>
+        <p:txBody>
+          <a:bodyPr/>
+          <a:lstStyle/>
+          <a:p>
+            <a:endParaRPr kumimoji="1" lang="ja-JP" altLang="en-US"/>
+          </a:p>
+        </p:txBody>
+      </p:sp>
+      <p:sp>
+        <p:nvSpPr>
+          <p:cNvPr id="3" name="Title 2">
+            <a:extLst>
+              <a:ext uri="{FF2B5EF4-FFF2-40B4-BE49-F238E27FC236}">
+                <a16:creationId xmlns:a16="http://schemas.microsoft.com/office/drawing/2014/main" id="{601A029F-2E18-4516-9A1A-9FC0ABC534A1}"/>
+              </a:ext>
+            </a:extLst>
+          </p:cNvPr>
+          <p:cNvSpPr>
+            <a:spLocks noGrp="1"/>
+          </p:cNvSpPr>
+          <p:nvPr>
+            <p:ph type="title"/>
+          </p:nvPr>
+        </p:nvSpPr>
+        <p:spPr/>
+        <p:txBody>
+          <a:bodyPr/>
+          <a:lstStyle/>
+          <a:p>
+            <a:r>
+              <a:rPr kumimoji="1" lang="ja-JP" altLang="en-US" dirty="0"/>
+              <a:t>ペン対応</a:t>
+            </a:r>
+          </a:p>
+        </p:txBody>
+      </p:sp>
+    </p:spTree>
+    <p:extLst>
+      <p:ext uri="{BB962C8B-B14F-4D97-AF65-F5344CB8AC3E}">
+        <p14:creationId xmlns:p14="http://schemas.microsoft.com/office/powerpoint/2010/main" val="1530257149"/>
+      </p:ext>
+    </p:extLst>
+  </p:cSld>
+  <p:clrMapOvr>
+    <a:masterClrMapping/>
+  </p:clrMapOvr>
+  <p:transition>
+    <p:fade/>
+  </p:transition>
+</p:sld>
+</file>
+
+<file path=ppt/slides/slide23.xml><?xml version="1.0" encoding="utf-8"?>
+<p:sld xmlns:a="http://schemas.openxmlformats.org/drawingml/2006/main" xmlns:r="http://schemas.openxmlformats.org/officeDocument/2006/relationships" xmlns:p="http://schemas.openxmlformats.org/presentationml/2006/main">
+  <p:cSld>
+    <p:spTree>
+      <p:nvGrpSpPr>
+        <p:cNvPr id="1" name=""/>
+        <p:cNvGrpSpPr/>
+        <p:nvPr/>
+      </p:nvGrpSpPr>
+      <p:grpSpPr>
+        <a:xfrm>
+          <a:off x="0" y="0"/>
+          <a:ext cx="0" cy="0"/>
+          <a:chOff x="0" y="0"/>
+          <a:chExt cx="0" cy="0"/>
+        </a:xfrm>
+      </p:grpSpPr>
+      <p:sp>
+        <p:nvSpPr>
+          <p:cNvPr id="2" name="Text Placeholder 1">
+            <a:extLst>
+              <a:ext uri="{FF2B5EF4-FFF2-40B4-BE49-F238E27FC236}">
+                <a16:creationId xmlns:a16="http://schemas.microsoft.com/office/drawing/2014/main" id="{7BD556DE-EAB4-4118-9BB3-8D7DF5E0E500}"/>
+              </a:ext>
+            </a:extLst>
+          </p:cNvPr>
+          <p:cNvSpPr>
+            <a:spLocks noGrp="1"/>
+          </p:cNvSpPr>
+          <p:nvPr>
+            <p:ph type="body" sz="quarter" idx="10"/>
+          </p:nvPr>
+        </p:nvSpPr>
+        <p:spPr/>
+        <p:txBody>
+          <a:bodyPr/>
+          <a:lstStyle/>
+          <a:p>
+            <a:endParaRPr kumimoji="1" lang="ja-JP" altLang="en-US"/>
+          </a:p>
+        </p:txBody>
+      </p:sp>
+      <p:sp>
+        <p:nvSpPr>
+          <p:cNvPr id="3" name="Title 2">
+            <a:extLst>
+              <a:ext uri="{FF2B5EF4-FFF2-40B4-BE49-F238E27FC236}">
+                <a16:creationId xmlns:a16="http://schemas.microsoft.com/office/drawing/2014/main" id="{FE1EBF74-3782-4BBD-9DC4-1D1A50289506}"/>
+              </a:ext>
+            </a:extLst>
+          </p:cNvPr>
+          <p:cNvSpPr>
+            <a:spLocks noGrp="1"/>
+          </p:cNvSpPr>
+          <p:nvPr>
+            <p:ph type="title"/>
+          </p:nvPr>
+        </p:nvSpPr>
+        <p:spPr/>
+        <p:txBody>
+          <a:bodyPr/>
+          <a:lstStyle/>
+          <a:p>
+            <a:r>
+              <a:rPr lang="ja-JP" altLang="en-US" dirty="0"/>
+              <a:t>バリデーション（</a:t>
+            </a:r>
+            <a:r>
+              <a:rPr lang="en-US" altLang="ja-JP" dirty="0"/>
+              <a:t>April 2018 Update</a:t>
+            </a:r>
+            <a:r>
+              <a:rPr lang="ja-JP" altLang="en-US" dirty="0"/>
+              <a:t>）</a:t>
+            </a:r>
+            <a:endParaRPr kumimoji="1" lang="ja-JP" altLang="en-US" dirty="0"/>
+          </a:p>
+        </p:txBody>
+      </p:sp>
+    </p:spTree>
+    <p:extLst>
+      <p:ext uri="{BB962C8B-B14F-4D97-AF65-F5344CB8AC3E}">
+        <p14:creationId xmlns:p14="http://schemas.microsoft.com/office/powerpoint/2010/main" val="3349597761"/>
+      </p:ext>
+    </p:extLst>
+  </p:cSld>
+  <p:clrMapOvr>
+    <a:masterClrMapping/>
+  </p:clrMapOvr>
+  <p:transition>
+    <p:fade/>
+  </p:transition>
+</p:sld>
+</file>
+
+<file path=ppt/slides/slide24.xml><?xml version="1.0" encoding="utf-8"?>
+<p:sld xmlns:a="http://schemas.openxmlformats.org/drawingml/2006/main" xmlns:r="http://schemas.openxmlformats.org/officeDocument/2006/relationships" xmlns:p="http://schemas.openxmlformats.org/presentationml/2006/main">
+  <p:cSld>
+    <p:spTree>
+      <p:nvGrpSpPr>
+        <p:cNvPr id="1" name=""/>
+        <p:cNvGrpSpPr/>
+        <p:nvPr/>
+      </p:nvGrpSpPr>
+      <p:grpSpPr>
+        <a:xfrm>
+          <a:off x="0" y="0"/>
+          <a:ext cx="0" cy="0"/>
+          <a:chOff x="0" y="0"/>
+          <a:chExt cx="0" cy="0"/>
+        </a:xfrm>
+      </p:grpSpPr>
+      <p:sp>
+        <p:nvSpPr>
+          <p:cNvPr id="2" name="Text Placeholder 1">
+            <a:extLst>
+              <a:ext uri="{FF2B5EF4-FFF2-40B4-BE49-F238E27FC236}">
+                <a16:creationId xmlns:a16="http://schemas.microsoft.com/office/drawing/2014/main" id="{E62162AF-960F-41D9-8E9F-FAD1CC40EE2A}"/>
+              </a:ext>
+            </a:extLst>
+          </p:cNvPr>
+          <p:cNvSpPr>
+            <a:spLocks noGrp="1"/>
+          </p:cNvSpPr>
+          <p:nvPr>
+            <p:ph type="body" sz="quarter" idx="10"/>
+          </p:nvPr>
+        </p:nvSpPr>
+        <p:spPr/>
+        <p:txBody>
+          <a:bodyPr/>
+          <a:lstStyle/>
+          <a:p>
+            <a:endParaRPr kumimoji="1" lang="ja-JP" altLang="en-US"/>
+          </a:p>
+        </p:txBody>
+      </p:sp>
+      <p:sp>
+        <p:nvSpPr>
+          <p:cNvPr id="3" name="Title 2">
+            <a:extLst>
+              <a:ext uri="{FF2B5EF4-FFF2-40B4-BE49-F238E27FC236}">
+                <a16:creationId xmlns:a16="http://schemas.microsoft.com/office/drawing/2014/main" id="{F06E1CB0-B0FE-4B6D-AB25-286558D7F3EC}"/>
+              </a:ext>
+            </a:extLst>
+          </p:cNvPr>
+          <p:cNvSpPr>
+            <a:spLocks noGrp="1"/>
+          </p:cNvSpPr>
+          <p:nvPr>
+            <p:ph type="title"/>
+          </p:nvPr>
+        </p:nvSpPr>
+        <p:spPr/>
+        <p:txBody>
+          <a:bodyPr/>
+          <a:lstStyle/>
+          <a:p>
+            <a:r>
+              <a:rPr kumimoji="1" lang="ja-JP" altLang="en-US" dirty="0"/>
+              <a:t>タイムライン</a:t>
+            </a:r>
+          </a:p>
+        </p:txBody>
+      </p:sp>
+    </p:spTree>
+    <p:extLst>
+      <p:ext uri="{BB962C8B-B14F-4D97-AF65-F5344CB8AC3E}">
+        <p14:creationId xmlns:p14="http://schemas.microsoft.com/office/powerpoint/2010/main" val="4025702899"/>
+      </p:ext>
+    </p:extLst>
+  </p:cSld>
+  <p:clrMapOvr>
+    <a:masterClrMapping/>
+  </p:clrMapOvr>
+  <p:transition>
+    <p:fade/>
+  </p:transition>
+</p:sld>
+</file>
+
+<file path=ppt/slides/slide25.xml><?xml version="1.0" encoding="utf-8"?>
+<p:sld xmlns:a="http://schemas.openxmlformats.org/drawingml/2006/main" xmlns:r="http://schemas.openxmlformats.org/officeDocument/2006/relationships" xmlns:p="http://schemas.openxmlformats.org/presentationml/2006/main">
+  <p:cSld>
+    <p:spTree>
+      <p:nvGrpSpPr>
+        <p:cNvPr id="1" name=""/>
+        <p:cNvGrpSpPr/>
+        <p:nvPr/>
+      </p:nvGrpSpPr>
+      <p:grpSpPr>
+        <a:xfrm>
+          <a:off x="0" y="0"/>
+          <a:ext cx="0" cy="0"/>
+          <a:chOff x="0" y="0"/>
+          <a:chExt cx="0" cy="0"/>
+        </a:xfrm>
+      </p:grpSpPr>
+      <p:sp>
+        <p:nvSpPr>
+          <p:cNvPr id="2" name="Text Placeholder 1">
+            <a:extLst>
+              <a:ext uri="{FF2B5EF4-FFF2-40B4-BE49-F238E27FC236}">
+                <a16:creationId xmlns:a16="http://schemas.microsoft.com/office/drawing/2014/main" id="{E0197E36-A90F-49FB-B817-67965C6A0A6B}"/>
+              </a:ext>
+            </a:extLst>
+          </p:cNvPr>
+          <p:cNvSpPr>
+            <a:spLocks noGrp="1"/>
+          </p:cNvSpPr>
+          <p:nvPr>
+            <p:ph type="body" sz="quarter" idx="10"/>
+          </p:nvPr>
+        </p:nvSpPr>
+        <p:spPr/>
+        <p:txBody>
+          <a:bodyPr/>
+          <a:lstStyle/>
+          <a:p>
+            <a:endParaRPr kumimoji="1" lang="ja-JP" altLang="en-US"/>
+          </a:p>
+        </p:txBody>
+      </p:sp>
+      <p:sp>
+        <p:nvSpPr>
+          <p:cNvPr id="3" name="Title 2">
+            <a:extLst>
+              <a:ext uri="{FF2B5EF4-FFF2-40B4-BE49-F238E27FC236}">
+                <a16:creationId xmlns:a16="http://schemas.microsoft.com/office/drawing/2014/main" id="{30627DFF-679F-4D48-8F72-446FB5D2641A}"/>
+              </a:ext>
+            </a:extLst>
+          </p:cNvPr>
+          <p:cNvSpPr>
+            <a:spLocks noGrp="1"/>
+          </p:cNvSpPr>
+          <p:nvPr>
+            <p:ph type="title"/>
+          </p:nvPr>
+        </p:nvSpPr>
+        <p:spPr/>
+        <p:txBody>
+          <a:bodyPr/>
+          <a:lstStyle/>
+          <a:p>
+            <a:r>
+              <a:rPr kumimoji="1" lang="en-US" altLang="ja-JP" dirty="0"/>
+              <a:t>Project Rome</a:t>
+            </a:r>
+            <a:endParaRPr kumimoji="1" lang="ja-JP" altLang="en-US" dirty="0"/>
+          </a:p>
+        </p:txBody>
+      </p:sp>
+    </p:spTree>
+    <p:extLst>
+      <p:ext uri="{BB962C8B-B14F-4D97-AF65-F5344CB8AC3E}">
+        <p14:creationId xmlns:p14="http://schemas.microsoft.com/office/powerpoint/2010/main" val="2095607804"/>
+      </p:ext>
+    </p:extLst>
+  </p:cSld>
+  <p:clrMapOvr>
+    <a:masterClrMapping/>
+  </p:clrMapOvr>
+  <p:transition>
+    <p:fade/>
+  </p:transition>
+</p:sld>
+</file>
+
+<file path=ppt/slides/slide26.xml><?xml version="1.0" encoding="utf-8"?>
+<p:sld xmlns:a="http://schemas.openxmlformats.org/drawingml/2006/main" xmlns:r="http://schemas.openxmlformats.org/officeDocument/2006/relationships" xmlns:p="http://schemas.openxmlformats.org/presentationml/2006/main">
+  <p:cSld>
+    <p:spTree>
+      <p:nvGrpSpPr>
+        <p:cNvPr id="1" name=""/>
+        <p:cNvGrpSpPr/>
+        <p:nvPr/>
+      </p:nvGrpSpPr>
+      <p:grpSpPr>
+        <a:xfrm>
+          <a:off x="0" y="0"/>
+          <a:ext cx="0" cy="0"/>
+          <a:chOff x="0" y="0"/>
+          <a:chExt cx="0" cy="0"/>
+        </a:xfrm>
+      </p:grpSpPr>
+      <p:sp>
+        <p:nvSpPr>
+          <p:cNvPr id="2" name="Title 1">
+            <a:extLst>
+              <a:ext uri="{FF2B5EF4-FFF2-40B4-BE49-F238E27FC236}">
+                <a16:creationId xmlns:a16="http://schemas.microsoft.com/office/drawing/2014/main" id="{DC133FB4-11A5-4D34-96BA-6ABA56E8473C}"/>
+              </a:ext>
+            </a:extLst>
+          </p:cNvPr>
+          <p:cNvSpPr>
+            <a:spLocks noGrp="1"/>
+          </p:cNvSpPr>
+          <p:nvPr>
+            <p:ph type="title"/>
+          </p:nvPr>
+        </p:nvSpPr>
+        <p:spPr/>
+        <p:txBody>
+          <a:bodyPr/>
+          <a:lstStyle/>
+          <a:p>
+            <a:r>
+              <a:rPr kumimoji="1" lang="ja-JP" altLang="en-US" dirty="0"/>
+              <a:t>配布</a:t>
+            </a:r>
+          </a:p>
+        </p:txBody>
+      </p:sp>
+    </p:spTree>
+    <p:extLst>
+      <p:ext uri="{BB962C8B-B14F-4D97-AF65-F5344CB8AC3E}">
+        <p14:creationId xmlns:p14="http://schemas.microsoft.com/office/powerpoint/2010/main" val="3944497453"/>
+      </p:ext>
+    </p:extLst>
+  </p:cSld>
+  <p:clrMapOvr>
+    <a:masterClrMapping/>
+  </p:clrMapOvr>
+  <p:transition>
+    <p:fade/>
+  </p:transition>
+</p:sld>
+</file>
+
+<file path=ppt/slides/slide27.xml><?xml version="1.0" encoding="utf-8"?>
+<p:sld xmlns:a="http://schemas.openxmlformats.org/drawingml/2006/main" xmlns:r="http://schemas.openxmlformats.org/officeDocument/2006/relationships" xmlns:p="http://schemas.openxmlformats.org/presentationml/2006/main">
+  <p:cSld>
+    <p:spTree>
+      <p:nvGrpSpPr>
+        <p:cNvPr id="1" name=""/>
+        <p:cNvGrpSpPr/>
+        <p:nvPr/>
+      </p:nvGrpSpPr>
+      <p:grpSpPr>
+        <a:xfrm>
+          <a:off x="0" y="0"/>
+          <a:ext cx="0" cy="0"/>
+          <a:chOff x="0" y="0"/>
+          <a:chExt cx="0" cy="0"/>
+        </a:xfrm>
+      </p:grpSpPr>
+      <p:sp>
+        <p:nvSpPr>
+          <p:cNvPr id="4" name="Text Placeholder 3">
+            <a:extLst>
+              <a:ext uri="{FF2B5EF4-FFF2-40B4-BE49-F238E27FC236}">
+                <a16:creationId xmlns:a16="http://schemas.microsoft.com/office/drawing/2014/main" id="{8C3C6EA8-3246-483D-AF3E-F458E1B07EA5}"/>
+              </a:ext>
+            </a:extLst>
+          </p:cNvPr>
+          <p:cNvSpPr>
+            <a:spLocks noGrp="1"/>
+          </p:cNvSpPr>
+          <p:nvPr>
+            <p:ph type="body" sz="quarter" idx="10"/>
+          </p:nvPr>
+        </p:nvSpPr>
+        <p:spPr>
+          <a:xfrm>
+            <a:off x="274638" y="1212850"/>
+            <a:ext cx="11887200" cy="800219"/>
+          </a:xfrm>
+        </p:spPr>
+        <p:txBody>
+          <a:bodyPr/>
+          <a:lstStyle/>
+          <a:p>
+            <a:r>
+              <a:rPr kumimoji="1" lang="en-US" altLang="ja-JP" dirty="0"/>
+              <a:t>Microsoft </a:t>
+            </a:r>
+            <a:r>
+              <a:rPr kumimoji="1" lang="ja-JP" altLang="en-US" dirty="0"/>
+              <a:t>ストアを使用した配布</a:t>
+            </a:r>
+          </a:p>
+        </p:txBody>
+      </p:sp>
+      <p:sp>
+        <p:nvSpPr>
+          <p:cNvPr id="3" name="Title 2">
+            <a:extLst>
+              <a:ext uri="{FF2B5EF4-FFF2-40B4-BE49-F238E27FC236}">
+                <a16:creationId xmlns:a16="http://schemas.microsoft.com/office/drawing/2014/main" id="{042AB568-8FF7-44E6-88FD-16630A96D58D}"/>
+              </a:ext>
+            </a:extLst>
+          </p:cNvPr>
+          <p:cNvSpPr>
+            <a:spLocks noGrp="1"/>
+          </p:cNvSpPr>
+          <p:nvPr>
+            <p:ph type="title"/>
+          </p:nvPr>
+        </p:nvSpPr>
+        <p:spPr/>
+        <p:txBody>
+          <a:bodyPr/>
+          <a:lstStyle/>
+          <a:p>
+            <a:r>
+              <a:rPr kumimoji="1" lang="ja-JP" altLang="en-US" dirty="0"/>
+              <a:t>一般ユーザーへの配布</a:t>
+            </a:r>
+          </a:p>
+        </p:txBody>
+      </p:sp>
+      <p:graphicFrame>
+        <p:nvGraphicFramePr>
+          <p:cNvPr id="5" name="Diagram 4">
+            <a:extLst>
+              <a:ext uri="{FF2B5EF4-FFF2-40B4-BE49-F238E27FC236}">
+                <a16:creationId xmlns:a16="http://schemas.microsoft.com/office/drawing/2014/main" id="{958784C7-6EC3-4494-9DD3-2057A506DAB4}"/>
+              </a:ext>
+            </a:extLst>
+          </p:cNvPr>
+          <p:cNvGraphicFramePr/>
+          <p:nvPr>
+            <p:extLst>
+              <p:ext uri="{D42A27DB-BD31-4B8C-83A1-F6EECF244321}">
+                <p14:modId xmlns:p14="http://schemas.microsoft.com/office/powerpoint/2010/main" val="516464027"/>
+              </p:ext>
+            </p:extLst>
+          </p:nvPr>
+        </p:nvGraphicFramePr>
+        <p:xfrm>
+          <a:off x="274637" y="1335186"/>
+          <a:ext cx="11944336" cy="4661012"/>
+        </p:xfrm>
+        <a:graphic>
+          <a:graphicData uri="http://schemas.openxmlformats.org/drawingml/2006/diagram">
+            <dgm:relIds xmlns:dgm="http://schemas.openxmlformats.org/drawingml/2006/diagram" xmlns:r="http://schemas.openxmlformats.org/officeDocument/2006/relationships" r:dm="rId2" r:lo="rId3" r:qs="rId4" r:cs="rId5"/>
+          </a:graphicData>
+        </a:graphic>
+      </p:graphicFrame>
+      <p:sp>
+        <p:nvSpPr>
+          <p:cNvPr id="6" name="TextBox 5">
+            <a:extLst>
+              <a:ext uri="{FF2B5EF4-FFF2-40B4-BE49-F238E27FC236}">
+                <a16:creationId xmlns:a16="http://schemas.microsoft.com/office/drawing/2014/main" id="{66B70D8C-06D9-459D-9E16-D1823FE9F373}"/>
+              </a:ext>
+            </a:extLst>
+          </p:cNvPr>
+          <p:cNvSpPr txBox="1"/>
+          <p:nvPr/>
+        </p:nvSpPr>
+        <p:spPr>
+          <a:xfrm flipH="1">
+            <a:off x="112794" y="5996198"/>
+            <a:ext cx="9484360" cy="849463"/>
+          </a:xfrm>
+          <a:prstGeom prst="rect">
+            <a:avLst/>
+          </a:prstGeom>
+          <a:noFill/>
+        </p:spPr>
+        <p:txBody>
+          <a:bodyPr wrap="square" lIns="182880" tIns="146304" rIns="182880" bIns="146304" rtlCol="0">
+            <a:spAutoFit/>
+          </a:bodyPr>
+          <a:lstStyle/>
+          <a:p>
+            <a:pPr>
+              <a:lnSpc>
+                <a:spcPct val="90000"/>
+              </a:lnSpc>
+              <a:spcAft>
+                <a:spcPts val="600"/>
+              </a:spcAft>
+            </a:pPr>
+            <a:r>
+              <a:rPr kumimoji="1" lang="en-US" altLang="ja-JP" sz="2000" dirty="0">
+                <a:gradFill>
+                  <a:gsLst>
+                    <a:gs pos="2917">
+                      <a:schemeClr val="tx1"/>
+                    </a:gs>
+                    <a:gs pos="30000">
+                      <a:schemeClr val="tx1"/>
+                    </a:gs>
+                  </a:gsLst>
+                  <a:lin ang="5400000" scaled="0"/>
+                </a:gradFill>
+              </a:rPr>
+              <a:t>Microsoft Store </a:t>
+            </a:r>
+            <a:r>
+              <a:rPr kumimoji="1" lang="ja-JP" altLang="en-US" sz="2000" dirty="0">
+                <a:gradFill>
+                  <a:gsLst>
+                    <a:gs pos="2917">
+                      <a:schemeClr val="tx1"/>
+                    </a:gs>
+                    <a:gs pos="30000">
+                      <a:schemeClr val="tx1"/>
+                    </a:gs>
+                  </a:gsLst>
+                  <a:lin ang="5400000" scaled="0"/>
+                </a:gradFill>
+              </a:rPr>
+              <a:t>ポリシーへの対応が必須</a:t>
+            </a:r>
+            <a:br>
+              <a:rPr kumimoji="1" lang="en-US" altLang="ja-JP" sz="2000" dirty="0">
+                <a:gradFill>
+                  <a:gsLst>
+                    <a:gs pos="2917">
+                      <a:schemeClr val="tx1"/>
+                    </a:gs>
+                    <a:gs pos="30000">
+                      <a:schemeClr val="tx1"/>
+                    </a:gs>
+                  </a:gsLst>
+                  <a:lin ang="5400000" scaled="0"/>
+                </a:gradFill>
+              </a:rPr>
+            </a:br>
+            <a:r>
+              <a:rPr kumimoji="1" lang="en-US" altLang="ja-JP" sz="2000" dirty="0">
+                <a:gradFill>
+                  <a:gsLst>
+                    <a:gs pos="2917">
+                      <a:schemeClr val="tx1"/>
+                    </a:gs>
+                    <a:gs pos="30000">
+                      <a:schemeClr val="tx1"/>
+                    </a:gs>
+                  </a:gsLst>
+                  <a:lin ang="5400000" scaled="0"/>
+                </a:gradFill>
+              </a:rPr>
+              <a:t>https://docs.microsoft.com/ja-jp/legal/windows/agreements/store-policies</a:t>
+            </a:r>
+            <a:endParaRPr kumimoji="1" lang="ja-JP" altLang="en-US" sz="2000" dirty="0">
+              <a:gradFill>
+                <a:gsLst>
+                  <a:gs pos="2917">
+                    <a:schemeClr val="tx1"/>
+                  </a:gs>
+                  <a:gs pos="30000">
+                    <a:schemeClr val="tx1"/>
+                  </a:gs>
+                </a:gsLst>
+                <a:lin ang="5400000" scaled="0"/>
+              </a:gradFill>
+            </a:endParaRPr>
+          </a:p>
+        </p:txBody>
+      </p:sp>
+    </p:spTree>
+    <p:extLst>
+      <p:ext uri="{BB962C8B-B14F-4D97-AF65-F5344CB8AC3E}">
+        <p14:creationId xmlns:p14="http://schemas.microsoft.com/office/powerpoint/2010/main" val="2752076762"/>
+      </p:ext>
+    </p:extLst>
+  </p:cSld>
+  <p:clrMapOvr>
+    <a:masterClrMapping/>
+  </p:clrMapOvr>
+  <mc:AlternateContent xmlns:mc="http://schemas.openxmlformats.org/markup-compatibility/2006" xmlns:p14="http://schemas.microsoft.com/office/powerpoint/2010/main">
+    <mc:Choice Requires="p14">
+      <p:transition p14:dur="0"/>
+    </mc:Choice>
+    <mc:Fallback xmlns="">
+      <p:transition/>
+    </mc:Fallback>
+  </mc:AlternateContent>
+</p:sld>
+</file>
+
+<file path=ppt/slides/slide28.xml><?xml version="1.0" encoding="utf-8"?>
+<p:sld xmlns:a="http://schemas.openxmlformats.org/drawingml/2006/main" xmlns:r="http://schemas.openxmlformats.org/officeDocument/2006/relationships" xmlns:p="http://schemas.openxmlformats.org/presentationml/2006/main">
+  <p:cSld>
+    <p:spTree>
+      <p:nvGrpSpPr>
+        <p:cNvPr id="1" name=""/>
+        <p:cNvGrpSpPr/>
+        <p:nvPr/>
+      </p:nvGrpSpPr>
+      <p:grpSpPr>
+        <a:xfrm>
+          <a:off x="0" y="0"/>
+          <a:ext cx="0" cy="0"/>
+          <a:chOff x="0" y="0"/>
+          <a:chExt cx="0" cy="0"/>
+        </a:xfrm>
+      </p:grpSpPr>
+      <p:sp>
+        <p:nvSpPr>
+          <p:cNvPr id="2" name="Text Placeholder 1">
+            <a:extLst>
+              <a:ext uri="{FF2B5EF4-FFF2-40B4-BE49-F238E27FC236}">
+                <a16:creationId xmlns:a16="http://schemas.microsoft.com/office/drawing/2014/main" id="{5C0E55FD-2ED1-4722-931D-1CB39AAB3FB7}"/>
+              </a:ext>
+            </a:extLst>
+          </p:cNvPr>
+          <p:cNvSpPr>
+            <a:spLocks noGrp="1"/>
+          </p:cNvSpPr>
+          <p:nvPr>
+            <p:ph type="body" sz="quarter" idx="10"/>
+          </p:nvPr>
+        </p:nvSpPr>
+        <p:spPr>
+          <a:xfrm>
+            <a:off x="274638" y="1212850"/>
+            <a:ext cx="11887200" cy="2185214"/>
+          </a:xfrm>
+        </p:spPr>
+        <p:txBody>
+          <a:bodyPr/>
+          <a:lstStyle/>
+          <a:p>
+            <a:pPr marL="0" indent="0">
+              <a:buNone/>
+            </a:pPr>
+            <a:r>
+              <a:rPr kumimoji="1" lang="ja-JP" altLang="en-US" dirty="0"/>
+              <a:t>企業向けのプライベートストア</a:t>
+            </a:r>
+            <a:endParaRPr kumimoji="1" lang="en-US" altLang="ja-JP" dirty="0"/>
+          </a:p>
+          <a:p>
+            <a:r>
+              <a:rPr kumimoji="1" lang="ja-JP" altLang="en-US" dirty="0"/>
+              <a:t>特定従業員のみにアプリを割り当てることが可能</a:t>
+            </a:r>
+            <a:endParaRPr kumimoji="1" lang="en-US" altLang="ja-JP" dirty="0"/>
+          </a:p>
+          <a:p>
+            <a:r>
+              <a:rPr kumimoji="1" lang="ja-JP" altLang="en-US" dirty="0"/>
+              <a:t>特定の開発者に業務アプリ開発依頼が可能</a:t>
+            </a:r>
+          </a:p>
+        </p:txBody>
+      </p:sp>
+      <p:sp>
+        <p:nvSpPr>
+          <p:cNvPr id="3" name="Title 2">
+            <a:extLst>
+              <a:ext uri="{FF2B5EF4-FFF2-40B4-BE49-F238E27FC236}">
+                <a16:creationId xmlns:a16="http://schemas.microsoft.com/office/drawing/2014/main" id="{F31B6D5A-66B3-41E5-BF10-82683A4F3113}"/>
+              </a:ext>
+            </a:extLst>
+          </p:cNvPr>
+          <p:cNvSpPr>
+            <a:spLocks noGrp="1"/>
+          </p:cNvSpPr>
+          <p:nvPr>
+            <p:ph type="title"/>
+          </p:nvPr>
+        </p:nvSpPr>
+        <p:spPr/>
+        <p:txBody>
+          <a:bodyPr/>
+          <a:lstStyle/>
+          <a:p>
+            <a:r>
+              <a:rPr kumimoji="1" lang="ja-JP" altLang="en-US" dirty="0"/>
+              <a:t>ビジネスストアを使用した企業内配布</a:t>
+            </a:r>
+          </a:p>
+        </p:txBody>
+      </p:sp>
+      <p:sp>
+        <p:nvSpPr>
+          <p:cNvPr id="4" name="Rectangle 3">
+            <a:extLst>
+              <a:ext uri="{FF2B5EF4-FFF2-40B4-BE49-F238E27FC236}">
+                <a16:creationId xmlns:a16="http://schemas.microsoft.com/office/drawing/2014/main" id="{1737929A-A704-4FA1-B99D-1662A9DC2376}"/>
+              </a:ext>
+            </a:extLst>
+          </p:cNvPr>
+          <p:cNvSpPr/>
+          <p:nvPr/>
+        </p:nvSpPr>
+        <p:spPr bwMode="auto">
+          <a:xfrm>
+            <a:off x="272274" y="3641416"/>
+            <a:ext cx="11889564" cy="2694648"/>
+          </a:xfrm>
+          <a:prstGeom prst="rect">
+            <a:avLst/>
+          </a:prstGeom>
+          <a:solidFill>
+            <a:schemeClr val="accent1"/>
+          </a:solidFill>
+          <a:ln>
+            <a:noFill/>
+            <a:headEnd type="none" w="med" len="med"/>
+            <a:tailEnd type="none" w="med" len="med"/>
+          </a:ln>
+          <a:effectLst/>
+        </p:spPr>
+        <p:style>
+          <a:lnRef idx="1">
+            <a:schemeClr val="accent2"/>
+          </a:lnRef>
+          <a:fillRef idx="3">
+            <a:schemeClr val="accent2"/>
+          </a:fillRef>
+          <a:effectRef idx="2">
+            <a:schemeClr val="accent2"/>
+          </a:effectRef>
+          <a:fontRef idx="minor">
+            <a:schemeClr val="lt1"/>
+          </a:fontRef>
+        </p:style>
+        <p:txBody>
+          <a:bodyPr rot="0" spcFirstLastPara="0" vertOverflow="overflow" horzOverflow="overflow" vert="horz" wrap="square" lIns="182880" tIns="146304" rIns="182880" bIns="146304" numCol="1" spcCol="0" rtlCol="0" fromWordArt="0" anchor="ctr" anchorCtr="0" forceAA="0" compatLnSpc="1">
+            <a:prstTxWarp prst="textNoShape">
+              <a:avLst/>
+            </a:prstTxWarp>
+            <a:noAutofit/>
+          </a:bodyPr>
+          <a:lstStyle/>
+          <a:p>
+            <a:pPr algn="ctr" defTabSz="932472" fontAlgn="base">
+              <a:lnSpc>
+                <a:spcPct val="90000"/>
+              </a:lnSpc>
+              <a:spcBef>
+                <a:spcPct val="0"/>
+              </a:spcBef>
+              <a:spcAft>
+                <a:spcPct val="0"/>
+              </a:spcAft>
+            </a:pPr>
+            <a:r>
+              <a:rPr kumimoji="1" lang="en-US" altLang="ja-JP" sz="3600" dirty="0">
+                <a:gradFill>
+                  <a:gsLst>
+                    <a:gs pos="0">
+                      <a:srgbClr val="FFFFFF"/>
+                    </a:gs>
+                    <a:gs pos="100000">
+                      <a:srgbClr val="FFFFFF"/>
+                    </a:gs>
+                  </a:gsLst>
+                  <a:lin ang="5400000" scaled="0"/>
+                </a:gradFill>
+                <a:ea typeface="Segoe UI" pitchFamily="34" charset="0"/>
+                <a:cs typeface="Segoe UI" pitchFamily="34" charset="0"/>
+              </a:rPr>
+              <a:t>Microsoft Store </a:t>
+            </a:r>
+            <a:r>
+              <a:rPr kumimoji="1" lang="ja-JP" altLang="en-US" sz="3600" dirty="0">
+                <a:gradFill>
+                  <a:gsLst>
+                    <a:gs pos="0">
+                      <a:srgbClr val="FFFFFF"/>
+                    </a:gs>
+                    <a:gs pos="100000">
+                      <a:srgbClr val="FFFFFF"/>
+                    </a:gs>
+                  </a:gsLst>
+                  <a:lin ang="5400000" scaled="0"/>
+                </a:gradFill>
+                <a:ea typeface="Segoe UI" pitchFamily="34" charset="0"/>
+                <a:cs typeface="Segoe UI" pitchFamily="34" charset="0"/>
+              </a:rPr>
+              <a:t>ポリシーへの準拠は必須</a:t>
+            </a:r>
+            <a:endParaRPr kumimoji="1" lang="en-US" altLang="ja-JP" sz="3600" dirty="0">
+              <a:gradFill>
+                <a:gsLst>
+                  <a:gs pos="0">
+                    <a:srgbClr val="FFFFFF"/>
+                  </a:gs>
+                  <a:gs pos="100000">
+                    <a:srgbClr val="FFFFFF"/>
+                  </a:gs>
+                </a:gsLst>
+                <a:lin ang="5400000" scaled="0"/>
+              </a:gradFill>
+              <a:ea typeface="Segoe UI" pitchFamily="34" charset="0"/>
+              <a:cs typeface="Segoe UI" pitchFamily="34" charset="0"/>
+            </a:endParaRPr>
+          </a:p>
+          <a:p>
+            <a:pPr algn="ctr" defTabSz="932472" fontAlgn="base">
+              <a:lnSpc>
+                <a:spcPct val="90000"/>
+              </a:lnSpc>
+              <a:spcBef>
+                <a:spcPct val="0"/>
+              </a:spcBef>
+              <a:spcAft>
+                <a:spcPct val="0"/>
+              </a:spcAft>
+            </a:pPr>
+            <a:r>
+              <a:rPr kumimoji="1" lang="ja-JP" altLang="en-US" sz="3600" dirty="0">
+                <a:gradFill>
+                  <a:gsLst>
+                    <a:gs pos="0">
+                      <a:srgbClr val="FFFFFF"/>
+                    </a:gs>
+                    <a:gs pos="100000">
+                      <a:srgbClr val="FFFFFF"/>
+                    </a:gs>
+                  </a:gsLst>
+                  <a:lin ang="5400000" scaled="0"/>
+                </a:gradFill>
+                <a:ea typeface="Segoe UI" pitchFamily="34" charset="0"/>
+                <a:cs typeface="Segoe UI" pitchFamily="34" charset="0"/>
+              </a:rPr>
+              <a:t>（テスターがテスト可能でなければならない）</a:t>
+            </a:r>
+            <a:endParaRPr kumimoji="1" lang="en-US" altLang="ja-JP" sz="3600" dirty="0">
+              <a:gradFill>
+                <a:gsLst>
+                  <a:gs pos="0">
+                    <a:srgbClr val="FFFFFF"/>
+                  </a:gs>
+                  <a:gs pos="100000">
+                    <a:srgbClr val="FFFFFF"/>
+                  </a:gs>
+                </a:gsLst>
+                <a:lin ang="5400000" scaled="0"/>
+              </a:gradFill>
+              <a:ea typeface="Segoe UI" pitchFamily="34" charset="0"/>
+              <a:cs typeface="Segoe UI" pitchFamily="34" charset="0"/>
+            </a:endParaRPr>
+          </a:p>
+        </p:txBody>
+      </p:sp>
+      <p:sp>
+        <p:nvSpPr>
+          <p:cNvPr id="5" name="Rectangle 4">
+            <a:extLst>
+              <a:ext uri="{FF2B5EF4-FFF2-40B4-BE49-F238E27FC236}">
+                <a16:creationId xmlns:a16="http://schemas.microsoft.com/office/drawing/2014/main" id="{3F07D4C8-87F9-4A67-8006-B479093FF80D}"/>
+              </a:ext>
+            </a:extLst>
+          </p:cNvPr>
+          <p:cNvSpPr/>
+          <p:nvPr/>
+        </p:nvSpPr>
+        <p:spPr>
+          <a:xfrm>
+            <a:off x="43031" y="6605688"/>
+            <a:ext cx="10096289" cy="307777"/>
+          </a:xfrm>
+          <a:prstGeom prst="rect">
+            <a:avLst/>
+          </a:prstGeom>
+        </p:spPr>
+        <p:txBody>
+          <a:bodyPr wrap="square">
+            <a:spAutoFit/>
+          </a:bodyPr>
+          <a:lstStyle/>
+          <a:p>
+            <a:r>
+              <a:rPr lang="ja-JP" altLang="en-US" sz="1400" dirty="0"/>
+              <a:t>参考：https://blogs.technet.microsoft.com/sbucci/2016/04/13/windows-store-for-business-and-line-of-business-applications/</a:t>
+            </a:r>
+          </a:p>
+        </p:txBody>
+      </p:sp>
+    </p:spTree>
+    <p:extLst>
+      <p:ext uri="{BB962C8B-B14F-4D97-AF65-F5344CB8AC3E}">
+        <p14:creationId xmlns:p14="http://schemas.microsoft.com/office/powerpoint/2010/main" val="1760663250"/>
+      </p:ext>
+    </p:extLst>
+  </p:cSld>
+  <p:clrMapOvr>
+    <a:masterClrMapping/>
+  </p:clrMapOvr>
+  <p:transition>
+    <p:fade/>
+  </p:transition>
+</p:sld>
+</file>
+
+<file path=ppt/slides/slide29.xml><?xml version="1.0" encoding="utf-8"?>
+<p:sld xmlns:a="http://schemas.openxmlformats.org/drawingml/2006/main" xmlns:r="http://schemas.openxmlformats.org/officeDocument/2006/relationships" xmlns:p="http://schemas.openxmlformats.org/presentationml/2006/main">
+  <p:cSld>
+    <p:spTree>
+      <p:nvGrpSpPr>
+        <p:cNvPr id="1" name=""/>
+        <p:cNvGrpSpPr/>
+        <p:nvPr/>
+      </p:nvGrpSpPr>
+      <p:grpSpPr>
+        <a:xfrm>
+          <a:off x="0" y="0"/>
+          <a:ext cx="0" cy="0"/>
+          <a:chOff x="0" y="0"/>
+          <a:chExt cx="0" cy="0"/>
+        </a:xfrm>
+      </p:grpSpPr>
+      <p:sp>
+        <p:nvSpPr>
+          <p:cNvPr id="2" name="Text Placeholder 1">
+            <a:extLst>
+              <a:ext uri="{FF2B5EF4-FFF2-40B4-BE49-F238E27FC236}">
+                <a16:creationId xmlns:a16="http://schemas.microsoft.com/office/drawing/2014/main" id="{00E527F9-1CBE-49AC-86E2-F02BB3E11624}"/>
+              </a:ext>
+            </a:extLst>
+          </p:cNvPr>
+          <p:cNvSpPr>
+            <a:spLocks noGrp="1"/>
+          </p:cNvSpPr>
+          <p:nvPr>
+            <p:ph type="body" sz="quarter" idx="10"/>
+          </p:nvPr>
+        </p:nvSpPr>
+        <p:spPr/>
+        <p:txBody>
+          <a:bodyPr/>
+          <a:lstStyle/>
+          <a:p>
+            <a:endParaRPr kumimoji="1" lang="ja-JP" altLang="en-US"/>
+          </a:p>
+        </p:txBody>
+      </p:sp>
+      <p:sp>
+        <p:nvSpPr>
+          <p:cNvPr id="3" name="Title 2">
+            <a:extLst>
+              <a:ext uri="{FF2B5EF4-FFF2-40B4-BE49-F238E27FC236}">
+                <a16:creationId xmlns:a16="http://schemas.microsoft.com/office/drawing/2014/main" id="{24A1A91B-C3F0-4B13-B210-89B25442FD1E}"/>
+              </a:ext>
+            </a:extLst>
+          </p:cNvPr>
+          <p:cNvSpPr>
+            <a:spLocks noGrp="1"/>
+          </p:cNvSpPr>
+          <p:nvPr>
+            <p:ph type="title"/>
+          </p:nvPr>
+        </p:nvSpPr>
+        <p:spPr/>
+        <p:txBody>
+          <a:bodyPr/>
+          <a:lstStyle/>
+          <a:p>
+            <a:r>
+              <a:rPr lang="ja-JP" altLang="en-US" dirty="0"/>
+              <a:t>サイドローディング</a:t>
+            </a:r>
+            <a:endParaRPr kumimoji="1" lang="ja-JP" altLang="en-US" dirty="0"/>
+          </a:p>
+        </p:txBody>
+      </p:sp>
+    </p:spTree>
+    <p:extLst>
+      <p:ext uri="{BB962C8B-B14F-4D97-AF65-F5344CB8AC3E}">
+        <p14:creationId xmlns:p14="http://schemas.microsoft.com/office/powerpoint/2010/main" val="4039473475"/>
       </p:ext>
     </p:extLst>
   </p:cSld>
@@ -8208,7 +15336,7 @@
         <p:spPr>
           <a:xfrm>
             <a:off x="274638" y="1212850"/>
-            <a:ext cx="11887200" cy="3570208"/>
+            <a:ext cx="11887200" cy="4262705"/>
           </a:xfrm>
         </p:spPr>
         <p:txBody>
@@ -8216,6 +15344,13 @@
           <a:lstStyle/>
           <a:p>
             <a:r>
+              <a:rPr lang="ja-JP" altLang="en-US" dirty="0"/>
+              <a:t>はじめに</a:t>
+            </a:r>
+            <a:endParaRPr kumimoji="1" lang="en-US" altLang="ja-JP" dirty="0"/>
+          </a:p>
+          <a:p>
+            <a:r>
               <a:rPr kumimoji="1" lang="en-US" altLang="ja-JP" dirty="0"/>
               <a:t>UWP </a:t>
             </a:r>
@@ -8234,17 +15369,17 @@
           </a:p>
           <a:p>
             <a:r>
+              <a:rPr lang="ja-JP" altLang="en-US" dirty="0"/>
+              <a:t>一押し機能</a:t>
+            </a:r>
+            <a:endParaRPr lang="en-US" altLang="ja-JP" dirty="0"/>
+          </a:p>
+          <a:p>
+            <a:r>
               <a:rPr kumimoji="1" lang="ja-JP" altLang="en-US" dirty="0"/>
               <a:t>配布</a:t>
             </a:r>
             <a:endParaRPr kumimoji="1" lang="en-US" altLang="ja-JP" dirty="0"/>
-          </a:p>
-          <a:p>
-            <a:r>
-              <a:rPr lang="ja-JP" altLang="en-US" dirty="0"/>
-              <a:t>一押し機能</a:t>
-            </a:r>
-            <a:endParaRPr lang="en-US" altLang="ja-JP" dirty="0"/>
           </a:p>
           <a:p>
             <a:r>
@@ -8298,134 +15433,7 @@
 </p:sld>
 </file>
 
-<file path=ppt/slides/slide4.xml><?xml version="1.0" encoding="utf-8"?>
-<p:sld xmlns:a="http://schemas.openxmlformats.org/drawingml/2006/main" xmlns:r="http://schemas.openxmlformats.org/officeDocument/2006/relationships" xmlns:p="http://schemas.openxmlformats.org/presentationml/2006/main">
-  <p:cSld>
-    <p:spTree>
-      <p:nvGrpSpPr>
-        <p:cNvPr id="1" name=""/>
-        <p:cNvGrpSpPr/>
-        <p:nvPr/>
-      </p:nvGrpSpPr>
-      <p:grpSpPr>
-        <a:xfrm>
-          <a:off x="0" y="0"/>
-          <a:ext cx="0" cy="0"/>
-          <a:chOff x="0" y="0"/>
-          <a:chExt cx="0" cy="0"/>
-        </a:xfrm>
-      </p:grpSpPr>
-      <p:sp>
-        <p:nvSpPr>
-          <p:cNvPr id="2" name="Title 1">
-            <a:extLst>
-              <a:ext uri="{FF2B5EF4-FFF2-40B4-BE49-F238E27FC236}">
-                <a16:creationId xmlns:a16="http://schemas.microsoft.com/office/drawing/2014/main" id="{A45049ED-7821-4235-83D5-727B811BCD3E}"/>
-              </a:ext>
-            </a:extLst>
-          </p:cNvPr>
-          <p:cNvSpPr>
-            <a:spLocks noGrp="1"/>
-          </p:cNvSpPr>
-          <p:nvPr>
-            <p:ph type="title"/>
-          </p:nvPr>
-        </p:nvSpPr>
-        <p:spPr/>
-        <p:txBody>
-          <a:bodyPr/>
-          <a:lstStyle/>
-          <a:p>
-            <a:r>
-              <a:rPr kumimoji="1" lang="en-US" altLang="ja-JP" dirty="0"/>
-              <a:t>UWP </a:t>
-            </a:r>
-            <a:r>
-              <a:rPr kumimoji="1" lang="ja-JP" altLang="en-US" dirty="0"/>
-              <a:t>とは</a:t>
-            </a:r>
-          </a:p>
-        </p:txBody>
-      </p:sp>
-    </p:spTree>
-    <p:extLst>
-      <p:ext uri="{BB962C8B-B14F-4D97-AF65-F5344CB8AC3E}">
-        <p14:creationId xmlns:p14="http://schemas.microsoft.com/office/powerpoint/2010/main" val="1910052638"/>
-      </p:ext>
-    </p:extLst>
-  </p:cSld>
-  <p:clrMapOvr>
-    <a:masterClrMapping/>
-  </p:clrMapOvr>
-  <p:transition>
-    <p:fade/>
-  </p:transition>
-</p:sld>
-</file>
-
-<file path=ppt/slides/slide5.xml><?xml version="1.0" encoding="utf-8"?>
-<p:sld xmlns:a="http://schemas.openxmlformats.org/drawingml/2006/main" xmlns:r="http://schemas.openxmlformats.org/officeDocument/2006/relationships" xmlns:p="http://schemas.openxmlformats.org/presentationml/2006/main">
-  <p:cSld>
-    <p:spTree>
-      <p:nvGrpSpPr>
-        <p:cNvPr id="1" name=""/>
-        <p:cNvGrpSpPr/>
-        <p:nvPr/>
-      </p:nvGrpSpPr>
-      <p:grpSpPr>
-        <a:xfrm>
-          <a:off x="0" y="0"/>
-          <a:ext cx="0" cy="0"/>
-          <a:chOff x="0" y="0"/>
-          <a:chExt cx="0" cy="0"/>
-        </a:xfrm>
-      </p:grpSpPr>
-      <p:sp>
-        <p:nvSpPr>
-          <p:cNvPr id="2" name="Title 1">
-            <a:extLst>
-              <a:ext uri="{FF2B5EF4-FFF2-40B4-BE49-F238E27FC236}">
-                <a16:creationId xmlns:a16="http://schemas.microsoft.com/office/drawing/2014/main" id="{A614C93D-0E70-4FE5-BD0B-3184CABAEBC0}"/>
-              </a:ext>
-            </a:extLst>
-          </p:cNvPr>
-          <p:cNvSpPr>
-            <a:spLocks noGrp="1"/>
-          </p:cNvSpPr>
-          <p:nvPr>
-            <p:ph type="title"/>
-          </p:nvPr>
-        </p:nvSpPr>
-        <p:spPr/>
-        <p:txBody>
-          <a:bodyPr/>
-          <a:lstStyle/>
-          <a:p>
-            <a:r>
-              <a:rPr lang="ja-JP" altLang="en-US" dirty="0"/>
-              <a:t>他の選択肢</a:t>
-            </a:r>
-            <a:endParaRPr kumimoji="1" lang="ja-JP" altLang="en-US" dirty="0"/>
-          </a:p>
-        </p:txBody>
-      </p:sp>
-    </p:spTree>
-    <p:extLst>
-      <p:ext uri="{BB962C8B-B14F-4D97-AF65-F5344CB8AC3E}">
-        <p14:creationId xmlns:p14="http://schemas.microsoft.com/office/powerpoint/2010/main" val="2192420560"/>
-      </p:ext>
-    </p:extLst>
-  </p:cSld>
-  <p:clrMapOvr>
-    <a:masterClrMapping/>
-  </p:clrMapOvr>
-  <p:transition>
-    <p:fade/>
-  </p:transition>
-</p:sld>
-</file>
-
-<file path=ppt/slides/slide6.xml><?xml version="1.0" encoding="utf-8"?>
+<file path=ppt/slides/slide30.xml><?xml version="1.0" encoding="utf-8"?>
 <p:sld xmlns:a="http://schemas.openxmlformats.org/drawingml/2006/main" xmlns:r="http://schemas.openxmlformats.org/officeDocument/2006/relationships" xmlns:p="http://schemas.openxmlformats.org/presentationml/2006/main">
   <p:cSld>
     <p:spTree>
@@ -8465,7 +15473,7 @@
           <a:p>
             <a:r>
               <a:rPr kumimoji="1" lang="ja-JP" altLang="en-US" dirty="0"/>
-              <a:t>配布</a:t>
+              <a:t>参考情報</a:t>
             </a:r>
           </a:p>
         </p:txBody>
@@ -8473,7 +15481,7 @@
     </p:spTree>
     <p:extLst>
       <p:ext uri="{BB962C8B-B14F-4D97-AF65-F5344CB8AC3E}">
-        <p14:creationId xmlns:p14="http://schemas.microsoft.com/office/powerpoint/2010/main" val="3944497453"/>
+        <p14:creationId xmlns:p14="http://schemas.microsoft.com/office/powerpoint/2010/main" val="1496485930"/>
       </p:ext>
     </p:extLst>
   </p:cSld>
@@ -8486,174 +15494,7 @@
 </p:sld>
 </file>
 
-<file path=ppt/slides/slide7.xml><?xml version="1.0" encoding="utf-8"?>
-<p:sld xmlns:a="http://schemas.openxmlformats.org/drawingml/2006/main" xmlns:r="http://schemas.openxmlformats.org/officeDocument/2006/relationships" xmlns:p="http://schemas.openxmlformats.org/presentationml/2006/main">
-  <p:cSld>
-    <p:spTree>
-      <p:nvGrpSpPr>
-        <p:cNvPr id="1" name=""/>
-        <p:cNvGrpSpPr/>
-        <p:nvPr/>
-      </p:nvGrpSpPr>
-      <p:grpSpPr>
-        <a:xfrm>
-          <a:off x="0" y="0"/>
-          <a:ext cx="0" cy="0"/>
-          <a:chOff x="0" y="0"/>
-          <a:chExt cx="0" cy="0"/>
-        </a:xfrm>
-      </p:grpSpPr>
-      <p:sp>
-        <p:nvSpPr>
-          <p:cNvPr id="2" name="Title 1">
-            <a:extLst>
-              <a:ext uri="{FF2B5EF4-FFF2-40B4-BE49-F238E27FC236}">
-                <a16:creationId xmlns:a16="http://schemas.microsoft.com/office/drawing/2014/main" id="{7EAF20E3-856D-4704-976B-ED91469CE2A9}"/>
-              </a:ext>
-            </a:extLst>
-          </p:cNvPr>
-          <p:cNvSpPr>
-            <a:spLocks noGrp="1"/>
-          </p:cNvSpPr>
-          <p:nvPr>
-            <p:ph type="title"/>
-          </p:nvPr>
-        </p:nvSpPr>
-        <p:spPr/>
-        <p:txBody>
-          <a:bodyPr/>
-          <a:lstStyle/>
-          <a:p>
-            <a:r>
-              <a:rPr kumimoji="1" lang="ja-JP" altLang="en-US" dirty="0"/>
-              <a:t>一押し機能</a:t>
-            </a:r>
-          </a:p>
-        </p:txBody>
-      </p:sp>
-    </p:spTree>
-    <p:extLst>
-      <p:ext uri="{BB962C8B-B14F-4D97-AF65-F5344CB8AC3E}">
-        <p14:creationId xmlns:p14="http://schemas.microsoft.com/office/powerpoint/2010/main" val="945641990"/>
-      </p:ext>
-    </p:extLst>
-  </p:cSld>
-  <p:clrMapOvr>
-    <a:masterClrMapping/>
-  </p:clrMapOvr>
-  <p:transition>
-    <p:fade/>
-  </p:transition>
-</p:sld>
-</file>
-
-<file path=ppt/slides/slide8.xml><?xml version="1.0" encoding="utf-8"?>
-<p:sld xmlns:a="http://schemas.openxmlformats.org/drawingml/2006/main" xmlns:r="http://schemas.openxmlformats.org/officeDocument/2006/relationships" xmlns:p="http://schemas.openxmlformats.org/presentationml/2006/main">
-  <p:cSld>
-    <p:spTree>
-      <p:nvGrpSpPr>
-        <p:cNvPr id="1" name=""/>
-        <p:cNvGrpSpPr/>
-        <p:nvPr/>
-      </p:nvGrpSpPr>
-      <p:grpSpPr>
-        <a:xfrm>
-          <a:off x="0" y="0"/>
-          <a:ext cx="0" cy="0"/>
-          <a:chOff x="0" y="0"/>
-          <a:chExt cx="0" cy="0"/>
-        </a:xfrm>
-      </p:grpSpPr>
-      <p:sp>
-        <p:nvSpPr>
-          <p:cNvPr id="3" name="Title 2">
-            <a:extLst>
-              <a:ext uri="{FF2B5EF4-FFF2-40B4-BE49-F238E27FC236}">
-                <a16:creationId xmlns:a16="http://schemas.microsoft.com/office/drawing/2014/main" id="{22014108-36CF-41D6-825F-97C63DE74638}"/>
-              </a:ext>
-            </a:extLst>
-          </p:cNvPr>
-          <p:cNvSpPr>
-            <a:spLocks noGrp="1"/>
-          </p:cNvSpPr>
-          <p:nvPr>
-            <p:ph type="title"/>
-          </p:nvPr>
-        </p:nvSpPr>
-        <p:spPr/>
-        <p:txBody>
-          <a:bodyPr/>
-          <a:lstStyle/>
-          <a:p>
-            <a:r>
-              <a:rPr kumimoji="1" lang="en-US" altLang="ja-JP" dirty="0"/>
-              <a:t>UWP </a:t>
-            </a:r>
-            <a:r>
-              <a:rPr kumimoji="1" lang="ja-JP" altLang="en-US" dirty="0"/>
-              <a:t>とは</a:t>
-            </a:r>
-          </a:p>
-        </p:txBody>
-      </p:sp>
-      <p:sp>
-        <p:nvSpPr>
-          <p:cNvPr id="4" name="Text Placeholder 3">
-            <a:extLst>
-              <a:ext uri="{FF2B5EF4-FFF2-40B4-BE49-F238E27FC236}">
-                <a16:creationId xmlns:a16="http://schemas.microsoft.com/office/drawing/2014/main" id="{5EAB9F15-8F84-4B5F-A256-DE111017F3B8}"/>
-              </a:ext>
-            </a:extLst>
-          </p:cNvPr>
-          <p:cNvSpPr>
-            <a:spLocks noGrp="1"/>
-          </p:cNvSpPr>
-          <p:nvPr>
-            <p:ph type="body" sz="quarter" idx="10"/>
-          </p:nvPr>
-        </p:nvSpPr>
-        <p:spPr>
-          <a:xfrm>
-            <a:off x="274638" y="1212850"/>
-            <a:ext cx="11887200" cy="1415772"/>
-          </a:xfrm>
-        </p:spPr>
-        <p:txBody>
-          <a:bodyPr/>
-          <a:lstStyle/>
-          <a:p>
-            <a:r>
-              <a:rPr kumimoji="1" lang="ja-JP" altLang="en-US" dirty="0"/>
-              <a:t>すべての </a:t>
-            </a:r>
-            <a:r>
-              <a:rPr kumimoji="1" lang="en-US" altLang="ja-JP" dirty="0"/>
-              <a:t>Windows 10 </a:t>
-            </a:r>
-            <a:r>
-              <a:rPr kumimoji="1" lang="ja-JP" altLang="en-US" dirty="0"/>
-              <a:t>が動くプラットフォーム向けのネイティブなアプリケーション開発のプラットフォーム</a:t>
-            </a:r>
-          </a:p>
-        </p:txBody>
-      </p:sp>
-    </p:spTree>
-    <p:extLst>
-      <p:ext uri="{BB962C8B-B14F-4D97-AF65-F5344CB8AC3E}">
-        <p14:creationId xmlns:p14="http://schemas.microsoft.com/office/powerpoint/2010/main" val="2859098067"/>
-      </p:ext>
-    </p:extLst>
-  </p:cSld>
-  <p:clrMapOvr>
-    <a:masterClrMapping/>
-  </p:clrMapOvr>
-  <p:transition>
-    <p:fade/>
-  </p:transition>
-</p:sld>
-</file>
-
-<file path=ppt/slides/slide9.xml><?xml version="1.0" encoding="utf-8"?>
+<file path=ppt/slides/slide31.xml><?xml version="1.0" encoding="utf-8"?>
 <p:sld xmlns:a="http://schemas.openxmlformats.org/drawingml/2006/main" xmlns:r="http://schemas.openxmlformats.org/officeDocument/2006/relationships" xmlns:p="http://schemas.openxmlformats.org/presentationml/2006/main">
   <p:cSld>
     <p:spTree>
@@ -9223,6 +16064,1309 @@
       <p:bldP spid="7" grpId="0" animBg="1"/>
     </p:bldLst>
   </p:timing>
+</p:sld>
+</file>
+
+<file path=ppt/slides/slide32.xml><?xml version="1.0" encoding="utf-8"?>
+<p:sld xmlns:a="http://schemas.openxmlformats.org/drawingml/2006/main" xmlns:r="http://schemas.openxmlformats.org/officeDocument/2006/relationships" xmlns:p="http://schemas.openxmlformats.org/presentationml/2006/main">
+  <p:cSld>
+    <p:spTree>
+      <p:nvGrpSpPr>
+        <p:cNvPr id="1" name=""/>
+        <p:cNvGrpSpPr/>
+        <p:nvPr/>
+      </p:nvGrpSpPr>
+      <p:grpSpPr>
+        <a:xfrm>
+          <a:off x="0" y="0"/>
+          <a:ext cx="0" cy="0"/>
+          <a:chOff x="0" y="0"/>
+          <a:chExt cx="0" cy="0"/>
+        </a:xfrm>
+      </p:grpSpPr>
+      <p:sp>
+        <p:nvSpPr>
+          <p:cNvPr id="2" name="Title 1">
+            <a:extLst>
+              <a:ext uri="{FF2B5EF4-FFF2-40B4-BE49-F238E27FC236}">
+                <a16:creationId xmlns:a16="http://schemas.microsoft.com/office/drawing/2014/main" id="{DC133FB4-11A5-4D34-96BA-6ABA56E8473C}"/>
+              </a:ext>
+            </a:extLst>
+          </p:cNvPr>
+          <p:cNvSpPr>
+            <a:spLocks noGrp="1"/>
+          </p:cNvSpPr>
+          <p:nvPr>
+            <p:ph type="title"/>
+          </p:nvPr>
+        </p:nvSpPr>
+        <p:spPr/>
+        <p:txBody>
+          <a:bodyPr/>
+          <a:lstStyle/>
+          <a:p>
+            <a:r>
+              <a:rPr kumimoji="1" lang="ja-JP" altLang="en-US" dirty="0"/>
+              <a:t>まとめ</a:t>
+            </a:r>
+          </a:p>
+        </p:txBody>
+      </p:sp>
+    </p:spTree>
+    <p:extLst>
+      <p:ext uri="{BB962C8B-B14F-4D97-AF65-F5344CB8AC3E}">
+        <p14:creationId xmlns:p14="http://schemas.microsoft.com/office/powerpoint/2010/main" val="4092886198"/>
+      </p:ext>
+    </p:extLst>
+  </p:cSld>
+  <p:clrMapOvr>
+    <a:masterClrMapping/>
+  </p:clrMapOvr>
+  <p:transition>
+    <p:fade/>
+  </p:transition>
+</p:sld>
+</file>
+
+<file path=ppt/slides/slide33.xml><?xml version="1.0" encoding="utf-8"?>
+<p:sld xmlns:a="http://schemas.openxmlformats.org/drawingml/2006/main" xmlns:r="http://schemas.openxmlformats.org/officeDocument/2006/relationships" xmlns:p="http://schemas.openxmlformats.org/presentationml/2006/main">
+  <p:cSld>
+    <p:spTree>
+      <p:nvGrpSpPr>
+        <p:cNvPr id="1" name=""/>
+        <p:cNvGrpSpPr/>
+        <p:nvPr/>
+      </p:nvGrpSpPr>
+      <p:grpSpPr>
+        <a:xfrm>
+          <a:off x="0" y="0"/>
+          <a:ext cx="0" cy="0"/>
+          <a:chOff x="0" y="0"/>
+          <a:chExt cx="0" cy="0"/>
+        </a:xfrm>
+      </p:grpSpPr>
+      <p:sp>
+        <p:nvSpPr>
+          <p:cNvPr id="5" name="Text Placeholder 4">
+            <a:extLst>
+              <a:ext uri="{FF2B5EF4-FFF2-40B4-BE49-F238E27FC236}">
+                <a16:creationId xmlns:a16="http://schemas.microsoft.com/office/drawing/2014/main" id="{BA649933-15F3-42F0-AEF4-3256379F0477}"/>
+              </a:ext>
+            </a:extLst>
+          </p:cNvPr>
+          <p:cNvSpPr>
+            <a:spLocks noGrp="1"/>
+          </p:cNvSpPr>
+          <p:nvPr>
+            <p:ph type="body" sz="quarter" idx="10"/>
+          </p:nvPr>
+        </p:nvSpPr>
+        <p:spPr>
+          <a:xfrm>
+            <a:off x="274638" y="1212850"/>
+            <a:ext cx="11887200" cy="5016758"/>
+          </a:xfrm>
+        </p:spPr>
+        <p:txBody>
+          <a:bodyPr/>
+          <a:lstStyle/>
+          <a:p>
+            <a:r>
+              <a:rPr kumimoji="1" lang="en-US" altLang="ja-JP" dirty="0"/>
+              <a:t>UWP </a:t>
+            </a:r>
+            <a:r>
+              <a:rPr kumimoji="1" lang="ja-JP" altLang="en-US" dirty="0"/>
+              <a:t>は </a:t>
+            </a:r>
+            <a:r>
+              <a:rPr kumimoji="1" lang="en-US" altLang="ja-JP" dirty="0"/>
+              <a:t>Windows 10 </a:t>
+            </a:r>
+            <a:r>
+              <a:rPr kumimoji="1" lang="ja-JP" altLang="en-US" dirty="0"/>
+              <a:t>のネイティブアプリ開発プラットフォーム</a:t>
+            </a:r>
+            <a:endParaRPr kumimoji="1" lang="en-US" altLang="ja-JP" dirty="0"/>
+          </a:p>
+          <a:p>
+            <a:r>
+              <a:rPr lang="ja-JP" altLang="en-US" dirty="0"/>
+              <a:t>ネイティブアプリでしか出来ない機能もある</a:t>
+            </a:r>
+            <a:endParaRPr lang="en-US" altLang="ja-JP" dirty="0"/>
+          </a:p>
+          <a:p>
+            <a:pPr lvl="1"/>
+            <a:r>
+              <a:rPr kumimoji="1" lang="ja-JP" altLang="en-US" dirty="0"/>
+              <a:t>インク、接続されるアプリやデバイス</a:t>
+            </a:r>
+            <a:r>
+              <a:rPr lang="ja-JP" altLang="en-US" dirty="0"/>
+              <a:t>、プロトコル対応</a:t>
+            </a:r>
+            <a:endParaRPr kumimoji="1" lang="en-US" altLang="ja-JP" dirty="0"/>
+          </a:p>
+          <a:p>
+            <a:r>
+              <a:rPr lang="ja-JP" altLang="en-US" dirty="0"/>
+              <a:t>ネイティブアプリのほうが簡単な機能もある</a:t>
+            </a:r>
+            <a:endParaRPr lang="en-US" altLang="ja-JP" dirty="0"/>
+          </a:p>
+          <a:p>
+            <a:pPr lvl="1"/>
+            <a:r>
+              <a:rPr lang="en-US" altLang="ja-JP" dirty="0"/>
+              <a:t>Fluent Design system</a:t>
+            </a:r>
+          </a:p>
+          <a:p>
+            <a:r>
+              <a:rPr kumimoji="1" lang="ja-JP" altLang="en-US" dirty="0"/>
+              <a:t>配布</a:t>
+            </a:r>
+            <a:endParaRPr kumimoji="1" lang="en-US" altLang="ja-JP" dirty="0"/>
+          </a:p>
+          <a:p>
+            <a:pPr lvl="1"/>
+            <a:r>
+              <a:rPr kumimoji="1" lang="en-US" altLang="ja-JP" dirty="0"/>
+              <a:t>Microsoft </a:t>
+            </a:r>
+            <a:r>
+              <a:rPr kumimoji="1" lang="ja-JP" altLang="en-US" dirty="0"/>
+              <a:t>ストア、ビジネスストア、サイドローディング</a:t>
+            </a:r>
+            <a:endParaRPr kumimoji="1" lang="en-US" altLang="ja-JP" dirty="0"/>
+          </a:p>
+        </p:txBody>
+      </p:sp>
+      <p:sp>
+        <p:nvSpPr>
+          <p:cNvPr id="4" name="Title 3">
+            <a:extLst>
+              <a:ext uri="{FF2B5EF4-FFF2-40B4-BE49-F238E27FC236}">
+                <a16:creationId xmlns:a16="http://schemas.microsoft.com/office/drawing/2014/main" id="{E67C8CA7-B9B7-4159-9AF1-2FFB4DCE4BDD}"/>
+              </a:ext>
+            </a:extLst>
+          </p:cNvPr>
+          <p:cNvSpPr>
+            <a:spLocks noGrp="1"/>
+          </p:cNvSpPr>
+          <p:nvPr>
+            <p:ph type="title"/>
+          </p:nvPr>
+        </p:nvSpPr>
+        <p:spPr/>
+        <p:txBody>
+          <a:bodyPr/>
+          <a:lstStyle/>
+          <a:p>
+            <a:r>
+              <a:rPr lang="ja-JP" altLang="en-US" dirty="0"/>
+              <a:t>まとめ</a:t>
+            </a:r>
+            <a:endParaRPr kumimoji="1" lang="ja-JP" altLang="en-US" dirty="0"/>
+          </a:p>
+        </p:txBody>
+      </p:sp>
+    </p:spTree>
+    <p:extLst>
+      <p:ext uri="{BB962C8B-B14F-4D97-AF65-F5344CB8AC3E}">
+        <p14:creationId xmlns:p14="http://schemas.microsoft.com/office/powerpoint/2010/main" val="377738214"/>
+      </p:ext>
+    </p:extLst>
+  </p:cSld>
+  <p:clrMapOvr>
+    <a:masterClrMapping/>
+  </p:clrMapOvr>
+  <p:transition>
+    <p:fade/>
+  </p:transition>
+</p:sld>
+</file>
+
+<file path=ppt/slides/slide34.xml><?xml version="1.0" encoding="utf-8"?>
+<p:sld xmlns:a="http://schemas.openxmlformats.org/drawingml/2006/main" xmlns:r="http://schemas.openxmlformats.org/officeDocument/2006/relationships" xmlns:p="http://schemas.openxmlformats.org/presentationml/2006/main">
+  <p:cSld>
+    <p:spTree>
+      <p:nvGrpSpPr>
+        <p:cNvPr id="1" name=""/>
+        <p:cNvGrpSpPr/>
+        <p:nvPr/>
+      </p:nvGrpSpPr>
+      <p:grpSpPr>
+        <a:xfrm>
+          <a:off x="0" y="0"/>
+          <a:ext cx="0" cy="0"/>
+          <a:chOff x="0" y="0"/>
+          <a:chExt cx="0" cy="0"/>
+        </a:xfrm>
+      </p:grpSpPr>
+      <p:sp>
+        <p:nvSpPr>
+          <p:cNvPr id="4" name="Title 3">
+            <a:extLst>
+              <a:ext uri="{FF2B5EF4-FFF2-40B4-BE49-F238E27FC236}">
+                <a16:creationId xmlns:a16="http://schemas.microsoft.com/office/drawing/2014/main" id="{E67C8CA7-B9B7-4159-9AF1-2FFB4DCE4BDD}"/>
+              </a:ext>
+            </a:extLst>
+          </p:cNvPr>
+          <p:cNvSpPr>
+            <a:spLocks noGrp="1"/>
+          </p:cNvSpPr>
+          <p:nvPr>
+            <p:ph type="title"/>
+          </p:nvPr>
+        </p:nvSpPr>
+        <p:spPr/>
+        <p:txBody>
+          <a:bodyPr/>
+          <a:lstStyle/>
+          <a:p>
+            <a:r>
+              <a:rPr lang="ja-JP" altLang="en-US" dirty="0"/>
+              <a:t>まとめ</a:t>
+            </a:r>
+            <a:endParaRPr kumimoji="1" lang="ja-JP" altLang="en-US" dirty="0"/>
+          </a:p>
+        </p:txBody>
+      </p:sp>
+      <p:sp>
+        <p:nvSpPr>
+          <p:cNvPr id="5" name="Text Placeholder 4">
+            <a:extLst>
+              <a:ext uri="{FF2B5EF4-FFF2-40B4-BE49-F238E27FC236}">
+                <a16:creationId xmlns:a16="http://schemas.microsoft.com/office/drawing/2014/main" id="{BA649933-15F3-42F0-AEF4-3256379F0477}"/>
+              </a:ext>
+            </a:extLst>
+          </p:cNvPr>
+          <p:cNvSpPr>
+            <a:spLocks noGrp="1"/>
+          </p:cNvSpPr>
+          <p:nvPr>
+            <p:ph type="body" sz="quarter" idx="10"/>
+          </p:nvPr>
+        </p:nvSpPr>
+        <p:spPr>
+          <a:xfrm>
+            <a:off x="274638" y="1212850"/>
+            <a:ext cx="11887200" cy="1015663"/>
+          </a:xfrm>
+        </p:spPr>
+        <p:txBody>
+          <a:bodyPr/>
+          <a:lstStyle/>
+          <a:p>
+            <a:pPr algn="ctr"/>
+            <a:r>
+              <a:rPr kumimoji="1" lang="ja-JP" altLang="en-US" sz="5400" dirty="0"/>
+              <a:t>良いデスクトップアプリケーション開発を！！</a:t>
+            </a:r>
+            <a:endParaRPr kumimoji="1" lang="en-US" altLang="ja-JP" sz="5400" dirty="0"/>
+          </a:p>
+        </p:txBody>
+      </p:sp>
+    </p:spTree>
+    <p:extLst>
+      <p:ext uri="{BB962C8B-B14F-4D97-AF65-F5344CB8AC3E}">
+        <p14:creationId xmlns:p14="http://schemas.microsoft.com/office/powerpoint/2010/main" val="2852721259"/>
+      </p:ext>
+    </p:extLst>
+  </p:cSld>
+  <p:clrMapOvr>
+    <a:masterClrMapping/>
+  </p:clrMapOvr>
+  <p:transition>
+    <p:fade/>
+  </p:transition>
+</p:sld>
+</file>
+
+<file path=ppt/slides/slide35.xml><?xml version="1.0" encoding="utf-8"?>
+<p:sld xmlns:a="http://schemas.openxmlformats.org/drawingml/2006/main" xmlns:r="http://schemas.openxmlformats.org/officeDocument/2006/relationships" xmlns:p="http://schemas.openxmlformats.org/presentationml/2006/main">
+  <p:cSld>
+    <p:spTree>
+      <p:nvGrpSpPr>
+        <p:cNvPr id="1" name=""/>
+        <p:cNvGrpSpPr/>
+        <p:nvPr/>
+      </p:nvGrpSpPr>
+      <p:grpSpPr>
+        <a:xfrm>
+          <a:off x="0" y="0"/>
+          <a:ext cx="0" cy="0"/>
+          <a:chOff x="0" y="0"/>
+          <a:chExt cx="0" cy="0"/>
+        </a:xfrm>
+      </p:grpSpPr>
+    </p:spTree>
+    <p:extLst>
+      <p:ext uri="{BB962C8B-B14F-4D97-AF65-F5344CB8AC3E}">
+        <p14:creationId xmlns:p14="http://schemas.microsoft.com/office/powerpoint/2010/main" val="1066074585"/>
+      </p:ext>
+    </p:extLst>
+  </p:cSld>
+  <p:clrMapOvr>
+    <a:masterClrMapping/>
+  </p:clrMapOvr>
+  <mc:AlternateContent xmlns:mc="http://schemas.openxmlformats.org/markup-compatibility/2006" xmlns:p14="http://schemas.microsoft.com/office/powerpoint/2010/main">
+    <mc:Choice Requires="p14">
+      <p:transition spd="med" p14:dur="700">
+        <p:fade/>
+      </p:transition>
+    </mc:Choice>
+    <mc:Fallback xmlns="">
+      <p:transition spd="med">
+        <p:fade/>
+      </p:transition>
+    </mc:Fallback>
+  </mc:AlternateContent>
+</p:sld>
+</file>
+
+<file path=ppt/slides/slide4.xml><?xml version="1.0" encoding="utf-8"?>
+<p:sld xmlns:a="http://schemas.openxmlformats.org/drawingml/2006/main" xmlns:r="http://schemas.openxmlformats.org/officeDocument/2006/relationships" xmlns:p="http://schemas.openxmlformats.org/presentationml/2006/main">
+  <p:cSld>
+    <p:spTree>
+      <p:nvGrpSpPr>
+        <p:cNvPr id="1" name=""/>
+        <p:cNvGrpSpPr/>
+        <p:nvPr/>
+      </p:nvGrpSpPr>
+      <p:grpSpPr>
+        <a:xfrm>
+          <a:off x="0" y="0"/>
+          <a:ext cx="0" cy="0"/>
+          <a:chOff x="0" y="0"/>
+          <a:chExt cx="0" cy="0"/>
+        </a:xfrm>
+      </p:grpSpPr>
+      <p:sp>
+        <p:nvSpPr>
+          <p:cNvPr id="2" name="Title 1">
+            <a:extLst>
+              <a:ext uri="{FF2B5EF4-FFF2-40B4-BE49-F238E27FC236}">
+                <a16:creationId xmlns:a16="http://schemas.microsoft.com/office/drawing/2014/main" id="{A45049ED-7821-4235-83D5-727B811BCD3E}"/>
+              </a:ext>
+            </a:extLst>
+          </p:cNvPr>
+          <p:cNvSpPr>
+            <a:spLocks noGrp="1"/>
+          </p:cNvSpPr>
+          <p:nvPr>
+            <p:ph type="title"/>
+          </p:nvPr>
+        </p:nvSpPr>
+        <p:spPr/>
+        <p:txBody>
+          <a:bodyPr/>
+          <a:lstStyle/>
+          <a:p>
+            <a:r>
+              <a:rPr kumimoji="1" lang="ja-JP" altLang="en-US" dirty="0"/>
+              <a:t>はじめに</a:t>
+            </a:r>
+          </a:p>
+        </p:txBody>
+      </p:sp>
+    </p:spTree>
+    <p:extLst>
+      <p:ext uri="{BB962C8B-B14F-4D97-AF65-F5344CB8AC3E}">
+        <p14:creationId xmlns:p14="http://schemas.microsoft.com/office/powerpoint/2010/main" val="1910052638"/>
+      </p:ext>
+    </p:extLst>
+  </p:cSld>
+  <p:clrMapOvr>
+    <a:masterClrMapping/>
+  </p:clrMapOvr>
+  <p:transition>
+    <p:fade/>
+  </p:transition>
+</p:sld>
+</file>
+
+<file path=ppt/slides/slide5.xml><?xml version="1.0" encoding="utf-8"?>
+<p:sld xmlns:a="http://schemas.openxmlformats.org/drawingml/2006/main" xmlns:r="http://schemas.openxmlformats.org/officeDocument/2006/relationships" xmlns:p="http://schemas.openxmlformats.org/presentationml/2006/main">
+  <p:cSld>
+    <p:spTree>
+      <p:nvGrpSpPr>
+        <p:cNvPr id="1" name=""/>
+        <p:cNvGrpSpPr/>
+        <p:nvPr/>
+      </p:nvGrpSpPr>
+      <p:grpSpPr>
+        <a:xfrm>
+          <a:off x="0" y="0"/>
+          <a:ext cx="0" cy="0"/>
+          <a:chOff x="0" y="0"/>
+          <a:chExt cx="0" cy="0"/>
+        </a:xfrm>
+      </p:grpSpPr>
+      <p:pic>
+        <p:nvPicPr>
+          <p:cNvPr id="8" name="Picture 7" descr="A close up of a device&#10;&#10;Description generated with high confidence">
+            <a:extLst>
+              <a:ext uri="{FF2B5EF4-FFF2-40B4-BE49-F238E27FC236}">
+                <a16:creationId xmlns:a16="http://schemas.microsoft.com/office/drawing/2014/main" id="{417FBF90-484D-40C5-B39D-B579182E1666}"/>
+              </a:ext>
+            </a:extLst>
+          </p:cNvPr>
+          <p:cNvPicPr>
+            <a:picLocks noChangeAspect="1"/>
+          </p:cNvPicPr>
+          <p:nvPr/>
+        </p:nvPicPr>
+        <p:blipFill>
+          <a:blip r:embed="rId2"/>
+          <a:stretch>
+            <a:fillRect/>
+          </a:stretch>
+        </p:blipFill>
+        <p:spPr>
+          <a:xfrm>
+            <a:off x="1978010" y="611258"/>
+            <a:ext cx="8480454" cy="5772008"/>
+          </a:xfrm>
+          <a:prstGeom prst="rect">
+            <a:avLst/>
+          </a:prstGeom>
+        </p:spPr>
+      </p:pic>
+      <p:sp>
+        <p:nvSpPr>
+          <p:cNvPr id="6" name="Rectangle 5">
+            <a:extLst>
+              <a:ext uri="{FF2B5EF4-FFF2-40B4-BE49-F238E27FC236}">
+                <a16:creationId xmlns:a16="http://schemas.microsoft.com/office/drawing/2014/main" id="{A9B820E0-A6AD-4BCA-B535-56AD34B1FDB4}"/>
+              </a:ext>
+            </a:extLst>
+          </p:cNvPr>
+          <p:cNvSpPr/>
+          <p:nvPr/>
+        </p:nvSpPr>
+        <p:spPr bwMode="auto">
+          <a:xfrm>
+            <a:off x="0" y="2144389"/>
+            <a:ext cx="12436475" cy="2476163"/>
+          </a:xfrm>
+          <a:prstGeom prst="rect">
+            <a:avLst/>
+          </a:prstGeom>
+          <a:solidFill>
+            <a:schemeClr val="accent1">
+              <a:alpha val="50000"/>
+            </a:schemeClr>
+          </a:solidFill>
+          <a:ln>
+            <a:noFill/>
+          </a:ln>
+        </p:spPr>
+        <p:style>
+          <a:lnRef idx="0">
+            <a:scrgbClr r="0" g="0" b="0"/>
+          </a:lnRef>
+          <a:fillRef idx="0">
+            <a:scrgbClr r="0" g="0" b="0"/>
+          </a:fillRef>
+          <a:effectRef idx="0">
+            <a:scrgbClr r="0" g="0" b="0"/>
+          </a:effectRef>
+          <a:fontRef idx="minor">
+            <a:schemeClr val="lt1"/>
+          </a:fontRef>
+        </p:style>
+        <p:txBody>
+          <a:bodyPr rot="0" spcFirstLastPara="0" vertOverflow="overflow" horzOverflow="overflow" vert="horz" wrap="square" lIns="182880" tIns="146304" rIns="182880" bIns="146304" numCol="1" spcCol="0" rtlCol="0" fromWordArt="0" anchor="ctr" anchorCtr="0" forceAA="0" compatLnSpc="1">
+            <a:prstTxWarp prst="textNoShape">
+              <a:avLst/>
+            </a:prstTxWarp>
+            <a:noAutofit/>
+          </a:bodyPr>
+          <a:lstStyle/>
+          <a:p>
+            <a:pPr algn="ctr" defTabSz="932472" fontAlgn="base">
+              <a:lnSpc>
+                <a:spcPct val="90000"/>
+              </a:lnSpc>
+              <a:spcBef>
+                <a:spcPct val="0"/>
+              </a:spcBef>
+              <a:spcAft>
+                <a:spcPct val="0"/>
+              </a:spcAft>
+            </a:pPr>
+            <a:r>
+              <a:rPr kumimoji="1" lang="ja-JP" altLang="en-US" sz="6600" dirty="0">
+                <a:gradFill>
+                  <a:gsLst>
+                    <a:gs pos="0">
+                      <a:srgbClr val="FFFFFF"/>
+                    </a:gs>
+                    <a:gs pos="100000">
+                      <a:srgbClr val="FFFFFF"/>
+                    </a:gs>
+                  </a:gsLst>
+                  <a:lin ang="5400000" scaled="0"/>
+                </a:gradFill>
+                <a:ea typeface="Segoe UI" pitchFamily="34" charset="0"/>
+                <a:cs typeface="Segoe UI" pitchFamily="34" charset="0"/>
+              </a:rPr>
+              <a:t>それ </a:t>
+            </a:r>
+            <a:r>
+              <a:rPr kumimoji="1" lang="en-US" altLang="ja-JP" sz="6600" dirty="0">
+                <a:gradFill>
+                  <a:gsLst>
+                    <a:gs pos="0">
+                      <a:srgbClr val="FFFFFF"/>
+                    </a:gs>
+                    <a:gs pos="100000">
+                      <a:srgbClr val="FFFFFF"/>
+                    </a:gs>
+                  </a:gsLst>
+                  <a:lin ang="5400000" scaled="0"/>
+                </a:gradFill>
+                <a:ea typeface="Segoe UI" pitchFamily="34" charset="0"/>
+                <a:cs typeface="Segoe UI" pitchFamily="34" charset="0"/>
+              </a:rPr>
+              <a:t>Web </a:t>
+            </a:r>
+            <a:r>
+              <a:rPr kumimoji="1" lang="ja-JP" altLang="en-US" sz="6600" dirty="0">
+                <a:gradFill>
+                  <a:gsLst>
+                    <a:gs pos="0">
+                      <a:srgbClr val="FFFFFF"/>
+                    </a:gs>
+                    <a:gs pos="100000">
+                      <a:srgbClr val="FFFFFF"/>
+                    </a:gs>
+                  </a:gsLst>
+                  <a:lin ang="5400000" scaled="0"/>
+                </a:gradFill>
+                <a:ea typeface="Segoe UI" pitchFamily="34" charset="0"/>
+                <a:cs typeface="Segoe UI" pitchFamily="34" charset="0"/>
+              </a:rPr>
+              <a:t>でいいんじゃない？</a:t>
+            </a:r>
+          </a:p>
+        </p:txBody>
+      </p:sp>
+    </p:spTree>
+    <p:extLst>
+      <p:ext uri="{BB962C8B-B14F-4D97-AF65-F5344CB8AC3E}">
+        <p14:creationId xmlns:p14="http://schemas.microsoft.com/office/powerpoint/2010/main" val="548598854"/>
+      </p:ext>
+    </p:extLst>
+  </p:cSld>
+  <p:clrMapOvr>
+    <a:masterClrMapping/>
+  </p:clrMapOvr>
+  <p:transition>
+    <p:fade/>
+  </p:transition>
+</p:sld>
+</file>
+
+<file path=ppt/slides/slide6.xml><?xml version="1.0" encoding="utf-8"?>
+<p:sld xmlns:a="http://schemas.openxmlformats.org/drawingml/2006/main" xmlns:r="http://schemas.openxmlformats.org/officeDocument/2006/relationships" xmlns:p="http://schemas.openxmlformats.org/presentationml/2006/main">
+  <p:cSld>
+    <p:spTree>
+      <p:nvGrpSpPr>
+        <p:cNvPr id="1" name=""/>
+        <p:cNvGrpSpPr/>
+        <p:nvPr/>
+      </p:nvGrpSpPr>
+      <p:grpSpPr>
+        <a:xfrm>
+          <a:off x="0" y="0"/>
+          <a:ext cx="0" cy="0"/>
+          <a:chOff x="0" y="0"/>
+          <a:chExt cx="0" cy="0"/>
+        </a:xfrm>
+      </p:grpSpPr>
+      <p:pic>
+        <p:nvPicPr>
+          <p:cNvPr id="3" name="Picture 2" descr="A close up of a sign&#10;&#10;Description generated with high confidence">
+            <a:extLst>
+              <a:ext uri="{FF2B5EF4-FFF2-40B4-BE49-F238E27FC236}">
+                <a16:creationId xmlns:a16="http://schemas.microsoft.com/office/drawing/2014/main" id="{F207A986-F81C-4FC7-8673-1B970A2EC091}"/>
+              </a:ext>
+            </a:extLst>
+          </p:cNvPr>
+          <p:cNvPicPr>
+            <a:picLocks noChangeAspect="1"/>
+          </p:cNvPicPr>
+          <p:nvPr/>
+        </p:nvPicPr>
+        <p:blipFill>
+          <a:blip r:embed="rId2"/>
+          <a:stretch>
+            <a:fillRect/>
+          </a:stretch>
+        </p:blipFill>
+        <p:spPr>
+          <a:xfrm>
+            <a:off x="3779837" y="1058862"/>
+            <a:ext cx="4876800" cy="4876800"/>
+          </a:xfrm>
+          <a:prstGeom prst="rect">
+            <a:avLst/>
+          </a:prstGeom>
+        </p:spPr>
+      </p:pic>
+      <p:sp>
+        <p:nvSpPr>
+          <p:cNvPr id="6" name="Rectangle 5">
+            <a:extLst>
+              <a:ext uri="{FF2B5EF4-FFF2-40B4-BE49-F238E27FC236}">
+                <a16:creationId xmlns:a16="http://schemas.microsoft.com/office/drawing/2014/main" id="{A9B820E0-A6AD-4BCA-B535-56AD34B1FDB4}"/>
+              </a:ext>
+            </a:extLst>
+          </p:cNvPr>
+          <p:cNvSpPr/>
+          <p:nvPr/>
+        </p:nvSpPr>
+        <p:spPr bwMode="auto">
+          <a:xfrm>
+            <a:off x="0" y="2144389"/>
+            <a:ext cx="12436475" cy="2476163"/>
+          </a:xfrm>
+          <a:prstGeom prst="rect">
+            <a:avLst/>
+          </a:prstGeom>
+          <a:solidFill>
+            <a:schemeClr val="accent1">
+              <a:alpha val="50000"/>
+            </a:schemeClr>
+          </a:solidFill>
+          <a:ln>
+            <a:noFill/>
+          </a:ln>
+        </p:spPr>
+        <p:style>
+          <a:lnRef idx="0">
+            <a:scrgbClr r="0" g="0" b="0"/>
+          </a:lnRef>
+          <a:fillRef idx="0">
+            <a:scrgbClr r="0" g="0" b="0"/>
+          </a:fillRef>
+          <a:effectRef idx="0">
+            <a:scrgbClr r="0" g="0" b="0"/>
+          </a:effectRef>
+          <a:fontRef idx="minor">
+            <a:schemeClr val="lt1"/>
+          </a:fontRef>
+        </p:style>
+        <p:txBody>
+          <a:bodyPr rot="0" spcFirstLastPara="0" vertOverflow="overflow" horzOverflow="overflow" vert="horz" wrap="square" lIns="182880" tIns="146304" rIns="182880" bIns="146304" numCol="1" spcCol="0" rtlCol="0" fromWordArt="0" anchor="ctr" anchorCtr="0" forceAA="0" compatLnSpc="1">
+            <a:prstTxWarp prst="textNoShape">
+              <a:avLst/>
+            </a:prstTxWarp>
+            <a:noAutofit/>
+          </a:bodyPr>
+          <a:lstStyle/>
+          <a:p>
+            <a:pPr algn="ctr" defTabSz="932472" fontAlgn="base">
+              <a:lnSpc>
+                <a:spcPct val="90000"/>
+              </a:lnSpc>
+              <a:spcBef>
+                <a:spcPct val="0"/>
+              </a:spcBef>
+              <a:spcAft>
+                <a:spcPct val="0"/>
+              </a:spcAft>
+            </a:pPr>
+            <a:r>
+              <a:rPr kumimoji="1" lang="ja-JP" altLang="en-US" sz="6600" dirty="0">
+                <a:gradFill>
+                  <a:gsLst>
+                    <a:gs pos="0">
+                      <a:srgbClr val="FFFFFF"/>
+                    </a:gs>
+                    <a:gs pos="100000">
+                      <a:srgbClr val="FFFFFF"/>
+                    </a:gs>
+                  </a:gsLst>
+                  <a:lin ang="5400000" scaled="0"/>
+                </a:gradFill>
+                <a:ea typeface="Segoe UI" pitchFamily="34" charset="0"/>
+                <a:cs typeface="Segoe UI" pitchFamily="34" charset="0"/>
+              </a:rPr>
+              <a:t>それ </a:t>
+            </a:r>
+            <a:r>
+              <a:rPr kumimoji="1" lang="en-US" altLang="ja-JP" sz="6600" dirty="0">
+                <a:gradFill>
+                  <a:gsLst>
+                    <a:gs pos="0">
+                      <a:srgbClr val="FFFFFF"/>
+                    </a:gs>
+                    <a:gs pos="100000">
+                      <a:srgbClr val="FFFFFF"/>
+                    </a:gs>
+                  </a:gsLst>
+                  <a:lin ang="5400000" scaled="0"/>
+                </a:gradFill>
+                <a:ea typeface="Segoe UI" pitchFamily="34" charset="0"/>
+                <a:cs typeface="Segoe UI" pitchFamily="34" charset="0"/>
+              </a:rPr>
+              <a:t>JavaScript </a:t>
+            </a:r>
+            <a:r>
+              <a:rPr kumimoji="1" lang="ja-JP" altLang="en-US" sz="6600" dirty="0">
+                <a:gradFill>
+                  <a:gsLst>
+                    <a:gs pos="0">
+                      <a:srgbClr val="FFFFFF"/>
+                    </a:gs>
+                    <a:gs pos="100000">
+                      <a:srgbClr val="FFFFFF"/>
+                    </a:gs>
+                  </a:gsLst>
+                  <a:lin ang="5400000" scaled="0"/>
+                </a:gradFill>
+                <a:ea typeface="Segoe UI" pitchFamily="34" charset="0"/>
+                <a:cs typeface="Segoe UI" pitchFamily="34" charset="0"/>
+              </a:rPr>
+              <a:t>でも出来るよ</a:t>
+            </a:r>
+          </a:p>
+        </p:txBody>
+      </p:sp>
+    </p:spTree>
+    <p:extLst>
+      <p:ext uri="{BB962C8B-B14F-4D97-AF65-F5344CB8AC3E}">
+        <p14:creationId xmlns:p14="http://schemas.microsoft.com/office/powerpoint/2010/main" val="2977105990"/>
+      </p:ext>
+    </p:extLst>
+  </p:cSld>
+  <p:clrMapOvr>
+    <a:masterClrMapping/>
+  </p:clrMapOvr>
+  <p:transition>
+    <p:fade/>
+  </p:transition>
+</p:sld>
+</file>
+
+<file path=ppt/slides/slide7.xml><?xml version="1.0" encoding="utf-8"?>
+<p:sld xmlns:a="http://schemas.openxmlformats.org/drawingml/2006/main" xmlns:r="http://schemas.openxmlformats.org/officeDocument/2006/relationships" xmlns:p="http://schemas.openxmlformats.org/presentationml/2006/main">
+  <p:cSld>
+    <p:spTree>
+      <p:nvGrpSpPr>
+        <p:cNvPr id="1" name=""/>
+        <p:cNvGrpSpPr/>
+        <p:nvPr/>
+      </p:nvGrpSpPr>
+      <p:grpSpPr>
+        <a:xfrm>
+          <a:off x="0" y="0"/>
+          <a:ext cx="0" cy="0"/>
+          <a:chOff x="0" y="0"/>
+          <a:chExt cx="0" cy="0"/>
+        </a:xfrm>
+      </p:grpSpPr>
+      <p:pic>
+        <p:nvPicPr>
+          <p:cNvPr id="4" name="Picture 3" descr="A picture containing tennis, player, sky, racket&#10;&#10;Description generated with high confidence">
+            <a:extLst>
+              <a:ext uri="{FF2B5EF4-FFF2-40B4-BE49-F238E27FC236}">
+                <a16:creationId xmlns:a16="http://schemas.microsoft.com/office/drawing/2014/main" id="{173AE98C-D581-4526-8884-DD526A30870F}"/>
+              </a:ext>
+            </a:extLst>
+          </p:cNvPr>
+          <p:cNvPicPr>
+            <a:picLocks noChangeAspect="1"/>
+          </p:cNvPicPr>
+          <p:nvPr/>
+        </p:nvPicPr>
+        <p:blipFill>
+          <a:blip r:embed="rId2"/>
+          <a:stretch>
+            <a:fillRect/>
+          </a:stretch>
+        </p:blipFill>
+        <p:spPr>
+          <a:xfrm>
+            <a:off x="599935" y="1155048"/>
+            <a:ext cx="11236604" cy="4684429"/>
+          </a:xfrm>
+          <a:prstGeom prst="rect">
+            <a:avLst/>
+          </a:prstGeom>
+        </p:spPr>
+      </p:pic>
+      <p:sp>
+        <p:nvSpPr>
+          <p:cNvPr id="6" name="Rectangle 5">
+            <a:extLst>
+              <a:ext uri="{FF2B5EF4-FFF2-40B4-BE49-F238E27FC236}">
+                <a16:creationId xmlns:a16="http://schemas.microsoft.com/office/drawing/2014/main" id="{A9B820E0-A6AD-4BCA-B535-56AD34B1FDB4}"/>
+              </a:ext>
+            </a:extLst>
+          </p:cNvPr>
+          <p:cNvSpPr/>
+          <p:nvPr/>
+        </p:nvSpPr>
+        <p:spPr bwMode="auto">
+          <a:xfrm>
+            <a:off x="0" y="1740217"/>
+            <a:ext cx="12436475" cy="3514090"/>
+          </a:xfrm>
+          <a:prstGeom prst="rect">
+            <a:avLst/>
+          </a:prstGeom>
+          <a:solidFill>
+            <a:schemeClr val="accent1">
+              <a:alpha val="50000"/>
+            </a:schemeClr>
+          </a:solidFill>
+          <a:ln>
+            <a:noFill/>
+          </a:ln>
+        </p:spPr>
+        <p:style>
+          <a:lnRef idx="0">
+            <a:scrgbClr r="0" g="0" b="0"/>
+          </a:lnRef>
+          <a:fillRef idx="0">
+            <a:scrgbClr r="0" g="0" b="0"/>
+          </a:fillRef>
+          <a:effectRef idx="0">
+            <a:scrgbClr r="0" g="0" b="0"/>
+          </a:effectRef>
+          <a:fontRef idx="minor">
+            <a:schemeClr val="lt1"/>
+          </a:fontRef>
+        </p:style>
+        <p:txBody>
+          <a:bodyPr rot="0" spcFirstLastPara="0" vertOverflow="overflow" horzOverflow="overflow" vert="horz" wrap="square" lIns="182880" tIns="146304" rIns="182880" bIns="146304" numCol="1" spcCol="0" rtlCol="0" fromWordArt="0" anchor="ctr" anchorCtr="0" forceAA="0" compatLnSpc="1">
+            <a:prstTxWarp prst="textNoShape">
+              <a:avLst/>
+            </a:prstTxWarp>
+            <a:noAutofit/>
+          </a:bodyPr>
+          <a:lstStyle/>
+          <a:p>
+            <a:pPr algn="ctr" defTabSz="932472" fontAlgn="base">
+              <a:lnSpc>
+                <a:spcPct val="90000"/>
+              </a:lnSpc>
+              <a:spcBef>
+                <a:spcPct val="0"/>
+              </a:spcBef>
+              <a:spcAft>
+                <a:spcPct val="0"/>
+              </a:spcAft>
+            </a:pPr>
+            <a:r>
+              <a:rPr kumimoji="1" lang="en-US" altLang="ja-JP" sz="6600" dirty="0">
+                <a:gradFill>
+                  <a:gsLst>
+                    <a:gs pos="0">
+                      <a:srgbClr val="FFFFFF"/>
+                    </a:gs>
+                    <a:gs pos="100000">
+                      <a:srgbClr val="FFFFFF"/>
+                    </a:gs>
+                  </a:gsLst>
+                  <a:lin ang="5400000" scaled="0"/>
+                </a:gradFill>
+                <a:ea typeface="Segoe UI" pitchFamily="34" charset="0"/>
+                <a:cs typeface="Segoe UI" pitchFamily="34" charset="0"/>
+              </a:rPr>
+              <a:t>UWP </a:t>
+            </a:r>
+            <a:r>
+              <a:rPr kumimoji="1" lang="ja-JP" altLang="en-US" sz="6600" dirty="0">
+                <a:gradFill>
+                  <a:gsLst>
+                    <a:gs pos="0">
+                      <a:srgbClr val="FFFFFF"/>
+                    </a:gs>
+                    <a:gs pos="100000">
+                      <a:srgbClr val="FFFFFF"/>
+                    </a:gs>
+                  </a:gsLst>
+                  <a:lin ang="5400000" scaled="0"/>
+                </a:gradFill>
+                <a:ea typeface="Segoe UI" pitchFamily="34" charset="0"/>
+                <a:cs typeface="Segoe UI" pitchFamily="34" charset="0"/>
+              </a:rPr>
+              <a:t>の今を知ってもらって</a:t>
+            </a:r>
+            <a:endParaRPr kumimoji="1" lang="en-US" altLang="ja-JP" sz="6600" dirty="0">
+              <a:gradFill>
+                <a:gsLst>
+                  <a:gs pos="0">
+                    <a:srgbClr val="FFFFFF"/>
+                  </a:gs>
+                  <a:gs pos="100000">
+                    <a:srgbClr val="FFFFFF"/>
+                  </a:gs>
+                </a:gsLst>
+                <a:lin ang="5400000" scaled="0"/>
+              </a:gradFill>
+              <a:ea typeface="Segoe UI" pitchFamily="34" charset="0"/>
+              <a:cs typeface="Segoe UI" pitchFamily="34" charset="0"/>
+            </a:endParaRPr>
+          </a:p>
+          <a:p>
+            <a:pPr algn="ctr" defTabSz="932472" fontAlgn="base">
+              <a:lnSpc>
+                <a:spcPct val="90000"/>
+              </a:lnSpc>
+              <a:spcBef>
+                <a:spcPct val="0"/>
+              </a:spcBef>
+              <a:spcAft>
+                <a:spcPct val="0"/>
+              </a:spcAft>
+            </a:pPr>
+            <a:r>
+              <a:rPr kumimoji="1" lang="ja-JP" altLang="en-US" sz="6600" dirty="0">
+                <a:gradFill>
+                  <a:gsLst>
+                    <a:gs pos="0">
+                      <a:srgbClr val="FFFFFF"/>
+                    </a:gs>
+                    <a:gs pos="100000">
+                      <a:srgbClr val="FFFFFF"/>
+                    </a:gs>
+                  </a:gsLst>
+                  <a:lin ang="5400000" scaled="0"/>
+                </a:gradFill>
+                <a:ea typeface="Segoe UI" pitchFamily="34" charset="0"/>
+                <a:cs typeface="Segoe UI" pitchFamily="34" charset="0"/>
+              </a:rPr>
+              <a:t>使いどころを判断できるように</a:t>
+            </a:r>
+            <a:endParaRPr kumimoji="1" lang="en-US" altLang="ja-JP" sz="6600" dirty="0">
+              <a:gradFill>
+                <a:gsLst>
+                  <a:gs pos="0">
+                    <a:srgbClr val="FFFFFF"/>
+                  </a:gs>
+                  <a:gs pos="100000">
+                    <a:srgbClr val="FFFFFF"/>
+                  </a:gs>
+                </a:gsLst>
+                <a:lin ang="5400000" scaled="0"/>
+              </a:gradFill>
+              <a:ea typeface="Segoe UI" pitchFamily="34" charset="0"/>
+              <a:cs typeface="Segoe UI" pitchFamily="34" charset="0"/>
+            </a:endParaRPr>
+          </a:p>
+          <a:p>
+            <a:pPr algn="ctr" defTabSz="932472" fontAlgn="base">
+              <a:lnSpc>
+                <a:spcPct val="90000"/>
+              </a:lnSpc>
+              <a:spcBef>
+                <a:spcPct val="0"/>
+              </a:spcBef>
+              <a:spcAft>
+                <a:spcPct val="0"/>
+              </a:spcAft>
+            </a:pPr>
+            <a:r>
+              <a:rPr kumimoji="1" lang="ja-JP" altLang="en-US" sz="6600" dirty="0">
+                <a:gradFill>
+                  <a:gsLst>
+                    <a:gs pos="0">
+                      <a:srgbClr val="FFFFFF"/>
+                    </a:gs>
+                    <a:gs pos="100000">
+                      <a:srgbClr val="FFFFFF"/>
+                    </a:gs>
+                  </a:gsLst>
+                  <a:lin ang="5400000" scaled="0"/>
+                </a:gradFill>
+                <a:ea typeface="Segoe UI" pitchFamily="34" charset="0"/>
+                <a:cs typeface="Segoe UI" pitchFamily="34" charset="0"/>
+              </a:rPr>
+              <a:t>なってもらう</a:t>
+            </a:r>
+          </a:p>
+        </p:txBody>
+      </p:sp>
+    </p:spTree>
+    <p:extLst>
+      <p:ext uri="{BB962C8B-B14F-4D97-AF65-F5344CB8AC3E}">
+        <p14:creationId xmlns:p14="http://schemas.microsoft.com/office/powerpoint/2010/main" val="3994563379"/>
+      </p:ext>
+    </p:extLst>
+  </p:cSld>
+  <p:clrMapOvr>
+    <a:masterClrMapping/>
+  </p:clrMapOvr>
+  <p:transition>
+    <p:fade/>
+  </p:transition>
+</p:sld>
+</file>
+
+<file path=ppt/slides/slide8.xml><?xml version="1.0" encoding="utf-8"?>
+<p:sld xmlns:a="http://schemas.openxmlformats.org/drawingml/2006/main" xmlns:r="http://schemas.openxmlformats.org/officeDocument/2006/relationships" xmlns:p="http://schemas.openxmlformats.org/presentationml/2006/main">
+  <p:cSld>
+    <p:spTree>
+      <p:nvGrpSpPr>
+        <p:cNvPr id="1" name=""/>
+        <p:cNvGrpSpPr/>
+        <p:nvPr/>
+      </p:nvGrpSpPr>
+      <p:grpSpPr>
+        <a:xfrm>
+          <a:off x="0" y="0"/>
+          <a:ext cx="0" cy="0"/>
+          <a:chOff x="0" y="0"/>
+          <a:chExt cx="0" cy="0"/>
+        </a:xfrm>
+      </p:grpSpPr>
+      <p:sp>
+        <p:nvSpPr>
+          <p:cNvPr id="2" name="Title 1">
+            <a:extLst>
+              <a:ext uri="{FF2B5EF4-FFF2-40B4-BE49-F238E27FC236}">
+                <a16:creationId xmlns:a16="http://schemas.microsoft.com/office/drawing/2014/main" id="{A45049ED-7821-4235-83D5-727B811BCD3E}"/>
+              </a:ext>
+            </a:extLst>
+          </p:cNvPr>
+          <p:cNvSpPr>
+            <a:spLocks noGrp="1"/>
+          </p:cNvSpPr>
+          <p:nvPr>
+            <p:ph type="title"/>
+          </p:nvPr>
+        </p:nvSpPr>
+        <p:spPr/>
+        <p:txBody>
+          <a:bodyPr/>
+          <a:lstStyle/>
+          <a:p>
+            <a:r>
+              <a:rPr kumimoji="1" lang="en-US" altLang="ja-JP" dirty="0"/>
+              <a:t>UWP </a:t>
+            </a:r>
+            <a:r>
+              <a:rPr kumimoji="1" lang="ja-JP" altLang="en-US" dirty="0"/>
+              <a:t>とは</a:t>
+            </a:r>
+          </a:p>
+        </p:txBody>
+      </p:sp>
+    </p:spTree>
+    <p:extLst>
+      <p:ext uri="{BB962C8B-B14F-4D97-AF65-F5344CB8AC3E}">
+        <p14:creationId xmlns:p14="http://schemas.microsoft.com/office/powerpoint/2010/main" val="369720706"/>
+      </p:ext>
+    </p:extLst>
+  </p:cSld>
+  <p:clrMapOvr>
+    <a:masterClrMapping/>
+  </p:clrMapOvr>
+  <p:transition>
+    <p:fade/>
+  </p:transition>
+</p:sld>
+</file>
+
+<file path=ppt/slides/slide9.xml><?xml version="1.0" encoding="utf-8"?>
+<p:sld xmlns:a="http://schemas.openxmlformats.org/drawingml/2006/main" xmlns:r="http://schemas.openxmlformats.org/officeDocument/2006/relationships" xmlns:p="http://schemas.openxmlformats.org/presentationml/2006/main">
+  <p:cSld>
+    <p:spTree>
+      <p:nvGrpSpPr>
+        <p:cNvPr id="1" name=""/>
+        <p:cNvGrpSpPr/>
+        <p:nvPr/>
+      </p:nvGrpSpPr>
+      <p:grpSpPr>
+        <a:xfrm>
+          <a:off x="0" y="0"/>
+          <a:ext cx="0" cy="0"/>
+          <a:chOff x="0" y="0"/>
+          <a:chExt cx="0" cy="0"/>
+        </a:xfrm>
+      </p:grpSpPr>
+      <p:sp>
+        <p:nvSpPr>
+          <p:cNvPr id="3" name="Title 2">
+            <a:extLst>
+              <a:ext uri="{FF2B5EF4-FFF2-40B4-BE49-F238E27FC236}">
+                <a16:creationId xmlns:a16="http://schemas.microsoft.com/office/drawing/2014/main" id="{9C28B876-3B29-457E-B596-DD54CE286246}"/>
+              </a:ext>
+            </a:extLst>
+          </p:cNvPr>
+          <p:cNvSpPr>
+            <a:spLocks noGrp="1"/>
+          </p:cNvSpPr>
+          <p:nvPr>
+            <p:ph type="title"/>
+          </p:nvPr>
+        </p:nvSpPr>
+        <p:spPr/>
+        <p:txBody>
+          <a:bodyPr/>
+          <a:lstStyle/>
+          <a:p>
+            <a:r>
+              <a:rPr kumimoji="1" lang="en-US" altLang="ja-JP" dirty="0"/>
+              <a:t>UWP </a:t>
+            </a:r>
+            <a:r>
+              <a:rPr kumimoji="1" lang="ja-JP" altLang="en-US" dirty="0"/>
+              <a:t>とは</a:t>
+            </a:r>
+          </a:p>
+        </p:txBody>
+      </p:sp>
+      <p:sp>
+        <p:nvSpPr>
+          <p:cNvPr id="4" name="Text Placeholder 3">
+            <a:extLst>
+              <a:ext uri="{FF2B5EF4-FFF2-40B4-BE49-F238E27FC236}">
+                <a16:creationId xmlns:a16="http://schemas.microsoft.com/office/drawing/2014/main" id="{817AF976-10AC-49E3-9F9A-24C63825A13A}"/>
+              </a:ext>
+            </a:extLst>
+          </p:cNvPr>
+          <p:cNvSpPr>
+            <a:spLocks noGrp="1"/>
+          </p:cNvSpPr>
+          <p:nvPr>
+            <p:ph type="body" sz="quarter" idx="10"/>
+          </p:nvPr>
+        </p:nvSpPr>
+        <p:spPr>
+          <a:xfrm>
+            <a:off x="274638" y="1212850"/>
+            <a:ext cx="11887200" cy="2000548"/>
+          </a:xfrm>
+        </p:spPr>
+        <p:txBody>
+          <a:bodyPr/>
+          <a:lstStyle/>
+          <a:p>
+            <a:r>
+              <a:rPr kumimoji="1" lang="en-US" altLang="ja-JP" sz="3600" dirty="0"/>
+              <a:t>Windows 10 </a:t>
+            </a:r>
+            <a:r>
+              <a:rPr kumimoji="1" lang="ja-JP" altLang="en-US" sz="3600" dirty="0"/>
+              <a:t>におけるネイティブアプリ開発のプラットフォーム</a:t>
+            </a:r>
+            <a:endParaRPr kumimoji="1" lang="en-US" altLang="ja-JP" sz="3600" dirty="0"/>
+          </a:p>
+          <a:p>
+            <a:pPr marL="571500" indent="-571500">
+              <a:buFont typeface="Arial" panose="020B0604020202020204" pitchFamily="34" charset="0"/>
+              <a:buChar char="•"/>
+            </a:pPr>
+            <a:r>
+              <a:rPr lang="en-US" altLang="ja-JP" sz="3600" dirty="0"/>
+              <a:t>iOS </a:t>
+            </a:r>
+            <a:r>
+              <a:rPr lang="ja-JP" altLang="en-US" sz="3600" dirty="0"/>
+              <a:t>における </a:t>
+            </a:r>
+            <a:r>
+              <a:rPr lang="en-US" altLang="ja-JP" sz="3600" dirty="0"/>
+              <a:t>Swift </a:t>
+            </a:r>
+            <a:r>
+              <a:rPr lang="ja-JP" altLang="en-US" sz="3600" dirty="0"/>
+              <a:t>や </a:t>
+            </a:r>
+            <a:r>
+              <a:rPr lang="en-US" altLang="ja-JP" sz="3600" dirty="0"/>
+              <a:t>Objective-C </a:t>
+            </a:r>
+            <a:r>
+              <a:rPr lang="ja-JP" altLang="en-US" sz="3600" dirty="0"/>
+              <a:t>で開発されたアプリ</a:t>
+            </a:r>
+            <a:endParaRPr lang="en-US" altLang="ja-JP" sz="3600" dirty="0"/>
+          </a:p>
+          <a:p>
+            <a:pPr marL="571500" indent="-571500">
+              <a:buFont typeface="Arial" panose="020B0604020202020204" pitchFamily="34" charset="0"/>
+              <a:buChar char="•"/>
+            </a:pPr>
+            <a:r>
+              <a:rPr kumimoji="1" lang="en-US" altLang="ja-JP" sz="3600" dirty="0"/>
+              <a:t>Android </a:t>
+            </a:r>
+            <a:r>
+              <a:rPr kumimoji="1" lang="ja-JP" altLang="en-US" sz="3600" dirty="0"/>
+              <a:t>における </a:t>
+            </a:r>
+            <a:r>
+              <a:rPr kumimoji="1" lang="en-US" altLang="ja-JP" sz="3600" dirty="0"/>
+              <a:t>Java </a:t>
+            </a:r>
+            <a:r>
+              <a:rPr kumimoji="1" lang="ja-JP" altLang="en-US" sz="3600" dirty="0"/>
+              <a:t>や </a:t>
+            </a:r>
+            <a:r>
+              <a:rPr kumimoji="1" lang="en-US" altLang="ja-JP" sz="3600" dirty="0"/>
+              <a:t>Kotlin </a:t>
+            </a:r>
+            <a:r>
+              <a:rPr kumimoji="1" lang="ja-JP" altLang="en-US" sz="3600" dirty="0"/>
+              <a:t>で開発されたアプリ</a:t>
+            </a:r>
+          </a:p>
+        </p:txBody>
+      </p:sp>
+      <p:pic>
+        <p:nvPicPr>
+          <p:cNvPr id="6" name="Picture 5" descr="A picture containing tennis, player, sky, racket&#10;&#10;Description generated with high confidence">
+            <a:extLst>
+              <a:ext uri="{FF2B5EF4-FFF2-40B4-BE49-F238E27FC236}">
+                <a16:creationId xmlns:a16="http://schemas.microsoft.com/office/drawing/2014/main" id="{3FC71C67-0AB8-4A4C-91A8-445DFD8B3A1B}"/>
+              </a:ext>
+            </a:extLst>
+          </p:cNvPr>
+          <p:cNvPicPr>
+            <a:picLocks noChangeAspect="1"/>
+          </p:cNvPicPr>
+          <p:nvPr/>
+        </p:nvPicPr>
+        <p:blipFill>
+          <a:blip r:embed="rId2"/>
+          <a:stretch>
+            <a:fillRect/>
+          </a:stretch>
+        </p:blipFill>
+        <p:spPr>
+          <a:xfrm>
+            <a:off x="1712654" y="3213398"/>
+            <a:ext cx="8475963" cy="3533545"/>
+          </a:xfrm>
+          <a:prstGeom prst="rect">
+            <a:avLst/>
+          </a:prstGeom>
+        </p:spPr>
+      </p:pic>
+    </p:spTree>
+    <p:extLst>
+      <p:ext uri="{BB962C8B-B14F-4D97-AF65-F5344CB8AC3E}">
+        <p14:creationId xmlns:p14="http://schemas.microsoft.com/office/powerpoint/2010/main" val="1567977616"/>
+      </p:ext>
+    </p:extLst>
+  </p:cSld>
+  <p:clrMapOvr>
+    <a:masterClrMapping/>
+  </p:clrMapOvr>
+  <p:transition>
+    <p:fade/>
+  </p:transition>
 </p:sld>
 </file>
 
